--- a/Presentation.pptx
+++ b/Presentation.pptx
@@ -11,11 +11,13 @@
     <p:sldId id="259" r:id="rId5"/>
     <p:sldId id="260" r:id="rId6"/>
     <p:sldId id="262" r:id="rId7"/>
-    <p:sldId id="263" r:id="rId8"/>
-    <p:sldId id="264" r:id="rId9"/>
-    <p:sldId id="261" r:id="rId10"/>
-    <p:sldId id="266" r:id="rId11"/>
-    <p:sldId id="265" r:id="rId12"/>
+    <p:sldId id="268" r:id="rId8"/>
+    <p:sldId id="263" r:id="rId9"/>
+    <p:sldId id="267" r:id="rId10"/>
+    <p:sldId id="264" r:id="rId11"/>
+    <p:sldId id="261" r:id="rId12"/>
+    <p:sldId id="266" r:id="rId13"/>
+    <p:sldId id="265" r:id="rId14"/>
   </p:sldIdLst>
   <p:sldSz cx="12192000" cy="6858000"/>
   <p:notesSz cx="6858000" cy="9144000"/>
@@ -114,6 +116,11 @@
       </a:defRPr>
     </a:lvl9pPr>
   </p:defaultTextStyle>
+  <p:extLst>
+    <p:ext uri="{EFAFB233-063F-42B5-8137-9DF3F51BA10A}">
+      <p15:sldGuideLst xmlns:p15="http://schemas.microsoft.com/office/powerpoint/2012/main"/>
+    </p:ext>
+  </p:extLst>
 </p:presentation>
 </file>
 
@@ -2393,15 +2400,7 @@
         <a:p>
           <a:r>
             <a:rPr lang="en-US" sz="3300" dirty="0"/>
-            <a:t>We read over the </a:t>
-          </a:r>
-          <a:r>
-            <a:rPr lang="en-US" sz="3300" dirty="0" err="1"/>
-            <a:t>documententation</a:t>
-          </a:r>
-          <a:r>
-            <a:rPr lang="en-US" sz="3300" dirty="0"/>
-            <a:t> together so we all had the same understanding</a:t>
+            <a:t>We read over the documentation together so we all had the same understanding</a:t>
           </a:r>
           <a:endParaRPr lang="en-GB" sz="3300" dirty="0"/>
         </a:p>
@@ -2640,9 +2639,9 @@
   <dgm:cxnLst>
     <dgm:cxn modelId="{17129C26-6DDB-D541-B30F-E3A6B4A03C9F}" type="presOf" srcId="{2AF172FB-04E8-9B4B-8F24-5173E66ECA60}" destId="{EC567634-53A6-B042-A8BD-F43C0F0F891D}" srcOrd="1" destOrd="0" presId="urn:microsoft.com/office/officeart/2005/8/layout/vList4"/>
     <dgm:cxn modelId="{09175B39-D714-2F4B-AD26-A2C457858CBE}" srcId="{21D3E833-211D-7548-A60E-48CFA6A2FBA8}" destId="{59E29E7F-F765-AE4A-BAC2-B0CE8DA83EF8}" srcOrd="2" destOrd="0" parTransId="{90C5C62A-1FE3-134A-B529-0277F5E867E0}" sibTransId="{0C0C7189-BBC1-624E-BECB-2FF177A260C6}"/>
-    <dgm:cxn modelId="{CF24B44C-F06A-D948-A417-425B8D2E3C9C}" type="presOf" srcId="{59E29E7F-F765-AE4A-BAC2-B0CE8DA83EF8}" destId="{2C44FAF0-A80F-974F-998C-04EED7CBAE09}" srcOrd="1" destOrd="0" presId="urn:microsoft.com/office/officeart/2005/8/layout/vList4"/>
     <dgm:cxn modelId="{07ED9C68-C396-C342-8CE1-85E35DAFA813}" srcId="{21D3E833-211D-7548-A60E-48CFA6A2FBA8}" destId="{9ABDD8C7-C78F-9749-9C5C-2279BEC12650}" srcOrd="0" destOrd="0" parTransId="{549FB335-4CBF-5548-992F-8F2D89F9240A}" sibTransId="{019E40BD-03C9-0A41-B376-8AADFC83F879}"/>
     <dgm:cxn modelId="{654BF069-DC8A-F44E-8E65-E8C9C5E6491C}" type="presOf" srcId="{2AF172FB-04E8-9B4B-8F24-5173E66ECA60}" destId="{56C4B3F1-D2F0-CB44-B867-92963254E938}" srcOrd="0" destOrd="0" presId="urn:microsoft.com/office/officeart/2005/8/layout/vList4"/>
+    <dgm:cxn modelId="{CF24B44C-F06A-D948-A417-425B8D2E3C9C}" type="presOf" srcId="{59E29E7F-F765-AE4A-BAC2-B0CE8DA83EF8}" destId="{2C44FAF0-A80F-974F-998C-04EED7CBAE09}" srcOrd="1" destOrd="0" presId="urn:microsoft.com/office/officeart/2005/8/layout/vList4"/>
     <dgm:cxn modelId="{18B9D77B-6B7D-0243-8385-FBCBB8F735CF}" type="presOf" srcId="{9ABDD8C7-C78F-9749-9C5C-2279BEC12650}" destId="{DC83265B-4248-5244-9D80-FEC38516C850}" srcOrd="0" destOrd="0" presId="urn:microsoft.com/office/officeart/2005/8/layout/vList4"/>
     <dgm:cxn modelId="{92B574BA-6F38-D644-9F51-53E5724CE797}" type="presOf" srcId="{59E29E7F-F765-AE4A-BAC2-B0CE8DA83EF8}" destId="{51D7F718-6AF7-BB4E-AD4B-1C5A65EABC22}" srcOrd="0" destOrd="0" presId="urn:microsoft.com/office/officeart/2005/8/layout/vList4"/>
     <dgm:cxn modelId="{FCDCF6D0-EFF6-174F-BD89-7633EA2F4590}" srcId="{21D3E833-211D-7548-A60E-48CFA6A2FBA8}" destId="{2AF172FB-04E8-9B4B-8F24-5173E66ECA60}" srcOrd="1" destOrd="0" parTransId="{0FEB710B-1139-194B-831D-554E25F599AB}" sibTransId="{ECE5C6F3-0567-0E47-AB1E-072A0DE4B0B2}"/>
@@ -3025,11 +3024,11 @@
     <dgm:cxn modelId="{10E3AA30-5CE0-3046-8280-BE302E03502B}" type="presOf" srcId="{4980D2A6-4650-9048-A175-FDDB450BB848}" destId="{047731F1-0606-4841-9317-EBFA6937B4B2}" srcOrd="0" destOrd="0" presId="urn:microsoft.com/office/officeart/2005/8/layout/hierarchy3"/>
     <dgm:cxn modelId="{01CB1235-011B-4F40-85B3-1FBBB468CB0B}" type="presOf" srcId="{727224E7-F5D3-8C43-AF45-437D5FB6FDF6}" destId="{5690B2A6-CDFA-4F47-9AA6-33EAAC15EEF6}" srcOrd="0" destOrd="0" presId="urn:microsoft.com/office/officeart/2005/8/layout/hierarchy3"/>
     <dgm:cxn modelId="{8B199940-1283-1A45-A4DE-232C4DAE876E}" type="presOf" srcId="{23B5812B-875E-0143-AA4A-6BE308A07945}" destId="{6B40C039-E419-0042-BF9B-290FF4021022}" srcOrd="0" destOrd="0" presId="urn:microsoft.com/office/officeart/2005/8/layout/hierarchy3"/>
+    <dgm:cxn modelId="{BAC9DA6B-9A28-DA4D-98A7-C9490F4702C0}" type="presOf" srcId="{403CC1E4-368F-CC4B-8FB5-803FAB07CFAC}" destId="{8999EC11-51FE-EA44-9C63-2A2F2A11229F}" srcOrd="0" destOrd="0" presId="urn:microsoft.com/office/officeart/2005/8/layout/hierarchy3"/>
     <dgm:cxn modelId="{A93A7D56-F1C9-ED4E-BCE6-17EBCBBE0A89}" srcId="{98C19EBB-4F70-E140-A7D1-87BE4806D274}" destId="{403CC1E4-368F-CC4B-8FB5-803FAB07CFAC}" srcOrd="1" destOrd="0" parTransId="{DD60940B-9099-9649-B2C8-6E4D376F20F2}" sibTransId="{279B5631-BF69-B049-B7AA-382D46B9707A}"/>
-    <dgm:cxn modelId="{595EAB59-C0CE-A945-839C-CEE698F6978D}" type="presOf" srcId="{1A226C5B-641A-C24E-BD8E-2A85C3BA5EED}" destId="{0A5CBAD6-BA85-624C-887C-7E9C1F82931C}" srcOrd="0" destOrd="0" presId="urn:microsoft.com/office/officeart/2005/8/layout/hierarchy3"/>
-    <dgm:cxn modelId="{BAC9DA6B-9A28-DA4D-98A7-C9490F4702C0}" type="presOf" srcId="{403CC1E4-368F-CC4B-8FB5-803FAB07CFAC}" destId="{8999EC11-51FE-EA44-9C63-2A2F2A11229F}" srcOrd="0" destOrd="0" presId="urn:microsoft.com/office/officeart/2005/8/layout/hierarchy3"/>
     <dgm:cxn modelId="{02FFFA76-745C-8C47-8998-CA60B629A23D}" type="presOf" srcId="{F7A02F87-57A4-9746-B495-FC6DC2CD9D58}" destId="{40BD04A7-18CB-FD45-80B5-9236DC9FBA1A}" srcOrd="0" destOrd="0" presId="urn:microsoft.com/office/officeart/2005/8/layout/hierarchy3"/>
     <dgm:cxn modelId="{FB482B78-3EB0-2647-B799-E6B70B5A96CF}" srcId="{4980D2A6-4650-9048-A175-FDDB450BB848}" destId="{98C19EBB-4F70-E140-A7D1-87BE4806D274}" srcOrd="1" destOrd="0" parTransId="{18C3C331-2B2F-4242-822B-C9B678663703}" sibTransId="{8DD78009-FA5F-184A-B769-276256FBEF5F}"/>
+    <dgm:cxn modelId="{595EAB59-C0CE-A945-839C-CEE698F6978D}" type="presOf" srcId="{1A226C5B-641A-C24E-BD8E-2A85C3BA5EED}" destId="{0A5CBAD6-BA85-624C-887C-7E9C1F82931C}" srcOrd="0" destOrd="0" presId="urn:microsoft.com/office/officeart/2005/8/layout/hierarchy3"/>
     <dgm:cxn modelId="{9C73DB82-AFD0-804D-A373-F1A3E8548366}" type="presOf" srcId="{98C19EBB-4F70-E140-A7D1-87BE4806D274}" destId="{52053959-09C6-F048-B59C-3DBC9D84AA56}" srcOrd="0" destOrd="0" presId="urn:microsoft.com/office/officeart/2005/8/layout/hierarchy3"/>
     <dgm:cxn modelId="{092B3889-7151-994A-843D-46BD49C4948B}" type="presOf" srcId="{23B5812B-875E-0143-AA4A-6BE308A07945}" destId="{44937AEC-284C-B446-B8E1-D91660AC600D}" srcOrd="1" destOrd="0" presId="urn:microsoft.com/office/officeart/2005/8/layout/hierarchy3"/>
     <dgm:cxn modelId="{2A2BA29C-07B9-2342-94B6-D782DC35185B}" type="presOf" srcId="{98C19EBB-4F70-E140-A7D1-87BE4806D274}" destId="{7730C2F7-FF87-DE47-87EF-9B0A3A77D6F4}" srcOrd="1" destOrd="0" presId="urn:microsoft.com/office/officeart/2005/8/layout/hierarchy3"/>
@@ -3419,11 +3418,11 @@
     <dgm:cxn modelId="{10E3AA30-5CE0-3046-8280-BE302E03502B}" type="presOf" srcId="{4980D2A6-4650-9048-A175-FDDB450BB848}" destId="{047731F1-0606-4841-9317-EBFA6937B4B2}" srcOrd="0" destOrd="0" presId="urn:microsoft.com/office/officeart/2005/8/layout/hierarchy3"/>
     <dgm:cxn modelId="{9B77703B-C6D7-5940-A3EB-1EB238644A2F}" type="presOf" srcId="{7A38B273-0A7C-CB4E-B865-97BA4DB20846}" destId="{B35C6FAE-CA23-D241-9BCB-138FFFD10CA4}" srcOrd="0" destOrd="0" presId="urn:microsoft.com/office/officeart/2005/8/layout/hierarchy3"/>
     <dgm:cxn modelId="{BCF96E3C-331C-4A41-B8DC-AC004BE265B1}" type="presOf" srcId="{23B5812B-875E-0143-AA4A-6BE308A07945}" destId="{44937AEC-284C-B446-B8E1-D91660AC600D}" srcOrd="1" destOrd="0" presId="urn:microsoft.com/office/officeart/2005/8/layout/hierarchy3"/>
+    <dgm:cxn modelId="{41C2F55E-8251-0048-950C-04AA3121D165}" type="presOf" srcId="{403CC1E4-368F-CC4B-8FB5-803FAB07CFAC}" destId="{8999EC11-51FE-EA44-9C63-2A2F2A11229F}" srcOrd="0" destOrd="0" presId="urn:microsoft.com/office/officeart/2005/8/layout/hierarchy3"/>
     <dgm:cxn modelId="{8B7B0A41-2111-6840-9759-1B5F771624C8}" type="presOf" srcId="{727224E7-F5D3-8C43-AF45-437D5FB6FDF6}" destId="{5690B2A6-CDFA-4F47-9AA6-33EAAC15EEF6}" srcOrd="0" destOrd="0" presId="urn:microsoft.com/office/officeart/2005/8/layout/hierarchy3"/>
+    <dgm:cxn modelId="{001B2166-91BB-124D-AE64-5BE9F2413CB2}" type="presOf" srcId="{98C19EBB-4F70-E140-A7D1-87BE4806D274}" destId="{D57C9132-F997-7243-8BB5-CE3E28C2ED96}" srcOrd="0" destOrd="0" presId="urn:microsoft.com/office/officeart/2005/8/layout/hierarchy3"/>
     <dgm:cxn modelId="{7BFACA4C-CA15-CA47-85BE-2DFB19974E00}" type="presOf" srcId="{113C6143-5062-4B4F-8145-3BFC19E2F445}" destId="{726A1E58-347F-B840-8CC8-6B06D478655E}" srcOrd="0" destOrd="0" presId="urn:microsoft.com/office/officeart/2005/8/layout/hierarchy3"/>
     <dgm:cxn modelId="{A93A7D56-F1C9-ED4E-BCE6-17EBCBBE0A89}" srcId="{98C19EBB-4F70-E140-A7D1-87BE4806D274}" destId="{403CC1E4-368F-CC4B-8FB5-803FAB07CFAC}" srcOrd="1" destOrd="0" parTransId="{DD60940B-9099-9649-B2C8-6E4D376F20F2}" sibTransId="{279B5631-BF69-B049-B7AA-382D46B9707A}"/>
-    <dgm:cxn modelId="{41C2F55E-8251-0048-950C-04AA3121D165}" type="presOf" srcId="{403CC1E4-368F-CC4B-8FB5-803FAB07CFAC}" destId="{8999EC11-51FE-EA44-9C63-2A2F2A11229F}" srcOrd="0" destOrd="0" presId="urn:microsoft.com/office/officeart/2005/8/layout/hierarchy3"/>
-    <dgm:cxn modelId="{001B2166-91BB-124D-AE64-5BE9F2413CB2}" type="presOf" srcId="{98C19EBB-4F70-E140-A7D1-87BE4806D274}" destId="{D57C9132-F997-7243-8BB5-CE3E28C2ED96}" srcOrd="0" destOrd="0" presId="urn:microsoft.com/office/officeart/2005/8/layout/hierarchy3"/>
     <dgm:cxn modelId="{FB482B78-3EB0-2647-B799-E6B70B5A96CF}" srcId="{4980D2A6-4650-9048-A175-FDDB450BB848}" destId="{98C19EBB-4F70-E140-A7D1-87BE4806D274}" srcOrd="0" destOrd="0" parTransId="{18C3C331-2B2F-4242-822B-C9B678663703}" sibTransId="{8DD78009-FA5F-184A-B769-276256FBEF5F}"/>
     <dgm:cxn modelId="{5A0270A6-9581-5D49-B456-A487E68110BC}" type="presOf" srcId="{23B5812B-875E-0143-AA4A-6BE308A07945}" destId="{6B40C039-E419-0042-BF9B-290FF4021022}" srcOrd="0" destOrd="0" presId="urn:microsoft.com/office/officeart/2005/8/layout/hierarchy3"/>
     <dgm:cxn modelId="{D6991FB0-B47D-8F4D-B24B-D71940F447CE}" srcId="{23B5812B-875E-0143-AA4A-6BE308A07945}" destId="{1A226C5B-641A-C24E-BD8E-2A85C3BA5EED}" srcOrd="0" destOrd="0" parTransId="{F02DBEA3-9C77-724A-8064-400DEEEA6878}" sibTransId="{D9648041-22E8-024B-877F-35E5C256FED4}"/>
@@ -3539,15 +3538,7 @@
           </a:pPr>
           <a:r>
             <a:rPr lang="en-US" sz="3300" kern="1200" dirty="0"/>
-            <a:t>We read over the </a:t>
-          </a:r>
-          <a:r>
-            <a:rPr lang="en-US" sz="3300" kern="1200" dirty="0" err="1"/>
-            <a:t>documententation</a:t>
-          </a:r>
-          <a:r>
-            <a:rPr lang="en-US" sz="3300" kern="1200" dirty="0"/>
-            <a:t> together so we all had the same understanding</a:t>
+            <a:t>We read over the documentation together so we all had the same understanding</a:t>
           </a:r>
           <a:endParaRPr lang="en-GB" sz="3300" kern="1200" dirty="0"/>
         </a:p>
@@ -9296,7 +9287,7 @@
           <a:noFill/>
           <a:extLst>
             <a:ext uri="{909E8E84-426E-40dd-AFC4-6F175D3DCCD1}">
-              <a14:hiddenFill xmlns:a14="http://schemas.microsoft.com/office/drawing/2010/main" xmlns="">
+              <a14:hiddenFill xmlns="" xmlns:a14="http://schemas.microsoft.com/office/drawing/2010/main">
                 <a:solidFill>
                   <a:srgbClr val="FFFFFF"/>
                 </a:solidFill>
@@ -9356,7 +9347,7 @@
             </a:ln>
             <a:extLst>
               <a:ext uri="{91240B29-F687-4f45-9708-019B960494DF}">
-                <a14:hiddenLine xmlns:a14="http://schemas.microsoft.com/office/drawing/2010/main" xmlns="" w="9525">
+                <a14:hiddenLine xmlns="" xmlns:a14="http://schemas.microsoft.com/office/drawing/2010/main" w="9525">
                   <a:solidFill>
                     <a:srgbClr val="000000"/>
                   </a:solidFill>
@@ -9446,7 +9437,7 @@
             </a:ln>
             <a:extLst>
               <a:ext uri="{91240B29-F687-4f45-9708-019B960494DF}">
-                <a14:hiddenLine xmlns:a14="http://schemas.microsoft.com/office/drawing/2010/main" xmlns="" w="9525">
+                <a14:hiddenLine xmlns="" xmlns:a14="http://schemas.microsoft.com/office/drawing/2010/main" w="9525">
                   <a:solidFill>
                     <a:srgbClr val="000000"/>
                   </a:solidFill>
@@ -9536,7 +9527,7 @@
             </a:ln>
             <a:extLst>
               <a:ext uri="{91240B29-F687-4f45-9708-019B960494DF}">
-                <a14:hiddenLine xmlns:a14="http://schemas.microsoft.com/office/drawing/2010/main" xmlns="" w="9525">
+                <a14:hiddenLine xmlns="" xmlns:a14="http://schemas.microsoft.com/office/drawing/2010/main" w="9525">
                   <a:solidFill>
                     <a:srgbClr val="000000"/>
                   </a:solidFill>
@@ -9570,7 +9561,7 @@
             </a:ln>
             <a:extLst>
               <a:ext uri="{91240B29-F687-4f45-9708-019B960494DF}">
-                <a14:hiddenLine xmlns:a14="http://schemas.microsoft.com/office/drawing/2010/main" xmlns="" w="9525">
+                <a14:hiddenLine xmlns="" xmlns:a14="http://schemas.microsoft.com/office/drawing/2010/main" w="9525">
                   <a:solidFill>
                     <a:srgbClr val="000000"/>
                   </a:solidFill>
@@ -9660,7 +9651,7 @@
             </a:ln>
             <a:extLst>
               <a:ext uri="{91240B29-F687-4f45-9708-019B960494DF}">
-                <a14:hiddenLine xmlns:a14="http://schemas.microsoft.com/office/drawing/2010/main" xmlns="" w="9525">
+                <a14:hiddenLine xmlns="" xmlns:a14="http://schemas.microsoft.com/office/drawing/2010/main" w="9525">
                   <a:solidFill>
                     <a:srgbClr val="000000"/>
                   </a:solidFill>
@@ -9722,7 +9713,7 @@
             </a:ln>
             <a:extLst>
               <a:ext uri="{91240B29-F687-4f45-9708-019B960494DF}">
-                <a14:hiddenLine xmlns:a14="http://schemas.microsoft.com/office/drawing/2010/main" xmlns="" w="9525">
+                <a14:hiddenLine xmlns="" xmlns:a14="http://schemas.microsoft.com/office/drawing/2010/main" w="9525">
                   <a:solidFill>
                     <a:srgbClr val="000000"/>
                   </a:solidFill>
@@ -9784,7 +9775,7 @@
             </a:ln>
             <a:extLst>
               <a:ext uri="{91240B29-F687-4f45-9708-019B960494DF}">
-                <a14:hiddenLine xmlns:a14="http://schemas.microsoft.com/office/drawing/2010/main" xmlns="" w="9525">
+                <a14:hiddenLine xmlns="" xmlns:a14="http://schemas.microsoft.com/office/drawing/2010/main" w="9525">
                   <a:solidFill>
                     <a:srgbClr val="000000"/>
                   </a:solidFill>
@@ -9874,7 +9865,7 @@
             </a:ln>
             <a:extLst>
               <a:ext uri="{91240B29-F687-4f45-9708-019B960494DF}">
-                <a14:hiddenLine xmlns:a14="http://schemas.microsoft.com/office/drawing/2010/main" xmlns="" w="9525">
+                <a14:hiddenLine xmlns="" xmlns:a14="http://schemas.microsoft.com/office/drawing/2010/main" w="9525">
                   <a:solidFill>
                     <a:srgbClr val="000000"/>
                   </a:solidFill>
@@ -9936,7 +9927,7 @@
             </a:ln>
             <a:extLst>
               <a:ext uri="{91240B29-F687-4f45-9708-019B960494DF}">
-                <a14:hiddenLine xmlns:a14="http://schemas.microsoft.com/office/drawing/2010/main" xmlns="" w="9525">
+                <a14:hiddenLine xmlns="" xmlns:a14="http://schemas.microsoft.com/office/drawing/2010/main" w="9525">
                   <a:solidFill>
                     <a:srgbClr val="000000"/>
                   </a:solidFill>
@@ -9998,7 +9989,7 @@
             </a:ln>
             <a:extLst>
               <a:ext uri="{91240B29-F687-4f45-9708-019B960494DF}">
-                <a14:hiddenLine xmlns:a14="http://schemas.microsoft.com/office/drawing/2010/main" xmlns="" w="9525">
+                <a14:hiddenLine xmlns="" xmlns:a14="http://schemas.microsoft.com/office/drawing/2010/main" w="9525">
                   <a:solidFill>
                     <a:srgbClr val="000000"/>
                   </a:solidFill>
@@ -10088,7 +10079,7 @@
             </a:ln>
             <a:extLst>
               <a:ext uri="{91240B29-F687-4f45-9708-019B960494DF}">
-                <a14:hiddenLine xmlns:a14="http://schemas.microsoft.com/office/drawing/2010/main" xmlns="" w="9525">
+                <a14:hiddenLine xmlns="" xmlns:a14="http://schemas.microsoft.com/office/drawing/2010/main" w="9525">
                   <a:solidFill>
                     <a:srgbClr val="000000"/>
                   </a:solidFill>
@@ -10178,7 +10169,7 @@
             </a:ln>
             <a:extLst>
               <a:ext uri="{91240B29-F687-4f45-9708-019B960494DF}">
-                <a14:hiddenLine xmlns:a14="http://schemas.microsoft.com/office/drawing/2010/main" xmlns="" w="9525">
+                <a14:hiddenLine xmlns="" xmlns:a14="http://schemas.microsoft.com/office/drawing/2010/main" w="9525">
                   <a:solidFill>
                     <a:srgbClr val="000000"/>
                   </a:solidFill>
@@ -10240,7 +10231,7 @@
             </a:ln>
             <a:extLst>
               <a:ext uri="{91240B29-F687-4f45-9708-019B960494DF}">
-                <a14:hiddenLine xmlns:a14="http://schemas.microsoft.com/office/drawing/2010/main" xmlns="" w="9525">
+                <a14:hiddenLine xmlns="" xmlns:a14="http://schemas.microsoft.com/office/drawing/2010/main" w="9525">
                   <a:solidFill>
                     <a:srgbClr val="000000"/>
                   </a:solidFill>
@@ -10350,7 +10341,7 @@
             </a:ln>
             <a:extLst>
               <a:ext uri="{91240B29-F687-4f45-9708-019B960494DF}">
-                <a14:hiddenLine xmlns:a14="http://schemas.microsoft.com/office/drawing/2010/main" xmlns="" w="9525">
+                <a14:hiddenLine xmlns="" xmlns:a14="http://schemas.microsoft.com/office/drawing/2010/main" w="9525">
                   <a:solidFill>
                     <a:srgbClr val="000000"/>
                   </a:solidFill>
@@ -10412,7 +10403,7 @@
             </a:ln>
             <a:extLst>
               <a:ext uri="{91240B29-F687-4f45-9708-019B960494DF}">
-                <a14:hiddenLine xmlns:a14="http://schemas.microsoft.com/office/drawing/2010/main" xmlns="" w="9525">
+                <a14:hiddenLine xmlns="" xmlns:a14="http://schemas.microsoft.com/office/drawing/2010/main" w="9525">
                   <a:solidFill>
                     <a:srgbClr val="000000"/>
                   </a:solidFill>
@@ -10502,7 +10493,7 @@
             </a:ln>
             <a:extLst>
               <a:ext uri="{91240B29-F687-4f45-9708-019B960494DF}">
-                <a14:hiddenLine xmlns:a14="http://schemas.microsoft.com/office/drawing/2010/main" xmlns="" w="9525">
+                <a14:hiddenLine xmlns="" xmlns:a14="http://schemas.microsoft.com/office/drawing/2010/main" w="9525">
                   <a:solidFill>
                     <a:srgbClr val="000000"/>
                   </a:solidFill>
@@ -10592,7 +10583,7 @@
             </a:ln>
             <a:extLst>
               <a:ext uri="{91240B29-F687-4f45-9708-019B960494DF}">
-                <a14:hiddenLine xmlns:a14="http://schemas.microsoft.com/office/drawing/2010/main" xmlns="" w="9525">
+                <a14:hiddenLine xmlns="" xmlns:a14="http://schemas.microsoft.com/office/drawing/2010/main" w="9525">
                   <a:solidFill>
                     <a:srgbClr val="000000"/>
                   </a:solidFill>
@@ -10654,7 +10645,7 @@
             </a:ln>
             <a:extLst>
               <a:ext uri="{91240B29-F687-4f45-9708-019B960494DF}">
-                <a14:hiddenLine xmlns:a14="http://schemas.microsoft.com/office/drawing/2010/main" xmlns="" w="9525">
+                <a14:hiddenLine xmlns="" xmlns:a14="http://schemas.microsoft.com/office/drawing/2010/main" w="9525">
                   <a:solidFill>
                     <a:srgbClr val="000000"/>
                   </a:solidFill>
@@ -10744,7 +10735,7 @@
             </a:ln>
             <a:extLst>
               <a:ext uri="{91240B29-F687-4f45-9708-019B960494DF}">
-                <a14:hiddenLine xmlns:a14="http://schemas.microsoft.com/office/drawing/2010/main" xmlns="" w="9525">
+                <a14:hiddenLine xmlns="" xmlns:a14="http://schemas.microsoft.com/office/drawing/2010/main" w="9525">
                   <a:solidFill>
                     <a:srgbClr val="000000"/>
                   </a:solidFill>
@@ -10834,7 +10825,7 @@
             </a:ln>
             <a:extLst>
               <a:ext uri="{91240B29-F687-4f45-9708-019B960494DF}">
-                <a14:hiddenLine xmlns:a14="http://schemas.microsoft.com/office/drawing/2010/main" xmlns="" w="9525">
+                <a14:hiddenLine xmlns="" xmlns:a14="http://schemas.microsoft.com/office/drawing/2010/main" w="9525">
                   <a:solidFill>
                     <a:srgbClr val="000000"/>
                   </a:solidFill>
@@ -10890,7 +10881,7 @@
             </a:ln>
             <a:extLst>
               <a:ext uri="{91240B29-F687-4f45-9708-019B960494DF}">
-                <a14:hiddenLine xmlns:a14="http://schemas.microsoft.com/office/drawing/2010/main" xmlns="" w="9525">
+                <a14:hiddenLine xmlns="" xmlns:a14="http://schemas.microsoft.com/office/drawing/2010/main" w="9525">
                   <a:solidFill>
                     <a:srgbClr val="000000"/>
                   </a:solidFill>
@@ -10980,7 +10971,7 @@
             </a:ln>
             <a:extLst>
               <a:ext uri="{91240B29-F687-4f45-9708-019B960494DF}">
-                <a14:hiddenLine xmlns:a14="http://schemas.microsoft.com/office/drawing/2010/main" xmlns="" w="9525">
+                <a14:hiddenLine xmlns="" xmlns:a14="http://schemas.microsoft.com/office/drawing/2010/main" w="9525">
                   <a:solidFill>
                     <a:srgbClr val="000000"/>
                   </a:solidFill>
@@ -11036,7 +11027,7 @@
             </a:ln>
             <a:extLst>
               <a:ext uri="{91240B29-F687-4f45-9708-019B960494DF}">
-                <a14:hiddenLine xmlns:a14="http://schemas.microsoft.com/office/drawing/2010/main" xmlns="" w="9525">
+                <a14:hiddenLine xmlns="" xmlns:a14="http://schemas.microsoft.com/office/drawing/2010/main" w="9525">
                   <a:solidFill>
                     <a:srgbClr val="000000"/>
                   </a:solidFill>
@@ -11126,7 +11117,7 @@
             </a:ln>
             <a:extLst>
               <a:ext uri="{91240B29-F687-4f45-9708-019B960494DF}">
-                <a14:hiddenLine xmlns:a14="http://schemas.microsoft.com/office/drawing/2010/main" xmlns="" w="9525">
+                <a14:hiddenLine xmlns="" xmlns:a14="http://schemas.microsoft.com/office/drawing/2010/main" w="9525">
                   <a:solidFill>
                     <a:srgbClr val="000000"/>
                   </a:solidFill>
@@ -11194,7 +11185,7 @@
             </a:ln>
             <a:extLst>
               <a:ext uri="{91240B29-F687-4f45-9708-019B960494DF}">
-                <a14:hiddenLine xmlns:a14="http://schemas.microsoft.com/office/drawing/2010/main" xmlns="" w="9525">
+                <a14:hiddenLine xmlns="" xmlns:a14="http://schemas.microsoft.com/office/drawing/2010/main" w="9525">
                   <a:solidFill>
                     <a:srgbClr val="000000"/>
                   </a:solidFill>
@@ -11284,7 +11275,7 @@
             </a:ln>
             <a:extLst>
               <a:ext uri="{91240B29-F687-4f45-9708-019B960494DF}">
-                <a14:hiddenLine xmlns:a14="http://schemas.microsoft.com/office/drawing/2010/main" xmlns="" w="9525">
+                <a14:hiddenLine xmlns="" xmlns:a14="http://schemas.microsoft.com/office/drawing/2010/main" w="9525">
                   <a:solidFill>
                     <a:srgbClr val="000000"/>
                   </a:solidFill>
@@ -11352,7 +11343,7 @@
             </a:ln>
             <a:extLst>
               <a:ext uri="{91240B29-F687-4f45-9708-019B960494DF}">
-                <a14:hiddenLine xmlns:a14="http://schemas.microsoft.com/office/drawing/2010/main" xmlns="" w="9525">
+                <a14:hiddenLine xmlns="" xmlns:a14="http://schemas.microsoft.com/office/drawing/2010/main" w="9525">
                   <a:solidFill>
                     <a:srgbClr val="000000"/>
                   </a:solidFill>
@@ -11442,7 +11433,7 @@
             </a:ln>
             <a:extLst>
               <a:ext uri="{91240B29-F687-4f45-9708-019B960494DF}">
-                <a14:hiddenLine xmlns:a14="http://schemas.microsoft.com/office/drawing/2010/main" xmlns="" w="9525">
+                <a14:hiddenLine xmlns="" xmlns:a14="http://schemas.microsoft.com/office/drawing/2010/main" w="9525">
                   <a:solidFill>
                     <a:srgbClr val="000000"/>
                   </a:solidFill>
@@ -11476,7 +11467,7 @@
             </a:ln>
             <a:extLst>
               <a:ext uri="{91240B29-F687-4f45-9708-019B960494DF}">
-                <a14:hiddenLine xmlns:a14="http://schemas.microsoft.com/office/drawing/2010/main" xmlns="" w="9525">
+                <a14:hiddenLine xmlns="" xmlns:a14="http://schemas.microsoft.com/office/drawing/2010/main" w="9525">
                   <a:solidFill>
                     <a:srgbClr val="000000"/>
                   </a:solidFill>
@@ -11566,7 +11557,7 @@
             </a:ln>
             <a:extLst>
               <a:ext uri="{91240B29-F687-4f45-9708-019B960494DF}">
-                <a14:hiddenLine xmlns:a14="http://schemas.microsoft.com/office/drawing/2010/main" xmlns="" w="9525">
+                <a14:hiddenLine xmlns="" xmlns:a14="http://schemas.microsoft.com/office/drawing/2010/main" w="9525">
                   <a:solidFill>
                     <a:srgbClr val="000000"/>
                   </a:solidFill>
@@ -11628,7 +11619,7 @@
             </a:ln>
             <a:extLst>
               <a:ext uri="{91240B29-F687-4f45-9708-019B960494DF}">
-                <a14:hiddenLine xmlns:a14="http://schemas.microsoft.com/office/drawing/2010/main" xmlns="" w="9525">
+                <a14:hiddenLine xmlns="" xmlns:a14="http://schemas.microsoft.com/office/drawing/2010/main" w="9525">
                   <a:solidFill>
                     <a:srgbClr val="000000"/>
                   </a:solidFill>
@@ -11690,7 +11681,7 @@
             </a:ln>
             <a:extLst>
               <a:ext uri="{91240B29-F687-4f45-9708-019B960494DF}">
-                <a14:hiddenLine xmlns:a14="http://schemas.microsoft.com/office/drawing/2010/main" xmlns="" w="9525">
+                <a14:hiddenLine xmlns="" xmlns:a14="http://schemas.microsoft.com/office/drawing/2010/main" w="9525">
                   <a:solidFill>
                     <a:srgbClr val="000000"/>
                   </a:solidFill>
@@ -11780,7 +11771,7 @@
             </a:ln>
             <a:extLst>
               <a:ext uri="{91240B29-F687-4f45-9708-019B960494DF}">
-                <a14:hiddenLine xmlns:a14="http://schemas.microsoft.com/office/drawing/2010/main" xmlns="" w="9525">
+                <a14:hiddenLine xmlns="" xmlns:a14="http://schemas.microsoft.com/office/drawing/2010/main" w="9525">
                   <a:solidFill>
                     <a:srgbClr val="000000"/>
                   </a:solidFill>
@@ -11848,7 +11839,7 @@
             </a:ln>
             <a:extLst>
               <a:ext uri="{91240B29-F687-4f45-9708-019B960494DF}">
-                <a14:hiddenLine xmlns:a14="http://schemas.microsoft.com/office/drawing/2010/main" xmlns="" w="9525">
+                <a14:hiddenLine xmlns="" xmlns:a14="http://schemas.microsoft.com/office/drawing/2010/main" w="9525">
                   <a:solidFill>
                     <a:srgbClr val="000000"/>
                   </a:solidFill>
@@ -11910,7 +11901,7 @@
             </a:ln>
             <a:extLst>
               <a:ext uri="{91240B29-F687-4f45-9708-019B960494DF}">
-                <a14:hiddenLine xmlns:a14="http://schemas.microsoft.com/office/drawing/2010/main" xmlns="" w="9525">
+                <a14:hiddenLine xmlns="" xmlns:a14="http://schemas.microsoft.com/office/drawing/2010/main" w="9525">
                   <a:solidFill>
                     <a:srgbClr val="000000"/>
                   </a:solidFill>
@@ -12000,7 +11991,7 @@
             </a:ln>
             <a:extLst>
               <a:ext uri="{91240B29-F687-4f45-9708-019B960494DF}">
-                <a14:hiddenLine xmlns:a14="http://schemas.microsoft.com/office/drawing/2010/main" xmlns="" w="9525">
+                <a14:hiddenLine xmlns="" xmlns:a14="http://schemas.microsoft.com/office/drawing/2010/main" w="9525">
                   <a:solidFill>
                     <a:srgbClr val="000000"/>
                   </a:solidFill>
@@ -12062,7 +12053,7 @@
             </a:ln>
             <a:extLst>
               <a:ext uri="{91240B29-F687-4f45-9708-019B960494DF}">
-                <a14:hiddenLine xmlns:a14="http://schemas.microsoft.com/office/drawing/2010/main" xmlns="" w="9525">
+                <a14:hiddenLine xmlns="" xmlns:a14="http://schemas.microsoft.com/office/drawing/2010/main" w="9525">
                   <a:solidFill>
                     <a:srgbClr val="000000"/>
                   </a:solidFill>
@@ -12152,7 +12143,7 @@
             </a:ln>
             <a:extLst>
               <a:ext uri="{91240B29-F687-4f45-9708-019B960494DF}">
-                <a14:hiddenLine xmlns:a14="http://schemas.microsoft.com/office/drawing/2010/main" xmlns="" w="9525">
+                <a14:hiddenLine xmlns="" xmlns:a14="http://schemas.microsoft.com/office/drawing/2010/main" w="9525">
                   <a:solidFill>
                     <a:srgbClr val="000000"/>
                   </a:solidFill>
@@ -12214,7 +12205,7 @@
             </a:ln>
             <a:extLst>
               <a:ext uri="{91240B29-F687-4f45-9708-019B960494DF}">
-                <a14:hiddenLine xmlns:a14="http://schemas.microsoft.com/office/drawing/2010/main" xmlns="" w="9525">
+                <a14:hiddenLine xmlns="" xmlns:a14="http://schemas.microsoft.com/office/drawing/2010/main" w="9525">
                   <a:solidFill>
                     <a:srgbClr val="000000"/>
                   </a:solidFill>
@@ -12304,7 +12295,7 @@
             </a:ln>
             <a:extLst>
               <a:ext uri="{91240B29-F687-4f45-9708-019B960494DF}">
-                <a14:hiddenLine xmlns:a14="http://schemas.microsoft.com/office/drawing/2010/main" xmlns="" w="9525">
+                <a14:hiddenLine xmlns="" xmlns:a14="http://schemas.microsoft.com/office/drawing/2010/main" w="9525">
                   <a:solidFill>
                     <a:srgbClr val="000000"/>
                   </a:solidFill>
@@ -12338,7 +12329,7 @@
             </a:ln>
             <a:extLst>
               <a:ext uri="{91240B29-F687-4f45-9708-019B960494DF}">
-                <a14:hiddenLine xmlns:a14="http://schemas.microsoft.com/office/drawing/2010/main" xmlns="" w="9525">
+                <a14:hiddenLine xmlns="" xmlns:a14="http://schemas.microsoft.com/office/drawing/2010/main" w="9525">
                   <a:solidFill>
                     <a:srgbClr val="000000"/>
                   </a:solidFill>
@@ -12403,7 +12394,7 @@
             </a:ln>
             <a:extLst>
               <a:ext uri="{91240B29-F687-4f45-9708-019B960494DF}">
-                <a14:hiddenLine xmlns:a14="http://schemas.microsoft.com/office/drawing/2010/main" xmlns="" w="9525">
+                <a14:hiddenLine xmlns="" xmlns:a14="http://schemas.microsoft.com/office/drawing/2010/main" w="9525">
                   <a:solidFill>
                     <a:srgbClr val="000000"/>
                   </a:solidFill>
@@ -12493,7 +12484,7 @@
             </a:ln>
             <a:extLst>
               <a:ext uri="{91240B29-F687-4f45-9708-019B960494DF}">
-                <a14:hiddenLine xmlns:a14="http://schemas.microsoft.com/office/drawing/2010/main" xmlns="" w="9525">
+                <a14:hiddenLine xmlns="" xmlns:a14="http://schemas.microsoft.com/office/drawing/2010/main" w="9525">
                   <a:solidFill>
                     <a:srgbClr val="000000"/>
                   </a:solidFill>
@@ -12555,7 +12546,7 @@
             </a:ln>
             <a:extLst>
               <a:ext uri="{91240B29-F687-4f45-9708-019B960494DF}">
-                <a14:hiddenLine xmlns:a14="http://schemas.microsoft.com/office/drawing/2010/main" xmlns="" w="9525">
+                <a14:hiddenLine xmlns="" xmlns:a14="http://schemas.microsoft.com/office/drawing/2010/main" w="9525">
                   <a:solidFill>
                     <a:srgbClr val="000000"/>
                   </a:solidFill>
@@ -12645,7 +12636,7 @@
             </a:ln>
             <a:extLst>
               <a:ext uri="{91240B29-F687-4f45-9708-019B960494DF}">
-                <a14:hiddenLine xmlns:a14="http://schemas.microsoft.com/office/drawing/2010/main" xmlns="" w="9525">
+                <a14:hiddenLine xmlns="" xmlns:a14="http://schemas.microsoft.com/office/drawing/2010/main" w="9525">
                   <a:solidFill>
                     <a:srgbClr val="000000"/>
                   </a:solidFill>
@@ -12735,7 +12726,7 @@
             </a:ln>
             <a:extLst>
               <a:ext uri="{91240B29-F687-4f45-9708-019B960494DF}">
-                <a14:hiddenLine xmlns:a14="http://schemas.microsoft.com/office/drawing/2010/main" xmlns="" w="9525">
+                <a14:hiddenLine xmlns="" xmlns:a14="http://schemas.microsoft.com/office/drawing/2010/main" w="9525">
                   <a:solidFill>
                     <a:srgbClr val="000000"/>
                   </a:solidFill>
@@ -12800,7 +12791,7 @@
             </a:ln>
             <a:extLst>
               <a:ext uri="{91240B29-F687-4f45-9708-019B960494DF}">
-                <a14:hiddenLine xmlns:a14="http://schemas.microsoft.com/office/drawing/2010/main" xmlns="" w="9525">
+                <a14:hiddenLine xmlns="" xmlns:a14="http://schemas.microsoft.com/office/drawing/2010/main" w="9525">
                   <a:solidFill>
                     <a:srgbClr val="000000"/>
                   </a:solidFill>
@@ -12862,7 +12853,7 @@
             </a:ln>
             <a:extLst>
               <a:ext uri="{91240B29-F687-4f45-9708-019B960494DF}">
-                <a14:hiddenLine xmlns:a14="http://schemas.microsoft.com/office/drawing/2010/main" xmlns="" w="9525">
+                <a14:hiddenLine xmlns="" xmlns:a14="http://schemas.microsoft.com/office/drawing/2010/main" w="9525">
                   <a:solidFill>
                     <a:srgbClr val="000000"/>
                   </a:solidFill>
@@ -12952,7 +12943,7 @@
             </a:ln>
             <a:extLst>
               <a:ext uri="{91240B29-F687-4f45-9708-019B960494DF}">
-                <a14:hiddenLine xmlns:a14="http://schemas.microsoft.com/office/drawing/2010/main" xmlns="" w="9525">
+                <a14:hiddenLine xmlns="" xmlns:a14="http://schemas.microsoft.com/office/drawing/2010/main" w="9525">
                   <a:solidFill>
                     <a:srgbClr val="000000"/>
                   </a:solidFill>
@@ -13042,7 +13033,7 @@
             </a:ln>
             <a:extLst>
               <a:ext uri="{91240B29-F687-4f45-9708-019B960494DF}">
-                <a14:hiddenLine xmlns:a14="http://schemas.microsoft.com/office/drawing/2010/main" xmlns="" w="9525">
+                <a14:hiddenLine xmlns="" xmlns:a14="http://schemas.microsoft.com/office/drawing/2010/main" w="9525">
                   <a:solidFill>
                     <a:srgbClr val="000000"/>
                   </a:solidFill>
@@ -13104,7 +13095,7 @@
             </a:ln>
             <a:extLst>
               <a:ext uri="{91240B29-F687-4f45-9708-019B960494DF}">
-                <a14:hiddenLine xmlns:a14="http://schemas.microsoft.com/office/drawing/2010/main" xmlns="" w="9525">
+                <a14:hiddenLine xmlns="" xmlns:a14="http://schemas.microsoft.com/office/drawing/2010/main" w="9525">
                   <a:solidFill>
                     <a:srgbClr val="000000"/>
                   </a:solidFill>
@@ -13224,7 +13215,7 @@
             </a:ln>
             <a:extLst>
               <a:ext uri="{91240B29-F687-4f45-9708-019B960494DF}">
-                <a14:hiddenLine xmlns:a14="http://schemas.microsoft.com/office/drawing/2010/main" xmlns="" w="9525">
+                <a14:hiddenLine xmlns="" xmlns:a14="http://schemas.microsoft.com/office/drawing/2010/main" w="9525">
                   <a:solidFill>
                     <a:srgbClr val="000000"/>
                   </a:solidFill>
@@ -13292,7 +13283,7 @@
             </a:ln>
             <a:extLst>
               <a:ext uri="{91240B29-F687-4f45-9708-019B960494DF}">
-                <a14:hiddenLine xmlns:a14="http://schemas.microsoft.com/office/drawing/2010/main" xmlns="" w="9525">
+                <a14:hiddenLine xmlns="" xmlns:a14="http://schemas.microsoft.com/office/drawing/2010/main" w="9525">
                   <a:solidFill>
                     <a:srgbClr val="000000"/>
                   </a:solidFill>
@@ -13382,7 +13373,7 @@
             </a:ln>
             <a:extLst>
               <a:ext uri="{91240B29-F687-4f45-9708-019B960494DF}">
-                <a14:hiddenLine xmlns:a14="http://schemas.microsoft.com/office/drawing/2010/main" xmlns="" w="9525">
+                <a14:hiddenLine xmlns="" xmlns:a14="http://schemas.microsoft.com/office/drawing/2010/main" w="9525">
                   <a:solidFill>
                     <a:srgbClr val="000000"/>
                   </a:solidFill>
@@ -13522,7 +13513,7 @@
           <a:p>
             <a:fld id="{48A87A34-81AB-432B-8DAE-1953F412C126}" type="datetimeFigureOut">
               <a:rPr lang="en-US" dirty="0"/>
-              <a:t>8/18/22</a:t>
+              <a:t>8/19/2022</a:t>
             </a:fld>
             <a:endParaRPr lang="en-US" dirty="0"/>
           </a:p>
@@ -13784,7 +13775,7 @@
           <a:p>
             <a:fld id="{48A87A34-81AB-432B-8DAE-1953F412C126}" type="datetimeFigureOut">
               <a:rPr lang="en-US" dirty="0"/>
-              <a:t>8/18/22</a:t>
+              <a:t>8/19/2022</a:t>
             </a:fld>
             <a:endParaRPr lang="en-US" dirty="0"/>
           </a:p>
@@ -13975,7 +13966,7 @@
           <a:p>
             <a:fld id="{48A87A34-81AB-432B-8DAE-1953F412C126}" type="datetimeFigureOut">
               <a:rPr lang="en-US" dirty="0"/>
-              <a:t>8/18/22</a:t>
+              <a:t>8/19/2022</a:t>
             </a:fld>
             <a:endParaRPr lang="en-US" dirty="0"/>
           </a:p>
@@ -14233,7 +14224,7 @@
           <a:p>
             <a:fld id="{48A87A34-81AB-432B-8DAE-1953F412C126}" type="datetimeFigureOut">
               <a:rPr lang="en-US" dirty="0"/>
-              <a:t>8/18/22</a:t>
+              <a:t>8/19/2022</a:t>
             </a:fld>
             <a:endParaRPr lang="en-US" dirty="0"/>
           </a:p>
@@ -14662,7 +14653,7 @@
           <a:p>
             <a:fld id="{48A87A34-81AB-432B-8DAE-1953F412C126}" type="datetimeFigureOut">
               <a:rPr lang="en-US" dirty="0"/>
-              <a:t>8/18/22</a:t>
+              <a:t>8/19/2022</a:t>
             </a:fld>
             <a:endParaRPr lang="en-US" dirty="0"/>
           </a:p>
@@ -15203,7 +15194,7 @@
           <a:p>
             <a:fld id="{48A87A34-81AB-432B-8DAE-1953F412C126}" type="datetimeFigureOut">
               <a:rPr lang="en-US" dirty="0"/>
-              <a:t>8/18/22</a:t>
+              <a:t>8/19/2022</a:t>
             </a:fld>
             <a:endParaRPr lang="en-US" dirty="0"/>
           </a:p>
@@ -15918,7 +15909,7 @@
           <a:p>
             <a:fld id="{48A87A34-81AB-432B-8DAE-1953F412C126}" type="datetimeFigureOut">
               <a:rPr lang="en-US" dirty="0"/>
-              <a:t>8/18/22</a:t>
+              <a:t>8/19/2022</a:t>
             </a:fld>
             <a:endParaRPr lang="en-US" dirty="0"/>
           </a:p>
@@ -16083,7 +16074,7 @@
           <a:p>
             <a:fld id="{48A87A34-81AB-432B-8DAE-1953F412C126}" type="datetimeFigureOut">
               <a:rPr lang="en-US" dirty="0"/>
-              <a:t>8/18/22</a:t>
+              <a:t>8/19/2022</a:t>
             </a:fld>
             <a:endParaRPr lang="en-US" dirty="0"/>
           </a:p>
@@ -16258,7 +16249,7 @@
           <a:p>
             <a:fld id="{48A87A34-81AB-432B-8DAE-1953F412C126}" type="datetimeFigureOut">
               <a:rPr lang="en-US" dirty="0"/>
-              <a:t>8/18/22</a:t>
+              <a:t>8/19/2022</a:t>
             </a:fld>
             <a:endParaRPr lang="en-US" dirty="0"/>
           </a:p>
@@ -16423,7 +16414,7 @@
           <a:p>
             <a:fld id="{48A87A34-81AB-432B-8DAE-1953F412C126}" type="datetimeFigureOut">
               <a:rPr lang="en-US" dirty="0"/>
-              <a:t>8/18/22</a:t>
+              <a:t>8/19/2022</a:t>
             </a:fld>
             <a:endParaRPr lang="en-US" dirty="0"/>
           </a:p>
@@ -16668,7 +16659,7 @@
           <a:p>
             <a:fld id="{48A87A34-81AB-432B-8DAE-1953F412C126}" type="datetimeFigureOut">
               <a:rPr lang="en-US" dirty="0"/>
-              <a:t>8/18/22</a:t>
+              <a:t>8/19/2022</a:t>
             </a:fld>
             <a:endParaRPr lang="en-US" dirty="0"/>
           </a:p>
@@ -16895,7 +16886,7 @@
           <a:p>
             <a:fld id="{48A87A34-81AB-432B-8DAE-1953F412C126}" type="datetimeFigureOut">
               <a:rPr lang="en-US" dirty="0"/>
-              <a:t>8/18/22</a:t>
+              <a:t>8/19/2022</a:t>
             </a:fld>
             <a:endParaRPr lang="en-US" dirty="0"/>
           </a:p>
@@ -17271,7 +17262,7 @@
           <a:p>
             <a:fld id="{48A87A34-81AB-432B-8DAE-1953F412C126}" type="datetimeFigureOut">
               <a:rPr lang="en-US" dirty="0"/>
-              <a:t>8/18/22</a:t>
+              <a:t>8/19/2022</a:t>
             </a:fld>
             <a:endParaRPr lang="en-US" dirty="0"/>
           </a:p>
@@ -17384,7 +17375,7 @@
           <a:p>
             <a:fld id="{48A87A34-81AB-432B-8DAE-1953F412C126}" type="datetimeFigureOut">
               <a:rPr lang="en-US" dirty="0"/>
-              <a:t>8/18/22</a:t>
+              <a:t>8/19/2022</a:t>
             </a:fld>
             <a:endParaRPr lang="en-US" dirty="0"/>
           </a:p>
@@ -17474,7 +17465,7 @@
           <a:p>
             <a:fld id="{48A87A34-81AB-432B-8DAE-1953F412C126}" type="datetimeFigureOut">
               <a:rPr lang="en-US" dirty="0"/>
-              <a:t>8/18/22</a:t>
+              <a:t>8/19/2022</a:t>
             </a:fld>
             <a:endParaRPr lang="en-US" dirty="0"/>
           </a:p>
@@ -17718,7 +17709,7 @@
           <a:p>
             <a:fld id="{48A87A34-81AB-432B-8DAE-1953F412C126}" type="datetimeFigureOut">
               <a:rPr lang="en-US" dirty="0"/>
-              <a:t>8/18/22</a:t>
+              <a:t>8/19/2022</a:t>
             </a:fld>
             <a:endParaRPr lang="en-US" dirty="0"/>
           </a:p>
@@ -17993,7 +17984,7 @@
           <a:p>
             <a:fld id="{48A87A34-81AB-432B-8DAE-1953F412C126}" type="datetimeFigureOut">
               <a:rPr lang="en-US" dirty="0"/>
-              <a:t>8/18/22</a:t>
+              <a:t>8/19/2022</a:t>
             </a:fld>
             <a:endParaRPr lang="en-US" dirty="0"/>
           </a:p>
@@ -18104,7 +18095,7 @@
           <a:noFill/>
           <a:extLst>
             <a:ext uri="{909E8E84-426E-40dd-AFC4-6F175D3DCCD1}">
-              <a14:hiddenFill xmlns:a14="http://schemas.microsoft.com/office/drawing/2010/main" xmlns="">
+              <a14:hiddenFill xmlns="" xmlns:a14="http://schemas.microsoft.com/office/drawing/2010/main">
                 <a:solidFill>
                   <a:srgbClr val="FFFFFF"/>
                 </a:solidFill>
@@ -18178,7 +18169,7 @@
               </a:ln>
               <a:extLst>
                 <a:ext uri="{91240B29-F687-4f45-9708-019B960494DF}">
-                  <a14:hiddenLine xmlns:a14="http://schemas.microsoft.com/office/drawing/2010/main" xmlns="" w="9525">
+                  <a14:hiddenLine xmlns="" xmlns:a14="http://schemas.microsoft.com/office/drawing/2010/main" w="9525">
                     <a:solidFill>
                       <a:srgbClr val="000000"/>
                     </a:solidFill>
@@ -18268,7 +18259,7 @@
               </a:ln>
               <a:extLst>
                 <a:ext uri="{91240B29-F687-4f45-9708-019B960494DF}">
-                  <a14:hiddenLine xmlns:a14="http://schemas.microsoft.com/office/drawing/2010/main" xmlns="" w="9525">
+                  <a14:hiddenLine xmlns="" xmlns:a14="http://schemas.microsoft.com/office/drawing/2010/main" w="9525">
                     <a:solidFill>
                       <a:srgbClr val="000000"/>
                     </a:solidFill>
@@ -18358,7 +18349,7 @@
               </a:ln>
               <a:extLst>
                 <a:ext uri="{91240B29-F687-4f45-9708-019B960494DF}">
-                  <a14:hiddenLine xmlns:a14="http://schemas.microsoft.com/office/drawing/2010/main" xmlns="" w="9525">
+                  <a14:hiddenLine xmlns="" xmlns:a14="http://schemas.microsoft.com/office/drawing/2010/main" w="9525">
                     <a:solidFill>
                       <a:srgbClr val="000000"/>
                     </a:solidFill>
@@ -18420,7 +18411,7 @@
               </a:ln>
               <a:extLst>
                 <a:ext uri="{91240B29-F687-4f45-9708-019B960494DF}">
-                  <a14:hiddenLine xmlns:a14="http://schemas.microsoft.com/office/drawing/2010/main" xmlns="" w="9525">
+                  <a14:hiddenLine xmlns="" xmlns:a14="http://schemas.microsoft.com/office/drawing/2010/main" w="9525">
                     <a:solidFill>
                       <a:srgbClr val="000000"/>
                     </a:solidFill>
@@ -18510,7 +18501,7 @@
               </a:ln>
               <a:extLst>
                 <a:ext uri="{91240B29-F687-4f45-9708-019B960494DF}">
-                  <a14:hiddenLine xmlns:a14="http://schemas.microsoft.com/office/drawing/2010/main" xmlns="" w="9525">
+                  <a14:hiddenLine xmlns="" xmlns:a14="http://schemas.microsoft.com/office/drawing/2010/main" w="9525">
                     <a:solidFill>
                       <a:srgbClr val="000000"/>
                     </a:solidFill>
@@ -18572,7 +18563,7 @@
               </a:ln>
               <a:extLst>
                 <a:ext uri="{91240B29-F687-4f45-9708-019B960494DF}">
-                  <a14:hiddenLine xmlns:a14="http://schemas.microsoft.com/office/drawing/2010/main" xmlns="" w="9525">
+                  <a14:hiddenLine xmlns="" xmlns:a14="http://schemas.microsoft.com/office/drawing/2010/main" w="9525">
                     <a:solidFill>
                       <a:srgbClr val="000000"/>
                     </a:solidFill>
@@ -18634,7 +18625,7 @@
               </a:ln>
               <a:extLst>
                 <a:ext uri="{91240B29-F687-4f45-9708-019B960494DF}">
-                  <a14:hiddenLine xmlns:a14="http://schemas.microsoft.com/office/drawing/2010/main" xmlns="" w="9525">
+                  <a14:hiddenLine xmlns="" xmlns:a14="http://schemas.microsoft.com/office/drawing/2010/main" w="9525">
                     <a:solidFill>
                       <a:srgbClr val="000000"/>
                     </a:solidFill>
@@ -18724,7 +18715,7 @@
               </a:ln>
               <a:extLst>
                 <a:ext uri="{91240B29-F687-4f45-9708-019B960494DF}">
-                  <a14:hiddenLine xmlns:a14="http://schemas.microsoft.com/office/drawing/2010/main" xmlns="" w="9525">
+                  <a14:hiddenLine xmlns="" xmlns:a14="http://schemas.microsoft.com/office/drawing/2010/main" w="9525">
                     <a:solidFill>
                       <a:srgbClr val="000000"/>
                     </a:solidFill>
@@ -18814,7 +18805,7 @@
               </a:ln>
               <a:extLst>
                 <a:ext uri="{91240B29-F687-4f45-9708-019B960494DF}">
-                  <a14:hiddenLine xmlns:a14="http://schemas.microsoft.com/office/drawing/2010/main" xmlns="" w="9525">
+                  <a14:hiddenLine xmlns="" xmlns:a14="http://schemas.microsoft.com/office/drawing/2010/main" w="9525">
                     <a:solidFill>
                       <a:srgbClr val="000000"/>
                     </a:solidFill>
@@ -18876,7 +18867,7 @@
               </a:ln>
               <a:extLst>
                 <a:ext uri="{91240B29-F687-4f45-9708-019B960494DF}">
-                  <a14:hiddenLine xmlns:a14="http://schemas.microsoft.com/office/drawing/2010/main" xmlns="" w="9525">
+                  <a14:hiddenLine xmlns="" xmlns:a14="http://schemas.microsoft.com/office/drawing/2010/main" w="9525">
                     <a:solidFill>
                       <a:srgbClr val="000000"/>
                     </a:solidFill>
@@ -18986,7 +18977,7 @@
               </a:ln>
               <a:extLst>
                 <a:ext uri="{91240B29-F687-4f45-9708-019B960494DF}">
-                  <a14:hiddenLine xmlns:a14="http://schemas.microsoft.com/office/drawing/2010/main" xmlns="" w="9525">
+                  <a14:hiddenLine xmlns="" xmlns:a14="http://schemas.microsoft.com/office/drawing/2010/main" w="9525">
                     <a:solidFill>
                       <a:srgbClr val="000000"/>
                     </a:solidFill>
@@ -19070,7 +19061,7 @@
               </a:ln>
               <a:extLst>
                 <a:ext uri="{91240B29-F687-4f45-9708-019B960494DF}">
-                  <a14:hiddenLine xmlns:a14="http://schemas.microsoft.com/office/drawing/2010/main" xmlns="" w="9525">
+                  <a14:hiddenLine xmlns="" xmlns:a14="http://schemas.microsoft.com/office/drawing/2010/main" w="9525">
                     <a:solidFill>
                       <a:srgbClr val="000000"/>
                     </a:solidFill>
@@ -19132,7 +19123,7 @@
               </a:ln>
               <a:extLst>
                 <a:ext uri="{91240B29-F687-4f45-9708-019B960494DF}">
-                  <a14:hiddenLine xmlns:a14="http://schemas.microsoft.com/office/drawing/2010/main" xmlns="" w="9525">
+                  <a14:hiddenLine xmlns="" xmlns:a14="http://schemas.microsoft.com/office/drawing/2010/main" w="9525">
                     <a:solidFill>
                       <a:srgbClr val="000000"/>
                     </a:solidFill>
@@ -19194,7 +19185,7 @@
               </a:ln>
               <a:extLst>
                 <a:ext uri="{91240B29-F687-4f45-9708-019B960494DF}">
-                  <a14:hiddenLine xmlns:a14="http://schemas.microsoft.com/office/drawing/2010/main" xmlns="" w="9525">
+                  <a14:hiddenLine xmlns="" xmlns:a14="http://schemas.microsoft.com/office/drawing/2010/main" w="9525">
                     <a:solidFill>
                       <a:srgbClr val="000000"/>
                     </a:solidFill>
@@ -19284,7 +19275,7 @@
               </a:ln>
               <a:extLst>
                 <a:ext uri="{91240B29-F687-4f45-9708-019B960494DF}">
-                  <a14:hiddenLine xmlns:a14="http://schemas.microsoft.com/office/drawing/2010/main" xmlns="" w="9525">
+                  <a14:hiddenLine xmlns="" xmlns:a14="http://schemas.microsoft.com/office/drawing/2010/main" w="9525">
                     <a:solidFill>
                       <a:srgbClr val="000000"/>
                     </a:solidFill>
@@ -19318,7 +19309,7 @@
               </a:ln>
               <a:extLst>
                 <a:ext uri="{91240B29-F687-4f45-9708-019B960494DF}">
-                  <a14:hiddenLine xmlns:a14="http://schemas.microsoft.com/office/drawing/2010/main" xmlns="" w="9525">
+                  <a14:hiddenLine xmlns="" xmlns:a14="http://schemas.microsoft.com/office/drawing/2010/main" w="9525">
                     <a:solidFill>
                       <a:srgbClr val="000000"/>
                     </a:solidFill>
@@ -19383,7 +19374,7 @@
               </a:ln>
               <a:extLst>
                 <a:ext uri="{91240B29-F687-4f45-9708-019B960494DF}">
-                  <a14:hiddenLine xmlns:a14="http://schemas.microsoft.com/office/drawing/2010/main" xmlns="" w="9525">
+                  <a14:hiddenLine xmlns="" xmlns:a14="http://schemas.microsoft.com/office/drawing/2010/main" w="9525">
                     <a:solidFill>
                       <a:srgbClr val="000000"/>
                     </a:solidFill>
@@ -19473,7 +19464,7 @@
               </a:ln>
               <a:extLst>
                 <a:ext uri="{91240B29-F687-4f45-9708-019B960494DF}">
-                  <a14:hiddenLine xmlns:a14="http://schemas.microsoft.com/office/drawing/2010/main" xmlns="" w="9525">
+                  <a14:hiddenLine xmlns="" xmlns:a14="http://schemas.microsoft.com/office/drawing/2010/main" w="9525">
                     <a:solidFill>
                       <a:srgbClr val="000000"/>
                     </a:solidFill>
@@ -19535,7 +19526,7 @@
               </a:ln>
               <a:extLst>
                 <a:ext uri="{91240B29-F687-4f45-9708-019B960494DF}">
-                  <a14:hiddenLine xmlns:a14="http://schemas.microsoft.com/office/drawing/2010/main" xmlns="" w="9525">
+                  <a14:hiddenLine xmlns="" xmlns:a14="http://schemas.microsoft.com/office/drawing/2010/main" w="9525">
                     <a:solidFill>
                       <a:srgbClr val="000000"/>
                     </a:solidFill>
@@ -19625,7 +19616,7 @@
               </a:ln>
               <a:extLst>
                 <a:ext uri="{91240B29-F687-4f45-9708-019B960494DF}">
-                  <a14:hiddenLine xmlns:a14="http://schemas.microsoft.com/office/drawing/2010/main" xmlns="" w="9525">
+                  <a14:hiddenLine xmlns="" xmlns:a14="http://schemas.microsoft.com/office/drawing/2010/main" w="9525">
                     <a:solidFill>
                       <a:srgbClr val="000000"/>
                     </a:solidFill>
@@ -19690,7 +19681,7 @@
               </a:ln>
               <a:extLst>
                 <a:ext uri="{91240B29-F687-4f45-9708-019B960494DF}">
-                  <a14:hiddenLine xmlns:a14="http://schemas.microsoft.com/office/drawing/2010/main" xmlns="" w="9525">
+                  <a14:hiddenLine xmlns="" xmlns:a14="http://schemas.microsoft.com/office/drawing/2010/main" w="9525">
                     <a:solidFill>
                       <a:srgbClr val="000000"/>
                     </a:solidFill>
@@ -19752,7 +19743,7 @@
               </a:ln>
               <a:extLst>
                 <a:ext uri="{91240B29-F687-4f45-9708-019B960494DF}">
-                  <a14:hiddenLine xmlns:a14="http://schemas.microsoft.com/office/drawing/2010/main" xmlns="" w="9525">
+                  <a14:hiddenLine xmlns="" xmlns:a14="http://schemas.microsoft.com/office/drawing/2010/main" w="9525">
                     <a:solidFill>
                       <a:srgbClr val="000000"/>
                     </a:solidFill>
@@ -19842,7 +19833,7 @@
               </a:ln>
               <a:extLst>
                 <a:ext uri="{91240B29-F687-4f45-9708-019B960494DF}">
-                  <a14:hiddenLine xmlns:a14="http://schemas.microsoft.com/office/drawing/2010/main" xmlns="" w="9525">
+                  <a14:hiddenLine xmlns="" xmlns:a14="http://schemas.microsoft.com/office/drawing/2010/main" w="9525">
                     <a:solidFill>
                       <a:srgbClr val="000000"/>
                     </a:solidFill>
@@ -19932,7 +19923,7 @@
               </a:ln>
               <a:extLst>
                 <a:ext uri="{91240B29-F687-4f45-9708-019B960494DF}">
-                  <a14:hiddenLine xmlns:a14="http://schemas.microsoft.com/office/drawing/2010/main" xmlns="" w="9525">
+                  <a14:hiddenLine xmlns="" xmlns:a14="http://schemas.microsoft.com/office/drawing/2010/main" w="9525">
                     <a:solidFill>
                       <a:srgbClr val="000000"/>
                     </a:solidFill>
@@ -19997,7 +19988,7 @@
               </a:ln>
               <a:extLst>
                 <a:ext uri="{91240B29-F687-4f45-9708-019B960494DF}">
-                  <a14:hiddenLine xmlns:a14="http://schemas.microsoft.com/office/drawing/2010/main" xmlns="" w="9525">
+                  <a14:hiddenLine xmlns="" xmlns:a14="http://schemas.microsoft.com/office/drawing/2010/main" w="9525">
                     <a:solidFill>
                       <a:srgbClr val="000000"/>
                     </a:solidFill>
@@ -20117,7 +20108,7 @@
               </a:ln>
               <a:extLst>
                 <a:ext uri="{91240B29-F687-4f45-9708-019B960494DF}">
-                  <a14:hiddenLine xmlns:a14="http://schemas.microsoft.com/office/drawing/2010/main" xmlns="" w="9525">
+                  <a14:hiddenLine xmlns="" xmlns:a14="http://schemas.microsoft.com/office/drawing/2010/main" w="9525">
                     <a:solidFill>
                       <a:srgbClr val="000000"/>
                     </a:solidFill>
@@ -20215,7 +20206,7 @@
               </a:ln>
               <a:extLst>
                 <a:ext uri="{91240B29-F687-4f45-9708-019B960494DF}">
-                  <a14:hiddenLine xmlns:a14="http://schemas.microsoft.com/office/drawing/2010/main" xmlns="" w="9525">
+                  <a14:hiddenLine xmlns="" xmlns:a14="http://schemas.microsoft.com/office/drawing/2010/main" w="9525">
                     <a:solidFill>
                       <a:srgbClr val="000000"/>
                     </a:solidFill>
@@ -20330,7 +20321,7 @@
               </a:ln>
               <a:extLst>
                 <a:ext uri="{91240B29-F687-4f45-9708-019B960494DF}">
-                  <a14:hiddenLine xmlns:a14="http://schemas.microsoft.com/office/drawing/2010/main" xmlns="" w="9525">
+                  <a14:hiddenLine xmlns="" xmlns:a14="http://schemas.microsoft.com/office/drawing/2010/main" w="9525">
                     <a:solidFill>
                       <a:srgbClr val="000000"/>
                     </a:solidFill>
@@ -20420,7 +20411,7 @@
               </a:ln>
               <a:extLst>
                 <a:ext uri="{91240B29-F687-4f45-9708-019B960494DF}">
-                  <a14:hiddenLine xmlns:a14="http://schemas.microsoft.com/office/drawing/2010/main" xmlns="" w="9525">
+                  <a14:hiddenLine xmlns="" xmlns:a14="http://schemas.microsoft.com/office/drawing/2010/main" w="9525">
                     <a:solidFill>
                       <a:srgbClr val="000000"/>
                     </a:solidFill>
@@ -20485,7 +20476,7 @@
               </a:ln>
               <a:extLst>
                 <a:ext uri="{91240B29-F687-4f45-9708-019B960494DF}">
-                  <a14:hiddenLine xmlns:a14="http://schemas.microsoft.com/office/drawing/2010/main" xmlns="" w="9525">
+                  <a14:hiddenLine xmlns="" xmlns:a14="http://schemas.microsoft.com/office/drawing/2010/main" w="9525">
                     <a:solidFill>
                       <a:srgbClr val="000000"/>
                     </a:solidFill>
@@ -20575,7 +20566,7 @@
               </a:ln>
               <a:extLst>
                 <a:ext uri="{91240B29-F687-4f45-9708-019B960494DF}">
-                  <a14:hiddenLine xmlns:a14="http://schemas.microsoft.com/office/drawing/2010/main" xmlns="" w="9525">
+                  <a14:hiddenLine xmlns="" xmlns:a14="http://schemas.microsoft.com/office/drawing/2010/main" w="9525">
                     <a:solidFill>
                       <a:srgbClr val="000000"/>
                     </a:solidFill>
@@ -20643,7 +20634,7 @@
               </a:ln>
               <a:extLst>
                 <a:ext uri="{91240B29-F687-4f45-9708-019B960494DF}">
-                  <a14:hiddenLine xmlns:a14="http://schemas.microsoft.com/office/drawing/2010/main" xmlns="" w="9525">
+                  <a14:hiddenLine xmlns="" xmlns:a14="http://schemas.microsoft.com/office/drawing/2010/main" w="9525">
                     <a:solidFill>
                       <a:srgbClr val="000000"/>
                     </a:solidFill>
@@ -20733,7 +20724,7 @@
               </a:ln>
               <a:extLst>
                 <a:ext uri="{91240B29-F687-4f45-9708-019B960494DF}">
-                  <a14:hiddenLine xmlns:a14="http://schemas.microsoft.com/office/drawing/2010/main" xmlns="" w="9525">
+                  <a14:hiddenLine xmlns="" xmlns:a14="http://schemas.microsoft.com/office/drawing/2010/main" w="9525">
                     <a:solidFill>
                       <a:srgbClr val="000000"/>
                     </a:solidFill>
@@ -20801,7 +20792,7 @@
               </a:ln>
               <a:extLst>
                 <a:ext uri="{91240B29-F687-4f45-9708-019B960494DF}">
-                  <a14:hiddenLine xmlns:a14="http://schemas.microsoft.com/office/drawing/2010/main" xmlns="" w="9525">
+                  <a14:hiddenLine xmlns="" xmlns:a14="http://schemas.microsoft.com/office/drawing/2010/main" w="9525">
                     <a:solidFill>
                       <a:srgbClr val="000000"/>
                     </a:solidFill>
@@ -20891,7 +20882,7 @@
               </a:ln>
               <a:extLst>
                 <a:ext uri="{91240B29-F687-4f45-9708-019B960494DF}">
-                  <a14:hiddenLine xmlns:a14="http://schemas.microsoft.com/office/drawing/2010/main" xmlns="" w="9525">
+                  <a14:hiddenLine xmlns="" xmlns:a14="http://schemas.microsoft.com/office/drawing/2010/main" w="9525">
                     <a:solidFill>
                       <a:srgbClr val="000000"/>
                     </a:solidFill>
@@ -20925,7 +20916,7 @@
               </a:ln>
               <a:extLst>
                 <a:ext uri="{91240B29-F687-4f45-9708-019B960494DF}">
-                  <a14:hiddenLine xmlns:a14="http://schemas.microsoft.com/office/drawing/2010/main" xmlns="" w="9525">
+                  <a14:hiddenLine xmlns="" xmlns:a14="http://schemas.microsoft.com/office/drawing/2010/main" w="9525">
                     <a:solidFill>
                       <a:srgbClr val="000000"/>
                     </a:solidFill>
@@ -21066,7 +21057,7 @@
             <a:fld id="{48A87A34-81AB-432B-8DAE-1953F412C126}" type="datetimeFigureOut">
               <a:rPr lang="en-US" dirty="0"/>
               <a:pPr/>
-              <a:t>8/18/22</a:t>
+              <a:t>8/19/2022</a:t>
             </a:fld>
             <a:endParaRPr lang="en-US" dirty="0"/>
           </a:p>
@@ -21628,6 +21619,178 @@
           <p:cNvPr id="2" name="Title 1">
             <a:extLst>
               <a:ext uri="{FF2B5EF4-FFF2-40B4-BE49-F238E27FC236}">
+                <a16:creationId xmlns:a16="http://schemas.microsoft.com/office/drawing/2014/main" id="{EE1C0F40-53EE-5A79-C657-EF864D60F72E}"/>
+              </a:ext>
+            </a:extLst>
+          </p:cNvPr>
+          <p:cNvSpPr>
+            <a:spLocks noGrp="1"/>
+          </p:cNvSpPr>
+          <p:nvPr>
+            <p:ph type="title"/>
+          </p:nvPr>
+        </p:nvSpPr>
+        <p:spPr/>
+        <p:txBody>
+          <a:bodyPr/>
+          <a:lstStyle/>
+          <a:p>
+            <a:r>
+              <a:rPr lang="en-US" dirty="0"/>
+              <a:t>A little magic and we brought all the code together</a:t>
+            </a:r>
+          </a:p>
+        </p:txBody>
+      </p:sp>
+      <p:sp>
+        <p:nvSpPr>
+          <p:cNvPr id="3" name="Content Placeholder 2">
+            <a:extLst>
+              <a:ext uri="{FF2B5EF4-FFF2-40B4-BE49-F238E27FC236}">
+                <a16:creationId xmlns:a16="http://schemas.microsoft.com/office/drawing/2014/main" id="{F5B9A3BA-70FE-2030-FF9A-0071D21AD370}"/>
+              </a:ext>
+            </a:extLst>
+          </p:cNvPr>
+          <p:cNvSpPr>
+            <a:spLocks noGrp="1"/>
+          </p:cNvSpPr>
+          <p:nvPr>
+            <p:ph idx="1"/>
+          </p:nvPr>
+        </p:nvSpPr>
+        <p:spPr/>
+        <p:txBody>
+          <a:bodyPr/>
+          <a:lstStyle/>
+          <a:p>
+            <a:endParaRPr lang="en-US"/>
+          </a:p>
+        </p:txBody>
+      </p:sp>
+    </p:spTree>
+    <p:extLst>
+      <p:ext uri="{BB962C8B-B14F-4D97-AF65-F5344CB8AC3E}">
+        <p14:creationId xmlns:p14="http://schemas.microsoft.com/office/powerpoint/2010/main" val="1748925712"/>
+      </p:ext>
+    </p:extLst>
+  </p:cSld>
+  <p:clrMapOvr>
+    <a:masterClrMapping/>
+  </p:clrMapOvr>
+</p:sld>
+</file>
+
+<file path=ppt/slides/slide11.xml><?xml version="1.0" encoding="utf-8"?>
+<p:sld xmlns:a="http://schemas.openxmlformats.org/drawingml/2006/main" xmlns:r="http://schemas.openxmlformats.org/officeDocument/2006/relationships" xmlns:p="http://schemas.openxmlformats.org/presentationml/2006/main">
+  <p:cSld>
+    <p:spTree>
+      <p:nvGrpSpPr>
+        <p:cNvPr id="1" name=""/>
+        <p:cNvGrpSpPr/>
+        <p:nvPr/>
+      </p:nvGrpSpPr>
+      <p:grpSpPr>
+        <a:xfrm>
+          <a:off x="0" y="0"/>
+          <a:ext cx="0" cy="0"/>
+          <a:chOff x="0" y="0"/>
+          <a:chExt cx="0" cy="0"/>
+        </a:xfrm>
+      </p:grpSpPr>
+      <p:sp>
+        <p:nvSpPr>
+          <p:cNvPr id="2" name="Title 1">
+            <a:extLst>
+              <a:ext uri="{FF2B5EF4-FFF2-40B4-BE49-F238E27FC236}">
+                <a16:creationId xmlns:a16="http://schemas.microsoft.com/office/drawing/2014/main" id="{ECA7B34D-697B-AEC3-521A-575A4CBBE74E}"/>
+              </a:ext>
+            </a:extLst>
+          </p:cNvPr>
+          <p:cNvSpPr>
+            <a:spLocks noGrp="1"/>
+          </p:cNvSpPr>
+          <p:nvPr>
+            <p:ph type="title"/>
+          </p:nvPr>
+        </p:nvSpPr>
+        <p:spPr/>
+        <p:txBody>
+          <a:bodyPr/>
+          <a:lstStyle/>
+          <a:p>
+            <a:r>
+              <a:rPr lang="en-US" dirty="0"/>
+              <a:t>CONCLUSION: outcome and lessons learned</a:t>
+            </a:r>
+          </a:p>
+        </p:txBody>
+      </p:sp>
+      <p:graphicFrame>
+        <p:nvGraphicFramePr>
+          <p:cNvPr id="5" name="Content Placeholder 4">
+            <a:extLst>
+              <a:ext uri="{FF2B5EF4-FFF2-40B4-BE49-F238E27FC236}">
+                <a16:creationId xmlns:a16="http://schemas.microsoft.com/office/drawing/2014/main" id="{12C2E115-0145-D8BF-4258-44F59F9465FA}"/>
+              </a:ext>
+            </a:extLst>
+          </p:cNvPr>
+          <p:cNvGraphicFramePr>
+            <a:graphicFrameLocks noGrp="1"/>
+          </p:cNvGraphicFramePr>
+          <p:nvPr>
+            <p:ph idx="1"/>
+            <p:extLst>
+              <p:ext uri="{D42A27DB-BD31-4B8C-83A1-F6EECF244321}">
+                <p14:modId xmlns:p14="http://schemas.microsoft.com/office/powerpoint/2010/main" val="2537614483"/>
+              </p:ext>
+            </p:extLst>
+          </p:nvPr>
+        </p:nvGraphicFramePr>
+        <p:xfrm>
+          <a:off x="1244600" y="1775921"/>
+          <a:ext cx="9802812" cy="4463562"/>
+        </p:xfrm>
+        <a:graphic>
+          <a:graphicData uri="http://schemas.openxmlformats.org/drawingml/2006/diagram">
+            <dgm:relIds xmlns:dgm="http://schemas.openxmlformats.org/drawingml/2006/diagram" xmlns:r="http://schemas.openxmlformats.org/officeDocument/2006/relationships" r:dm="rId2" r:lo="rId3" r:qs="rId4" r:cs="rId5"/>
+          </a:graphicData>
+        </a:graphic>
+      </p:graphicFrame>
+    </p:spTree>
+    <p:extLst>
+      <p:ext uri="{BB962C8B-B14F-4D97-AF65-F5344CB8AC3E}">
+        <p14:creationId xmlns:p14="http://schemas.microsoft.com/office/powerpoint/2010/main" val="781998421"/>
+      </p:ext>
+    </p:extLst>
+  </p:cSld>
+  <p:clrMapOvr>
+    <a:masterClrMapping/>
+  </p:clrMapOvr>
+</p:sld>
+</file>
+
+<file path=ppt/slides/slide12.xml><?xml version="1.0" encoding="utf-8"?>
+<p:sld xmlns:a="http://schemas.openxmlformats.org/drawingml/2006/main" xmlns:r="http://schemas.openxmlformats.org/officeDocument/2006/relationships" xmlns:p="http://schemas.openxmlformats.org/presentationml/2006/main">
+  <p:cSld>
+    <p:spTree>
+      <p:nvGrpSpPr>
+        <p:cNvPr id="1" name=""/>
+        <p:cNvGrpSpPr/>
+        <p:nvPr/>
+      </p:nvGrpSpPr>
+      <p:grpSpPr>
+        <a:xfrm>
+          <a:off x="0" y="0"/>
+          <a:ext cx="0" cy="0"/>
+          <a:chOff x="0" y="0"/>
+          <a:chExt cx="0" cy="0"/>
+        </a:xfrm>
+      </p:grpSpPr>
+      <p:sp>
+        <p:nvSpPr>
+          <p:cNvPr id="2" name="Title 1">
+            <a:extLst>
+              <a:ext uri="{FF2B5EF4-FFF2-40B4-BE49-F238E27FC236}">
                 <a16:creationId xmlns:a16="http://schemas.microsoft.com/office/drawing/2014/main" id="{ECA7B34D-697B-AEC3-521A-575A4CBBE74E}"/>
               </a:ext>
             </a:extLst>
@@ -21695,7 +21858,7 @@
 </p:sld>
 </file>
 
-<file path=ppt/slides/slide11.xml><?xml version="1.0" encoding="utf-8"?>
+<file path=ppt/slides/slide13.xml><?xml version="1.0" encoding="utf-8"?>
 <p:sld xmlns:a="http://schemas.openxmlformats.org/drawingml/2006/main" xmlns:r="http://schemas.openxmlformats.org/officeDocument/2006/relationships" xmlns:p="http://schemas.openxmlformats.org/presentationml/2006/main">
   <p:cSld>
     <p:spTree>
@@ -21868,7 +22031,7 @@
             <p:ph idx="1"/>
             <p:extLst>
               <p:ext uri="{D42A27DB-BD31-4B8C-83A1-F6EECF244321}">
-                <p14:modId xmlns:p14="http://schemas.microsoft.com/office/powerpoint/2010/main" val="350709643"/>
+                <p14:modId xmlns:p14="http://schemas.microsoft.com/office/powerpoint/2010/main" val="3159963732"/>
               </p:ext>
             </p:extLst>
           </p:nvPr>
@@ -22421,36 +22584,41 @@
           <a:p>
             <a:r>
               <a:rPr lang="en-US" dirty="0"/>
-              <a:t>Command line</a:t>
+              <a:t>Command line ARGPARSE</a:t>
             </a:r>
           </a:p>
         </p:txBody>
       </p:sp>
-      <p:sp>
-        <p:nvSpPr>
-          <p:cNvPr id="3" name="Content Placeholder 2">
+      <p:pic>
+        <p:nvPicPr>
+          <p:cNvPr id="5" name="Picture 4">
             <a:extLst>
               <a:ext uri="{FF2B5EF4-FFF2-40B4-BE49-F238E27FC236}">
-                <a16:creationId xmlns:a16="http://schemas.microsoft.com/office/drawing/2014/main" id="{3B705FE7-F173-49DB-EE27-542FB76BCC6D}"/>
+                <a16:creationId xmlns:a16="http://schemas.microsoft.com/office/drawing/2014/main" id="{74400062-19F2-CDA9-0BF1-7A930EA19383}"/>
               </a:ext>
             </a:extLst>
           </p:cNvPr>
-          <p:cNvSpPr>
-            <a:spLocks noGrp="1"/>
-          </p:cNvSpPr>
-          <p:nvPr>
-            <p:ph idx="1"/>
-          </p:nvPr>
-        </p:nvSpPr>
-        <p:spPr/>
-        <p:txBody>
-          <a:bodyPr/>
-          <a:lstStyle/>
-          <a:p>
-            <a:endParaRPr lang="en-US"/>
-          </a:p>
-        </p:txBody>
-      </p:sp>
+          <p:cNvPicPr>
+            <a:picLocks noChangeAspect="1"/>
+          </p:cNvPicPr>
+          <p:nvPr/>
+        </p:nvPicPr>
+        <p:blipFill>
+          <a:blip r:embed="rId2"/>
+          <a:stretch>
+            <a:fillRect/>
+          </a:stretch>
+        </p:blipFill>
+        <p:spPr>
+          <a:xfrm>
+            <a:off x="2083827" y="2097088"/>
+            <a:ext cx="8021169" cy="3715268"/>
+          </a:xfrm>
+          <a:prstGeom prst="rect">
+            <a:avLst/>
+          </a:prstGeom>
+        </p:spPr>
+      </p:pic>
     </p:spTree>
     <p:extLst>
       <p:ext uri="{BB962C8B-B14F-4D97-AF65-F5344CB8AC3E}">
@@ -22465,6 +22633,94 @@
 </file>
 
 <file path=ppt/slides/slide7.xml><?xml version="1.0" encoding="utf-8"?>
+<p:sld xmlns:a="http://schemas.openxmlformats.org/drawingml/2006/main" xmlns:r="http://schemas.openxmlformats.org/officeDocument/2006/relationships" xmlns:p="http://schemas.openxmlformats.org/presentationml/2006/main">
+  <p:cSld>
+    <p:spTree>
+      <p:nvGrpSpPr>
+        <p:cNvPr id="1" name=""/>
+        <p:cNvGrpSpPr/>
+        <p:nvPr/>
+      </p:nvGrpSpPr>
+      <p:grpSpPr>
+        <a:xfrm>
+          <a:off x="0" y="0"/>
+          <a:ext cx="0" cy="0"/>
+          <a:chOff x="0" y="0"/>
+          <a:chExt cx="0" cy="0"/>
+        </a:xfrm>
+      </p:grpSpPr>
+      <p:sp>
+        <p:nvSpPr>
+          <p:cNvPr id="2" name="Title 1">
+            <a:extLst>
+              <a:ext uri="{FF2B5EF4-FFF2-40B4-BE49-F238E27FC236}">
+                <a16:creationId xmlns:a16="http://schemas.microsoft.com/office/drawing/2014/main" id="{EFB9C706-2EFC-8E28-6E3F-E3853FB7C00D}"/>
+              </a:ext>
+            </a:extLst>
+          </p:cNvPr>
+          <p:cNvSpPr>
+            <a:spLocks noGrp="1"/>
+          </p:cNvSpPr>
+          <p:nvPr>
+            <p:ph type="title"/>
+          </p:nvPr>
+        </p:nvSpPr>
+        <p:spPr/>
+        <p:txBody>
+          <a:bodyPr/>
+          <a:lstStyle/>
+          <a:p>
+            <a:r>
+              <a:rPr lang="en-US" dirty="0"/>
+              <a:t>Command line PROCESSING ARGS</a:t>
+            </a:r>
+          </a:p>
+        </p:txBody>
+      </p:sp>
+      <p:pic>
+        <p:nvPicPr>
+          <p:cNvPr id="4" name="Picture 3">
+            <a:extLst>
+              <a:ext uri="{FF2B5EF4-FFF2-40B4-BE49-F238E27FC236}">
+                <a16:creationId xmlns:a16="http://schemas.microsoft.com/office/drawing/2014/main" id="{8C37181D-DA2A-395A-2EC7-B5E0AAF6C109}"/>
+              </a:ext>
+            </a:extLst>
+          </p:cNvPr>
+          <p:cNvPicPr>
+            <a:picLocks noChangeAspect="1"/>
+          </p:cNvPicPr>
+          <p:nvPr/>
+        </p:nvPicPr>
+        <p:blipFill>
+          <a:blip r:embed="rId2"/>
+          <a:stretch>
+            <a:fillRect/>
+          </a:stretch>
+        </p:blipFill>
+        <p:spPr>
+          <a:xfrm>
+            <a:off x="3274450" y="1805561"/>
+            <a:ext cx="4702750" cy="4893819"/>
+          </a:xfrm>
+          <a:prstGeom prst="rect">
+            <a:avLst/>
+          </a:prstGeom>
+        </p:spPr>
+      </p:pic>
+    </p:spTree>
+    <p:extLst>
+      <p:ext uri="{BB962C8B-B14F-4D97-AF65-F5344CB8AC3E}">
+        <p14:creationId xmlns:p14="http://schemas.microsoft.com/office/powerpoint/2010/main" val="1314514771"/>
+      </p:ext>
+    </p:extLst>
+  </p:cSld>
+  <p:clrMapOvr>
+    <a:masterClrMapping/>
+  </p:clrMapOvr>
+</p:sld>
+</file>
+
+<file path=ppt/slides/slide8.xml><?xml version="1.0" encoding="utf-8"?>
 <p:sld xmlns:a="http://schemas.openxmlformats.org/drawingml/2006/main" xmlns:r="http://schemas.openxmlformats.org/officeDocument/2006/relationships" xmlns:p="http://schemas.openxmlformats.org/presentationml/2006/main">
   <p:cSld>
     <p:spTree>
@@ -22509,118 +22765,181 @@
           </a:p>
         </p:txBody>
       </p:sp>
-      <p:sp>
-        <p:nvSpPr>
-          <p:cNvPr id="3" name="Content Placeholder 2">
+      <p:pic>
+        <p:nvPicPr>
+          <p:cNvPr id="5" name="Content Placeholder 4">
             <a:extLst>
               <a:ext uri="{FF2B5EF4-FFF2-40B4-BE49-F238E27FC236}">
-                <a16:creationId xmlns:a16="http://schemas.microsoft.com/office/drawing/2014/main" id="{4F0047CE-A7CC-A66B-239E-7C4EF1759820}"/>
+                <a16:creationId xmlns:a16="http://schemas.microsoft.com/office/drawing/2014/main" id="{6BB89A5D-12F7-DA8F-5734-36A3A5CC7FDC}"/>
               </a:ext>
             </a:extLst>
           </p:cNvPr>
-          <p:cNvSpPr>
-            <a:spLocks noGrp="1"/>
-          </p:cNvSpPr>
+          <p:cNvPicPr>
+            <a:picLocks noGrp="1" noChangeAspect="1"/>
+          </p:cNvPicPr>
           <p:nvPr>
             <p:ph idx="1"/>
           </p:nvPr>
-        </p:nvSpPr>
-        <p:spPr/>
-        <p:txBody>
-          <a:bodyPr/>
-          <a:lstStyle/>
-          <a:p>
-            <a:endParaRPr lang="en-US"/>
-          </a:p>
-        </p:txBody>
-      </p:sp>
+        </p:nvPicPr>
+        <p:blipFill>
+          <a:blip r:embed="rId2"/>
+          <a:stretch>
+            <a:fillRect/>
+          </a:stretch>
+        </p:blipFill>
+        <p:spPr>
+          <a:xfrm>
+            <a:off x="511124" y="2199724"/>
+            <a:ext cx="4759268" cy="3734545"/>
+          </a:xfrm>
+        </p:spPr>
+      </p:pic>
+      <p:pic>
+        <p:nvPicPr>
+          <p:cNvPr id="7" name="Picture 6">
+            <a:extLst>
+              <a:ext uri="{FF2B5EF4-FFF2-40B4-BE49-F238E27FC236}">
+                <a16:creationId xmlns:a16="http://schemas.microsoft.com/office/drawing/2014/main" id="{03591944-D7B0-92E4-DCB9-044C32C5F421}"/>
+              </a:ext>
+            </a:extLst>
+          </p:cNvPr>
+          <p:cNvPicPr>
+            <a:picLocks noChangeAspect="1"/>
+          </p:cNvPicPr>
+          <p:nvPr/>
+        </p:nvPicPr>
+        <p:blipFill>
+          <a:blip r:embed="rId3"/>
+          <a:stretch>
+            <a:fillRect/>
+          </a:stretch>
+        </p:blipFill>
+        <p:spPr>
+          <a:xfrm>
+            <a:off x="6715610" y="1571365"/>
+            <a:ext cx="4215402" cy="1857635"/>
+          </a:xfrm>
+          <a:prstGeom prst="rect">
+            <a:avLst/>
+          </a:prstGeom>
+        </p:spPr>
+      </p:pic>
+      <p:cxnSp>
+        <p:nvCxnSpPr>
+          <p:cNvPr id="9" name="Straight Arrow Connector 8">
+            <a:extLst>
+              <a:ext uri="{FF2B5EF4-FFF2-40B4-BE49-F238E27FC236}">
+                <a16:creationId xmlns:a16="http://schemas.microsoft.com/office/drawing/2014/main" id="{C759E672-DA91-8942-0A01-E8A056223E1D}"/>
+              </a:ext>
+            </a:extLst>
+          </p:cNvPr>
+          <p:cNvCxnSpPr>
+            <a:cxnSpLocks/>
+          </p:cNvCxnSpPr>
+          <p:nvPr/>
+        </p:nvCxnSpPr>
+        <p:spPr>
+          <a:xfrm flipV="1">
+            <a:off x="2435290" y="1780972"/>
+            <a:ext cx="4163921" cy="1268963"/>
+          </a:xfrm>
+          <a:prstGeom prst="straightConnector1">
+            <a:avLst/>
+          </a:prstGeom>
+          <a:ln w="57150">
+            <a:tailEnd type="triangle"/>
+          </a:ln>
+        </p:spPr>
+        <p:style>
+          <a:lnRef idx="1">
+            <a:schemeClr val="accent3"/>
+          </a:lnRef>
+          <a:fillRef idx="0">
+            <a:schemeClr val="accent3"/>
+          </a:fillRef>
+          <a:effectRef idx="0">
+            <a:schemeClr val="accent3"/>
+          </a:effectRef>
+          <a:fontRef idx="minor">
+            <a:schemeClr val="tx1"/>
+          </a:fontRef>
+        </p:style>
+      </p:cxnSp>
+      <p:pic>
+        <p:nvPicPr>
+          <p:cNvPr id="12" name="Picture 11">
+            <a:extLst>
+              <a:ext uri="{FF2B5EF4-FFF2-40B4-BE49-F238E27FC236}">
+                <a16:creationId xmlns:a16="http://schemas.microsoft.com/office/drawing/2014/main" id="{B0B3735A-DB38-92AB-2904-1540672CDA68}"/>
+              </a:ext>
+            </a:extLst>
+          </p:cNvPr>
+          <p:cNvPicPr>
+            <a:picLocks noChangeAspect="1"/>
+          </p:cNvPicPr>
+          <p:nvPr/>
+        </p:nvPicPr>
+        <p:blipFill>
+          <a:blip r:embed="rId4"/>
+          <a:stretch>
+            <a:fillRect/>
+          </a:stretch>
+        </p:blipFill>
+        <p:spPr>
+          <a:xfrm>
+            <a:off x="6750243" y="3645659"/>
+            <a:ext cx="3743734" cy="2988054"/>
+          </a:xfrm>
+          <a:prstGeom prst="rect">
+            <a:avLst/>
+          </a:prstGeom>
+        </p:spPr>
+      </p:pic>
+      <p:cxnSp>
+        <p:nvCxnSpPr>
+          <p:cNvPr id="13" name="Straight Arrow Connector 12">
+            <a:extLst>
+              <a:ext uri="{FF2B5EF4-FFF2-40B4-BE49-F238E27FC236}">
+                <a16:creationId xmlns:a16="http://schemas.microsoft.com/office/drawing/2014/main" id="{DFD4CEF4-C624-8169-22E2-EC6D3E59EB55}"/>
+              </a:ext>
+            </a:extLst>
+          </p:cNvPr>
+          <p:cNvCxnSpPr>
+            <a:cxnSpLocks/>
+          </p:cNvCxnSpPr>
+          <p:nvPr/>
+        </p:nvCxnSpPr>
+        <p:spPr>
+          <a:xfrm flipV="1">
+            <a:off x="2435290" y="3726611"/>
+            <a:ext cx="4280320" cy="1436345"/>
+          </a:xfrm>
+          <a:prstGeom prst="straightConnector1">
+            <a:avLst/>
+          </a:prstGeom>
+          <a:ln w="57150">
+            <a:tailEnd type="triangle"/>
+          </a:ln>
+        </p:spPr>
+        <p:style>
+          <a:lnRef idx="1">
+            <a:schemeClr val="accent3"/>
+          </a:lnRef>
+          <a:fillRef idx="0">
+            <a:schemeClr val="accent3"/>
+          </a:fillRef>
+          <a:effectRef idx="0">
+            <a:schemeClr val="accent3"/>
+          </a:effectRef>
+          <a:fontRef idx="minor">
+            <a:schemeClr val="tx1"/>
+          </a:fontRef>
+        </p:style>
+      </p:cxnSp>
     </p:spTree>
     <p:extLst>
       <p:ext uri="{BB962C8B-B14F-4D97-AF65-F5344CB8AC3E}">
         <p14:creationId xmlns:p14="http://schemas.microsoft.com/office/powerpoint/2010/main" val="3649865503"/>
-      </p:ext>
-    </p:extLst>
-  </p:cSld>
-  <p:clrMapOvr>
-    <a:masterClrMapping/>
-  </p:clrMapOvr>
-</p:sld>
-</file>
-
-<file path=ppt/slides/slide8.xml><?xml version="1.0" encoding="utf-8"?>
-<p:sld xmlns:a="http://schemas.openxmlformats.org/drawingml/2006/main" xmlns:r="http://schemas.openxmlformats.org/officeDocument/2006/relationships" xmlns:p="http://schemas.openxmlformats.org/presentationml/2006/main">
-  <p:cSld>
-    <p:spTree>
-      <p:nvGrpSpPr>
-        <p:cNvPr id="1" name=""/>
-        <p:cNvGrpSpPr/>
-        <p:nvPr/>
-      </p:nvGrpSpPr>
-      <p:grpSpPr>
-        <a:xfrm>
-          <a:off x="0" y="0"/>
-          <a:ext cx="0" cy="0"/>
-          <a:chOff x="0" y="0"/>
-          <a:chExt cx="0" cy="0"/>
-        </a:xfrm>
-      </p:grpSpPr>
-      <p:sp>
-        <p:nvSpPr>
-          <p:cNvPr id="2" name="Title 1">
-            <a:extLst>
-              <a:ext uri="{FF2B5EF4-FFF2-40B4-BE49-F238E27FC236}">
-                <a16:creationId xmlns:a16="http://schemas.microsoft.com/office/drawing/2014/main" id="{EE1C0F40-53EE-5A79-C657-EF864D60F72E}"/>
-              </a:ext>
-            </a:extLst>
-          </p:cNvPr>
-          <p:cNvSpPr>
-            <a:spLocks noGrp="1"/>
-          </p:cNvSpPr>
-          <p:nvPr>
-            <p:ph type="title"/>
-          </p:nvPr>
-        </p:nvSpPr>
-        <p:spPr/>
-        <p:txBody>
-          <a:bodyPr/>
-          <a:lstStyle/>
-          <a:p>
-            <a:r>
-              <a:rPr lang="en-US" dirty="0"/>
-              <a:t>A little magic and we brought all the code together</a:t>
-            </a:r>
-          </a:p>
-        </p:txBody>
-      </p:sp>
-      <p:sp>
-        <p:nvSpPr>
-          <p:cNvPr id="3" name="Content Placeholder 2">
-            <a:extLst>
-              <a:ext uri="{FF2B5EF4-FFF2-40B4-BE49-F238E27FC236}">
-                <a16:creationId xmlns:a16="http://schemas.microsoft.com/office/drawing/2014/main" id="{F5B9A3BA-70FE-2030-FF9A-0071D21AD370}"/>
-              </a:ext>
-            </a:extLst>
-          </p:cNvPr>
-          <p:cNvSpPr>
-            <a:spLocks noGrp="1"/>
-          </p:cNvSpPr>
-          <p:nvPr>
-            <p:ph idx="1"/>
-          </p:nvPr>
-        </p:nvSpPr>
-        <p:spPr/>
-        <p:txBody>
-          <a:bodyPr/>
-          <a:lstStyle/>
-          <a:p>
-            <a:endParaRPr lang="en-US"/>
-          </a:p>
-        </p:txBody>
-      </p:sp>
-    </p:spTree>
-    <p:extLst>
-      <p:ext uri="{BB962C8B-B14F-4D97-AF65-F5344CB8AC3E}">
-        <p14:creationId xmlns:p14="http://schemas.microsoft.com/office/powerpoint/2010/main" val="1748925712"/>
       </p:ext>
     </p:extLst>
   </p:cSld>
@@ -22652,7 +22971,7 @@
           <p:cNvPr id="2" name="Title 1">
             <a:extLst>
               <a:ext uri="{FF2B5EF4-FFF2-40B4-BE49-F238E27FC236}">
-                <a16:creationId xmlns:a16="http://schemas.microsoft.com/office/drawing/2014/main" id="{ECA7B34D-697B-AEC3-521A-575A4CBBE74E}"/>
+                <a16:creationId xmlns:a16="http://schemas.microsoft.com/office/drawing/2014/main" id="{2F55B251-1430-BE47-BCE0-169FD8BFEE6A}"/>
               </a:ext>
             </a:extLst>
           </p:cNvPr>
@@ -22669,47 +22988,46 @@
           <a:lstStyle/>
           <a:p>
             <a:r>
-              <a:rPr lang="en-US" dirty="0"/>
-              <a:t>CONCLUSION: outcome and lessons learned</a:t>
+              <a:rPr lang="en-GB" dirty="0"/>
+              <a:t>BASIC ERROR LOGGING</a:t>
             </a:r>
           </a:p>
         </p:txBody>
       </p:sp>
-      <p:graphicFrame>
-        <p:nvGraphicFramePr>
-          <p:cNvPr id="5" name="Content Placeholder 4">
+      <p:pic>
+        <p:nvPicPr>
+          <p:cNvPr id="5" name="Picture 4">
             <a:extLst>
               <a:ext uri="{FF2B5EF4-FFF2-40B4-BE49-F238E27FC236}">
-                <a16:creationId xmlns:a16="http://schemas.microsoft.com/office/drawing/2014/main" id="{12C2E115-0145-D8BF-4258-44F59F9465FA}"/>
+                <a16:creationId xmlns:a16="http://schemas.microsoft.com/office/drawing/2014/main" id="{6AE4EBD2-F068-6C1B-BD9B-42AA4127E0BC}"/>
               </a:ext>
             </a:extLst>
           </p:cNvPr>
-          <p:cNvGraphicFramePr>
-            <a:graphicFrameLocks noGrp="1"/>
-          </p:cNvGraphicFramePr>
-          <p:nvPr>
-            <p:ph idx="1"/>
-            <p:extLst>
-              <p:ext uri="{D42A27DB-BD31-4B8C-83A1-F6EECF244321}">
-                <p14:modId xmlns:p14="http://schemas.microsoft.com/office/powerpoint/2010/main" val="2537614483"/>
-              </p:ext>
-            </p:extLst>
-          </p:nvPr>
-        </p:nvGraphicFramePr>
-        <p:xfrm>
-          <a:off x="1244600" y="1775921"/>
-          <a:ext cx="9802812" cy="4463562"/>
-        </p:xfrm>
-        <a:graphic>
-          <a:graphicData uri="http://schemas.openxmlformats.org/drawingml/2006/diagram">
-            <dgm:relIds xmlns:dgm="http://schemas.openxmlformats.org/drawingml/2006/diagram" xmlns:r="http://schemas.openxmlformats.org/officeDocument/2006/relationships" r:dm="rId2" r:lo="rId3" r:qs="rId4" r:cs="rId5"/>
-          </a:graphicData>
-        </a:graphic>
-      </p:graphicFrame>
+          <p:cNvPicPr>
+            <a:picLocks noChangeAspect="1"/>
+          </p:cNvPicPr>
+          <p:nvPr/>
+        </p:nvPicPr>
+        <p:blipFill>
+          <a:blip r:embed="rId2"/>
+          <a:stretch>
+            <a:fillRect/>
+          </a:stretch>
+        </p:blipFill>
+        <p:spPr>
+          <a:xfrm>
+            <a:off x="2145748" y="2097088"/>
+            <a:ext cx="7897327" cy="4067743"/>
+          </a:xfrm>
+          <a:prstGeom prst="rect">
+            <a:avLst/>
+          </a:prstGeom>
+        </p:spPr>
+      </p:pic>
     </p:spTree>
     <p:extLst>
       <p:ext uri="{BB962C8B-B14F-4D97-AF65-F5344CB8AC3E}">
-        <p14:creationId xmlns:p14="http://schemas.microsoft.com/office/powerpoint/2010/main" val="781998421"/>
+        <p14:creationId xmlns:p14="http://schemas.microsoft.com/office/powerpoint/2010/main" val="3769005971"/>
       </p:ext>
     </p:extLst>
   </p:cSld>

--- a/Presentation.pptx
+++ b/Presentation.pptx
@@ -9287,7 +9287,7 @@
           <a:noFill/>
           <a:extLst>
             <a:ext uri="{909E8E84-426E-40dd-AFC4-6F175D3DCCD1}">
-              <a14:hiddenFill xmlns="" xmlns:a14="http://schemas.microsoft.com/office/drawing/2010/main">
+              <a14:hiddenFill xmlns:a14="http://schemas.microsoft.com/office/drawing/2010/main" xmlns="">
                 <a:solidFill>
                   <a:srgbClr val="FFFFFF"/>
                 </a:solidFill>
@@ -9347,7 +9347,7 @@
             </a:ln>
             <a:extLst>
               <a:ext uri="{91240B29-F687-4f45-9708-019B960494DF}">
-                <a14:hiddenLine xmlns="" xmlns:a14="http://schemas.microsoft.com/office/drawing/2010/main" w="9525">
+                <a14:hiddenLine xmlns:a14="http://schemas.microsoft.com/office/drawing/2010/main" xmlns="" w="9525">
                   <a:solidFill>
                     <a:srgbClr val="000000"/>
                   </a:solidFill>
@@ -9437,7 +9437,7 @@
             </a:ln>
             <a:extLst>
               <a:ext uri="{91240B29-F687-4f45-9708-019B960494DF}">
-                <a14:hiddenLine xmlns="" xmlns:a14="http://schemas.microsoft.com/office/drawing/2010/main" w="9525">
+                <a14:hiddenLine xmlns:a14="http://schemas.microsoft.com/office/drawing/2010/main" xmlns="" w="9525">
                   <a:solidFill>
                     <a:srgbClr val="000000"/>
                   </a:solidFill>
@@ -9527,7 +9527,7 @@
             </a:ln>
             <a:extLst>
               <a:ext uri="{91240B29-F687-4f45-9708-019B960494DF}">
-                <a14:hiddenLine xmlns="" xmlns:a14="http://schemas.microsoft.com/office/drawing/2010/main" w="9525">
+                <a14:hiddenLine xmlns:a14="http://schemas.microsoft.com/office/drawing/2010/main" xmlns="" w="9525">
                   <a:solidFill>
                     <a:srgbClr val="000000"/>
                   </a:solidFill>
@@ -9561,7 +9561,7 @@
             </a:ln>
             <a:extLst>
               <a:ext uri="{91240B29-F687-4f45-9708-019B960494DF}">
-                <a14:hiddenLine xmlns="" xmlns:a14="http://schemas.microsoft.com/office/drawing/2010/main" w="9525">
+                <a14:hiddenLine xmlns:a14="http://schemas.microsoft.com/office/drawing/2010/main" xmlns="" w="9525">
                   <a:solidFill>
                     <a:srgbClr val="000000"/>
                   </a:solidFill>
@@ -9651,7 +9651,7 @@
             </a:ln>
             <a:extLst>
               <a:ext uri="{91240B29-F687-4f45-9708-019B960494DF}">
-                <a14:hiddenLine xmlns="" xmlns:a14="http://schemas.microsoft.com/office/drawing/2010/main" w="9525">
+                <a14:hiddenLine xmlns:a14="http://schemas.microsoft.com/office/drawing/2010/main" xmlns="" w="9525">
                   <a:solidFill>
                     <a:srgbClr val="000000"/>
                   </a:solidFill>
@@ -9713,7 +9713,7 @@
             </a:ln>
             <a:extLst>
               <a:ext uri="{91240B29-F687-4f45-9708-019B960494DF}">
-                <a14:hiddenLine xmlns="" xmlns:a14="http://schemas.microsoft.com/office/drawing/2010/main" w="9525">
+                <a14:hiddenLine xmlns:a14="http://schemas.microsoft.com/office/drawing/2010/main" xmlns="" w="9525">
                   <a:solidFill>
                     <a:srgbClr val="000000"/>
                   </a:solidFill>
@@ -9775,7 +9775,7 @@
             </a:ln>
             <a:extLst>
               <a:ext uri="{91240B29-F687-4f45-9708-019B960494DF}">
-                <a14:hiddenLine xmlns="" xmlns:a14="http://schemas.microsoft.com/office/drawing/2010/main" w="9525">
+                <a14:hiddenLine xmlns:a14="http://schemas.microsoft.com/office/drawing/2010/main" xmlns="" w="9525">
                   <a:solidFill>
                     <a:srgbClr val="000000"/>
                   </a:solidFill>
@@ -9865,7 +9865,7 @@
             </a:ln>
             <a:extLst>
               <a:ext uri="{91240B29-F687-4f45-9708-019B960494DF}">
-                <a14:hiddenLine xmlns="" xmlns:a14="http://schemas.microsoft.com/office/drawing/2010/main" w="9525">
+                <a14:hiddenLine xmlns:a14="http://schemas.microsoft.com/office/drawing/2010/main" xmlns="" w="9525">
                   <a:solidFill>
                     <a:srgbClr val="000000"/>
                   </a:solidFill>
@@ -9927,7 +9927,7 @@
             </a:ln>
             <a:extLst>
               <a:ext uri="{91240B29-F687-4f45-9708-019B960494DF}">
-                <a14:hiddenLine xmlns="" xmlns:a14="http://schemas.microsoft.com/office/drawing/2010/main" w="9525">
+                <a14:hiddenLine xmlns:a14="http://schemas.microsoft.com/office/drawing/2010/main" xmlns="" w="9525">
                   <a:solidFill>
                     <a:srgbClr val="000000"/>
                   </a:solidFill>
@@ -9989,7 +9989,7 @@
             </a:ln>
             <a:extLst>
               <a:ext uri="{91240B29-F687-4f45-9708-019B960494DF}">
-                <a14:hiddenLine xmlns="" xmlns:a14="http://schemas.microsoft.com/office/drawing/2010/main" w="9525">
+                <a14:hiddenLine xmlns:a14="http://schemas.microsoft.com/office/drawing/2010/main" xmlns="" w="9525">
                   <a:solidFill>
                     <a:srgbClr val="000000"/>
                   </a:solidFill>
@@ -10079,7 +10079,7 @@
             </a:ln>
             <a:extLst>
               <a:ext uri="{91240B29-F687-4f45-9708-019B960494DF}">
-                <a14:hiddenLine xmlns="" xmlns:a14="http://schemas.microsoft.com/office/drawing/2010/main" w="9525">
+                <a14:hiddenLine xmlns:a14="http://schemas.microsoft.com/office/drawing/2010/main" xmlns="" w="9525">
                   <a:solidFill>
                     <a:srgbClr val="000000"/>
                   </a:solidFill>
@@ -10169,7 +10169,7 @@
             </a:ln>
             <a:extLst>
               <a:ext uri="{91240B29-F687-4f45-9708-019B960494DF}">
-                <a14:hiddenLine xmlns="" xmlns:a14="http://schemas.microsoft.com/office/drawing/2010/main" w="9525">
+                <a14:hiddenLine xmlns:a14="http://schemas.microsoft.com/office/drawing/2010/main" xmlns="" w="9525">
                   <a:solidFill>
                     <a:srgbClr val="000000"/>
                   </a:solidFill>
@@ -10231,7 +10231,7 @@
             </a:ln>
             <a:extLst>
               <a:ext uri="{91240B29-F687-4f45-9708-019B960494DF}">
-                <a14:hiddenLine xmlns="" xmlns:a14="http://schemas.microsoft.com/office/drawing/2010/main" w="9525">
+                <a14:hiddenLine xmlns:a14="http://schemas.microsoft.com/office/drawing/2010/main" xmlns="" w="9525">
                   <a:solidFill>
                     <a:srgbClr val="000000"/>
                   </a:solidFill>
@@ -10341,7 +10341,7 @@
             </a:ln>
             <a:extLst>
               <a:ext uri="{91240B29-F687-4f45-9708-019B960494DF}">
-                <a14:hiddenLine xmlns="" xmlns:a14="http://schemas.microsoft.com/office/drawing/2010/main" w="9525">
+                <a14:hiddenLine xmlns:a14="http://schemas.microsoft.com/office/drawing/2010/main" xmlns="" w="9525">
                   <a:solidFill>
                     <a:srgbClr val="000000"/>
                   </a:solidFill>
@@ -10403,7 +10403,7 @@
             </a:ln>
             <a:extLst>
               <a:ext uri="{91240B29-F687-4f45-9708-019B960494DF}">
-                <a14:hiddenLine xmlns="" xmlns:a14="http://schemas.microsoft.com/office/drawing/2010/main" w="9525">
+                <a14:hiddenLine xmlns:a14="http://schemas.microsoft.com/office/drawing/2010/main" xmlns="" w="9525">
                   <a:solidFill>
                     <a:srgbClr val="000000"/>
                   </a:solidFill>
@@ -10493,7 +10493,7 @@
             </a:ln>
             <a:extLst>
               <a:ext uri="{91240B29-F687-4f45-9708-019B960494DF}">
-                <a14:hiddenLine xmlns="" xmlns:a14="http://schemas.microsoft.com/office/drawing/2010/main" w="9525">
+                <a14:hiddenLine xmlns:a14="http://schemas.microsoft.com/office/drawing/2010/main" xmlns="" w="9525">
                   <a:solidFill>
                     <a:srgbClr val="000000"/>
                   </a:solidFill>
@@ -10583,7 +10583,7 @@
             </a:ln>
             <a:extLst>
               <a:ext uri="{91240B29-F687-4f45-9708-019B960494DF}">
-                <a14:hiddenLine xmlns="" xmlns:a14="http://schemas.microsoft.com/office/drawing/2010/main" w="9525">
+                <a14:hiddenLine xmlns:a14="http://schemas.microsoft.com/office/drawing/2010/main" xmlns="" w="9525">
                   <a:solidFill>
                     <a:srgbClr val="000000"/>
                   </a:solidFill>
@@ -10645,7 +10645,7 @@
             </a:ln>
             <a:extLst>
               <a:ext uri="{91240B29-F687-4f45-9708-019B960494DF}">
-                <a14:hiddenLine xmlns="" xmlns:a14="http://schemas.microsoft.com/office/drawing/2010/main" w="9525">
+                <a14:hiddenLine xmlns:a14="http://schemas.microsoft.com/office/drawing/2010/main" xmlns="" w="9525">
                   <a:solidFill>
                     <a:srgbClr val="000000"/>
                   </a:solidFill>
@@ -10735,7 +10735,7 @@
             </a:ln>
             <a:extLst>
               <a:ext uri="{91240B29-F687-4f45-9708-019B960494DF}">
-                <a14:hiddenLine xmlns="" xmlns:a14="http://schemas.microsoft.com/office/drawing/2010/main" w="9525">
+                <a14:hiddenLine xmlns:a14="http://schemas.microsoft.com/office/drawing/2010/main" xmlns="" w="9525">
                   <a:solidFill>
                     <a:srgbClr val="000000"/>
                   </a:solidFill>
@@ -10825,7 +10825,7 @@
             </a:ln>
             <a:extLst>
               <a:ext uri="{91240B29-F687-4f45-9708-019B960494DF}">
-                <a14:hiddenLine xmlns="" xmlns:a14="http://schemas.microsoft.com/office/drawing/2010/main" w="9525">
+                <a14:hiddenLine xmlns:a14="http://schemas.microsoft.com/office/drawing/2010/main" xmlns="" w="9525">
                   <a:solidFill>
                     <a:srgbClr val="000000"/>
                   </a:solidFill>
@@ -10881,7 +10881,7 @@
             </a:ln>
             <a:extLst>
               <a:ext uri="{91240B29-F687-4f45-9708-019B960494DF}">
-                <a14:hiddenLine xmlns="" xmlns:a14="http://schemas.microsoft.com/office/drawing/2010/main" w="9525">
+                <a14:hiddenLine xmlns:a14="http://schemas.microsoft.com/office/drawing/2010/main" xmlns="" w="9525">
                   <a:solidFill>
                     <a:srgbClr val="000000"/>
                   </a:solidFill>
@@ -10971,7 +10971,7 @@
             </a:ln>
             <a:extLst>
               <a:ext uri="{91240B29-F687-4f45-9708-019B960494DF}">
-                <a14:hiddenLine xmlns="" xmlns:a14="http://schemas.microsoft.com/office/drawing/2010/main" w="9525">
+                <a14:hiddenLine xmlns:a14="http://schemas.microsoft.com/office/drawing/2010/main" xmlns="" w="9525">
                   <a:solidFill>
                     <a:srgbClr val="000000"/>
                   </a:solidFill>
@@ -11027,7 +11027,7 @@
             </a:ln>
             <a:extLst>
               <a:ext uri="{91240B29-F687-4f45-9708-019B960494DF}">
-                <a14:hiddenLine xmlns="" xmlns:a14="http://schemas.microsoft.com/office/drawing/2010/main" w="9525">
+                <a14:hiddenLine xmlns:a14="http://schemas.microsoft.com/office/drawing/2010/main" xmlns="" w="9525">
                   <a:solidFill>
                     <a:srgbClr val="000000"/>
                   </a:solidFill>
@@ -11117,7 +11117,7 @@
             </a:ln>
             <a:extLst>
               <a:ext uri="{91240B29-F687-4f45-9708-019B960494DF}">
-                <a14:hiddenLine xmlns="" xmlns:a14="http://schemas.microsoft.com/office/drawing/2010/main" w="9525">
+                <a14:hiddenLine xmlns:a14="http://schemas.microsoft.com/office/drawing/2010/main" xmlns="" w="9525">
                   <a:solidFill>
                     <a:srgbClr val="000000"/>
                   </a:solidFill>
@@ -11185,7 +11185,7 @@
             </a:ln>
             <a:extLst>
               <a:ext uri="{91240B29-F687-4f45-9708-019B960494DF}">
-                <a14:hiddenLine xmlns="" xmlns:a14="http://schemas.microsoft.com/office/drawing/2010/main" w="9525">
+                <a14:hiddenLine xmlns:a14="http://schemas.microsoft.com/office/drawing/2010/main" xmlns="" w="9525">
                   <a:solidFill>
                     <a:srgbClr val="000000"/>
                   </a:solidFill>
@@ -11275,7 +11275,7 @@
             </a:ln>
             <a:extLst>
               <a:ext uri="{91240B29-F687-4f45-9708-019B960494DF}">
-                <a14:hiddenLine xmlns="" xmlns:a14="http://schemas.microsoft.com/office/drawing/2010/main" w="9525">
+                <a14:hiddenLine xmlns:a14="http://schemas.microsoft.com/office/drawing/2010/main" xmlns="" w="9525">
                   <a:solidFill>
                     <a:srgbClr val="000000"/>
                   </a:solidFill>
@@ -11343,7 +11343,7 @@
             </a:ln>
             <a:extLst>
               <a:ext uri="{91240B29-F687-4f45-9708-019B960494DF}">
-                <a14:hiddenLine xmlns="" xmlns:a14="http://schemas.microsoft.com/office/drawing/2010/main" w="9525">
+                <a14:hiddenLine xmlns:a14="http://schemas.microsoft.com/office/drawing/2010/main" xmlns="" w="9525">
                   <a:solidFill>
                     <a:srgbClr val="000000"/>
                   </a:solidFill>
@@ -11433,7 +11433,7 @@
             </a:ln>
             <a:extLst>
               <a:ext uri="{91240B29-F687-4f45-9708-019B960494DF}">
-                <a14:hiddenLine xmlns="" xmlns:a14="http://schemas.microsoft.com/office/drawing/2010/main" w="9525">
+                <a14:hiddenLine xmlns:a14="http://schemas.microsoft.com/office/drawing/2010/main" xmlns="" w="9525">
                   <a:solidFill>
                     <a:srgbClr val="000000"/>
                   </a:solidFill>
@@ -11467,7 +11467,7 @@
             </a:ln>
             <a:extLst>
               <a:ext uri="{91240B29-F687-4f45-9708-019B960494DF}">
-                <a14:hiddenLine xmlns="" xmlns:a14="http://schemas.microsoft.com/office/drawing/2010/main" w="9525">
+                <a14:hiddenLine xmlns:a14="http://schemas.microsoft.com/office/drawing/2010/main" xmlns="" w="9525">
                   <a:solidFill>
                     <a:srgbClr val="000000"/>
                   </a:solidFill>
@@ -11557,7 +11557,7 @@
             </a:ln>
             <a:extLst>
               <a:ext uri="{91240B29-F687-4f45-9708-019B960494DF}">
-                <a14:hiddenLine xmlns="" xmlns:a14="http://schemas.microsoft.com/office/drawing/2010/main" w="9525">
+                <a14:hiddenLine xmlns:a14="http://schemas.microsoft.com/office/drawing/2010/main" xmlns="" w="9525">
                   <a:solidFill>
                     <a:srgbClr val="000000"/>
                   </a:solidFill>
@@ -11619,7 +11619,7 @@
             </a:ln>
             <a:extLst>
               <a:ext uri="{91240B29-F687-4f45-9708-019B960494DF}">
-                <a14:hiddenLine xmlns="" xmlns:a14="http://schemas.microsoft.com/office/drawing/2010/main" w="9525">
+                <a14:hiddenLine xmlns:a14="http://schemas.microsoft.com/office/drawing/2010/main" xmlns="" w="9525">
                   <a:solidFill>
                     <a:srgbClr val="000000"/>
                   </a:solidFill>
@@ -11681,7 +11681,7 @@
             </a:ln>
             <a:extLst>
               <a:ext uri="{91240B29-F687-4f45-9708-019B960494DF}">
-                <a14:hiddenLine xmlns="" xmlns:a14="http://schemas.microsoft.com/office/drawing/2010/main" w="9525">
+                <a14:hiddenLine xmlns:a14="http://schemas.microsoft.com/office/drawing/2010/main" xmlns="" w="9525">
                   <a:solidFill>
                     <a:srgbClr val="000000"/>
                   </a:solidFill>
@@ -11771,7 +11771,7 @@
             </a:ln>
             <a:extLst>
               <a:ext uri="{91240B29-F687-4f45-9708-019B960494DF}">
-                <a14:hiddenLine xmlns="" xmlns:a14="http://schemas.microsoft.com/office/drawing/2010/main" w="9525">
+                <a14:hiddenLine xmlns:a14="http://schemas.microsoft.com/office/drawing/2010/main" xmlns="" w="9525">
                   <a:solidFill>
                     <a:srgbClr val="000000"/>
                   </a:solidFill>
@@ -11839,7 +11839,7 @@
             </a:ln>
             <a:extLst>
               <a:ext uri="{91240B29-F687-4f45-9708-019B960494DF}">
-                <a14:hiddenLine xmlns="" xmlns:a14="http://schemas.microsoft.com/office/drawing/2010/main" w="9525">
+                <a14:hiddenLine xmlns:a14="http://schemas.microsoft.com/office/drawing/2010/main" xmlns="" w="9525">
                   <a:solidFill>
                     <a:srgbClr val="000000"/>
                   </a:solidFill>
@@ -11901,7 +11901,7 @@
             </a:ln>
             <a:extLst>
               <a:ext uri="{91240B29-F687-4f45-9708-019B960494DF}">
-                <a14:hiddenLine xmlns="" xmlns:a14="http://schemas.microsoft.com/office/drawing/2010/main" w="9525">
+                <a14:hiddenLine xmlns:a14="http://schemas.microsoft.com/office/drawing/2010/main" xmlns="" w="9525">
                   <a:solidFill>
                     <a:srgbClr val="000000"/>
                   </a:solidFill>
@@ -11991,7 +11991,7 @@
             </a:ln>
             <a:extLst>
               <a:ext uri="{91240B29-F687-4f45-9708-019B960494DF}">
-                <a14:hiddenLine xmlns="" xmlns:a14="http://schemas.microsoft.com/office/drawing/2010/main" w="9525">
+                <a14:hiddenLine xmlns:a14="http://schemas.microsoft.com/office/drawing/2010/main" xmlns="" w="9525">
                   <a:solidFill>
                     <a:srgbClr val="000000"/>
                   </a:solidFill>
@@ -12053,7 +12053,7 @@
             </a:ln>
             <a:extLst>
               <a:ext uri="{91240B29-F687-4f45-9708-019B960494DF}">
-                <a14:hiddenLine xmlns="" xmlns:a14="http://schemas.microsoft.com/office/drawing/2010/main" w="9525">
+                <a14:hiddenLine xmlns:a14="http://schemas.microsoft.com/office/drawing/2010/main" xmlns="" w="9525">
                   <a:solidFill>
                     <a:srgbClr val="000000"/>
                   </a:solidFill>
@@ -12143,7 +12143,7 @@
             </a:ln>
             <a:extLst>
               <a:ext uri="{91240B29-F687-4f45-9708-019B960494DF}">
-                <a14:hiddenLine xmlns="" xmlns:a14="http://schemas.microsoft.com/office/drawing/2010/main" w="9525">
+                <a14:hiddenLine xmlns:a14="http://schemas.microsoft.com/office/drawing/2010/main" xmlns="" w="9525">
                   <a:solidFill>
                     <a:srgbClr val="000000"/>
                   </a:solidFill>
@@ -12205,7 +12205,7 @@
             </a:ln>
             <a:extLst>
               <a:ext uri="{91240B29-F687-4f45-9708-019B960494DF}">
-                <a14:hiddenLine xmlns="" xmlns:a14="http://schemas.microsoft.com/office/drawing/2010/main" w="9525">
+                <a14:hiddenLine xmlns:a14="http://schemas.microsoft.com/office/drawing/2010/main" xmlns="" w="9525">
                   <a:solidFill>
                     <a:srgbClr val="000000"/>
                   </a:solidFill>
@@ -12295,7 +12295,7 @@
             </a:ln>
             <a:extLst>
               <a:ext uri="{91240B29-F687-4f45-9708-019B960494DF}">
-                <a14:hiddenLine xmlns="" xmlns:a14="http://schemas.microsoft.com/office/drawing/2010/main" w="9525">
+                <a14:hiddenLine xmlns:a14="http://schemas.microsoft.com/office/drawing/2010/main" xmlns="" w="9525">
                   <a:solidFill>
                     <a:srgbClr val="000000"/>
                   </a:solidFill>
@@ -12329,7 +12329,7 @@
             </a:ln>
             <a:extLst>
               <a:ext uri="{91240B29-F687-4f45-9708-019B960494DF}">
-                <a14:hiddenLine xmlns="" xmlns:a14="http://schemas.microsoft.com/office/drawing/2010/main" w="9525">
+                <a14:hiddenLine xmlns:a14="http://schemas.microsoft.com/office/drawing/2010/main" xmlns="" w="9525">
                   <a:solidFill>
                     <a:srgbClr val="000000"/>
                   </a:solidFill>
@@ -12394,7 +12394,7 @@
             </a:ln>
             <a:extLst>
               <a:ext uri="{91240B29-F687-4f45-9708-019B960494DF}">
-                <a14:hiddenLine xmlns="" xmlns:a14="http://schemas.microsoft.com/office/drawing/2010/main" w="9525">
+                <a14:hiddenLine xmlns:a14="http://schemas.microsoft.com/office/drawing/2010/main" xmlns="" w="9525">
                   <a:solidFill>
                     <a:srgbClr val="000000"/>
                   </a:solidFill>
@@ -12484,7 +12484,7 @@
             </a:ln>
             <a:extLst>
               <a:ext uri="{91240B29-F687-4f45-9708-019B960494DF}">
-                <a14:hiddenLine xmlns="" xmlns:a14="http://schemas.microsoft.com/office/drawing/2010/main" w="9525">
+                <a14:hiddenLine xmlns:a14="http://schemas.microsoft.com/office/drawing/2010/main" xmlns="" w="9525">
                   <a:solidFill>
                     <a:srgbClr val="000000"/>
                   </a:solidFill>
@@ -12546,7 +12546,7 @@
             </a:ln>
             <a:extLst>
               <a:ext uri="{91240B29-F687-4f45-9708-019B960494DF}">
-                <a14:hiddenLine xmlns="" xmlns:a14="http://schemas.microsoft.com/office/drawing/2010/main" w="9525">
+                <a14:hiddenLine xmlns:a14="http://schemas.microsoft.com/office/drawing/2010/main" xmlns="" w="9525">
                   <a:solidFill>
                     <a:srgbClr val="000000"/>
                   </a:solidFill>
@@ -12636,7 +12636,7 @@
             </a:ln>
             <a:extLst>
               <a:ext uri="{91240B29-F687-4f45-9708-019B960494DF}">
-                <a14:hiddenLine xmlns="" xmlns:a14="http://schemas.microsoft.com/office/drawing/2010/main" w="9525">
+                <a14:hiddenLine xmlns:a14="http://schemas.microsoft.com/office/drawing/2010/main" xmlns="" w="9525">
                   <a:solidFill>
                     <a:srgbClr val="000000"/>
                   </a:solidFill>
@@ -12726,7 +12726,7 @@
             </a:ln>
             <a:extLst>
               <a:ext uri="{91240B29-F687-4f45-9708-019B960494DF}">
-                <a14:hiddenLine xmlns="" xmlns:a14="http://schemas.microsoft.com/office/drawing/2010/main" w="9525">
+                <a14:hiddenLine xmlns:a14="http://schemas.microsoft.com/office/drawing/2010/main" xmlns="" w="9525">
                   <a:solidFill>
                     <a:srgbClr val="000000"/>
                   </a:solidFill>
@@ -12791,7 +12791,7 @@
             </a:ln>
             <a:extLst>
               <a:ext uri="{91240B29-F687-4f45-9708-019B960494DF}">
-                <a14:hiddenLine xmlns="" xmlns:a14="http://schemas.microsoft.com/office/drawing/2010/main" w="9525">
+                <a14:hiddenLine xmlns:a14="http://schemas.microsoft.com/office/drawing/2010/main" xmlns="" w="9525">
                   <a:solidFill>
                     <a:srgbClr val="000000"/>
                   </a:solidFill>
@@ -12853,7 +12853,7 @@
             </a:ln>
             <a:extLst>
               <a:ext uri="{91240B29-F687-4f45-9708-019B960494DF}">
-                <a14:hiddenLine xmlns="" xmlns:a14="http://schemas.microsoft.com/office/drawing/2010/main" w="9525">
+                <a14:hiddenLine xmlns:a14="http://schemas.microsoft.com/office/drawing/2010/main" xmlns="" w="9525">
                   <a:solidFill>
                     <a:srgbClr val="000000"/>
                   </a:solidFill>
@@ -12943,7 +12943,7 @@
             </a:ln>
             <a:extLst>
               <a:ext uri="{91240B29-F687-4f45-9708-019B960494DF}">
-                <a14:hiddenLine xmlns="" xmlns:a14="http://schemas.microsoft.com/office/drawing/2010/main" w="9525">
+                <a14:hiddenLine xmlns:a14="http://schemas.microsoft.com/office/drawing/2010/main" xmlns="" w="9525">
                   <a:solidFill>
                     <a:srgbClr val="000000"/>
                   </a:solidFill>
@@ -13033,7 +13033,7 @@
             </a:ln>
             <a:extLst>
               <a:ext uri="{91240B29-F687-4f45-9708-019B960494DF}">
-                <a14:hiddenLine xmlns="" xmlns:a14="http://schemas.microsoft.com/office/drawing/2010/main" w="9525">
+                <a14:hiddenLine xmlns:a14="http://schemas.microsoft.com/office/drawing/2010/main" xmlns="" w="9525">
                   <a:solidFill>
                     <a:srgbClr val="000000"/>
                   </a:solidFill>
@@ -13095,7 +13095,7 @@
             </a:ln>
             <a:extLst>
               <a:ext uri="{91240B29-F687-4f45-9708-019B960494DF}">
-                <a14:hiddenLine xmlns="" xmlns:a14="http://schemas.microsoft.com/office/drawing/2010/main" w="9525">
+                <a14:hiddenLine xmlns:a14="http://schemas.microsoft.com/office/drawing/2010/main" xmlns="" w="9525">
                   <a:solidFill>
                     <a:srgbClr val="000000"/>
                   </a:solidFill>
@@ -13215,7 +13215,7 @@
             </a:ln>
             <a:extLst>
               <a:ext uri="{91240B29-F687-4f45-9708-019B960494DF}">
-                <a14:hiddenLine xmlns="" xmlns:a14="http://schemas.microsoft.com/office/drawing/2010/main" w="9525">
+                <a14:hiddenLine xmlns:a14="http://schemas.microsoft.com/office/drawing/2010/main" xmlns="" w="9525">
                   <a:solidFill>
                     <a:srgbClr val="000000"/>
                   </a:solidFill>
@@ -13283,7 +13283,7 @@
             </a:ln>
             <a:extLst>
               <a:ext uri="{91240B29-F687-4f45-9708-019B960494DF}">
-                <a14:hiddenLine xmlns="" xmlns:a14="http://schemas.microsoft.com/office/drawing/2010/main" w="9525">
+                <a14:hiddenLine xmlns:a14="http://schemas.microsoft.com/office/drawing/2010/main" xmlns="" w="9525">
                   <a:solidFill>
                     <a:srgbClr val="000000"/>
                   </a:solidFill>
@@ -13373,7 +13373,7 @@
             </a:ln>
             <a:extLst>
               <a:ext uri="{91240B29-F687-4f45-9708-019B960494DF}">
-                <a14:hiddenLine xmlns="" xmlns:a14="http://schemas.microsoft.com/office/drawing/2010/main" w="9525">
+                <a14:hiddenLine xmlns:a14="http://schemas.microsoft.com/office/drawing/2010/main" xmlns="" w="9525">
                   <a:solidFill>
                     <a:srgbClr val="000000"/>
                   </a:solidFill>
@@ -18095,7 +18095,7 @@
           <a:noFill/>
           <a:extLst>
             <a:ext uri="{909E8E84-426E-40dd-AFC4-6F175D3DCCD1}">
-              <a14:hiddenFill xmlns="" xmlns:a14="http://schemas.microsoft.com/office/drawing/2010/main">
+              <a14:hiddenFill xmlns:a14="http://schemas.microsoft.com/office/drawing/2010/main" xmlns="">
                 <a:solidFill>
                   <a:srgbClr val="FFFFFF"/>
                 </a:solidFill>
@@ -18169,7 +18169,7 @@
               </a:ln>
               <a:extLst>
                 <a:ext uri="{91240B29-F687-4f45-9708-019B960494DF}">
-                  <a14:hiddenLine xmlns="" xmlns:a14="http://schemas.microsoft.com/office/drawing/2010/main" w="9525">
+                  <a14:hiddenLine xmlns:a14="http://schemas.microsoft.com/office/drawing/2010/main" xmlns="" w="9525">
                     <a:solidFill>
                       <a:srgbClr val="000000"/>
                     </a:solidFill>
@@ -18259,7 +18259,7 @@
               </a:ln>
               <a:extLst>
                 <a:ext uri="{91240B29-F687-4f45-9708-019B960494DF}">
-                  <a14:hiddenLine xmlns="" xmlns:a14="http://schemas.microsoft.com/office/drawing/2010/main" w="9525">
+                  <a14:hiddenLine xmlns:a14="http://schemas.microsoft.com/office/drawing/2010/main" xmlns="" w="9525">
                     <a:solidFill>
                       <a:srgbClr val="000000"/>
                     </a:solidFill>
@@ -18349,7 +18349,7 @@
               </a:ln>
               <a:extLst>
                 <a:ext uri="{91240B29-F687-4f45-9708-019B960494DF}">
-                  <a14:hiddenLine xmlns="" xmlns:a14="http://schemas.microsoft.com/office/drawing/2010/main" w="9525">
+                  <a14:hiddenLine xmlns:a14="http://schemas.microsoft.com/office/drawing/2010/main" xmlns="" w="9525">
                     <a:solidFill>
                       <a:srgbClr val="000000"/>
                     </a:solidFill>
@@ -18411,7 +18411,7 @@
               </a:ln>
               <a:extLst>
                 <a:ext uri="{91240B29-F687-4f45-9708-019B960494DF}">
-                  <a14:hiddenLine xmlns="" xmlns:a14="http://schemas.microsoft.com/office/drawing/2010/main" w="9525">
+                  <a14:hiddenLine xmlns:a14="http://schemas.microsoft.com/office/drawing/2010/main" xmlns="" w="9525">
                     <a:solidFill>
                       <a:srgbClr val="000000"/>
                     </a:solidFill>
@@ -18501,7 +18501,7 @@
               </a:ln>
               <a:extLst>
                 <a:ext uri="{91240B29-F687-4f45-9708-019B960494DF}">
-                  <a14:hiddenLine xmlns="" xmlns:a14="http://schemas.microsoft.com/office/drawing/2010/main" w="9525">
+                  <a14:hiddenLine xmlns:a14="http://schemas.microsoft.com/office/drawing/2010/main" xmlns="" w="9525">
                     <a:solidFill>
                       <a:srgbClr val="000000"/>
                     </a:solidFill>
@@ -18563,7 +18563,7 @@
               </a:ln>
               <a:extLst>
                 <a:ext uri="{91240B29-F687-4f45-9708-019B960494DF}">
-                  <a14:hiddenLine xmlns="" xmlns:a14="http://schemas.microsoft.com/office/drawing/2010/main" w="9525">
+                  <a14:hiddenLine xmlns:a14="http://schemas.microsoft.com/office/drawing/2010/main" xmlns="" w="9525">
                     <a:solidFill>
                       <a:srgbClr val="000000"/>
                     </a:solidFill>
@@ -18625,7 +18625,7 @@
               </a:ln>
               <a:extLst>
                 <a:ext uri="{91240B29-F687-4f45-9708-019B960494DF}">
-                  <a14:hiddenLine xmlns="" xmlns:a14="http://schemas.microsoft.com/office/drawing/2010/main" w="9525">
+                  <a14:hiddenLine xmlns:a14="http://schemas.microsoft.com/office/drawing/2010/main" xmlns="" w="9525">
                     <a:solidFill>
                       <a:srgbClr val="000000"/>
                     </a:solidFill>
@@ -18715,7 +18715,7 @@
               </a:ln>
               <a:extLst>
                 <a:ext uri="{91240B29-F687-4f45-9708-019B960494DF}">
-                  <a14:hiddenLine xmlns="" xmlns:a14="http://schemas.microsoft.com/office/drawing/2010/main" w="9525">
+                  <a14:hiddenLine xmlns:a14="http://schemas.microsoft.com/office/drawing/2010/main" xmlns="" w="9525">
                     <a:solidFill>
                       <a:srgbClr val="000000"/>
                     </a:solidFill>
@@ -18805,7 +18805,7 @@
               </a:ln>
               <a:extLst>
                 <a:ext uri="{91240B29-F687-4f45-9708-019B960494DF}">
-                  <a14:hiddenLine xmlns="" xmlns:a14="http://schemas.microsoft.com/office/drawing/2010/main" w="9525">
+                  <a14:hiddenLine xmlns:a14="http://schemas.microsoft.com/office/drawing/2010/main" xmlns="" w="9525">
                     <a:solidFill>
                       <a:srgbClr val="000000"/>
                     </a:solidFill>
@@ -18867,7 +18867,7 @@
               </a:ln>
               <a:extLst>
                 <a:ext uri="{91240B29-F687-4f45-9708-019B960494DF}">
-                  <a14:hiddenLine xmlns="" xmlns:a14="http://schemas.microsoft.com/office/drawing/2010/main" w="9525">
+                  <a14:hiddenLine xmlns:a14="http://schemas.microsoft.com/office/drawing/2010/main" xmlns="" w="9525">
                     <a:solidFill>
                       <a:srgbClr val="000000"/>
                     </a:solidFill>
@@ -18977,7 +18977,7 @@
               </a:ln>
               <a:extLst>
                 <a:ext uri="{91240B29-F687-4f45-9708-019B960494DF}">
-                  <a14:hiddenLine xmlns="" xmlns:a14="http://schemas.microsoft.com/office/drawing/2010/main" w="9525">
+                  <a14:hiddenLine xmlns:a14="http://schemas.microsoft.com/office/drawing/2010/main" xmlns="" w="9525">
                     <a:solidFill>
                       <a:srgbClr val="000000"/>
                     </a:solidFill>
@@ -19061,7 +19061,7 @@
               </a:ln>
               <a:extLst>
                 <a:ext uri="{91240B29-F687-4f45-9708-019B960494DF}">
-                  <a14:hiddenLine xmlns="" xmlns:a14="http://schemas.microsoft.com/office/drawing/2010/main" w="9525">
+                  <a14:hiddenLine xmlns:a14="http://schemas.microsoft.com/office/drawing/2010/main" xmlns="" w="9525">
                     <a:solidFill>
                       <a:srgbClr val="000000"/>
                     </a:solidFill>
@@ -19123,7 +19123,7 @@
               </a:ln>
               <a:extLst>
                 <a:ext uri="{91240B29-F687-4f45-9708-019B960494DF}">
-                  <a14:hiddenLine xmlns="" xmlns:a14="http://schemas.microsoft.com/office/drawing/2010/main" w="9525">
+                  <a14:hiddenLine xmlns:a14="http://schemas.microsoft.com/office/drawing/2010/main" xmlns="" w="9525">
                     <a:solidFill>
                       <a:srgbClr val="000000"/>
                     </a:solidFill>
@@ -19185,7 +19185,7 @@
               </a:ln>
               <a:extLst>
                 <a:ext uri="{91240B29-F687-4f45-9708-019B960494DF}">
-                  <a14:hiddenLine xmlns="" xmlns:a14="http://schemas.microsoft.com/office/drawing/2010/main" w="9525">
+                  <a14:hiddenLine xmlns:a14="http://schemas.microsoft.com/office/drawing/2010/main" xmlns="" w="9525">
                     <a:solidFill>
                       <a:srgbClr val="000000"/>
                     </a:solidFill>
@@ -19275,7 +19275,7 @@
               </a:ln>
               <a:extLst>
                 <a:ext uri="{91240B29-F687-4f45-9708-019B960494DF}">
-                  <a14:hiddenLine xmlns="" xmlns:a14="http://schemas.microsoft.com/office/drawing/2010/main" w="9525">
+                  <a14:hiddenLine xmlns:a14="http://schemas.microsoft.com/office/drawing/2010/main" xmlns="" w="9525">
                     <a:solidFill>
                       <a:srgbClr val="000000"/>
                     </a:solidFill>
@@ -19309,7 +19309,7 @@
               </a:ln>
               <a:extLst>
                 <a:ext uri="{91240B29-F687-4f45-9708-019B960494DF}">
-                  <a14:hiddenLine xmlns="" xmlns:a14="http://schemas.microsoft.com/office/drawing/2010/main" w="9525">
+                  <a14:hiddenLine xmlns:a14="http://schemas.microsoft.com/office/drawing/2010/main" xmlns="" w="9525">
                     <a:solidFill>
                       <a:srgbClr val="000000"/>
                     </a:solidFill>
@@ -19374,7 +19374,7 @@
               </a:ln>
               <a:extLst>
                 <a:ext uri="{91240B29-F687-4f45-9708-019B960494DF}">
-                  <a14:hiddenLine xmlns="" xmlns:a14="http://schemas.microsoft.com/office/drawing/2010/main" w="9525">
+                  <a14:hiddenLine xmlns:a14="http://schemas.microsoft.com/office/drawing/2010/main" xmlns="" w="9525">
                     <a:solidFill>
                       <a:srgbClr val="000000"/>
                     </a:solidFill>
@@ -19464,7 +19464,7 @@
               </a:ln>
               <a:extLst>
                 <a:ext uri="{91240B29-F687-4f45-9708-019B960494DF}">
-                  <a14:hiddenLine xmlns="" xmlns:a14="http://schemas.microsoft.com/office/drawing/2010/main" w="9525">
+                  <a14:hiddenLine xmlns:a14="http://schemas.microsoft.com/office/drawing/2010/main" xmlns="" w="9525">
                     <a:solidFill>
                       <a:srgbClr val="000000"/>
                     </a:solidFill>
@@ -19526,7 +19526,7 @@
               </a:ln>
               <a:extLst>
                 <a:ext uri="{91240B29-F687-4f45-9708-019B960494DF}">
-                  <a14:hiddenLine xmlns="" xmlns:a14="http://schemas.microsoft.com/office/drawing/2010/main" w="9525">
+                  <a14:hiddenLine xmlns:a14="http://schemas.microsoft.com/office/drawing/2010/main" xmlns="" w="9525">
                     <a:solidFill>
                       <a:srgbClr val="000000"/>
                     </a:solidFill>
@@ -19616,7 +19616,7 @@
               </a:ln>
               <a:extLst>
                 <a:ext uri="{91240B29-F687-4f45-9708-019B960494DF}">
-                  <a14:hiddenLine xmlns="" xmlns:a14="http://schemas.microsoft.com/office/drawing/2010/main" w="9525">
+                  <a14:hiddenLine xmlns:a14="http://schemas.microsoft.com/office/drawing/2010/main" xmlns="" w="9525">
                     <a:solidFill>
                       <a:srgbClr val="000000"/>
                     </a:solidFill>
@@ -19681,7 +19681,7 @@
               </a:ln>
               <a:extLst>
                 <a:ext uri="{91240B29-F687-4f45-9708-019B960494DF}">
-                  <a14:hiddenLine xmlns="" xmlns:a14="http://schemas.microsoft.com/office/drawing/2010/main" w="9525">
+                  <a14:hiddenLine xmlns:a14="http://schemas.microsoft.com/office/drawing/2010/main" xmlns="" w="9525">
                     <a:solidFill>
                       <a:srgbClr val="000000"/>
                     </a:solidFill>
@@ -19743,7 +19743,7 @@
               </a:ln>
               <a:extLst>
                 <a:ext uri="{91240B29-F687-4f45-9708-019B960494DF}">
-                  <a14:hiddenLine xmlns="" xmlns:a14="http://schemas.microsoft.com/office/drawing/2010/main" w="9525">
+                  <a14:hiddenLine xmlns:a14="http://schemas.microsoft.com/office/drawing/2010/main" xmlns="" w="9525">
                     <a:solidFill>
                       <a:srgbClr val="000000"/>
                     </a:solidFill>
@@ -19833,7 +19833,7 @@
               </a:ln>
               <a:extLst>
                 <a:ext uri="{91240B29-F687-4f45-9708-019B960494DF}">
-                  <a14:hiddenLine xmlns="" xmlns:a14="http://schemas.microsoft.com/office/drawing/2010/main" w="9525">
+                  <a14:hiddenLine xmlns:a14="http://schemas.microsoft.com/office/drawing/2010/main" xmlns="" w="9525">
                     <a:solidFill>
                       <a:srgbClr val="000000"/>
                     </a:solidFill>
@@ -19923,7 +19923,7 @@
               </a:ln>
               <a:extLst>
                 <a:ext uri="{91240B29-F687-4f45-9708-019B960494DF}">
-                  <a14:hiddenLine xmlns="" xmlns:a14="http://schemas.microsoft.com/office/drawing/2010/main" w="9525">
+                  <a14:hiddenLine xmlns:a14="http://schemas.microsoft.com/office/drawing/2010/main" xmlns="" w="9525">
                     <a:solidFill>
                       <a:srgbClr val="000000"/>
                     </a:solidFill>
@@ -19988,7 +19988,7 @@
               </a:ln>
               <a:extLst>
                 <a:ext uri="{91240B29-F687-4f45-9708-019B960494DF}">
-                  <a14:hiddenLine xmlns="" xmlns:a14="http://schemas.microsoft.com/office/drawing/2010/main" w="9525">
+                  <a14:hiddenLine xmlns:a14="http://schemas.microsoft.com/office/drawing/2010/main" xmlns="" w="9525">
                     <a:solidFill>
                       <a:srgbClr val="000000"/>
                     </a:solidFill>
@@ -20108,7 +20108,7 @@
               </a:ln>
               <a:extLst>
                 <a:ext uri="{91240B29-F687-4f45-9708-019B960494DF}">
-                  <a14:hiddenLine xmlns="" xmlns:a14="http://schemas.microsoft.com/office/drawing/2010/main" w="9525">
+                  <a14:hiddenLine xmlns:a14="http://schemas.microsoft.com/office/drawing/2010/main" xmlns="" w="9525">
                     <a:solidFill>
                       <a:srgbClr val="000000"/>
                     </a:solidFill>
@@ -20206,7 +20206,7 @@
               </a:ln>
               <a:extLst>
                 <a:ext uri="{91240B29-F687-4f45-9708-019B960494DF}">
-                  <a14:hiddenLine xmlns="" xmlns:a14="http://schemas.microsoft.com/office/drawing/2010/main" w="9525">
+                  <a14:hiddenLine xmlns:a14="http://schemas.microsoft.com/office/drawing/2010/main" xmlns="" w="9525">
                     <a:solidFill>
                       <a:srgbClr val="000000"/>
                     </a:solidFill>
@@ -20321,7 +20321,7 @@
               </a:ln>
               <a:extLst>
                 <a:ext uri="{91240B29-F687-4f45-9708-019B960494DF}">
-                  <a14:hiddenLine xmlns="" xmlns:a14="http://schemas.microsoft.com/office/drawing/2010/main" w="9525">
+                  <a14:hiddenLine xmlns:a14="http://schemas.microsoft.com/office/drawing/2010/main" xmlns="" w="9525">
                     <a:solidFill>
                       <a:srgbClr val="000000"/>
                     </a:solidFill>
@@ -20411,7 +20411,7 @@
               </a:ln>
               <a:extLst>
                 <a:ext uri="{91240B29-F687-4f45-9708-019B960494DF}">
-                  <a14:hiddenLine xmlns="" xmlns:a14="http://schemas.microsoft.com/office/drawing/2010/main" w="9525">
+                  <a14:hiddenLine xmlns:a14="http://schemas.microsoft.com/office/drawing/2010/main" xmlns="" w="9525">
                     <a:solidFill>
                       <a:srgbClr val="000000"/>
                     </a:solidFill>
@@ -20476,7 +20476,7 @@
               </a:ln>
               <a:extLst>
                 <a:ext uri="{91240B29-F687-4f45-9708-019B960494DF}">
-                  <a14:hiddenLine xmlns="" xmlns:a14="http://schemas.microsoft.com/office/drawing/2010/main" w="9525">
+                  <a14:hiddenLine xmlns:a14="http://schemas.microsoft.com/office/drawing/2010/main" xmlns="" w="9525">
                     <a:solidFill>
                       <a:srgbClr val="000000"/>
                     </a:solidFill>
@@ -20566,7 +20566,7 @@
               </a:ln>
               <a:extLst>
                 <a:ext uri="{91240B29-F687-4f45-9708-019B960494DF}">
-                  <a14:hiddenLine xmlns="" xmlns:a14="http://schemas.microsoft.com/office/drawing/2010/main" w="9525">
+                  <a14:hiddenLine xmlns:a14="http://schemas.microsoft.com/office/drawing/2010/main" xmlns="" w="9525">
                     <a:solidFill>
                       <a:srgbClr val="000000"/>
                     </a:solidFill>
@@ -20634,7 +20634,7 @@
               </a:ln>
               <a:extLst>
                 <a:ext uri="{91240B29-F687-4f45-9708-019B960494DF}">
-                  <a14:hiddenLine xmlns="" xmlns:a14="http://schemas.microsoft.com/office/drawing/2010/main" w="9525">
+                  <a14:hiddenLine xmlns:a14="http://schemas.microsoft.com/office/drawing/2010/main" xmlns="" w="9525">
                     <a:solidFill>
                       <a:srgbClr val="000000"/>
                     </a:solidFill>
@@ -20724,7 +20724,7 @@
               </a:ln>
               <a:extLst>
                 <a:ext uri="{91240B29-F687-4f45-9708-019B960494DF}">
-                  <a14:hiddenLine xmlns="" xmlns:a14="http://schemas.microsoft.com/office/drawing/2010/main" w="9525">
+                  <a14:hiddenLine xmlns:a14="http://schemas.microsoft.com/office/drawing/2010/main" xmlns="" w="9525">
                     <a:solidFill>
                       <a:srgbClr val="000000"/>
                     </a:solidFill>
@@ -20792,7 +20792,7 @@
               </a:ln>
               <a:extLst>
                 <a:ext uri="{91240B29-F687-4f45-9708-019B960494DF}">
-                  <a14:hiddenLine xmlns="" xmlns:a14="http://schemas.microsoft.com/office/drawing/2010/main" w="9525">
+                  <a14:hiddenLine xmlns:a14="http://schemas.microsoft.com/office/drawing/2010/main" xmlns="" w="9525">
                     <a:solidFill>
                       <a:srgbClr val="000000"/>
                     </a:solidFill>
@@ -20882,7 +20882,7 @@
               </a:ln>
               <a:extLst>
                 <a:ext uri="{91240B29-F687-4f45-9708-019B960494DF}">
-                  <a14:hiddenLine xmlns="" xmlns:a14="http://schemas.microsoft.com/office/drawing/2010/main" w="9525">
+                  <a14:hiddenLine xmlns:a14="http://schemas.microsoft.com/office/drawing/2010/main" xmlns="" w="9525">
                     <a:solidFill>
                       <a:srgbClr val="000000"/>
                     </a:solidFill>
@@ -20916,7 +20916,7 @@
               </a:ln>
               <a:extLst>
                 <a:ext uri="{91240B29-F687-4f45-9708-019B960494DF}">
-                  <a14:hiddenLine xmlns="" xmlns:a14="http://schemas.microsoft.com/office/drawing/2010/main" w="9525">
+                  <a14:hiddenLine xmlns:a14="http://schemas.microsoft.com/office/drawing/2010/main" xmlns="" w="9525">
                     <a:solidFill>
                       <a:srgbClr val="000000"/>
                     </a:solidFill>

--- a/Presentation.pptx
+++ b/Presentation.pptx
@@ -9287,7 +9287,7 @@
           <a:noFill/>
           <a:extLst>
             <a:ext uri="{909E8E84-426E-40dd-AFC4-6F175D3DCCD1}">
-              <a14:hiddenFill xmlns:a14="http://schemas.microsoft.com/office/drawing/2010/main" xmlns="">
+              <a14:hiddenFill xmlns="" xmlns:a14="http://schemas.microsoft.com/office/drawing/2010/main">
                 <a:solidFill>
                   <a:srgbClr val="FFFFFF"/>
                 </a:solidFill>
@@ -9347,7 +9347,7 @@
             </a:ln>
             <a:extLst>
               <a:ext uri="{91240B29-F687-4f45-9708-019B960494DF}">
-                <a14:hiddenLine xmlns:a14="http://schemas.microsoft.com/office/drawing/2010/main" xmlns="" w="9525">
+                <a14:hiddenLine xmlns="" xmlns:a14="http://schemas.microsoft.com/office/drawing/2010/main" w="9525">
                   <a:solidFill>
                     <a:srgbClr val="000000"/>
                   </a:solidFill>
@@ -9437,7 +9437,7 @@
             </a:ln>
             <a:extLst>
               <a:ext uri="{91240B29-F687-4f45-9708-019B960494DF}">
-                <a14:hiddenLine xmlns:a14="http://schemas.microsoft.com/office/drawing/2010/main" xmlns="" w="9525">
+                <a14:hiddenLine xmlns="" xmlns:a14="http://schemas.microsoft.com/office/drawing/2010/main" w="9525">
                   <a:solidFill>
                     <a:srgbClr val="000000"/>
                   </a:solidFill>
@@ -9527,7 +9527,7 @@
             </a:ln>
             <a:extLst>
               <a:ext uri="{91240B29-F687-4f45-9708-019B960494DF}">
-                <a14:hiddenLine xmlns:a14="http://schemas.microsoft.com/office/drawing/2010/main" xmlns="" w="9525">
+                <a14:hiddenLine xmlns="" xmlns:a14="http://schemas.microsoft.com/office/drawing/2010/main" w="9525">
                   <a:solidFill>
                     <a:srgbClr val="000000"/>
                   </a:solidFill>
@@ -9561,7 +9561,7 @@
             </a:ln>
             <a:extLst>
               <a:ext uri="{91240B29-F687-4f45-9708-019B960494DF}">
-                <a14:hiddenLine xmlns:a14="http://schemas.microsoft.com/office/drawing/2010/main" xmlns="" w="9525">
+                <a14:hiddenLine xmlns="" xmlns:a14="http://schemas.microsoft.com/office/drawing/2010/main" w="9525">
                   <a:solidFill>
                     <a:srgbClr val="000000"/>
                   </a:solidFill>
@@ -9651,7 +9651,7 @@
             </a:ln>
             <a:extLst>
               <a:ext uri="{91240B29-F687-4f45-9708-019B960494DF}">
-                <a14:hiddenLine xmlns:a14="http://schemas.microsoft.com/office/drawing/2010/main" xmlns="" w="9525">
+                <a14:hiddenLine xmlns="" xmlns:a14="http://schemas.microsoft.com/office/drawing/2010/main" w="9525">
                   <a:solidFill>
                     <a:srgbClr val="000000"/>
                   </a:solidFill>
@@ -9713,7 +9713,7 @@
             </a:ln>
             <a:extLst>
               <a:ext uri="{91240B29-F687-4f45-9708-019B960494DF}">
-                <a14:hiddenLine xmlns:a14="http://schemas.microsoft.com/office/drawing/2010/main" xmlns="" w="9525">
+                <a14:hiddenLine xmlns="" xmlns:a14="http://schemas.microsoft.com/office/drawing/2010/main" w="9525">
                   <a:solidFill>
                     <a:srgbClr val="000000"/>
                   </a:solidFill>
@@ -9775,7 +9775,7 @@
             </a:ln>
             <a:extLst>
               <a:ext uri="{91240B29-F687-4f45-9708-019B960494DF}">
-                <a14:hiddenLine xmlns:a14="http://schemas.microsoft.com/office/drawing/2010/main" xmlns="" w="9525">
+                <a14:hiddenLine xmlns="" xmlns:a14="http://schemas.microsoft.com/office/drawing/2010/main" w="9525">
                   <a:solidFill>
                     <a:srgbClr val="000000"/>
                   </a:solidFill>
@@ -9865,7 +9865,7 @@
             </a:ln>
             <a:extLst>
               <a:ext uri="{91240B29-F687-4f45-9708-019B960494DF}">
-                <a14:hiddenLine xmlns:a14="http://schemas.microsoft.com/office/drawing/2010/main" xmlns="" w="9525">
+                <a14:hiddenLine xmlns="" xmlns:a14="http://schemas.microsoft.com/office/drawing/2010/main" w="9525">
                   <a:solidFill>
                     <a:srgbClr val="000000"/>
                   </a:solidFill>
@@ -9927,7 +9927,7 @@
             </a:ln>
             <a:extLst>
               <a:ext uri="{91240B29-F687-4f45-9708-019B960494DF}">
-                <a14:hiddenLine xmlns:a14="http://schemas.microsoft.com/office/drawing/2010/main" xmlns="" w="9525">
+                <a14:hiddenLine xmlns="" xmlns:a14="http://schemas.microsoft.com/office/drawing/2010/main" w="9525">
                   <a:solidFill>
                     <a:srgbClr val="000000"/>
                   </a:solidFill>
@@ -9989,7 +9989,7 @@
             </a:ln>
             <a:extLst>
               <a:ext uri="{91240B29-F687-4f45-9708-019B960494DF}">
-                <a14:hiddenLine xmlns:a14="http://schemas.microsoft.com/office/drawing/2010/main" xmlns="" w="9525">
+                <a14:hiddenLine xmlns="" xmlns:a14="http://schemas.microsoft.com/office/drawing/2010/main" w="9525">
                   <a:solidFill>
                     <a:srgbClr val="000000"/>
                   </a:solidFill>
@@ -10079,7 +10079,7 @@
             </a:ln>
             <a:extLst>
               <a:ext uri="{91240B29-F687-4f45-9708-019B960494DF}">
-                <a14:hiddenLine xmlns:a14="http://schemas.microsoft.com/office/drawing/2010/main" xmlns="" w="9525">
+                <a14:hiddenLine xmlns="" xmlns:a14="http://schemas.microsoft.com/office/drawing/2010/main" w="9525">
                   <a:solidFill>
                     <a:srgbClr val="000000"/>
                   </a:solidFill>
@@ -10169,7 +10169,7 @@
             </a:ln>
             <a:extLst>
               <a:ext uri="{91240B29-F687-4f45-9708-019B960494DF}">
-                <a14:hiddenLine xmlns:a14="http://schemas.microsoft.com/office/drawing/2010/main" xmlns="" w="9525">
+                <a14:hiddenLine xmlns="" xmlns:a14="http://schemas.microsoft.com/office/drawing/2010/main" w="9525">
                   <a:solidFill>
                     <a:srgbClr val="000000"/>
                   </a:solidFill>
@@ -10231,7 +10231,7 @@
             </a:ln>
             <a:extLst>
               <a:ext uri="{91240B29-F687-4f45-9708-019B960494DF}">
-                <a14:hiddenLine xmlns:a14="http://schemas.microsoft.com/office/drawing/2010/main" xmlns="" w="9525">
+                <a14:hiddenLine xmlns="" xmlns:a14="http://schemas.microsoft.com/office/drawing/2010/main" w="9525">
                   <a:solidFill>
                     <a:srgbClr val="000000"/>
                   </a:solidFill>
@@ -10341,7 +10341,7 @@
             </a:ln>
             <a:extLst>
               <a:ext uri="{91240B29-F687-4f45-9708-019B960494DF}">
-                <a14:hiddenLine xmlns:a14="http://schemas.microsoft.com/office/drawing/2010/main" xmlns="" w="9525">
+                <a14:hiddenLine xmlns="" xmlns:a14="http://schemas.microsoft.com/office/drawing/2010/main" w="9525">
                   <a:solidFill>
                     <a:srgbClr val="000000"/>
                   </a:solidFill>
@@ -10403,7 +10403,7 @@
             </a:ln>
             <a:extLst>
               <a:ext uri="{91240B29-F687-4f45-9708-019B960494DF}">
-                <a14:hiddenLine xmlns:a14="http://schemas.microsoft.com/office/drawing/2010/main" xmlns="" w="9525">
+                <a14:hiddenLine xmlns="" xmlns:a14="http://schemas.microsoft.com/office/drawing/2010/main" w="9525">
                   <a:solidFill>
                     <a:srgbClr val="000000"/>
                   </a:solidFill>
@@ -10493,7 +10493,7 @@
             </a:ln>
             <a:extLst>
               <a:ext uri="{91240B29-F687-4f45-9708-019B960494DF}">
-                <a14:hiddenLine xmlns:a14="http://schemas.microsoft.com/office/drawing/2010/main" xmlns="" w="9525">
+                <a14:hiddenLine xmlns="" xmlns:a14="http://schemas.microsoft.com/office/drawing/2010/main" w="9525">
                   <a:solidFill>
                     <a:srgbClr val="000000"/>
                   </a:solidFill>
@@ -10583,7 +10583,7 @@
             </a:ln>
             <a:extLst>
               <a:ext uri="{91240B29-F687-4f45-9708-019B960494DF}">
-                <a14:hiddenLine xmlns:a14="http://schemas.microsoft.com/office/drawing/2010/main" xmlns="" w="9525">
+                <a14:hiddenLine xmlns="" xmlns:a14="http://schemas.microsoft.com/office/drawing/2010/main" w="9525">
                   <a:solidFill>
                     <a:srgbClr val="000000"/>
                   </a:solidFill>
@@ -10645,7 +10645,7 @@
             </a:ln>
             <a:extLst>
               <a:ext uri="{91240B29-F687-4f45-9708-019B960494DF}">
-                <a14:hiddenLine xmlns:a14="http://schemas.microsoft.com/office/drawing/2010/main" xmlns="" w="9525">
+                <a14:hiddenLine xmlns="" xmlns:a14="http://schemas.microsoft.com/office/drawing/2010/main" w="9525">
                   <a:solidFill>
                     <a:srgbClr val="000000"/>
                   </a:solidFill>
@@ -10735,7 +10735,7 @@
             </a:ln>
             <a:extLst>
               <a:ext uri="{91240B29-F687-4f45-9708-019B960494DF}">
-                <a14:hiddenLine xmlns:a14="http://schemas.microsoft.com/office/drawing/2010/main" xmlns="" w="9525">
+                <a14:hiddenLine xmlns="" xmlns:a14="http://schemas.microsoft.com/office/drawing/2010/main" w="9525">
                   <a:solidFill>
                     <a:srgbClr val="000000"/>
                   </a:solidFill>
@@ -10825,7 +10825,7 @@
             </a:ln>
             <a:extLst>
               <a:ext uri="{91240B29-F687-4f45-9708-019B960494DF}">
-                <a14:hiddenLine xmlns:a14="http://schemas.microsoft.com/office/drawing/2010/main" xmlns="" w="9525">
+                <a14:hiddenLine xmlns="" xmlns:a14="http://schemas.microsoft.com/office/drawing/2010/main" w="9525">
                   <a:solidFill>
                     <a:srgbClr val="000000"/>
                   </a:solidFill>
@@ -10881,7 +10881,7 @@
             </a:ln>
             <a:extLst>
               <a:ext uri="{91240B29-F687-4f45-9708-019B960494DF}">
-                <a14:hiddenLine xmlns:a14="http://schemas.microsoft.com/office/drawing/2010/main" xmlns="" w="9525">
+                <a14:hiddenLine xmlns="" xmlns:a14="http://schemas.microsoft.com/office/drawing/2010/main" w="9525">
                   <a:solidFill>
                     <a:srgbClr val="000000"/>
                   </a:solidFill>
@@ -10971,7 +10971,7 @@
             </a:ln>
             <a:extLst>
               <a:ext uri="{91240B29-F687-4f45-9708-019B960494DF}">
-                <a14:hiddenLine xmlns:a14="http://schemas.microsoft.com/office/drawing/2010/main" xmlns="" w="9525">
+                <a14:hiddenLine xmlns="" xmlns:a14="http://schemas.microsoft.com/office/drawing/2010/main" w="9525">
                   <a:solidFill>
                     <a:srgbClr val="000000"/>
                   </a:solidFill>
@@ -11027,7 +11027,7 @@
             </a:ln>
             <a:extLst>
               <a:ext uri="{91240B29-F687-4f45-9708-019B960494DF}">
-                <a14:hiddenLine xmlns:a14="http://schemas.microsoft.com/office/drawing/2010/main" xmlns="" w="9525">
+                <a14:hiddenLine xmlns="" xmlns:a14="http://schemas.microsoft.com/office/drawing/2010/main" w="9525">
                   <a:solidFill>
                     <a:srgbClr val="000000"/>
                   </a:solidFill>
@@ -11117,7 +11117,7 @@
             </a:ln>
             <a:extLst>
               <a:ext uri="{91240B29-F687-4f45-9708-019B960494DF}">
-                <a14:hiddenLine xmlns:a14="http://schemas.microsoft.com/office/drawing/2010/main" xmlns="" w="9525">
+                <a14:hiddenLine xmlns="" xmlns:a14="http://schemas.microsoft.com/office/drawing/2010/main" w="9525">
                   <a:solidFill>
                     <a:srgbClr val="000000"/>
                   </a:solidFill>
@@ -11185,7 +11185,7 @@
             </a:ln>
             <a:extLst>
               <a:ext uri="{91240B29-F687-4f45-9708-019B960494DF}">
-                <a14:hiddenLine xmlns:a14="http://schemas.microsoft.com/office/drawing/2010/main" xmlns="" w="9525">
+                <a14:hiddenLine xmlns="" xmlns:a14="http://schemas.microsoft.com/office/drawing/2010/main" w="9525">
                   <a:solidFill>
                     <a:srgbClr val="000000"/>
                   </a:solidFill>
@@ -11275,7 +11275,7 @@
             </a:ln>
             <a:extLst>
               <a:ext uri="{91240B29-F687-4f45-9708-019B960494DF}">
-                <a14:hiddenLine xmlns:a14="http://schemas.microsoft.com/office/drawing/2010/main" xmlns="" w="9525">
+                <a14:hiddenLine xmlns="" xmlns:a14="http://schemas.microsoft.com/office/drawing/2010/main" w="9525">
                   <a:solidFill>
                     <a:srgbClr val="000000"/>
                   </a:solidFill>
@@ -11343,7 +11343,7 @@
             </a:ln>
             <a:extLst>
               <a:ext uri="{91240B29-F687-4f45-9708-019B960494DF}">
-                <a14:hiddenLine xmlns:a14="http://schemas.microsoft.com/office/drawing/2010/main" xmlns="" w="9525">
+                <a14:hiddenLine xmlns="" xmlns:a14="http://schemas.microsoft.com/office/drawing/2010/main" w="9525">
                   <a:solidFill>
                     <a:srgbClr val="000000"/>
                   </a:solidFill>
@@ -11433,7 +11433,7 @@
             </a:ln>
             <a:extLst>
               <a:ext uri="{91240B29-F687-4f45-9708-019B960494DF}">
-                <a14:hiddenLine xmlns:a14="http://schemas.microsoft.com/office/drawing/2010/main" xmlns="" w="9525">
+                <a14:hiddenLine xmlns="" xmlns:a14="http://schemas.microsoft.com/office/drawing/2010/main" w="9525">
                   <a:solidFill>
                     <a:srgbClr val="000000"/>
                   </a:solidFill>
@@ -11467,7 +11467,7 @@
             </a:ln>
             <a:extLst>
               <a:ext uri="{91240B29-F687-4f45-9708-019B960494DF}">
-                <a14:hiddenLine xmlns:a14="http://schemas.microsoft.com/office/drawing/2010/main" xmlns="" w="9525">
+                <a14:hiddenLine xmlns="" xmlns:a14="http://schemas.microsoft.com/office/drawing/2010/main" w="9525">
                   <a:solidFill>
                     <a:srgbClr val="000000"/>
                   </a:solidFill>
@@ -11557,7 +11557,7 @@
             </a:ln>
             <a:extLst>
               <a:ext uri="{91240B29-F687-4f45-9708-019B960494DF}">
-                <a14:hiddenLine xmlns:a14="http://schemas.microsoft.com/office/drawing/2010/main" xmlns="" w="9525">
+                <a14:hiddenLine xmlns="" xmlns:a14="http://schemas.microsoft.com/office/drawing/2010/main" w="9525">
                   <a:solidFill>
                     <a:srgbClr val="000000"/>
                   </a:solidFill>
@@ -11619,7 +11619,7 @@
             </a:ln>
             <a:extLst>
               <a:ext uri="{91240B29-F687-4f45-9708-019B960494DF}">
-                <a14:hiddenLine xmlns:a14="http://schemas.microsoft.com/office/drawing/2010/main" xmlns="" w="9525">
+                <a14:hiddenLine xmlns="" xmlns:a14="http://schemas.microsoft.com/office/drawing/2010/main" w="9525">
                   <a:solidFill>
                     <a:srgbClr val="000000"/>
                   </a:solidFill>
@@ -11681,7 +11681,7 @@
             </a:ln>
             <a:extLst>
               <a:ext uri="{91240B29-F687-4f45-9708-019B960494DF}">
-                <a14:hiddenLine xmlns:a14="http://schemas.microsoft.com/office/drawing/2010/main" xmlns="" w="9525">
+                <a14:hiddenLine xmlns="" xmlns:a14="http://schemas.microsoft.com/office/drawing/2010/main" w="9525">
                   <a:solidFill>
                     <a:srgbClr val="000000"/>
                   </a:solidFill>
@@ -11771,7 +11771,7 @@
             </a:ln>
             <a:extLst>
               <a:ext uri="{91240B29-F687-4f45-9708-019B960494DF}">
-                <a14:hiddenLine xmlns:a14="http://schemas.microsoft.com/office/drawing/2010/main" xmlns="" w="9525">
+                <a14:hiddenLine xmlns="" xmlns:a14="http://schemas.microsoft.com/office/drawing/2010/main" w="9525">
                   <a:solidFill>
                     <a:srgbClr val="000000"/>
                   </a:solidFill>
@@ -11839,7 +11839,7 @@
             </a:ln>
             <a:extLst>
               <a:ext uri="{91240B29-F687-4f45-9708-019B960494DF}">
-                <a14:hiddenLine xmlns:a14="http://schemas.microsoft.com/office/drawing/2010/main" xmlns="" w="9525">
+                <a14:hiddenLine xmlns="" xmlns:a14="http://schemas.microsoft.com/office/drawing/2010/main" w="9525">
                   <a:solidFill>
                     <a:srgbClr val="000000"/>
                   </a:solidFill>
@@ -11901,7 +11901,7 @@
             </a:ln>
             <a:extLst>
               <a:ext uri="{91240B29-F687-4f45-9708-019B960494DF}">
-                <a14:hiddenLine xmlns:a14="http://schemas.microsoft.com/office/drawing/2010/main" xmlns="" w="9525">
+                <a14:hiddenLine xmlns="" xmlns:a14="http://schemas.microsoft.com/office/drawing/2010/main" w="9525">
                   <a:solidFill>
                     <a:srgbClr val="000000"/>
                   </a:solidFill>
@@ -11991,7 +11991,7 @@
             </a:ln>
             <a:extLst>
               <a:ext uri="{91240B29-F687-4f45-9708-019B960494DF}">
-                <a14:hiddenLine xmlns:a14="http://schemas.microsoft.com/office/drawing/2010/main" xmlns="" w="9525">
+                <a14:hiddenLine xmlns="" xmlns:a14="http://schemas.microsoft.com/office/drawing/2010/main" w="9525">
                   <a:solidFill>
                     <a:srgbClr val="000000"/>
                   </a:solidFill>
@@ -12053,7 +12053,7 @@
             </a:ln>
             <a:extLst>
               <a:ext uri="{91240B29-F687-4f45-9708-019B960494DF}">
-                <a14:hiddenLine xmlns:a14="http://schemas.microsoft.com/office/drawing/2010/main" xmlns="" w="9525">
+                <a14:hiddenLine xmlns="" xmlns:a14="http://schemas.microsoft.com/office/drawing/2010/main" w="9525">
                   <a:solidFill>
                     <a:srgbClr val="000000"/>
                   </a:solidFill>
@@ -12143,7 +12143,7 @@
             </a:ln>
             <a:extLst>
               <a:ext uri="{91240B29-F687-4f45-9708-019B960494DF}">
-                <a14:hiddenLine xmlns:a14="http://schemas.microsoft.com/office/drawing/2010/main" xmlns="" w="9525">
+                <a14:hiddenLine xmlns="" xmlns:a14="http://schemas.microsoft.com/office/drawing/2010/main" w="9525">
                   <a:solidFill>
                     <a:srgbClr val="000000"/>
                   </a:solidFill>
@@ -12205,7 +12205,7 @@
             </a:ln>
             <a:extLst>
               <a:ext uri="{91240B29-F687-4f45-9708-019B960494DF}">
-                <a14:hiddenLine xmlns:a14="http://schemas.microsoft.com/office/drawing/2010/main" xmlns="" w="9525">
+                <a14:hiddenLine xmlns="" xmlns:a14="http://schemas.microsoft.com/office/drawing/2010/main" w="9525">
                   <a:solidFill>
                     <a:srgbClr val="000000"/>
                   </a:solidFill>
@@ -12295,7 +12295,7 @@
             </a:ln>
             <a:extLst>
               <a:ext uri="{91240B29-F687-4f45-9708-019B960494DF}">
-                <a14:hiddenLine xmlns:a14="http://schemas.microsoft.com/office/drawing/2010/main" xmlns="" w="9525">
+                <a14:hiddenLine xmlns="" xmlns:a14="http://schemas.microsoft.com/office/drawing/2010/main" w="9525">
                   <a:solidFill>
                     <a:srgbClr val="000000"/>
                   </a:solidFill>
@@ -12329,7 +12329,7 @@
             </a:ln>
             <a:extLst>
               <a:ext uri="{91240B29-F687-4f45-9708-019B960494DF}">
-                <a14:hiddenLine xmlns:a14="http://schemas.microsoft.com/office/drawing/2010/main" xmlns="" w="9525">
+                <a14:hiddenLine xmlns="" xmlns:a14="http://schemas.microsoft.com/office/drawing/2010/main" w="9525">
                   <a:solidFill>
                     <a:srgbClr val="000000"/>
                   </a:solidFill>
@@ -12394,7 +12394,7 @@
             </a:ln>
             <a:extLst>
               <a:ext uri="{91240B29-F687-4f45-9708-019B960494DF}">
-                <a14:hiddenLine xmlns:a14="http://schemas.microsoft.com/office/drawing/2010/main" xmlns="" w="9525">
+                <a14:hiddenLine xmlns="" xmlns:a14="http://schemas.microsoft.com/office/drawing/2010/main" w="9525">
                   <a:solidFill>
                     <a:srgbClr val="000000"/>
                   </a:solidFill>
@@ -12484,7 +12484,7 @@
             </a:ln>
             <a:extLst>
               <a:ext uri="{91240B29-F687-4f45-9708-019B960494DF}">
-                <a14:hiddenLine xmlns:a14="http://schemas.microsoft.com/office/drawing/2010/main" xmlns="" w="9525">
+                <a14:hiddenLine xmlns="" xmlns:a14="http://schemas.microsoft.com/office/drawing/2010/main" w="9525">
                   <a:solidFill>
                     <a:srgbClr val="000000"/>
                   </a:solidFill>
@@ -12546,7 +12546,7 @@
             </a:ln>
             <a:extLst>
               <a:ext uri="{91240B29-F687-4f45-9708-019B960494DF}">
-                <a14:hiddenLine xmlns:a14="http://schemas.microsoft.com/office/drawing/2010/main" xmlns="" w="9525">
+                <a14:hiddenLine xmlns="" xmlns:a14="http://schemas.microsoft.com/office/drawing/2010/main" w="9525">
                   <a:solidFill>
                     <a:srgbClr val="000000"/>
                   </a:solidFill>
@@ -12636,7 +12636,7 @@
             </a:ln>
             <a:extLst>
               <a:ext uri="{91240B29-F687-4f45-9708-019B960494DF}">
-                <a14:hiddenLine xmlns:a14="http://schemas.microsoft.com/office/drawing/2010/main" xmlns="" w="9525">
+                <a14:hiddenLine xmlns="" xmlns:a14="http://schemas.microsoft.com/office/drawing/2010/main" w="9525">
                   <a:solidFill>
                     <a:srgbClr val="000000"/>
                   </a:solidFill>
@@ -12726,7 +12726,7 @@
             </a:ln>
             <a:extLst>
               <a:ext uri="{91240B29-F687-4f45-9708-019B960494DF}">
-                <a14:hiddenLine xmlns:a14="http://schemas.microsoft.com/office/drawing/2010/main" xmlns="" w="9525">
+                <a14:hiddenLine xmlns="" xmlns:a14="http://schemas.microsoft.com/office/drawing/2010/main" w="9525">
                   <a:solidFill>
                     <a:srgbClr val="000000"/>
                   </a:solidFill>
@@ -12791,7 +12791,7 @@
             </a:ln>
             <a:extLst>
               <a:ext uri="{91240B29-F687-4f45-9708-019B960494DF}">
-                <a14:hiddenLine xmlns:a14="http://schemas.microsoft.com/office/drawing/2010/main" xmlns="" w="9525">
+                <a14:hiddenLine xmlns="" xmlns:a14="http://schemas.microsoft.com/office/drawing/2010/main" w="9525">
                   <a:solidFill>
                     <a:srgbClr val="000000"/>
                   </a:solidFill>
@@ -12853,7 +12853,7 @@
             </a:ln>
             <a:extLst>
               <a:ext uri="{91240B29-F687-4f45-9708-019B960494DF}">
-                <a14:hiddenLine xmlns:a14="http://schemas.microsoft.com/office/drawing/2010/main" xmlns="" w="9525">
+                <a14:hiddenLine xmlns="" xmlns:a14="http://schemas.microsoft.com/office/drawing/2010/main" w="9525">
                   <a:solidFill>
                     <a:srgbClr val="000000"/>
                   </a:solidFill>
@@ -12943,7 +12943,7 @@
             </a:ln>
             <a:extLst>
               <a:ext uri="{91240B29-F687-4f45-9708-019B960494DF}">
-                <a14:hiddenLine xmlns:a14="http://schemas.microsoft.com/office/drawing/2010/main" xmlns="" w="9525">
+                <a14:hiddenLine xmlns="" xmlns:a14="http://schemas.microsoft.com/office/drawing/2010/main" w="9525">
                   <a:solidFill>
                     <a:srgbClr val="000000"/>
                   </a:solidFill>
@@ -13033,7 +13033,7 @@
             </a:ln>
             <a:extLst>
               <a:ext uri="{91240B29-F687-4f45-9708-019B960494DF}">
-                <a14:hiddenLine xmlns:a14="http://schemas.microsoft.com/office/drawing/2010/main" xmlns="" w="9525">
+                <a14:hiddenLine xmlns="" xmlns:a14="http://schemas.microsoft.com/office/drawing/2010/main" w="9525">
                   <a:solidFill>
                     <a:srgbClr val="000000"/>
                   </a:solidFill>
@@ -13095,7 +13095,7 @@
             </a:ln>
             <a:extLst>
               <a:ext uri="{91240B29-F687-4f45-9708-019B960494DF}">
-                <a14:hiddenLine xmlns:a14="http://schemas.microsoft.com/office/drawing/2010/main" xmlns="" w="9525">
+                <a14:hiddenLine xmlns="" xmlns:a14="http://schemas.microsoft.com/office/drawing/2010/main" w="9525">
                   <a:solidFill>
                     <a:srgbClr val="000000"/>
                   </a:solidFill>
@@ -13215,7 +13215,7 @@
             </a:ln>
             <a:extLst>
               <a:ext uri="{91240B29-F687-4f45-9708-019B960494DF}">
-                <a14:hiddenLine xmlns:a14="http://schemas.microsoft.com/office/drawing/2010/main" xmlns="" w="9525">
+                <a14:hiddenLine xmlns="" xmlns:a14="http://schemas.microsoft.com/office/drawing/2010/main" w="9525">
                   <a:solidFill>
                     <a:srgbClr val="000000"/>
                   </a:solidFill>
@@ -13283,7 +13283,7 @@
             </a:ln>
             <a:extLst>
               <a:ext uri="{91240B29-F687-4f45-9708-019B960494DF}">
-                <a14:hiddenLine xmlns:a14="http://schemas.microsoft.com/office/drawing/2010/main" xmlns="" w="9525">
+                <a14:hiddenLine xmlns="" xmlns:a14="http://schemas.microsoft.com/office/drawing/2010/main" w="9525">
                   <a:solidFill>
                     <a:srgbClr val="000000"/>
                   </a:solidFill>
@@ -13373,7 +13373,7 @@
             </a:ln>
             <a:extLst>
               <a:ext uri="{91240B29-F687-4f45-9708-019B960494DF}">
-                <a14:hiddenLine xmlns:a14="http://schemas.microsoft.com/office/drawing/2010/main" xmlns="" w="9525">
+                <a14:hiddenLine xmlns="" xmlns:a14="http://schemas.microsoft.com/office/drawing/2010/main" w="9525">
                   <a:solidFill>
                     <a:srgbClr val="000000"/>
                   </a:solidFill>
@@ -18095,7 +18095,7 @@
           <a:noFill/>
           <a:extLst>
             <a:ext uri="{909E8E84-426E-40dd-AFC4-6F175D3DCCD1}">
-              <a14:hiddenFill xmlns:a14="http://schemas.microsoft.com/office/drawing/2010/main" xmlns="">
+              <a14:hiddenFill xmlns="" xmlns:a14="http://schemas.microsoft.com/office/drawing/2010/main">
                 <a:solidFill>
                   <a:srgbClr val="FFFFFF"/>
                 </a:solidFill>
@@ -18169,7 +18169,7 @@
               </a:ln>
               <a:extLst>
                 <a:ext uri="{91240B29-F687-4f45-9708-019B960494DF}">
-                  <a14:hiddenLine xmlns:a14="http://schemas.microsoft.com/office/drawing/2010/main" xmlns="" w="9525">
+                  <a14:hiddenLine xmlns="" xmlns:a14="http://schemas.microsoft.com/office/drawing/2010/main" w="9525">
                     <a:solidFill>
                       <a:srgbClr val="000000"/>
                     </a:solidFill>
@@ -18259,7 +18259,7 @@
               </a:ln>
               <a:extLst>
                 <a:ext uri="{91240B29-F687-4f45-9708-019B960494DF}">
-                  <a14:hiddenLine xmlns:a14="http://schemas.microsoft.com/office/drawing/2010/main" xmlns="" w="9525">
+                  <a14:hiddenLine xmlns="" xmlns:a14="http://schemas.microsoft.com/office/drawing/2010/main" w="9525">
                     <a:solidFill>
                       <a:srgbClr val="000000"/>
                     </a:solidFill>
@@ -18349,7 +18349,7 @@
               </a:ln>
               <a:extLst>
                 <a:ext uri="{91240B29-F687-4f45-9708-019B960494DF}">
-                  <a14:hiddenLine xmlns:a14="http://schemas.microsoft.com/office/drawing/2010/main" xmlns="" w="9525">
+                  <a14:hiddenLine xmlns="" xmlns:a14="http://schemas.microsoft.com/office/drawing/2010/main" w="9525">
                     <a:solidFill>
                       <a:srgbClr val="000000"/>
                     </a:solidFill>
@@ -18411,7 +18411,7 @@
               </a:ln>
               <a:extLst>
                 <a:ext uri="{91240B29-F687-4f45-9708-019B960494DF}">
-                  <a14:hiddenLine xmlns:a14="http://schemas.microsoft.com/office/drawing/2010/main" xmlns="" w="9525">
+                  <a14:hiddenLine xmlns="" xmlns:a14="http://schemas.microsoft.com/office/drawing/2010/main" w="9525">
                     <a:solidFill>
                       <a:srgbClr val="000000"/>
                     </a:solidFill>
@@ -18501,7 +18501,7 @@
               </a:ln>
               <a:extLst>
                 <a:ext uri="{91240B29-F687-4f45-9708-019B960494DF}">
-                  <a14:hiddenLine xmlns:a14="http://schemas.microsoft.com/office/drawing/2010/main" xmlns="" w="9525">
+                  <a14:hiddenLine xmlns="" xmlns:a14="http://schemas.microsoft.com/office/drawing/2010/main" w="9525">
                     <a:solidFill>
                       <a:srgbClr val="000000"/>
                     </a:solidFill>
@@ -18563,7 +18563,7 @@
               </a:ln>
               <a:extLst>
                 <a:ext uri="{91240B29-F687-4f45-9708-019B960494DF}">
-                  <a14:hiddenLine xmlns:a14="http://schemas.microsoft.com/office/drawing/2010/main" xmlns="" w="9525">
+                  <a14:hiddenLine xmlns="" xmlns:a14="http://schemas.microsoft.com/office/drawing/2010/main" w="9525">
                     <a:solidFill>
                       <a:srgbClr val="000000"/>
                     </a:solidFill>
@@ -18625,7 +18625,7 @@
               </a:ln>
               <a:extLst>
                 <a:ext uri="{91240B29-F687-4f45-9708-019B960494DF}">
-                  <a14:hiddenLine xmlns:a14="http://schemas.microsoft.com/office/drawing/2010/main" xmlns="" w="9525">
+                  <a14:hiddenLine xmlns="" xmlns:a14="http://schemas.microsoft.com/office/drawing/2010/main" w="9525">
                     <a:solidFill>
                       <a:srgbClr val="000000"/>
                     </a:solidFill>
@@ -18715,7 +18715,7 @@
               </a:ln>
               <a:extLst>
                 <a:ext uri="{91240B29-F687-4f45-9708-019B960494DF}">
-                  <a14:hiddenLine xmlns:a14="http://schemas.microsoft.com/office/drawing/2010/main" xmlns="" w="9525">
+                  <a14:hiddenLine xmlns="" xmlns:a14="http://schemas.microsoft.com/office/drawing/2010/main" w="9525">
                     <a:solidFill>
                       <a:srgbClr val="000000"/>
                     </a:solidFill>
@@ -18805,7 +18805,7 @@
               </a:ln>
               <a:extLst>
                 <a:ext uri="{91240B29-F687-4f45-9708-019B960494DF}">
-                  <a14:hiddenLine xmlns:a14="http://schemas.microsoft.com/office/drawing/2010/main" xmlns="" w="9525">
+                  <a14:hiddenLine xmlns="" xmlns:a14="http://schemas.microsoft.com/office/drawing/2010/main" w="9525">
                     <a:solidFill>
                       <a:srgbClr val="000000"/>
                     </a:solidFill>
@@ -18867,7 +18867,7 @@
               </a:ln>
               <a:extLst>
                 <a:ext uri="{91240B29-F687-4f45-9708-019B960494DF}">
-                  <a14:hiddenLine xmlns:a14="http://schemas.microsoft.com/office/drawing/2010/main" xmlns="" w="9525">
+                  <a14:hiddenLine xmlns="" xmlns:a14="http://schemas.microsoft.com/office/drawing/2010/main" w="9525">
                     <a:solidFill>
                       <a:srgbClr val="000000"/>
                     </a:solidFill>
@@ -18977,7 +18977,7 @@
               </a:ln>
               <a:extLst>
                 <a:ext uri="{91240B29-F687-4f45-9708-019B960494DF}">
-                  <a14:hiddenLine xmlns:a14="http://schemas.microsoft.com/office/drawing/2010/main" xmlns="" w="9525">
+                  <a14:hiddenLine xmlns="" xmlns:a14="http://schemas.microsoft.com/office/drawing/2010/main" w="9525">
                     <a:solidFill>
                       <a:srgbClr val="000000"/>
                     </a:solidFill>
@@ -19061,7 +19061,7 @@
               </a:ln>
               <a:extLst>
                 <a:ext uri="{91240B29-F687-4f45-9708-019B960494DF}">
-                  <a14:hiddenLine xmlns:a14="http://schemas.microsoft.com/office/drawing/2010/main" xmlns="" w="9525">
+                  <a14:hiddenLine xmlns="" xmlns:a14="http://schemas.microsoft.com/office/drawing/2010/main" w="9525">
                     <a:solidFill>
                       <a:srgbClr val="000000"/>
                     </a:solidFill>
@@ -19123,7 +19123,7 @@
               </a:ln>
               <a:extLst>
                 <a:ext uri="{91240B29-F687-4f45-9708-019B960494DF}">
-                  <a14:hiddenLine xmlns:a14="http://schemas.microsoft.com/office/drawing/2010/main" xmlns="" w="9525">
+                  <a14:hiddenLine xmlns="" xmlns:a14="http://schemas.microsoft.com/office/drawing/2010/main" w="9525">
                     <a:solidFill>
                       <a:srgbClr val="000000"/>
                     </a:solidFill>
@@ -19185,7 +19185,7 @@
               </a:ln>
               <a:extLst>
                 <a:ext uri="{91240B29-F687-4f45-9708-019B960494DF}">
-                  <a14:hiddenLine xmlns:a14="http://schemas.microsoft.com/office/drawing/2010/main" xmlns="" w="9525">
+                  <a14:hiddenLine xmlns="" xmlns:a14="http://schemas.microsoft.com/office/drawing/2010/main" w="9525">
                     <a:solidFill>
                       <a:srgbClr val="000000"/>
                     </a:solidFill>
@@ -19275,7 +19275,7 @@
               </a:ln>
               <a:extLst>
                 <a:ext uri="{91240B29-F687-4f45-9708-019B960494DF}">
-                  <a14:hiddenLine xmlns:a14="http://schemas.microsoft.com/office/drawing/2010/main" xmlns="" w="9525">
+                  <a14:hiddenLine xmlns="" xmlns:a14="http://schemas.microsoft.com/office/drawing/2010/main" w="9525">
                     <a:solidFill>
                       <a:srgbClr val="000000"/>
                     </a:solidFill>
@@ -19309,7 +19309,7 @@
               </a:ln>
               <a:extLst>
                 <a:ext uri="{91240B29-F687-4f45-9708-019B960494DF}">
-                  <a14:hiddenLine xmlns:a14="http://schemas.microsoft.com/office/drawing/2010/main" xmlns="" w="9525">
+                  <a14:hiddenLine xmlns="" xmlns:a14="http://schemas.microsoft.com/office/drawing/2010/main" w="9525">
                     <a:solidFill>
                       <a:srgbClr val="000000"/>
                     </a:solidFill>
@@ -19374,7 +19374,7 @@
               </a:ln>
               <a:extLst>
                 <a:ext uri="{91240B29-F687-4f45-9708-019B960494DF}">
-                  <a14:hiddenLine xmlns:a14="http://schemas.microsoft.com/office/drawing/2010/main" xmlns="" w="9525">
+                  <a14:hiddenLine xmlns="" xmlns:a14="http://schemas.microsoft.com/office/drawing/2010/main" w="9525">
                     <a:solidFill>
                       <a:srgbClr val="000000"/>
                     </a:solidFill>
@@ -19464,7 +19464,7 @@
               </a:ln>
               <a:extLst>
                 <a:ext uri="{91240B29-F687-4f45-9708-019B960494DF}">
-                  <a14:hiddenLine xmlns:a14="http://schemas.microsoft.com/office/drawing/2010/main" xmlns="" w="9525">
+                  <a14:hiddenLine xmlns="" xmlns:a14="http://schemas.microsoft.com/office/drawing/2010/main" w="9525">
                     <a:solidFill>
                       <a:srgbClr val="000000"/>
                     </a:solidFill>
@@ -19526,7 +19526,7 @@
               </a:ln>
               <a:extLst>
                 <a:ext uri="{91240B29-F687-4f45-9708-019B960494DF}">
-                  <a14:hiddenLine xmlns:a14="http://schemas.microsoft.com/office/drawing/2010/main" xmlns="" w="9525">
+                  <a14:hiddenLine xmlns="" xmlns:a14="http://schemas.microsoft.com/office/drawing/2010/main" w="9525">
                     <a:solidFill>
                       <a:srgbClr val="000000"/>
                     </a:solidFill>
@@ -19616,7 +19616,7 @@
               </a:ln>
               <a:extLst>
                 <a:ext uri="{91240B29-F687-4f45-9708-019B960494DF}">
-                  <a14:hiddenLine xmlns:a14="http://schemas.microsoft.com/office/drawing/2010/main" xmlns="" w="9525">
+                  <a14:hiddenLine xmlns="" xmlns:a14="http://schemas.microsoft.com/office/drawing/2010/main" w="9525">
                     <a:solidFill>
                       <a:srgbClr val="000000"/>
                     </a:solidFill>
@@ -19681,7 +19681,7 @@
               </a:ln>
               <a:extLst>
                 <a:ext uri="{91240B29-F687-4f45-9708-019B960494DF}">
-                  <a14:hiddenLine xmlns:a14="http://schemas.microsoft.com/office/drawing/2010/main" xmlns="" w="9525">
+                  <a14:hiddenLine xmlns="" xmlns:a14="http://schemas.microsoft.com/office/drawing/2010/main" w="9525">
                     <a:solidFill>
                       <a:srgbClr val="000000"/>
                     </a:solidFill>
@@ -19743,7 +19743,7 @@
               </a:ln>
               <a:extLst>
                 <a:ext uri="{91240B29-F687-4f45-9708-019B960494DF}">
-                  <a14:hiddenLine xmlns:a14="http://schemas.microsoft.com/office/drawing/2010/main" xmlns="" w="9525">
+                  <a14:hiddenLine xmlns="" xmlns:a14="http://schemas.microsoft.com/office/drawing/2010/main" w="9525">
                     <a:solidFill>
                       <a:srgbClr val="000000"/>
                     </a:solidFill>
@@ -19833,7 +19833,7 @@
               </a:ln>
               <a:extLst>
                 <a:ext uri="{91240B29-F687-4f45-9708-019B960494DF}">
-                  <a14:hiddenLine xmlns:a14="http://schemas.microsoft.com/office/drawing/2010/main" xmlns="" w="9525">
+                  <a14:hiddenLine xmlns="" xmlns:a14="http://schemas.microsoft.com/office/drawing/2010/main" w="9525">
                     <a:solidFill>
                       <a:srgbClr val="000000"/>
                     </a:solidFill>
@@ -19923,7 +19923,7 @@
               </a:ln>
               <a:extLst>
                 <a:ext uri="{91240B29-F687-4f45-9708-019B960494DF}">
-                  <a14:hiddenLine xmlns:a14="http://schemas.microsoft.com/office/drawing/2010/main" xmlns="" w="9525">
+                  <a14:hiddenLine xmlns="" xmlns:a14="http://schemas.microsoft.com/office/drawing/2010/main" w="9525">
                     <a:solidFill>
                       <a:srgbClr val="000000"/>
                     </a:solidFill>
@@ -19988,7 +19988,7 @@
               </a:ln>
               <a:extLst>
                 <a:ext uri="{91240B29-F687-4f45-9708-019B960494DF}">
-                  <a14:hiddenLine xmlns:a14="http://schemas.microsoft.com/office/drawing/2010/main" xmlns="" w="9525">
+                  <a14:hiddenLine xmlns="" xmlns:a14="http://schemas.microsoft.com/office/drawing/2010/main" w="9525">
                     <a:solidFill>
                       <a:srgbClr val="000000"/>
                     </a:solidFill>
@@ -20108,7 +20108,7 @@
               </a:ln>
               <a:extLst>
                 <a:ext uri="{91240B29-F687-4f45-9708-019B960494DF}">
-                  <a14:hiddenLine xmlns:a14="http://schemas.microsoft.com/office/drawing/2010/main" xmlns="" w="9525">
+                  <a14:hiddenLine xmlns="" xmlns:a14="http://schemas.microsoft.com/office/drawing/2010/main" w="9525">
                     <a:solidFill>
                       <a:srgbClr val="000000"/>
                     </a:solidFill>
@@ -20206,7 +20206,7 @@
               </a:ln>
               <a:extLst>
                 <a:ext uri="{91240B29-F687-4f45-9708-019B960494DF}">
-                  <a14:hiddenLine xmlns:a14="http://schemas.microsoft.com/office/drawing/2010/main" xmlns="" w="9525">
+                  <a14:hiddenLine xmlns="" xmlns:a14="http://schemas.microsoft.com/office/drawing/2010/main" w="9525">
                     <a:solidFill>
                       <a:srgbClr val="000000"/>
                     </a:solidFill>
@@ -20321,7 +20321,7 @@
               </a:ln>
               <a:extLst>
                 <a:ext uri="{91240B29-F687-4f45-9708-019B960494DF}">
-                  <a14:hiddenLine xmlns:a14="http://schemas.microsoft.com/office/drawing/2010/main" xmlns="" w="9525">
+                  <a14:hiddenLine xmlns="" xmlns:a14="http://schemas.microsoft.com/office/drawing/2010/main" w="9525">
                     <a:solidFill>
                       <a:srgbClr val="000000"/>
                     </a:solidFill>
@@ -20411,7 +20411,7 @@
               </a:ln>
               <a:extLst>
                 <a:ext uri="{91240B29-F687-4f45-9708-019B960494DF}">
-                  <a14:hiddenLine xmlns:a14="http://schemas.microsoft.com/office/drawing/2010/main" xmlns="" w="9525">
+                  <a14:hiddenLine xmlns="" xmlns:a14="http://schemas.microsoft.com/office/drawing/2010/main" w="9525">
                     <a:solidFill>
                       <a:srgbClr val="000000"/>
                     </a:solidFill>
@@ -20476,7 +20476,7 @@
               </a:ln>
               <a:extLst>
                 <a:ext uri="{91240B29-F687-4f45-9708-019B960494DF}">
-                  <a14:hiddenLine xmlns:a14="http://schemas.microsoft.com/office/drawing/2010/main" xmlns="" w="9525">
+                  <a14:hiddenLine xmlns="" xmlns:a14="http://schemas.microsoft.com/office/drawing/2010/main" w="9525">
                     <a:solidFill>
                       <a:srgbClr val="000000"/>
                     </a:solidFill>
@@ -20566,7 +20566,7 @@
               </a:ln>
               <a:extLst>
                 <a:ext uri="{91240B29-F687-4f45-9708-019B960494DF}">
-                  <a14:hiddenLine xmlns:a14="http://schemas.microsoft.com/office/drawing/2010/main" xmlns="" w="9525">
+                  <a14:hiddenLine xmlns="" xmlns:a14="http://schemas.microsoft.com/office/drawing/2010/main" w="9525">
                     <a:solidFill>
                       <a:srgbClr val="000000"/>
                     </a:solidFill>
@@ -20634,7 +20634,7 @@
               </a:ln>
               <a:extLst>
                 <a:ext uri="{91240B29-F687-4f45-9708-019B960494DF}">
-                  <a14:hiddenLine xmlns:a14="http://schemas.microsoft.com/office/drawing/2010/main" xmlns="" w="9525">
+                  <a14:hiddenLine xmlns="" xmlns:a14="http://schemas.microsoft.com/office/drawing/2010/main" w="9525">
                     <a:solidFill>
                       <a:srgbClr val="000000"/>
                     </a:solidFill>
@@ -20724,7 +20724,7 @@
               </a:ln>
               <a:extLst>
                 <a:ext uri="{91240B29-F687-4f45-9708-019B960494DF}">
-                  <a14:hiddenLine xmlns:a14="http://schemas.microsoft.com/office/drawing/2010/main" xmlns="" w="9525">
+                  <a14:hiddenLine xmlns="" xmlns:a14="http://schemas.microsoft.com/office/drawing/2010/main" w="9525">
                     <a:solidFill>
                       <a:srgbClr val="000000"/>
                     </a:solidFill>
@@ -20792,7 +20792,7 @@
               </a:ln>
               <a:extLst>
                 <a:ext uri="{91240B29-F687-4f45-9708-019B960494DF}">
-                  <a14:hiddenLine xmlns:a14="http://schemas.microsoft.com/office/drawing/2010/main" xmlns="" w="9525">
+                  <a14:hiddenLine xmlns="" xmlns:a14="http://schemas.microsoft.com/office/drawing/2010/main" w="9525">
                     <a:solidFill>
                       <a:srgbClr val="000000"/>
                     </a:solidFill>
@@ -20882,7 +20882,7 @@
               </a:ln>
               <a:extLst>
                 <a:ext uri="{91240B29-F687-4f45-9708-019B960494DF}">
-                  <a14:hiddenLine xmlns:a14="http://schemas.microsoft.com/office/drawing/2010/main" xmlns="" w="9525">
+                  <a14:hiddenLine xmlns="" xmlns:a14="http://schemas.microsoft.com/office/drawing/2010/main" w="9525">
                     <a:solidFill>
                       <a:srgbClr val="000000"/>
                     </a:solidFill>
@@ -20916,7 +20916,7 @@
               </a:ln>
               <a:extLst>
                 <a:ext uri="{91240B29-F687-4f45-9708-019B960494DF}">
-                  <a14:hiddenLine xmlns:a14="http://schemas.microsoft.com/office/drawing/2010/main" xmlns="" w="9525">
+                  <a14:hiddenLine xmlns="" xmlns:a14="http://schemas.microsoft.com/office/drawing/2010/main" w="9525">
                     <a:solidFill>
                       <a:srgbClr val="000000"/>
                     </a:solidFill>
@@ -22461,76 +22461,36 @@
           </a:p>
         </p:txBody>
       </p:sp>
-      <p:sp>
-        <p:nvSpPr>
-          <p:cNvPr id="4" name="TextBox 3">
+      <p:pic>
+        <p:nvPicPr>
+          <p:cNvPr id="6" name="Picture 5">
             <a:extLst>
               <a:ext uri="{FF2B5EF4-FFF2-40B4-BE49-F238E27FC236}">
-                <a16:creationId xmlns:a16="http://schemas.microsoft.com/office/drawing/2014/main" id="{74FEE1DB-C104-07C5-4AF6-2C1609896FD9}"/>
+                <a16:creationId xmlns:a16="http://schemas.microsoft.com/office/drawing/2014/main" id="{D27BA6E5-C8CA-D27A-AFBD-06E7E662F54D}"/>
               </a:ext>
             </a:extLst>
           </p:cNvPr>
-          <p:cNvSpPr txBox="1"/>
+          <p:cNvPicPr>
+            <a:picLocks noChangeAspect="1"/>
+          </p:cNvPicPr>
           <p:nvPr/>
-        </p:nvSpPr>
+        </p:nvPicPr>
+        <p:blipFill>
+          <a:blip r:embed="rId2"/>
+          <a:stretch>
+            <a:fillRect/>
+          </a:stretch>
+        </p:blipFill>
         <p:spPr>
           <a:xfrm>
-            <a:off x="1141413" y="1835478"/>
-            <a:ext cx="3514725" cy="523220"/>
+            <a:off x="4850032" y="123363"/>
+            <a:ext cx="5010849" cy="6611273"/>
           </a:xfrm>
           <a:prstGeom prst="rect">
             <a:avLst/>
           </a:prstGeom>
-          <a:noFill/>
         </p:spPr>
-        <p:txBody>
-          <a:bodyPr wrap="square" rtlCol="0">
-            <a:spAutoFit/>
-          </a:bodyPr>
-          <a:lstStyle/>
-          <a:p>
-            <a:r>
-              <a:rPr lang="en-US" sz="2800" dirty="0"/>
-              <a:t>Initial Plan:</a:t>
-            </a:r>
-          </a:p>
-        </p:txBody>
-      </p:sp>
-      <p:sp>
-        <p:nvSpPr>
-          <p:cNvPr id="5" name="TextBox 4">
-            <a:extLst>
-              <a:ext uri="{FF2B5EF4-FFF2-40B4-BE49-F238E27FC236}">
-                <a16:creationId xmlns:a16="http://schemas.microsoft.com/office/drawing/2014/main" id="{5168910B-9620-4BEC-67CF-4611CA895897}"/>
-              </a:ext>
-            </a:extLst>
-          </p:cNvPr>
-          <p:cNvSpPr txBox="1"/>
-          <p:nvPr/>
-        </p:nvSpPr>
-        <p:spPr>
-          <a:xfrm>
-            <a:off x="1243012" y="4237693"/>
-            <a:ext cx="3514725" cy="523220"/>
-          </a:xfrm>
-          <a:prstGeom prst="rect">
-            <a:avLst/>
-          </a:prstGeom>
-          <a:noFill/>
-        </p:spPr>
-        <p:txBody>
-          <a:bodyPr wrap="square" rtlCol="0">
-            <a:spAutoFit/>
-          </a:bodyPr>
-          <a:lstStyle/>
-          <a:p>
-            <a:r>
-              <a:rPr lang="en-US" sz="2800" dirty="0"/>
-              <a:t>Implementation:</a:t>
-            </a:r>
-          </a:p>
-        </p:txBody>
-      </p:sp>
+      </p:pic>
     </p:spTree>
     <p:extLst>
       <p:ext uri="{BB962C8B-B14F-4D97-AF65-F5344CB8AC3E}">

--- a/Presentation.pptx
+++ b/Presentation.pptx
@@ -11,11 +11,14 @@
     <p:sldId id="259" r:id="rId5"/>
     <p:sldId id="260" r:id="rId6"/>
     <p:sldId id="262" r:id="rId7"/>
-    <p:sldId id="263" r:id="rId8"/>
-    <p:sldId id="264" r:id="rId9"/>
-    <p:sldId id="261" r:id="rId10"/>
-    <p:sldId id="266" r:id="rId11"/>
-    <p:sldId id="265" r:id="rId12"/>
+    <p:sldId id="268" r:id="rId8"/>
+    <p:sldId id="263" r:id="rId9"/>
+    <p:sldId id="267" r:id="rId10"/>
+    <p:sldId id="269" r:id="rId11"/>
+    <p:sldId id="264" r:id="rId12"/>
+    <p:sldId id="261" r:id="rId13"/>
+    <p:sldId id="266" r:id="rId14"/>
+    <p:sldId id="265" r:id="rId15"/>
   </p:sldIdLst>
   <p:sldSz cx="12192000" cy="6858000"/>
   <p:notesSz cx="6858000" cy="9144000"/>
@@ -114,6 +117,11 @@
       </a:defRPr>
     </a:lvl9pPr>
   </p:defaultTextStyle>
+  <p:extLst>
+    <p:ext uri="{EFAFB233-063F-42B5-8137-9DF3F51BA10A}">
+      <p15:sldGuideLst xmlns:p15="http://schemas.microsoft.com/office/powerpoint/2012/main"/>
+    </p:ext>
+  </p:extLst>
 </p:presentation>
 </file>
 
@@ -2393,15 +2401,7 @@
         <a:p>
           <a:r>
             <a:rPr lang="en-US" sz="3300" dirty="0"/>
-            <a:t>We read over the </a:t>
-          </a:r>
-          <a:r>
-            <a:rPr lang="en-US" sz="3300" dirty="0" err="1"/>
-            <a:t>documententation</a:t>
-          </a:r>
-          <a:r>
-            <a:rPr lang="en-US" sz="3300" dirty="0"/>
-            <a:t> together so we all had the same understanding</a:t>
+            <a:t>We read over the documentation together so we all had the same understanding</a:t>
           </a:r>
           <a:endParaRPr lang="en-GB" sz="3300" dirty="0"/>
         </a:p>
@@ -2640,9 +2640,9 @@
   <dgm:cxnLst>
     <dgm:cxn modelId="{17129C26-6DDB-D541-B30F-E3A6B4A03C9F}" type="presOf" srcId="{2AF172FB-04E8-9B4B-8F24-5173E66ECA60}" destId="{EC567634-53A6-B042-A8BD-F43C0F0F891D}" srcOrd="1" destOrd="0" presId="urn:microsoft.com/office/officeart/2005/8/layout/vList4"/>
     <dgm:cxn modelId="{09175B39-D714-2F4B-AD26-A2C457858CBE}" srcId="{21D3E833-211D-7548-A60E-48CFA6A2FBA8}" destId="{59E29E7F-F765-AE4A-BAC2-B0CE8DA83EF8}" srcOrd="2" destOrd="0" parTransId="{90C5C62A-1FE3-134A-B529-0277F5E867E0}" sibTransId="{0C0C7189-BBC1-624E-BECB-2FF177A260C6}"/>
-    <dgm:cxn modelId="{CF24B44C-F06A-D948-A417-425B8D2E3C9C}" type="presOf" srcId="{59E29E7F-F765-AE4A-BAC2-B0CE8DA83EF8}" destId="{2C44FAF0-A80F-974F-998C-04EED7CBAE09}" srcOrd="1" destOrd="0" presId="urn:microsoft.com/office/officeart/2005/8/layout/vList4"/>
     <dgm:cxn modelId="{07ED9C68-C396-C342-8CE1-85E35DAFA813}" srcId="{21D3E833-211D-7548-A60E-48CFA6A2FBA8}" destId="{9ABDD8C7-C78F-9749-9C5C-2279BEC12650}" srcOrd="0" destOrd="0" parTransId="{549FB335-4CBF-5548-992F-8F2D89F9240A}" sibTransId="{019E40BD-03C9-0A41-B376-8AADFC83F879}"/>
     <dgm:cxn modelId="{654BF069-DC8A-F44E-8E65-E8C9C5E6491C}" type="presOf" srcId="{2AF172FB-04E8-9B4B-8F24-5173E66ECA60}" destId="{56C4B3F1-D2F0-CB44-B867-92963254E938}" srcOrd="0" destOrd="0" presId="urn:microsoft.com/office/officeart/2005/8/layout/vList4"/>
+    <dgm:cxn modelId="{CF24B44C-F06A-D948-A417-425B8D2E3C9C}" type="presOf" srcId="{59E29E7F-F765-AE4A-BAC2-B0CE8DA83EF8}" destId="{2C44FAF0-A80F-974F-998C-04EED7CBAE09}" srcOrd="1" destOrd="0" presId="urn:microsoft.com/office/officeart/2005/8/layout/vList4"/>
     <dgm:cxn modelId="{18B9D77B-6B7D-0243-8385-FBCBB8F735CF}" type="presOf" srcId="{9ABDD8C7-C78F-9749-9C5C-2279BEC12650}" destId="{DC83265B-4248-5244-9D80-FEC38516C850}" srcOrd="0" destOrd="0" presId="urn:microsoft.com/office/officeart/2005/8/layout/vList4"/>
     <dgm:cxn modelId="{92B574BA-6F38-D644-9F51-53E5724CE797}" type="presOf" srcId="{59E29E7F-F765-AE4A-BAC2-B0CE8DA83EF8}" destId="{51D7F718-6AF7-BB4E-AD4B-1C5A65EABC22}" srcOrd="0" destOrd="0" presId="urn:microsoft.com/office/officeart/2005/8/layout/vList4"/>
     <dgm:cxn modelId="{FCDCF6D0-EFF6-174F-BD89-7633EA2F4590}" srcId="{21D3E833-211D-7548-A60E-48CFA6A2FBA8}" destId="{2AF172FB-04E8-9B4B-8F24-5173E66ECA60}" srcOrd="1" destOrd="0" parTransId="{0FEB710B-1139-194B-831D-554E25F599AB}" sibTransId="{ECE5C6F3-0567-0E47-AB1E-072A0DE4B0B2}"/>
@@ -3025,11 +3025,11 @@
     <dgm:cxn modelId="{10E3AA30-5CE0-3046-8280-BE302E03502B}" type="presOf" srcId="{4980D2A6-4650-9048-A175-FDDB450BB848}" destId="{047731F1-0606-4841-9317-EBFA6937B4B2}" srcOrd="0" destOrd="0" presId="urn:microsoft.com/office/officeart/2005/8/layout/hierarchy3"/>
     <dgm:cxn modelId="{01CB1235-011B-4F40-85B3-1FBBB468CB0B}" type="presOf" srcId="{727224E7-F5D3-8C43-AF45-437D5FB6FDF6}" destId="{5690B2A6-CDFA-4F47-9AA6-33EAAC15EEF6}" srcOrd="0" destOrd="0" presId="urn:microsoft.com/office/officeart/2005/8/layout/hierarchy3"/>
     <dgm:cxn modelId="{8B199940-1283-1A45-A4DE-232C4DAE876E}" type="presOf" srcId="{23B5812B-875E-0143-AA4A-6BE308A07945}" destId="{6B40C039-E419-0042-BF9B-290FF4021022}" srcOrd="0" destOrd="0" presId="urn:microsoft.com/office/officeart/2005/8/layout/hierarchy3"/>
+    <dgm:cxn modelId="{BAC9DA6B-9A28-DA4D-98A7-C9490F4702C0}" type="presOf" srcId="{403CC1E4-368F-CC4B-8FB5-803FAB07CFAC}" destId="{8999EC11-51FE-EA44-9C63-2A2F2A11229F}" srcOrd="0" destOrd="0" presId="urn:microsoft.com/office/officeart/2005/8/layout/hierarchy3"/>
     <dgm:cxn modelId="{A93A7D56-F1C9-ED4E-BCE6-17EBCBBE0A89}" srcId="{98C19EBB-4F70-E140-A7D1-87BE4806D274}" destId="{403CC1E4-368F-CC4B-8FB5-803FAB07CFAC}" srcOrd="1" destOrd="0" parTransId="{DD60940B-9099-9649-B2C8-6E4D376F20F2}" sibTransId="{279B5631-BF69-B049-B7AA-382D46B9707A}"/>
-    <dgm:cxn modelId="{595EAB59-C0CE-A945-839C-CEE698F6978D}" type="presOf" srcId="{1A226C5B-641A-C24E-BD8E-2A85C3BA5EED}" destId="{0A5CBAD6-BA85-624C-887C-7E9C1F82931C}" srcOrd="0" destOrd="0" presId="urn:microsoft.com/office/officeart/2005/8/layout/hierarchy3"/>
-    <dgm:cxn modelId="{BAC9DA6B-9A28-DA4D-98A7-C9490F4702C0}" type="presOf" srcId="{403CC1E4-368F-CC4B-8FB5-803FAB07CFAC}" destId="{8999EC11-51FE-EA44-9C63-2A2F2A11229F}" srcOrd="0" destOrd="0" presId="urn:microsoft.com/office/officeart/2005/8/layout/hierarchy3"/>
     <dgm:cxn modelId="{02FFFA76-745C-8C47-8998-CA60B629A23D}" type="presOf" srcId="{F7A02F87-57A4-9746-B495-FC6DC2CD9D58}" destId="{40BD04A7-18CB-FD45-80B5-9236DC9FBA1A}" srcOrd="0" destOrd="0" presId="urn:microsoft.com/office/officeart/2005/8/layout/hierarchy3"/>
     <dgm:cxn modelId="{FB482B78-3EB0-2647-B799-E6B70B5A96CF}" srcId="{4980D2A6-4650-9048-A175-FDDB450BB848}" destId="{98C19EBB-4F70-E140-A7D1-87BE4806D274}" srcOrd="1" destOrd="0" parTransId="{18C3C331-2B2F-4242-822B-C9B678663703}" sibTransId="{8DD78009-FA5F-184A-B769-276256FBEF5F}"/>
+    <dgm:cxn modelId="{595EAB59-C0CE-A945-839C-CEE698F6978D}" type="presOf" srcId="{1A226C5B-641A-C24E-BD8E-2A85C3BA5EED}" destId="{0A5CBAD6-BA85-624C-887C-7E9C1F82931C}" srcOrd="0" destOrd="0" presId="urn:microsoft.com/office/officeart/2005/8/layout/hierarchy3"/>
     <dgm:cxn modelId="{9C73DB82-AFD0-804D-A373-F1A3E8548366}" type="presOf" srcId="{98C19EBB-4F70-E140-A7D1-87BE4806D274}" destId="{52053959-09C6-F048-B59C-3DBC9D84AA56}" srcOrd="0" destOrd="0" presId="urn:microsoft.com/office/officeart/2005/8/layout/hierarchy3"/>
     <dgm:cxn modelId="{092B3889-7151-994A-843D-46BD49C4948B}" type="presOf" srcId="{23B5812B-875E-0143-AA4A-6BE308A07945}" destId="{44937AEC-284C-B446-B8E1-D91660AC600D}" srcOrd="1" destOrd="0" presId="urn:microsoft.com/office/officeart/2005/8/layout/hierarchy3"/>
     <dgm:cxn modelId="{2A2BA29C-07B9-2342-94B6-D782DC35185B}" type="presOf" srcId="{98C19EBB-4F70-E140-A7D1-87BE4806D274}" destId="{7730C2F7-FF87-DE47-87EF-9B0A3A77D6F4}" srcOrd="1" destOrd="0" presId="urn:microsoft.com/office/officeart/2005/8/layout/hierarchy3"/>
@@ -3419,11 +3419,11 @@
     <dgm:cxn modelId="{10E3AA30-5CE0-3046-8280-BE302E03502B}" type="presOf" srcId="{4980D2A6-4650-9048-A175-FDDB450BB848}" destId="{047731F1-0606-4841-9317-EBFA6937B4B2}" srcOrd="0" destOrd="0" presId="urn:microsoft.com/office/officeart/2005/8/layout/hierarchy3"/>
     <dgm:cxn modelId="{9B77703B-C6D7-5940-A3EB-1EB238644A2F}" type="presOf" srcId="{7A38B273-0A7C-CB4E-B865-97BA4DB20846}" destId="{B35C6FAE-CA23-D241-9BCB-138FFFD10CA4}" srcOrd="0" destOrd="0" presId="urn:microsoft.com/office/officeart/2005/8/layout/hierarchy3"/>
     <dgm:cxn modelId="{BCF96E3C-331C-4A41-B8DC-AC004BE265B1}" type="presOf" srcId="{23B5812B-875E-0143-AA4A-6BE308A07945}" destId="{44937AEC-284C-B446-B8E1-D91660AC600D}" srcOrd="1" destOrd="0" presId="urn:microsoft.com/office/officeart/2005/8/layout/hierarchy3"/>
+    <dgm:cxn modelId="{41C2F55E-8251-0048-950C-04AA3121D165}" type="presOf" srcId="{403CC1E4-368F-CC4B-8FB5-803FAB07CFAC}" destId="{8999EC11-51FE-EA44-9C63-2A2F2A11229F}" srcOrd="0" destOrd="0" presId="urn:microsoft.com/office/officeart/2005/8/layout/hierarchy3"/>
     <dgm:cxn modelId="{8B7B0A41-2111-6840-9759-1B5F771624C8}" type="presOf" srcId="{727224E7-F5D3-8C43-AF45-437D5FB6FDF6}" destId="{5690B2A6-CDFA-4F47-9AA6-33EAAC15EEF6}" srcOrd="0" destOrd="0" presId="urn:microsoft.com/office/officeart/2005/8/layout/hierarchy3"/>
+    <dgm:cxn modelId="{001B2166-91BB-124D-AE64-5BE9F2413CB2}" type="presOf" srcId="{98C19EBB-4F70-E140-A7D1-87BE4806D274}" destId="{D57C9132-F997-7243-8BB5-CE3E28C2ED96}" srcOrd="0" destOrd="0" presId="urn:microsoft.com/office/officeart/2005/8/layout/hierarchy3"/>
     <dgm:cxn modelId="{7BFACA4C-CA15-CA47-85BE-2DFB19974E00}" type="presOf" srcId="{113C6143-5062-4B4F-8145-3BFC19E2F445}" destId="{726A1E58-347F-B840-8CC8-6B06D478655E}" srcOrd="0" destOrd="0" presId="urn:microsoft.com/office/officeart/2005/8/layout/hierarchy3"/>
     <dgm:cxn modelId="{A93A7D56-F1C9-ED4E-BCE6-17EBCBBE0A89}" srcId="{98C19EBB-4F70-E140-A7D1-87BE4806D274}" destId="{403CC1E4-368F-CC4B-8FB5-803FAB07CFAC}" srcOrd="1" destOrd="0" parTransId="{DD60940B-9099-9649-B2C8-6E4D376F20F2}" sibTransId="{279B5631-BF69-B049-B7AA-382D46B9707A}"/>
-    <dgm:cxn modelId="{41C2F55E-8251-0048-950C-04AA3121D165}" type="presOf" srcId="{403CC1E4-368F-CC4B-8FB5-803FAB07CFAC}" destId="{8999EC11-51FE-EA44-9C63-2A2F2A11229F}" srcOrd="0" destOrd="0" presId="urn:microsoft.com/office/officeart/2005/8/layout/hierarchy3"/>
-    <dgm:cxn modelId="{001B2166-91BB-124D-AE64-5BE9F2413CB2}" type="presOf" srcId="{98C19EBB-4F70-E140-A7D1-87BE4806D274}" destId="{D57C9132-F997-7243-8BB5-CE3E28C2ED96}" srcOrd="0" destOrd="0" presId="urn:microsoft.com/office/officeart/2005/8/layout/hierarchy3"/>
     <dgm:cxn modelId="{FB482B78-3EB0-2647-B799-E6B70B5A96CF}" srcId="{4980D2A6-4650-9048-A175-FDDB450BB848}" destId="{98C19EBB-4F70-E140-A7D1-87BE4806D274}" srcOrd="0" destOrd="0" parTransId="{18C3C331-2B2F-4242-822B-C9B678663703}" sibTransId="{8DD78009-FA5F-184A-B769-276256FBEF5F}"/>
     <dgm:cxn modelId="{5A0270A6-9581-5D49-B456-A487E68110BC}" type="presOf" srcId="{23B5812B-875E-0143-AA4A-6BE308A07945}" destId="{6B40C039-E419-0042-BF9B-290FF4021022}" srcOrd="0" destOrd="0" presId="urn:microsoft.com/office/officeart/2005/8/layout/hierarchy3"/>
     <dgm:cxn modelId="{D6991FB0-B47D-8F4D-B24B-D71940F447CE}" srcId="{23B5812B-875E-0143-AA4A-6BE308A07945}" destId="{1A226C5B-641A-C24E-BD8E-2A85C3BA5EED}" srcOrd="0" destOrd="0" parTransId="{F02DBEA3-9C77-724A-8064-400DEEEA6878}" sibTransId="{D9648041-22E8-024B-877F-35E5C256FED4}"/>
@@ -3539,15 +3539,7 @@
           </a:pPr>
           <a:r>
             <a:rPr lang="en-US" sz="3300" kern="1200" dirty="0"/>
-            <a:t>We read over the </a:t>
-          </a:r>
-          <a:r>
-            <a:rPr lang="en-US" sz="3300" kern="1200" dirty="0" err="1"/>
-            <a:t>documententation</a:t>
-          </a:r>
-          <a:r>
-            <a:rPr lang="en-US" sz="3300" kern="1200" dirty="0"/>
-            <a:t> together so we all had the same understanding</a:t>
+            <a:t>We read over the documentation together so we all had the same understanding</a:t>
           </a:r>
           <a:endParaRPr lang="en-GB" sz="3300" kern="1200" dirty="0"/>
         </a:p>
@@ -9296,7 +9288,7 @@
           <a:noFill/>
           <a:extLst>
             <a:ext uri="{909E8E84-426E-40dd-AFC4-6F175D3DCCD1}">
-              <a14:hiddenFill xmlns:a14="http://schemas.microsoft.com/office/drawing/2010/main" xmlns="">
+              <a14:hiddenFill xmlns="" xmlns:a14="http://schemas.microsoft.com/office/drawing/2010/main">
                 <a:solidFill>
                   <a:srgbClr val="FFFFFF"/>
                 </a:solidFill>
@@ -9356,7 +9348,7 @@
             </a:ln>
             <a:extLst>
               <a:ext uri="{91240B29-F687-4f45-9708-019B960494DF}">
-                <a14:hiddenLine xmlns:a14="http://schemas.microsoft.com/office/drawing/2010/main" xmlns="" w="9525">
+                <a14:hiddenLine xmlns="" xmlns:a14="http://schemas.microsoft.com/office/drawing/2010/main" w="9525">
                   <a:solidFill>
                     <a:srgbClr val="000000"/>
                   </a:solidFill>
@@ -9446,7 +9438,7 @@
             </a:ln>
             <a:extLst>
               <a:ext uri="{91240B29-F687-4f45-9708-019B960494DF}">
-                <a14:hiddenLine xmlns:a14="http://schemas.microsoft.com/office/drawing/2010/main" xmlns="" w="9525">
+                <a14:hiddenLine xmlns="" xmlns:a14="http://schemas.microsoft.com/office/drawing/2010/main" w="9525">
                   <a:solidFill>
                     <a:srgbClr val="000000"/>
                   </a:solidFill>
@@ -9536,7 +9528,7 @@
             </a:ln>
             <a:extLst>
               <a:ext uri="{91240B29-F687-4f45-9708-019B960494DF}">
-                <a14:hiddenLine xmlns:a14="http://schemas.microsoft.com/office/drawing/2010/main" xmlns="" w="9525">
+                <a14:hiddenLine xmlns="" xmlns:a14="http://schemas.microsoft.com/office/drawing/2010/main" w="9525">
                   <a:solidFill>
                     <a:srgbClr val="000000"/>
                   </a:solidFill>
@@ -9570,7 +9562,7 @@
             </a:ln>
             <a:extLst>
               <a:ext uri="{91240B29-F687-4f45-9708-019B960494DF}">
-                <a14:hiddenLine xmlns:a14="http://schemas.microsoft.com/office/drawing/2010/main" xmlns="" w="9525">
+                <a14:hiddenLine xmlns="" xmlns:a14="http://schemas.microsoft.com/office/drawing/2010/main" w="9525">
                   <a:solidFill>
                     <a:srgbClr val="000000"/>
                   </a:solidFill>
@@ -9660,7 +9652,7 @@
             </a:ln>
             <a:extLst>
               <a:ext uri="{91240B29-F687-4f45-9708-019B960494DF}">
-                <a14:hiddenLine xmlns:a14="http://schemas.microsoft.com/office/drawing/2010/main" xmlns="" w="9525">
+                <a14:hiddenLine xmlns="" xmlns:a14="http://schemas.microsoft.com/office/drawing/2010/main" w="9525">
                   <a:solidFill>
                     <a:srgbClr val="000000"/>
                   </a:solidFill>
@@ -9722,7 +9714,7 @@
             </a:ln>
             <a:extLst>
               <a:ext uri="{91240B29-F687-4f45-9708-019B960494DF}">
-                <a14:hiddenLine xmlns:a14="http://schemas.microsoft.com/office/drawing/2010/main" xmlns="" w="9525">
+                <a14:hiddenLine xmlns="" xmlns:a14="http://schemas.microsoft.com/office/drawing/2010/main" w="9525">
                   <a:solidFill>
                     <a:srgbClr val="000000"/>
                   </a:solidFill>
@@ -9784,7 +9776,7 @@
             </a:ln>
             <a:extLst>
               <a:ext uri="{91240B29-F687-4f45-9708-019B960494DF}">
-                <a14:hiddenLine xmlns:a14="http://schemas.microsoft.com/office/drawing/2010/main" xmlns="" w="9525">
+                <a14:hiddenLine xmlns="" xmlns:a14="http://schemas.microsoft.com/office/drawing/2010/main" w="9525">
                   <a:solidFill>
                     <a:srgbClr val="000000"/>
                   </a:solidFill>
@@ -9874,7 +9866,7 @@
             </a:ln>
             <a:extLst>
               <a:ext uri="{91240B29-F687-4f45-9708-019B960494DF}">
-                <a14:hiddenLine xmlns:a14="http://schemas.microsoft.com/office/drawing/2010/main" xmlns="" w="9525">
+                <a14:hiddenLine xmlns="" xmlns:a14="http://schemas.microsoft.com/office/drawing/2010/main" w="9525">
                   <a:solidFill>
                     <a:srgbClr val="000000"/>
                   </a:solidFill>
@@ -9936,7 +9928,7 @@
             </a:ln>
             <a:extLst>
               <a:ext uri="{91240B29-F687-4f45-9708-019B960494DF}">
-                <a14:hiddenLine xmlns:a14="http://schemas.microsoft.com/office/drawing/2010/main" xmlns="" w="9525">
+                <a14:hiddenLine xmlns="" xmlns:a14="http://schemas.microsoft.com/office/drawing/2010/main" w="9525">
                   <a:solidFill>
                     <a:srgbClr val="000000"/>
                   </a:solidFill>
@@ -9998,7 +9990,7 @@
             </a:ln>
             <a:extLst>
               <a:ext uri="{91240B29-F687-4f45-9708-019B960494DF}">
-                <a14:hiddenLine xmlns:a14="http://schemas.microsoft.com/office/drawing/2010/main" xmlns="" w="9525">
+                <a14:hiddenLine xmlns="" xmlns:a14="http://schemas.microsoft.com/office/drawing/2010/main" w="9525">
                   <a:solidFill>
                     <a:srgbClr val="000000"/>
                   </a:solidFill>
@@ -10088,7 +10080,7 @@
             </a:ln>
             <a:extLst>
               <a:ext uri="{91240B29-F687-4f45-9708-019B960494DF}">
-                <a14:hiddenLine xmlns:a14="http://schemas.microsoft.com/office/drawing/2010/main" xmlns="" w="9525">
+                <a14:hiddenLine xmlns="" xmlns:a14="http://schemas.microsoft.com/office/drawing/2010/main" w="9525">
                   <a:solidFill>
                     <a:srgbClr val="000000"/>
                   </a:solidFill>
@@ -10178,7 +10170,7 @@
             </a:ln>
             <a:extLst>
               <a:ext uri="{91240B29-F687-4f45-9708-019B960494DF}">
-                <a14:hiddenLine xmlns:a14="http://schemas.microsoft.com/office/drawing/2010/main" xmlns="" w="9525">
+                <a14:hiddenLine xmlns="" xmlns:a14="http://schemas.microsoft.com/office/drawing/2010/main" w="9525">
                   <a:solidFill>
                     <a:srgbClr val="000000"/>
                   </a:solidFill>
@@ -10240,7 +10232,7 @@
             </a:ln>
             <a:extLst>
               <a:ext uri="{91240B29-F687-4f45-9708-019B960494DF}">
-                <a14:hiddenLine xmlns:a14="http://schemas.microsoft.com/office/drawing/2010/main" xmlns="" w="9525">
+                <a14:hiddenLine xmlns="" xmlns:a14="http://schemas.microsoft.com/office/drawing/2010/main" w="9525">
                   <a:solidFill>
                     <a:srgbClr val="000000"/>
                   </a:solidFill>
@@ -10350,7 +10342,7 @@
             </a:ln>
             <a:extLst>
               <a:ext uri="{91240B29-F687-4f45-9708-019B960494DF}">
-                <a14:hiddenLine xmlns:a14="http://schemas.microsoft.com/office/drawing/2010/main" xmlns="" w="9525">
+                <a14:hiddenLine xmlns="" xmlns:a14="http://schemas.microsoft.com/office/drawing/2010/main" w="9525">
                   <a:solidFill>
                     <a:srgbClr val="000000"/>
                   </a:solidFill>
@@ -10412,7 +10404,7 @@
             </a:ln>
             <a:extLst>
               <a:ext uri="{91240B29-F687-4f45-9708-019B960494DF}">
-                <a14:hiddenLine xmlns:a14="http://schemas.microsoft.com/office/drawing/2010/main" xmlns="" w="9525">
+                <a14:hiddenLine xmlns="" xmlns:a14="http://schemas.microsoft.com/office/drawing/2010/main" w="9525">
                   <a:solidFill>
                     <a:srgbClr val="000000"/>
                   </a:solidFill>
@@ -10502,7 +10494,7 @@
             </a:ln>
             <a:extLst>
               <a:ext uri="{91240B29-F687-4f45-9708-019B960494DF}">
-                <a14:hiddenLine xmlns:a14="http://schemas.microsoft.com/office/drawing/2010/main" xmlns="" w="9525">
+                <a14:hiddenLine xmlns="" xmlns:a14="http://schemas.microsoft.com/office/drawing/2010/main" w="9525">
                   <a:solidFill>
                     <a:srgbClr val="000000"/>
                   </a:solidFill>
@@ -10592,7 +10584,7 @@
             </a:ln>
             <a:extLst>
               <a:ext uri="{91240B29-F687-4f45-9708-019B960494DF}">
-                <a14:hiddenLine xmlns:a14="http://schemas.microsoft.com/office/drawing/2010/main" xmlns="" w="9525">
+                <a14:hiddenLine xmlns="" xmlns:a14="http://schemas.microsoft.com/office/drawing/2010/main" w="9525">
                   <a:solidFill>
                     <a:srgbClr val="000000"/>
                   </a:solidFill>
@@ -10654,7 +10646,7 @@
             </a:ln>
             <a:extLst>
               <a:ext uri="{91240B29-F687-4f45-9708-019B960494DF}">
-                <a14:hiddenLine xmlns:a14="http://schemas.microsoft.com/office/drawing/2010/main" xmlns="" w="9525">
+                <a14:hiddenLine xmlns="" xmlns:a14="http://schemas.microsoft.com/office/drawing/2010/main" w="9525">
                   <a:solidFill>
                     <a:srgbClr val="000000"/>
                   </a:solidFill>
@@ -10744,7 +10736,7 @@
             </a:ln>
             <a:extLst>
               <a:ext uri="{91240B29-F687-4f45-9708-019B960494DF}">
-                <a14:hiddenLine xmlns:a14="http://schemas.microsoft.com/office/drawing/2010/main" xmlns="" w="9525">
+                <a14:hiddenLine xmlns="" xmlns:a14="http://schemas.microsoft.com/office/drawing/2010/main" w="9525">
                   <a:solidFill>
                     <a:srgbClr val="000000"/>
                   </a:solidFill>
@@ -10834,7 +10826,7 @@
             </a:ln>
             <a:extLst>
               <a:ext uri="{91240B29-F687-4f45-9708-019B960494DF}">
-                <a14:hiddenLine xmlns:a14="http://schemas.microsoft.com/office/drawing/2010/main" xmlns="" w="9525">
+                <a14:hiddenLine xmlns="" xmlns:a14="http://schemas.microsoft.com/office/drawing/2010/main" w="9525">
                   <a:solidFill>
                     <a:srgbClr val="000000"/>
                   </a:solidFill>
@@ -10890,7 +10882,7 @@
             </a:ln>
             <a:extLst>
               <a:ext uri="{91240B29-F687-4f45-9708-019B960494DF}">
-                <a14:hiddenLine xmlns:a14="http://schemas.microsoft.com/office/drawing/2010/main" xmlns="" w="9525">
+                <a14:hiddenLine xmlns="" xmlns:a14="http://schemas.microsoft.com/office/drawing/2010/main" w="9525">
                   <a:solidFill>
                     <a:srgbClr val="000000"/>
                   </a:solidFill>
@@ -10980,7 +10972,7 @@
             </a:ln>
             <a:extLst>
               <a:ext uri="{91240B29-F687-4f45-9708-019B960494DF}">
-                <a14:hiddenLine xmlns:a14="http://schemas.microsoft.com/office/drawing/2010/main" xmlns="" w="9525">
+                <a14:hiddenLine xmlns="" xmlns:a14="http://schemas.microsoft.com/office/drawing/2010/main" w="9525">
                   <a:solidFill>
                     <a:srgbClr val="000000"/>
                   </a:solidFill>
@@ -11036,7 +11028,7 @@
             </a:ln>
             <a:extLst>
               <a:ext uri="{91240B29-F687-4f45-9708-019B960494DF}">
-                <a14:hiddenLine xmlns:a14="http://schemas.microsoft.com/office/drawing/2010/main" xmlns="" w="9525">
+                <a14:hiddenLine xmlns="" xmlns:a14="http://schemas.microsoft.com/office/drawing/2010/main" w="9525">
                   <a:solidFill>
                     <a:srgbClr val="000000"/>
                   </a:solidFill>
@@ -11126,7 +11118,7 @@
             </a:ln>
             <a:extLst>
               <a:ext uri="{91240B29-F687-4f45-9708-019B960494DF}">
-                <a14:hiddenLine xmlns:a14="http://schemas.microsoft.com/office/drawing/2010/main" xmlns="" w="9525">
+                <a14:hiddenLine xmlns="" xmlns:a14="http://schemas.microsoft.com/office/drawing/2010/main" w="9525">
                   <a:solidFill>
                     <a:srgbClr val="000000"/>
                   </a:solidFill>
@@ -11194,7 +11186,7 @@
             </a:ln>
             <a:extLst>
               <a:ext uri="{91240B29-F687-4f45-9708-019B960494DF}">
-                <a14:hiddenLine xmlns:a14="http://schemas.microsoft.com/office/drawing/2010/main" xmlns="" w="9525">
+                <a14:hiddenLine xmlns="" xmlns:a14="http://schemas.microsoft.com/office/drawing/2010/main" w="9525">
                   <a:solidFill>
                     <a:srgbClr val="000000"/>
                   </a:solidFill>
@@ -11284,7 +11276,7 @@
             </a:ln>
             <a:extLst>
               <a:ext uri="{91240B29-F687-4f45-9708-019B960494DF}">
-                <a14:hiddenLine xmlns:a14="http://schemas.microsoft.com/office/drawing/2010/main" xmlns="" w="9525">
+                <a14:hiddenLine xmlns="" xmlns:a14="http://schemas.microsoft.com/office/drawing/2010/main" w="9525">
                   <a:solidFill>
                     <a:srgbClr val="000000"/>
                   </a:solidFill>
@@ -11352,7 +11344,7 @@
             </a:ln>
             <a:extLst>
               <a:ext uri="{91240B29-F687-4f45-9708-019B960494DF}">
-                <a14:hiddenLine xmlns:a14="http://schemas.microsoft.com/office/drawing/2010/main" xmlns="" w="9525">
+                <a14:hiddenLine xmlns="" xmlns:a14="http://schemas.microsoft.com/office/drawing/2010/main" w="9525">
                   <a:solidFill>
                     <a:srgbClr val="000000"/>
                   </a:solidFill>
@@ -11442,7 +11434,7 @@
             </a:ln>
             <a:extLst>
               <a:ext uri="{91240B29-F687-4f45-9708-019B960494DF}">
-                <a14:hiddenLine xmlns:a14="http://schemas.microsoft.com/office/drawing/2010/main" xmlns="" w="9525">
+                <a14:hiddenLine xmlns="" xmlns:a14="http://schemas.microsoft.com/office/drawing/2010/main" w="9525">
                   <a:solidFill>
                     <a:srgbClr val="000000"/>
                   </a:solidFill>
@@ -11476,7 +11468,7 @@
             </a:ln>
             <a:extLst>
               <a:ext uri="{91240B29-F687-4f45-9708-019B960494DF}">
-                <a14:hiddenLine xmlns:a14="http://schemas.microsoft.com/office/drawing/2010/main" xmlns="" w="9525">
+                <a14:hiddenLine xmlns="" xmlns:a14="http://schemas.microsoft.com/office/drawing/2010/main" w="9525">
                   <a:solidFill>
                     <a:srgbClr val="000000"/>
                   </a:solidFill>
@@ -11566,7 +11558,7 @@
             </a:ln>
             <a:extLst>
               <a:ext uri="{91240B29-F687-4f45-9708-019B960494DF}">
-                <a14:hiddenLine xmlns:a14="http://schemas.microsoft.com/office/drawing/2010/main" xmlns="" w="9525">
+                <a14:hiddenLine xmlns="" xmlns:a14="http://schemas.microsoft.com/office/drawing/2010/main" w="9525">
                   <a:solidFill>
                     <a:srgbClr val="000000"/>
                   </a:solidFill>
@@ -11628,7 +11620,7 @@
             </a:ln>
             <a:extLst>
               <a:ext uri="{91240B29-F687-4f45-9708-019B960494DF}">
-                <a14:hiddenLine xmlns:a14="http://schemas.microsoft.com/office/drawing/2010/main" xmlns="" w="9525">
+                <a14:hiddenLine xmlns="" xmlns:a14="http://schemas.microsoft.com/office/drawing/2010/main" w="9525">
                   <a:solidFill>
                     <a:srgbClr val="000000"/>
                   </a:solidFill>
@@ -11690,7 +11682,7 @@
             </a:ln>
             <a:extLst>
               <a:ext uri="{91240B29-F687-4f45-9708-019B960494DF}">
-                <a14:hiddenLine xmlns:a14="http://schemas.microsoft.com/office/drawing/2010/main" xmlns="" w="9525">
+                <a14:hiddenLine xmlns="" xmlns:a14="http://schemas.microsoft.com/office/drawing/2010/main" w="9525">
                   <a:solidFill>
                     <a:srgbClr val="000000"/>
                   </a:solidFill>
@@ -11780,7 +11772,7 @@
             </a:ln>
             <a:extLst>
               <a:ext uri="{91240B29-F687-4f45-9708-019B960494DF}">
-                <a14:hiddenLine xmlns:a14="http://schemas.microsoft.com/office/drawing/2010/main" xmlns="" w="9525">
+                <a14:hiddenLine xmlns="" xmlns:a14="http://schemas.microsoft.com/office/drawing/2010/main" w="9525">
                   <a:solidFill>
                     <a:srgbClr val="000000"/>
                   </a:solidFill>
@@ -11848,7 +11840,7 @@
             </a:ln>
             <a:extLst>
               <a:ext uri="{91240B29-F687-4f45-9708-019B960494DF}">
-                <a14:hiddenLine xmlns:a14="http://schemas.microsoft.com/office/drawing/2010/main" xmlns="" w="9525">
+                <a14:hiddenLine xmlns="" xmlns:a14="http://schemas.microsoft.com/office/drawing/2010/main" w="9525">
                   <a:solidFill>
                     <a:srgbClr val="000000"/>
                   </a:solidFill>
@@ -11910,7 +11902,7 @@
             </a:ln>
             <a:extLst>
               <a:ext uri="{91240B29-F687-4f45-9708-019B960494DF}">
-                <a14:hiddenLine xmlns:a14="http://schemas.microsoft.com/office/drawing/2010/main" xmlns="" w="9525">
+                <a14:hiddenLine xmlns="" xmlns:a14="http://schemas.microsoft.com/office/drawing/2010/main" w="9525">
                   <a:solidFill>
                     <a:srgbClr val="000000"/>
                   </a:solidFill>
@@ -12000,7 +11992,7 @@
             </a:ln>
             <a:extLst>
               <a:ext uri="{91240B29-F687-4f45-9708-019B960494DF}">
-                <a14:hiddenLine xmlns:a14="http://schemas.microsoft.com/office/drawing/2010/main" xmlns="" w="9525">
+                <a14:hiddenLine xmlns="" xmlns:a14="http://schemas.microsoft.com/office/drawing/2010/main" w="9525">
                   <a:solidFill>
                     <a:srgbClr val="000000"/>
                   </a:solidFill>
@@ -12062,7 +12054,7 @@
             </a:ln>
             <a:extLst>
               <a:ext uri="{91240B29-F687-4f45-9708-019B960494DF}">
-                <a14:hiddenLine xmlns:a14="http://schemas.microsoft.com/office/drawing/2010/main" xmlns="" w="9525">
+                <a14:hiddenLine xmlns="" xmlns:a14="http://schemas.microsoft.com/office/drawing/2010/main" w="9525">
                   <a:solidFill>
                     <a:srgbClr val="000000"/>
                   </a:solidFill>
@@ -12152,7 +12144,7 @@
             </a:ln>
             <a:extLst>
               <a:ext uri="{91240B29-F687-4f45-9708-019B960494DF}">
-                <a14:hiddenLine xmlns:a14="http://schemas.microsoft.com/office/drawing/2010/main" xmlns="" w="9525">
+                <a14:hiddenLine xmlns="" xmlns:a14="http://schemas.microsoft.com/office/drawing/2010/main" w="9525">
                   <a:solidFill>
                     <a:srgbClr val="000000"/>
                   </a:solidFill>
@@ -12214,7 +12206,7 @@
             </a:ln>
             <a:extLst>
               <a:ext uri="{91240B29-F687-4f45-9708-019B960494DF}">
-                <a14:hiddenLine xmlns:a14="http://schemas.microsoft.com/office/drawing/2010/main" xmlns="" w="9525">
+                <a14:hiddenLine xmlns="" xmlns:a14="http://schemas.microsoft.com/office/drawing/2010/main" w="9525">
                   <a:solidFill>
                     <a:srgbClr val="000000"/>
                   </a:solidFill>
@@ -12304,7 +12296,7 @@
             </a:ln>
             <a:extLst>
               <a:ext uri="{91240B29-F687-4f45-9708-019B960494DF}">
-                <a14:hiddenLine xmlns:a14="http://schemas.microsoft.com/office/drawing/2010/main" xmlns="" w="9525">
+                <a14:hiddenLine xmlns="" xmlns:a14="http://schemas.microsoft.com/office/drawing/2010/main" w="9525">
                   <a:solidFill>
                     <a:srgbClr val="000000"/>
                   </a:solidFill>
@@ -12338,7 +12330,7 @@
             </a:ln>
             <a:extLst>
               <a:ext uri="{91240B29-F687-4f45-9708-019B960494DF}">
-                <a14:hiddenLine xmlns:a14="http://schemas.microsoft.com/office/drawing/2010/main" xmlns="" w="9525">
+                <a14:hiddenLine xmlns="" xmlns:a14="http://schemas.microsoft.com/office/drawing/2010/main" w="9525">
                   <a:solidFill>
                     <a:srgbClr val="000000"/>
                   </a:solidFill>
@@ -12403,7 +12395,7 @@
             </a:ln>
             <a:extLst>
               <a:ext uri="{91240B29-F687-4f45-9708-019B960494DF}">
-                <a14:hiddenLine xmlns:a14="http://schemas.microsoft.com/office/drawing/2010/main" xmlns="" w="9525">
+                <a14:hiddenLine xmlns="" xmlns:a14="http://schemas.microsoft.com/office/drawing/2010/main" w="9525">
                   <a:solidFill>
                     <a:srgbClr val="000000"/>
                   </a:solidFill>
@@ -12493,7 +12485,7 @@
             </a:ln>
             <a:extLst>
               <a:ext uri="{91240B29-F687-4f45-9708-019B960494DF}">
-                <a14:hiddenLine xmlns:a14="http://schemas.microsoft.com/office/drawing/2010/main" xmlns="" w="9525">
+                <a14:hiddenLine xmlns="" xmlns:a14="http://schemas.microsoft.com/office/drawing/2010/main" w="9525">
                   <a:solidFill>
                     <a:srgbClr val="000000"/>
                   </a:solidFill>
@@ -12555,7 +12547,7 @@
             </a:ln>
             <a:extLst>
               <a:ext uri="{91240B29-F687-4f45-9708-019B960494DF}">
-                <a14:hiddenLine xmlns:a14="http://schemas.microsoft.com/office/drawing/2010/main" xmlns="" w="9525">
+                <a14:hiddenLine xmlns="" xmlns:a14="http://schemas.microsoft.com/office/drawing/2010/main" w="9525">
                   <a:solidFill>
                     <a:srgbClr val="000000"/>
                   </a:solidFill>
@@ -12645,7 +12637,7 @@
             </a:ln>
             <a:extLst>
               <a:ext uri="{91240B29-F687-4f45-9708-019B960494DF}">
-                <a14:hiddenLine xmlns:a14="http://schemas.microsoft.com/office/drawing/2010/main" xmlns="" w="9525">
+                <a14:hiddenLine xmlns="" xmlns:a14="http://schemas.microsoft.com/office/drawing/2010/main" w="9525">
                   <a:solidFill>
                     <a:srgbClr val="000000"/>
                   </a:solidFill>
@@ -12735,7 +12727,7 @@
             </a:ln>
             <a:extLst>
               <a:ext uri="{91240B29-F687-4f45-9708-019B960494DF}">
-                <a14:hiddenLine xmlns:a14="http://schemas.microsoft.com/office/drawing/2010/main" xmlns="" w="9525">
+                <a14:hiddenLine xmlns="" xmlns:a14="http://schemas.microsoft.com/office/drawing/2010/main" w="9525">
                   <a:solidFill>
                     <a:srgbClr val="000000"/>
                   </a:solidFill>
@@ -12800,7 +12792,7 @@
             </a:ln>
             <a:extLst>
               <a:ext uri="{91240B29-F687-4f45-9708-019B960494DF}">
-                <a14:hiddenLine xmlns:a14="http://schemas.microsoft.com/office/drawing/2010/main" xmlns="" w="9525">
+                <a14:hiddenLine xmlns="" xmlns:a14="http://schemas.microsoft.com/office/drawing/2010/main" w="9525">
                   <a:solidFill>
                     <a:srgbClr val="000000"/>
                   </a:solidFill>
@@ -12862,7 +12854,7 @@
             </a:ln>
             <a:extLst>
               <a:ext uri="{91240B29-F687-4f45-9708-019B960494DF}">
-                <a14:hiddenLine xmlns:a14="http://schemas.microsoft.com/office/drawing/2010/main" xmlns="" w="9525">
+                <a14:hiddenLine xmlns="" xmlns:a14="http://schemas.microsoft.com/office/drawing/2010/main" w="9525">
                   <a:solidFill>
                     <a:srgbClr val="000000"/>
                   </a:solidFill>
@@ -12952,7 +12944,7 @@
             </a:ln>
             <a:extLst>
               <a:ext uri="{91240B29-F687-4f45-9708-019B960494DF}">
-                <a14:hiddenLine xmlns:a14="http://schemas.microsoft.com/office/drawing/2010/main" xmlns="" w="9525">
+                <a14:hiddenLine xmlns="" xmlns:a14="http://schemas.microsoft.com/office/drawing/2010/main" w="9525">
                   <a:solidFill>
                     <a:srgbClr val="000000"/>
                   </a:solidFill>
@@ -13042,7 +13034,7 @@
             </a:ln>
             <a:extLst>
               <a:ext uri="{91240B29-F687-4f45-9708-019B960494DF}">
-                <a14:hiddenLine xmlns:a14="http://schemas.microsoft.com/office/drawing/2010/main" xmlns="" w="9525">
+                <a14:hiddenLine xmlns="" xmlns:a14="http://schemas.microsoft.com/office/drawing/2010/main" w="9525">
                   <a:solidFill>
                     <a:srgbClr val="000000"/>
                   </a:solidFill>
@@ -13104,7 +13096,7 @@
             </a:ln>
             <a:extLst>
               <a:ext uri="{91240B29-F687-4f45-9708-019B960494DF}">
-                <a14:hiddenLine xmlns:a14="http://schemas.microsoft.com/office/drawing/2010/main" xmlns="" w="9525">
+                <a14:hiddenLine xmlns="" xmlns:a14="http://schemas.microsoft.com/office/drawing/2010/main" w="9525">
                   <a:solidFill>
                     <a:srgbClr val="000000"/>
                   </a:solidFill>
@@ -13224,7 +13216,7 @@
             </a:ln>
             <a:extLst>
               <a:ext uri="{91240B29-F687-4f45-9708-019B960494DF}">
-                <a14:hiddenLine xmlns:a14="http://schemas.microsoft.com/office/drawing/2010/main" xmlns="" w="9525">
+                <a14:hiddenLine xmlns="" xmlns:a14="http://schemas.microsoft.com/office/drawing/2010/main" w="9525">
                   <a:solidFill>
                     <a:srgbClr val="000000"/>
                   </a:solidFill>
@@ -13292,7 +13284,7 @@
             </a:ln>
             <a:extLst>
               <a:ext uri="{91240B29-F687-4f45-9708-019B960494DF}">
-                <a14:hiddenLine xmlns:a14="http://schemas.microsoft.com/office/drawing/2010/main" xmlns="" w="9525">
+                <a14:hiddenLine xmlns="" xmlns:a14="http://schemas.microsoft.com/office/drawing/2010/main" w="9525">
                   <a:solidFill>
                     <a:srgbClr val="000000"/>
                   </a:solidFill>
@@ -13382,7 +13374,7 @@
             </a:ln>
             <a:extLst>
               <a:ext uri="{91240B29-F687-4f45-9708-019B960494DF}">
-                <a14:hiddenLine xmlns:a14="http://schemas.microsoft.com/office/drawing/2010/main" xmlns="" w="9525">
+                <a14:hiddenLine xmlns="" xmlns:a14="http://schemas.microsoft.com/office/drawing/2010/main" w="9525">
                   <a:solidFill>
                     <a:srgbClr val="000000"/>
                   </a:solidFill>
@@ -13522,7 +13514,7 @@
           <a:p>
             <a:fld id="{48A87A34-81AB-432B-8DAE-1953F412C126}" type="datetimeFigureOut">
               <a:rPr lang="en-US" dirty="0"/>
-              <a:t>8/18/22</a:t>
+              <a:t>8/19/2022</a:t>
             </a:fld>
             <a:endParaRPr lang="en-US" dirty="0"/>
           </a:p>
@@ -13784,7 +13776,7 @@
           <a:p>
             <a:fld id="{48A87A34-81AB-432B-8DAE-1953F412C126}" type="datetimeFigureOut">
               <a:rPr lang="en-US" dirty="0"/>
-              <a:t>8/18/22</a:t>
+              <a:t>8/19/2022</a:t>
             </a:fld>
             <a:endParaRPr lang="en-US" dirty="0"/>
           </a:p>
@@ -13975,7 +13967,7 @@
           <a:p>
             <a:fld id="{48A87A34-81AB-432B-8DAE-1953F412C126}" type="datetimeFigureOut">
               <a:rPr lang="en-US" dirty="0"/>
-              <a:t>8/18/22</a:t>
+              <a:t>8/19/2022</a:t>
             </a:fld>
             <a:endParaRPr lang="en-US" dirty="0"/>
           </a:p>
@@ -14233,7 +14225,7 @@
           <a:p>
             <a:fld id="{48A87A34-81AB-432B-8DAE-1953F412C126}" type="datetimeFigureOut">
               <a:rPr lang="en-US" dirty="0"/>
-              <a:t>8/18/22</a:t>
+              <a:t>8/19/2022</a:t>
             </a:fld>
             <a:endParaRPr lang="en-US" dirty="0"/>
           </a:p>
@@ -14662,7 +14654,7 @@
           <a:p>
             <a:fld id="{48A87A34-81AB-432B-8DAE-1953F412C126}" type="datetimeFigureOut">
               <a:rPr lang="en-US" dirty="0"/>
-              <a:t>8/18/22</a:t>
+              <a:t>8/19/2022</a:t>
             </a:fld>
             <a:endParaRPr lang="en-US" dirty="0"/>
           </a:p>
@@ -15203,7 +15195,7 @@
           <a:p>
             <a:fld id="{48A87A34-81AB-432B-8DAE-1953F412C126}" type="datetimeFigureOut">
               <a:rPr lang="en-US" dirty="0"/>
-              <a:t>8/18/22</a:t>
+              <a:t>8/19/2022</a:t>
             </a:fld>
             <a:endParaRPr lang="en-US" dirty="0"/>
           </a:p>
@@ -15918,7 +15910,7 @@
           <a:p>
             <a:fld id="{48A87A34-81AB-432B-8DAE-1953F412C126}" type="datetimeFigureOut">
               <a:rPr lang="en-US" dirty="0"/>
-              <a:t>8/18/22</a:t>
+              <a:t>8/19/2022</a:t>
             </a:fld>
             <a:endParaRPr lang="en-US" dirty="0"/>
           </a:p>
@@ -16083,7 +16075,7 @@
           <a:p>
             <a:fld id="{48A87A34-81AB-432B-8DAE-1953F412C126}" type="datetimeFigureOut">
               <a:rPr lang="en-US" dirty="0"/>
-              <a:t>8/18/22</a:t>
+              <a:t>8/19/2022</a:t>
             </a:fld>
             <a:endParaRPr lang="en-US" dirty="0"/>
           </a:p>
@@ -16258,7 +16250,7 @@
           <a:p>
             <a:fld id="{48A87A34-81AB-432B-8DAE-1953F412C126}" type="datetimeFigureOut">
               <a:rPr lang="en-US" dirty="0"/>
-              <a:t>8/18/22</a:t>
+              <a:t>8/19/2022</a:t>
             </a:fld>
             <a:endParaRPr lang="en-US" dirty="0"/>
           </a:p>
@@ -16423,7 +16415,7 @@
           <a:p>
             <a:fld id="{48A87A34-81AB-432B-8DAE-1953F412C126}" type="datetimeFigureOut">
               <a:rPr lang="en-US" dirty="0"/>
-              <a:t>8/18/22</a:t>
+              <a:t>8/19/2022</a:t>
             </a:fld>
             <a:endParaRPr lang="en-US" dirty="0"/>
           </a:p>
@@ -16668,7 +16660,7 @@
           <a:p>
             <a:fld id="{48A87A34-81AB-432B-8DAE-1953F412C126}" type="datetimeFigureOut">
               <a:rPr lang="en-US" dirty="0"/>
-              <a:t>8/18/22</a:t>
+              <a:t>8/19/2022</a:t>
             </a:fld>
             <a:endParaRPr lang="en-US" dirty="0"/>
           </a:p>
@@ -16895,7 +16887,7 @@
           <a:p>
             <a:fld id="{48A87A34-81AB-432B-8DAE-1953F412C126}" type="datetimeFigureOut">
               <a:rPr lang="en-US" dirty="0"/>
-              <a:t>8/18/22</a:t>
+              <a:t>8/19/2022</a:t>
             </a:fld>
             <a:endParaRPr lang="en-US" dirty="0"/>
           </a:p>
@@ -17271,7 +17263,7 @@
           <a:p>
             <a:fld id="{48A87A34-81AB-432B-8DAE-1953F412C126}" type="datetimeFigureOut">
               <a:rPr lang="en-US" dirty="0"/>
-              <a:t>8/18/22</a:t>
+              <a:t>8/19/2022</a:t>
             </a:fld>
             <a:endParaRPr lang="en-US" dirty="0"/>
           </a:p>
@@ -17384,7 +17376,7 @@
           <a:p>
             <a:fld id="{48A87A34-81AB-432B-8DAE-1953F412C126}" type="datetimeFigureOut">
               <a:rPr lang="en-US" dirty="0"/>
-              <a:t>8/18/22</a:t>
+              <a:t>8/19/2022</a:t>
             </a:fld>
             <a:endParaRPr lang="en-US" dirty="0"/>
           </a:p>
@@ -17474,7 +17466,7 @@
           <a:p>
             <a:fld id="{48A87A34-81AB-432B-8DAE-1953F412C126}" type="datetimeFigureOut">
               <a:rPr lang="en-US" dirty="0"/>
-              <a:t>8/18/22</a:t>
+              <a:t>8/19/2022</a:t>
             </a:fld>
             <a:endParaRPr lang="en-US" dirty="0"/>
           </a:p>
@@ -17718,7 +17710,7 @@
           <a:p>
             <a:fld id="{48A87A34-81AB-432B-8DAE-1953F412C126}" type="datetimeFigureOut">
               <a:rPr lang="en-US" dirty="0"/>
-              <a:t>8/18/22</a:t>
+              <a:t>8/19/2022</a:t>
             </a:fld>
             <a:endParaRPr lang="en-US" dirty="0"/>
           </a:p>
@@ -17993,7 +17985,7 @@
           <a:p>
             <a:fld id="{48A87A34-81AB-432B-8DAE-1953F412C126}" type="datetimeFigureOut">
               <a:rPr lang="en-US" dirty="0"/>
-              <a:t>8/18/22</a:t>
+              <a:t>8/19/2022</a:t>
             </a:fld>
             <a:endParaRPr lang="en-US" dirty="0"/>
           </a:p>
@@ -18104,7 +18096,7 @@
           <a:noFill/>
           <a:extLst>
             <a:ext uri="{909E8E84-426E-40dd-AFC4-6F175D3DCCD1}">
-              <a14:hiddenFill xmlns:a14="http://schemas.microsoft.com/office/drawing/2010/main" xmlns="">
+              <a14:hiddenFill xmlns="" xmlns:a14="http://schemas.microsoft.com/office/drawing/2010/main">
                 <a:solidFill>
                   <a:srgbClr val="FFFFFF"/>
                 </a:solidFill>
@@ -18178,7 +18170,7 @@
               </a:ln>
               <a:extLst>
                 <a:ext uri="{91240B29-F687-4f45-9708-019B960494DF}">
-                  <a14:hiddenLine xmlns:a14="http://schemas.microsoft.com/office/drawing/2010/main" xmlns="" w="9525">
+                  <a14:hiddenLine xmlns="" xmlns:a14="http://schemas.microsoft.com/office/drawing/2010/main" w="9525">
                     <a:solidFill>
                       <a:srgbClr val="000000"/>
                     </a:solidFill>
@@ -18268,7 +18260,7 @@
               </a:ln>
               <a:extLst>
                 <a:ext uri="{91240B29-F687-4f45-9708-019B960494DF}">
-                  <a14:hiddenLine xmlns:a14="http://schemas.microsoft.com/office/drawing/2010/main" xmlns="" w="9525">
+                  <a14:hiddenLine xmlns="" xmlns:a14="http://schemas.microsoft.com/office/drawing/2010/main" w="9525">
                     <a:solidFill>
                       <a:srgbClr val="000000"/>
                     </a:solidFill>
@@ -18358,7 +18350,7 @@
               </a:ln>
               <a:extLst>
                 <a:ext uri="{91240B29-F687-4f45-9708-019B960494DF}">
-                  <a14:hiddenLine xmlns:a14="http://schemas.microsoft.com/office/drawing/2010/main" xmlns="" w="9525">
+                  <a14:hiddenLine xmlns="" xmlns:a14="http://schemas.microsoft.com/office/drawing/2010/main" w="9525">
                     <a:solidFill>
                       <a:srgbClr val="000000"/>
                     </a:solidFill>
@@ -18420,7 +18412,7 @@
               </a:ln>
               <a:extLst>
                 <a:ext uri="{91240B29-F687-4f45-9708-019B960494DF}">
-                  <a14:hiddenLine xmlns:a14="http://schemas.microsoft.com/office/drawing/2010/main" xmlns="" w="9525">
+                  <a14:hiddenLine xmlns="" xmlns:a14="http://schemas.microsoft.com/office/drawing/2010/main" w="9525">
                     <a:solidFill>
                       <a:srgbClr val="000000"/>
                     </a:solidFill>
@@ -18510,7 +18502,7 @@
               </a:ln>
               <a:extLst>
                 <a:ext uri="{91240B29-F687-4f45-9708-019B960494DF}">
-                  <a14:hiddenLine xmlns:a14="http://schemas.microsoft.com/office/drawing/2010/main" xmlns="" w="9525">
+                  <a14:hiddenLine xmlns="" xmlns:a14="http://schemas.microsoft.com/office/drawing/2010/main" w="9525">
                     <a:solidFill>
                       <a:srgbClr val="000000"/>
                     </a:solidFill>
@@ -18572,7 +18564,7 @@
               </a:ln>
               <a:extLst>
                 <a:ext uri="{91240B29-F687-4f45-9708-019B960494DF}">
-                  <a14:hiddenLine xmlns:a14="http://schemas.microsoft.com/office/drawing/2010/main" xmlns="" w="9525">
+                  <a14:hiddenLine xmlns="" xmlns:a14="http://schemas.microsoft.com/office/drawing/2010/main" w="9525">
                     <a:solidFill>
                       <a:srgbClr val="000000"/>
                     </a:solidFill>
@@ -18634,7 +18626,7 @@
               </a:ln>
               <a:extLst>
                 <a:ext uri="{91240B29-F687-4f45-9708-019B960494DF}">
-                  <a14:hiddenLine xmlns:a14="http://schemas.microsoft.com/office/drawing/2010/main" xmlns="" w="9525">
+                  <a14:hiddenLine xmlns="" xmlns:a14="http://schemas.microsoft.com/office/drawing/2010/main" w="9525">
                     <a:solidFill>
                       <a:srgbClr val="000000"/>
                     </a:solidFill>
@@ -18724,7 +18716,7 @@
               </a:ln>
               <a:extLst>
                 <a:ext uri="{91240B29-F687-4f45-9708-019B960494DF}">
-                  <a14:hiddenLine xmlns:a14="http://schemas.microsoft.com/office/drawing/2010/main" xmlns="" w="9525">
+                  <a14:hiddenLine xmlns="" xmlns:a14="http://schemas.microsoft.com/office/drawing/2010/main" w="9525">
                     <a:solidFill>
                       <a:srgbClr val="000000"/>
                     </a:solidFill>
@@ -18814,7 +18806,7 @@
               </a:ln>
               <a:extLst>
                 <a:ext uri="{91240B29-F687-4f45-9708-019B960494DF}">
-                  <a14:hiddenLine xmlns:a14="http://schemas.microsoft.com/office/drawing/2010/main" xmlns="" w="9525">
+                  <a14:hiddenLine xmlns="" xmlns:a14="http://schemas.microsoft.com/office/drawing/2010/main" w="9525">
                     <a:solidFill>
                       <a:srgbClr val="000000"/>
                     </a:solidFill>
@@ -18876,7 +18868,7 @@
               </a:ln>
               <a:extLst>
                 <a:ext uri="{91240B29-F687-4f45-9708-019B960494DF}">
-                  <a14:hiddenLine xmlns:a14="http://schemas.microsoft.com/office/drawing/2010/main" xmlns="" w="9525">
+                  <a14:hiddenLine xmlns="" xmlns:a14="http://schemas.microsoft.com/office/drawing/2010/main" w="9525">
                     <a:solidFill>
                       <a:srgbClr val="000000"/>
                     </a:solidFill>
@@ -18986,7 +18978,7 @@
               </a:ln>
               <a:extLst>
                 <a:ext uri="{91240B29-F687-4f45-9708-019B960494DF}">
-                  <a14:hiddenLine xmlns:a14="http://schemas.microsoft.com/office/drawing/2010/main" xmlns="" w="9525">
+                  <a14:hiddenLine xmlns="" xmlns:a14="http://schemas.microsoft.com/office/drawing/2010/main" w="9525">
                     <a:solidFill>
                       <a:srgbClr val="000000"/>
                     </a:solidFill>
@@ -19070,7 +19062,7 @@
               </a:ln>
               <a:extLst>
                 <a:ext uri="{91240B29-F687-4f45-9708-019B960494DF}">
-                  <a14:hiddenLine xmlns:a14="http://schemas.microsoft.com/office/drawing/2010/main" xmlns="" w="9525">
+                  <a14:hiddenLine xmlns="" xmlns:a14="http://schemas.microsoft.com/office/drawing/2010/main" w="9525">
                     <a:solidFill>
                       <a:srgbClr val="000000"/>
                     </a:solidFill>
@@ -19132,7 +19124,7 @@
               </a:ln>
               <a:extLst>
                 <a:ext uri="{91240B29-F687-4f45-9708-019B960494DF}">
-                  <a14:hiddenLine xmlns:a14="http://schemas.microsoft.com/office/drawing/2010/main" xmlns="" w="9525">
+                  <a14:hiddenLine xmlns="" xmlns:a14="http://schemas.microsoft.com/office/drawing/2010/main" w="9525">
                     <a:solidFill>
                       <a:srgbClr val="000000"/>
                     </a:solidFill>
@@ -19194,7 +19186,7 @@
               </a:ln>
               <a:extLst>
                 <a:ext uri="{91240B29-F687-4f45-9708-019B960494DF}">
-                  <a14:hiddenLine xmlns:a14="http://schemas.microsoft.com/office/drawing/2010/main" xmlns="" w="9525">
+                  <a14:hiddenLine xmlns="" xmlns:a14="http://schemas.microsoft.com/office/drawing/2010/main" w="9525">
                     <a:solidFill>
                       <a:srgbClr val="000000"/>
                     </a:solidFill>
@@ -19284,7 +19276,7 @@
               </a:ln>
               <a:extLst>
                 <a:ext uri="{91240B29-F687-4f45-9708-019B960494DF}">
-                  <a14:hiddenLine xmlns:a14="http://schemas.microsoft.com/office/drawing/2010/main" xmlns="" w="9525">
+                  <a14:hiddenLine xmlns="" xmlns:a14="http://schemas.microsoft.com/office/drawing/2010/main" w="9525">
                     <a:solidFill>
                       <a:srgbClr val="000000"/>
                     </a:solidFill>
@@ -19318,7 +19310,7 @@
               </a:ln>
               <a:extLst>
                 <a:ext uri="{91240B29-F687-4f45-9708-019B960494DF}">
-                  <a14:hiddenLine xmlns:a14="http://schemas.microsoft.com/office/drawing/2010/main" xmlns="" w="9525">
+                  <a14:hiddenLine xmlns="" xmlns:a14="http://schemas.microsoft.com/office/drawing/2010/main" w="9525">
                     <a:solidFill>
                       <a:srgbClr val="000000"/>
                     </a:solidFill>
@@ -19383,7 +19375,7 @@
               </a:ln>
               <a:extLst>
                 <a:ext uri="{91240B29-F687-4f45-9708-019B960494DF}">
-                  <a14:hiddenLine xmlns:a14="http://schemas.microsoft.com/office/drawing/2010/main" xmlns="" w="9525">
+                  <a14:hiddenLine xmlns="" xmlns:a14="http://schemas.microsoft.com/office/drawing/2010/main" w="9525">
                     <a:solidFill>
                       <a:srgbClr val="000000"/>
                     </a:solidFill>
@@ -19473,7 +19465,7 @@
               </a:ln>
               <a:extLst>
                 <a:ext uri="{91240B29-F687-4f45-9708-019B960494DF}">
-                  <a14:hiddenLine xmlns:a14="http://schemas.microsoft.com/office/drawing/2010/main" xmlns="" w="9525">
+                  <a14:hiddenLine xmlns="" xmlns:a14="http://schemas.microsoft.com/office/drawing/2010/main" w="9525">
                     <a:solidFill>
                       <a:srgbClr val="000000"/>
                     </a:solidFill>
@@ -19535,7 +19527,7 @@
               </a:ln>
               <a:extLst>
                 <a:ext uri="{91240B29-F687-4f45-9708-019B960494DF}">
-                  <a14:hiddenLine xmlns:a14="http://schemas.microsoft.com/office/drawing/2010/main" xmlns="" w="9525">
+                  <a14:hiddenLine xmlns="" xmlns:a14="http://schemas.microsoft.com/office/drawing/2010/main" w="9525">
                     <a:solidFill>
                       <a:srgbClr val="000000"/>
                     </a:solidFill>
@@ -19625,7 +19617,7 @@
               </a:ln>
               <a:extLst>
                 <a:ext uri="{91240B29-F687-4f45-9708-019B960494DF}">
-                  <a14:hiddenLine xmlns:a14="http://schemas.microsoft.com/office/drawing/2010/main" xmlns="" w="9525">
+                  <a14:hiddenLine xmlns="" xmlns:a14="http://schemas.microsoft.com/office/drawing/2010/main" w="9525">
                     <a:solidFill>
                       <a:srgbClr val="000000"/>
                     </a:solidFill>
@@ -19690,7 +19682,7 @@
               </a:ln>
               <a:extLst>
                 <a:ext uri="{91240B29-F687-4f45-9708-019B960494DF}">
-                  <a14:hiddenLine xmlns:a14="http://schemas.microsoft.com/office/drawing/2010/main" xmlns="" w="9525">
+                  <a14:hiddenLine xmlns="" xmlns:a14="http://schemas.microsoft.com/office/drawing/2010/main" w="9525">
                     <a:solidFill>
                       <a:srgbClr val="000000"/>
                     </a:solidFill>
@@ -19752,7 +19744,7 @@
               </a:ln>
               <a:extLst>
                 <a:ext uri="{91240B29-F687-4f45-9708-019B960494DF}">
-                  <a14:hiddenLine xmlns:a14="http://schemas.microsoft.com/office/drawing/2010/main" xmlns="" w="9525">
+                  <a14:hiddenLine xmlns="" xmlns:a14="http://schemas.microsoft.com/office/drawing/2010/main" w="9525">
                     <a:solidFill>
                       <a:srgbClr val="000000"/>
                     </a:solidFill>
@@ -19842,7 +19834,7 @@
               </a:ln>
               <a:extLst>
                 <a:ext uri="{91240B29-F687-4f45-9708-019B960494DF}">
-                  <a14:hiddenLine xmlns:a14="http://schemas.microsoft.com/office/drawing/2010/main" xmlns="" w="9525">
+                  <a14:hiddenLine xmlns="" xmlns:a14="http://schemas.microsoft.com/office/drawing/2010/main" w="9525">
                     <a:solidFill>
                       <a:srgbClr val="000000"/>
                     </a:solidFill>
@@ -19932,7 +19924,7 @@
               </a:ln>
               <a:extLst>
                 <a:ext uri="{91240B29-F687-4f45-9708-019B960494DF}">
-                  <a14:hiddenLine xmlns:a14="http://schemas.microsoft.com/office/drawing/2010/main" xmlns="" w="9525">
+                  <a14:hiddenLine xmlns="" xmlns:a14="http://schemas.microsoft.com/office/drawing/2010/main" w="9525">
                     <a:solidFill>
                       <a:srgbClr val="000000"/>
                     </a:solidFill>
@@ -19997,7 +19989,7 @@
               </a:ln>
               <a:extLst>
                 <a:ext uri="{91240B29-F687-4f45-9708-019B960494DF}">
-                  <a14:hiddenLine xmlns:a14="http://schemas.microsoft.com/office/drawing/2010/main" xmlns="" w="9525">
+                  <a14:hiddenLine xmlns="" xmlns:a14="http://schemas.microsoft.com/office/drawing/2010/main" w="9525">
                     <a:solidFill>
                       <a:srgbClr val="000000"/>
                     </a:solidFill>
@@ -20117,7 +20109,7 @@
               </a:ln>
               <a:extLst>
                 <a:ext uri="{91240B29-F687-4f45-9708-019B960494DF}">
-                  <a14:hiddenLine xmlns:a14="http://schemas.microsoft.com/office/drawing/2010/main" xmlns="" w="9525">
+                  <a14:hiddenLine xmlns="" xmlns:a14="http://schemas.microsoft.com/office/drawing/2010/main" w="9525">
                     <a:solidFill>
                       <a:srgbClr val="000000"/>
                     </a:solidFill>
@@ -20215,7 +20207,7 @@
               </a:ln>
               <a:extLst>
                 <a:ext uri="{91240B29-F687-4f45-9708-019B960494DF}">
-                  <a14:hiddenLine xmlns:a14="http://schemas.microsoft.com/office/drawing/2010/main" xmlns="" w="9525">
+                  <a14:hiddenLine xmlns="" xmlns:a14="http://schemas.microsoft.com/office/drawing/2010/main" w="9525">
                     <a:solidFill>
                       <a:srgbClr val="000000"/>
                     </a:solidFill>
@@ -20330,7 +20322,7 @@
               </a:ln>
               <a:extLst>
                 <a:ext uri="{91240B29-F687-4f45-9708-019B960494DF}">
-                  <a14:hiddenLine xmlns:a14="http://schemas.microsoft.com/office/drawing/2010/main" xmlns="" w="9525">
+                  <a14:hiddenLine xmlns="" xmlns:a14="http://schemas.microsoft.com/office/drawing/2010/main" w="9525">
                     <a:solidFill>
                       <a:srgbClr val="000000"/>
                     </a:solidFill>
@@ -20420,7 +20412,7 @@
               </a:ln>
               <a:extLst>
                 <a:ext uri="{91240B29-F687-4f45-9708-019B960494DF}">
-                  <a14:hiddenLine xmlns:a14="http://schemas.microsoft.com/office/drawing/2010/main" xmlns="" w="9525">
+                  <a14:hiddenLine xmlns="" xmlns:a14="http://schemas.microsoft.com/office/drawing/2010/main" w="9525">
                     <a:solidFill>
                       <a:srgbClr val="000000"/>
                     </a:solidFill>
@@ -20485,7 +20477,7 @@
               </a:ln>
               <a:extLst>
                 <a:ext uri="{91240B29-F687-4f45-9708-019B960494DF}">
-                  <a14:hiddenLine xmlns:a14="http://schemas.microsoft.com/office/drawing/2010/main" xmlns="" w="9525">
+                  <a14:hiddenLine xmlns="" xmlns:a14="http://schemas.microsoft.com/office/drawing/2010/main" w="9525">
                     <a:solidFill>
                       <a:srgbClr val="000000"/>
                     </a:solidFill>
@@ -20575,7 +20567,7 @@
               </a:ln>
               <a:extLst>
                 <a:ext uri="{91240B29-F687-4f45-9708-019B960494DF}">
-                  <a14:hiddenLine xmlns:a14="http://schemas.microsoft.com/office/drawing/2010/main" xmlns="" w="9525">
+                  <a14:hiddenLine xmlns="" xmlns:a14="http://schemas.microsoft.com/office/drawing/2010/main" w="9525">
                     <a:solidFill>
                       <a:srgbClr val="000000"/>
                     </a:solidFill>
@@ -20643,7 +20635,7 @@
               </a:ln>
               <a:extLst>
                 <a:ext uri="{91240B29-F687-4f45-9708-019B960494DF}">
-                  <a14:hiddenLine xmlns:a14="http://schemas.microsoft.com/office/drawing/2010/main" xmlns="" w="9525">
+                  <a14:hiddenLine xmlns="" xmlns:a14="http://schemas.microsoft.com/office/drawing/2010/main" w="9525">
                     <a:solidFill>
                       <a:srgbClr val="000000"/>
                     </a:solidFill>
@@ -20733,7 +20725,7 @@
               </a:ln>
               <a:extLst>
                 <a:ext uri="{91240B29-F687-4f45-9708-019B960494DF}">
-                  <a14:hiddenLine xmlns:a14="http://schemas.microsoft.com/office/drawing/2010/main" xmlns="" w="9525">
+                  <a14:hiddenLine xmlns="" xmlns:a14="http://schemas.microsoft.com/office/drawing/2010/main" w="9525">
                     <a:solidFill>
                       <a:srgbClr val="000000"/>
                     </a:solidFill>
@@ -20801,7 +20793,7 @@
               </a:ln>
               <a:extLst>
                 <a:ext uri="{91240B29-F687-4f45-9708-019B960494DF}">
-                  <a14:hiddenLine xmlns:a14="http://schemas.microsoft.com/office/drawing/2010/main" xmlns="" w="9525">
+                  <a14:hiddenLine xmlns="" xmlns:a14="http://schemas.microsoft.com/office/drawing/2010/main" w="9525">
                     <a:solidFill>
                       <a:srgbClr val="000000"/>
                     </a:solidFill>
@@ -20891,7 +20883,7 @@
               </a:ln>
               <a:extLst>
                 <a:ext uri="{91240B29-F687-4f45-9708-019B960494DF}">
-                  <a14:hiddenLine xmlns:a14="http://schemas.microsoft.com/office/drawing/2010/main" xmlns="" w="9525">
+                  <a14:hiddenLine xmlns="" xmlns:a14="http://schemas.microsoft.com/office/drawing/2010/main" w="9525">
                     <a:solidFill>
                       <a:srgbClr val="000000"/>
                     </a:solidFill>
@@ -20925,7 +20917,7 @@
               </a:ln>
               <a:extLst>
                 <a:ext uri="{91240B29-F687-4f45-9708-019B960494DF}">
-                  <a14:hiddenLine xmlns:a14="http://schemas.microsoft.com/office/drawing/2010/main" xmlns="" w="9525">
+                  <a14:hiddenLine xmlns="" xmlns:a14="http://schemas.microsoft.com/office/drawing/2010/main" w="9525">
                     <a:solidFill>
                       <a:srgbClr val="000000"/>
                     </a:solidFill>
@@ -21066,7 +21058,7 @@
             <a:fld id="{48A87A34-81AB-432B-8DAE-1953F412C126}" type="datetimeFigureOut">
               <a:rPr lang="en-US" dirty="0"/>
               <a:pPr/>
-              <a:t>8/18/22</a:t>
+              <a:t>8/19/2022</a:t>
             </a:fld>
             <a:endParaRPr lang="en-US" dirty="0"/>
           </a:p>
@@ -21628,6 +21620,650 @@
           <p:cNvPr id="2" name="Title 1">
             <a:extLst>
               <a:ext uri="{FF2B5EF4-FFF2-40B4-BE49-F238E27FC236}">
+                <a16:creationId xmlns:a16="http://schemas.microsoft.com/office/drawing/2014/main" id="{EE1C0F40-53EE-5A79-C657-EF864D60F72E}"/>
+              </a:ext>
+            </a:extLst>
+          </p:cNvPr>
+          <p:cNvSpPr>
+            <a:spLocks noGrp="1"/>
+          </p:cNvSpPr>
+          <p:nvPr>
+            <p:ph type="title"/>
+          </p:nvPr>
+        </p:nvSpPr>
+        <p:spPr/>
+        <p:txBody>
+          <a:bodyPr/>
+          <a:lstStyle/>
+          <a:p>
+            <a:r>
+              <a:rPr lang="en-US" dirty="0"/>
+              <a:t>Scheduling</a:t>
+            </a:r>
+          </a:p>
+        </p:txBody>
+      </p:sp>
+      <p:sp>
+        <p:nvSpPr>
+          <p:cNvPr id="3" name="Content Placeholder 2">
+            <a:extLst>
+              <a:ext uri="{FF2B5EF4-FFF2-40B4-BE49-F238E27FC236}">
+                <a16:creationId xmlns:a16="http://schemas.microsoft.com/office/drawing/2014/main" id="{F5B9A3BA-70FE-2030-FF9A-0071D21AD370}"/>
+              </a:ext>
+            </a:extLst>
+          </p:cNvPr>
+          <p:cNvSpPr>
+            <a:spLocks noGrp="1"/>
+          </p:cNvSpPr>
+          <p:nvPr>
+            <p:ph idx="1"/>
+          </p:nvPr>
+        </p:nvSpPr>
+        <p:spPr/>
+        <p:txBody>
+          <a:bodyPr/>
+          <a:lstStyle/>
+          <a:p>
+            <a:r>
+              <a:rPr lang="en-US" dirty="0"/>
+              <a:t>Firstly, create a batch file for the program</a:t>
+            </a:r>
+          </a:p>
+          <a:p>
+            <a:r>
+              <a:rPr lang="en-US" dirty="0"/>
+              <a:t>Within this batch file store details of how the file should be run</a:t>
+            </a:r>
+          </a:p>
+          <a:p>
+            <a:r>
+              <a:rPr lang="en-US" dirty="0"/>
+              <a:t>Create a </a:t>
+            </a:r>
+            <a:r>
+              <a:rPr lang="en-US" dirty="0" err="1"/>
+              <a:t>cmd</a:t>
+            </a:r>
+            <a:r>
+              <a:rPr lang="en-US" dirty="0"/>
+              <a:t> command specifying the scheduling details</a:t>
+            </a:r>
+          </a:p>
+          <a:p>
+            <a:r>
+              <a:rPr lang="en-US" dirty="0"/>
+              <a:t>Run this command, which then schedules the batch file to be executed at the time and frequency dictated by the user</a:t>
+            </a:r>
+          </a:p>
+        </p:txBody>
+      </p:sp>
+      <p:pic>
+        <p:nvPicPr>
+          <p:cNvPr id="5" name="Picture 4">
+            <a:extLst>
+              <a:ext uri="{FF2B5EF4-FFF2-40B4-BE49-F238E27FC236}">
+                <a16:creationId xmlns:a16="http://schemas.microsoft.com/office/drawing/2014/main" id="{A7A3BB53-C1D4-353A-CC25-F82347FE718F}"/>
+              </a:ext>
+            </a:extLst>
+          </p:cNvPr>
+          <p:cNvPicPr>
+            <a:picLocks noChangeAspect="1"/>
+          </p:cNvPicPr>
+          <p:nvPr/>
+        </p:nvPicPr>
+        <p:blipFill>
+          <a:blip r:embed="rId2"/>
+          <a:stretch>
+            <a:fillRect/>
+          </a:stretch>
+        </p:blipFill>
+        <p:spPr>
+          <a:xfrm>
+            <a:off x="4563341" y="618518"/>
+            <a:ext cx="7468642" cy="2657846"/>
+          </a:xfrm>
+          <a:prstGeom prst="rect">
+            <a:avLst/>
+          </a:prstGeom>
+        </p:spPr>
+      </p:pic>
+    </p:spTree>
+    <p:extLst>
+      <p:ext uri="{BB962C8B-B14F-4D97-AF65-F5344CB8AC3E}">
+        <p14:creationId xmlns:p14="http://schemas.microsoft.com/office/powerpoint/2010/main" val="1676414120"/>
+      </p:ext>
+    </p:extLst>
+  </p:cSld>
+  <p:clrMapOvr>
+    <a:masterClrMapping/>
+  </p:clrMapOvr>
+  <p:timing>
+    <p:tnLst>
+      <p:par>
+        <p:cTn id="1" dur="indefinite" restart="never" nodeType="tmRoot">
+          <p:childTnLst>
+            <p:seq concurrent="1" nextAc="seek">
+              <p:cTn id="2" dur="indefinite" nodeType="mainSeq">
+                <p:childTnLst>
+                  <p:par>
+                    <p:cTn id="3" fill="hold">
+                      <p:stCondLst>
+                        <p:cond delay="indefinite"/>
+                      </p:stCondLst>
+                      <p:childTnLst>
+                        <p:par>
+                          <p:cTn id="4" fill="hold">
+                            <p:stCondLst>
+                              <p:cond delay="0"/>
+                            </p:stCondLst>
+                            <p:childTnLst>
+                              <p:par>
+                                <p:cTn id="5" presetID="10" presetClass="entr" presetSubtype="0" fill="hold" grpId="0" nodeType="clickEffect">
+                                  <p:stCondLst>
+                                    <p:cond delay="0"/>
+                                  </p:stCondLst>
+                                  <p:childTnLst>
+                                    <p:set>
+                                      <p:cBhvr>
+                                        <p:cTn id="6" dur="1" fill="hold">
+                                          <p:stCondLst>
+                                            <p:cond delay="0"/>
+                                          </p:stCondLst>
+                                        </p:cTn>
+                                        <p:tgtEl>
+                                          <p:spTgt spid="3">
+                                            <p:txEl>
+                                              <p:pRg st="0" end="0"/>
+                                            </p:txEl>
+                                          </p:spTgt>
+                                        </p:tgtEl>
+                                        <p:attrNameLst>
+                                          <p:attrName>style.visibility</p:attrName>
+                                        </p:attrNameLst>
+                                      </p:cBhvr>
+                                      <p:to>
+                                        <p:strVal val="visible"/>
+                                      </p:to>
+                                    </p:set>
+                                    <p:animEffect transition="in" filter="fade">
+                                      <p:cBhvr>
+                                        <p:cTn id="7" dur="500"/>
+                                        <p:tgtEl>
+                                          <p:spTgt spid="3">
+                                            <p:txEl>
+                                              <p:pRg st="0" end="0"/>
+                                            </p:txEl>
+                                          </p:spTgt>
+                                        </p:tgtEl>
+                                      </p:cBhvr>
+                                    </p:animEffect>
+                                  </p:childTnLst>
+                                </p:cTn>
+                              </p:par>
+                            </p:childTnLst>
+                          </p:cTn>
+                        </p:par>
+                      </p:childTnLst>
+                    </p:cTn>
+                  </p:par>
+                  <p:par>
+                    <p:cTn id="8" fill="hold">
+                      <p:stCondLst>
+                        <p:cond delay="indefinite"/>
+                      </p:stCondLst>
+                      <p:childTnLst>
+                        <p:par>
+                          <p:cTn id="9" fill="hold">
+                            <p:stCondLst>
+                              <p:cond delay="0"/>
+                            </p:stCondLst>
+                            <p:childTnLst>
+                              <p:par>
+                                <p:cTn id="10" presetID="10" presetClass="entr" presetSubtype="0" fill="hold" grpId="0" nodeType="clickEffect">
+                                  <p:stCondLst>
+                                    <p:cond delay="0"/>
+                                  </p:stCondLst>
+                                  <p:childTnLst>
+                                    <p:set>
+                                      <p:cBhvr>
+                                        <p:cTn id="11" dur="1" fill="hold">
+                                          <p:stCondLst>
+                                            <p:cond delay="0"/>
+                                          </p:stCondLst>
+                                        </p:cTn>
+                                        <p:tgtEl>
+                                          <p:spTgt spid="3">
+                                            <p:txEl>
+                                              <p:pRg st="1" end="1"/>
+                                            </p:txEl>
+                                          </p:spTgt>
+                                        </p:tgtEl>
+                                        <p:attrNameLst>
+                                          <p:attrName>style.visibility</p:attrName>
+                                        </p:attrNameLst>
+                                      </p:cBhvr>
+                                      <p:to>
+                                        <p:strVal val="visible"/>
+                                      </p:to>
+                                    </p:set>
+                                    <p:animEffect transition="in" filter="fade">
+                                      <p:cBhvr>
+                                        <p:cTn id="12" dur="500"/>
+                                        <p:tgtEl>
+                                          <p:spTgt spid="3">
+                                            <p:txEl>
+                                              <p:pRg st="1" end="1"/>
+                                            </p:txEl>
+                                          </p:spTgt>
+                                        </p:tgtEl>
+                                      </p:cBhvr>
+                                    </p:animEffect>
+                                  </p:childTnLst>
+                                </p:cTn>
+                              </p:par>
+                            </p:childTnLst>
+                          </p:cTn>
+                        </p:par>
+                      </p:childTnLst>
+                    </p:cTn>
+                  </p:par>
+                  <p:par>
+                    <p:cTn id="13" fill="hold">
+                      <p:stCondLst>
+                        <p:cond delay="indefinite"/>
+                      </p:stCondLst>
+                      <p:childTnLst>
+                        <p:par>
+                          <p:cTn id="14" fill="hold">
+                            <p:stCondLst>
+                              <p:cond delay="0"/>
+                            </p:stCondLst>
+                            <p:childTnLst>
+                              <p:par>
+                                <p:cTn id="15" presetID="10" presetClass="entr" presetSubtype="0" fill="hold" grpId="0" nodeType="clickEffect">
+                                  <p:stCondLst>
+                                    <p:cond delay="0"/>
+                                  </p:stCondLst>
+                                  <p:childTnLst>
+                                    <p:set>
+                                      <p:cBhvr>
+                                        <p:cTn id="16" dur="1" fill="hold">
+                                          <p:stCondLst>
+                                            <p:cond delay="0"/>
+                                          </p:stCondLst>
+                                        </p:cTn>
+                                        <p:tgtEl>
+                                          <p:spTgt spid="3">
+                                            <p:txEl>
+                                              <p:pRg st="2" end="2"/>
+                                            </p:txEl>
+                                          </p:spTgt>
+                                        </p:tgtEl>
+                                        <p:attrNameLst>
+                                          <p:attrName>style.visibility</p:attrName>
+                                        </p:attrNameLst>
+                                      </p:cBhvr>
+                                      <p:to>
+                                        <p:strVal val="visible"/>
+                                      </p:to>
+                                    </p:set>
+                                    <p:animEffect transition="in" filter="fade">
+                                      <p:cBhvr>
+                                        <p:cTn id="17" dur="500"/>
+                                        <p:tgtEl>
+                                          <p:spTgt spid="3">
+                                            <p:txEl>
+                                              <p:pRg st="2" end="2"/>
+                                            </p:txEl>
+                                          </p:spTgt>
+                                        </p:tgtEl>
+                                      </p:cBhvr>
+                                    </p:animEffect>
+                                  </p:childTnLst>
+                                </p:cTn>
+                              </p:par>
+                            </p:childTnLst>
+                          </p:cTn>
+                        </p:par>
+                      </p:childTnLst>
+                    </p:cTn>
+                  </p:par>
+                  <p:par>
+                    <p:cTn id="18" fill="hold">
+                      <p:stCondLst>
+                        <p:cond delay="indefinite"/>
+                      </p:stCondLst>
+                      <p:childTnLst>
+                        <p:par>
+                          <p:cTn id="19" fill="hold">
+                            <p:stCondLst>
+                              <p:cond delay="0"/>
+                            </p:stCondLst>
+                            <p:childTnLst>
+                              <p:par>
+                                <p:cTn id="20" presetID="10" presetClass="entr" presetSubtype="0" fill="hold" grpId="0" nodeType="clickEffect">
+                                  <p:stCondLst>
+                                    <p:cond delay="0"/>
+                                  </p:stCondLst>
+                                  <p:childTnLst>
+                                    <p:set>
+                                      <p:cBhvr>
+                                        <p:cTn id="21" dur="1" fill="hold">
+                                          <p:stCondLst>
+                                            <p:cond delay="0"/>
+                                          </p:stCondLst>
+                                        </p:cTn>
+                                        <p:tgtEl>
+                                          <p:spTgt spid="3">
+                                            <p:txEl>
+                                              <p:pRg st="3" end="3"/>
+                                            </p:txEl>
+                                          </p:spTgt>
+                                        </p:tgtEl>
+                                        <p:attrNameLst>
+                                          <p:attrName>style.visibility</p:attrName>
+                                        </p:attrNameLst>
+                                      </p:cBhvr>
+                                      <p:to>
+                                        <p:strVal val="visible"/>
+                                      </p:to>
+                                    </p:set>
+                                    <p:animEffect transition="in" filter="fade">
+                                      <p:cBhvr>
+                                        <p:cTn id="22" dur="500"/>
+                                        <p:tgtEl>
+                                          <p:spTgt spid="3">
+                                            <p:txEl>
+                                              <p:pRg st="3" end="3"/>
+                                            </p:txEl>
+                                          </p:spTgt>
+                                        </p:tgtEl>
+                                      </p:cBhvr>
+                                    </p:animEffect>
+                                  </p:childTnLst>
+                                </p:cTn>
+                              </p:par>
+                            </p:childTnLst>
+                          </p:cTn>
+                        </p:par>
+                      </p:childTnLst>
+                    </p:cTn>
+                  </p:par>
+                  <p:par>
+                    <p:cTn id="23" fill="hold">
+                      <p:stCondLst>
+                        <p:cond delay="indefinite"/>
+                      </p:stCondLst>
+                      <p:childTnLst>
+                        <p:par>
+                          <p:cTn id="24" fill="hold">
+                            <p:stCondLst>
+                              <p:cond delay="0"/>
+                            </p:stCondLst>
+                            <p:childTnLst>
+                              <p:par>
+                                <p:cTn id="25" presetID="10" presetClass="entr" presetSubtype="0" fill="hold" nodeType="clickEffect">
+                                  <p:stCondLst>
+                                    <p:cond delay="0"/>
+                                  </p:stCondLst>
+                                  <p:childTnLst>
+                                    <p:set>
+                                      <p:cBhvr>
+                                        <p:cTn id="26" dur="1" fill="hold">
+                                          <p:stCondLst>
+                                            <p:cond delay="0"/>
+                                          </p:stCondLst>
+                                        </p:cTn>
+                                        <p:tgtEl>
+                                          <p:spTgt spid="5"/>
+                                        </p:tgtEl>
+                                        <p:attrNameLst>
+                                          <p:attrName>style.visibility</p:attrName>
+                                        </p:attrNameLst>
+                                      </p:cBhvr>
+                                      <p:to>
+                                        <p:strVal val="visible"/>
+                                      </p:to>
+                                    </p:set>
+                                    <p:animEffect transition="in" filter="fade">
+                                      <p:cBhvr>
+                                        <p:cTn id="27" dur="500"/>
+                                        <p:tgtEl>
+                                          <p:spTgt spid="5"/>
+                                        </p:tgtEl>
+                                      </p:cBhvr>
+                                    </p:animEffect>
+                                  </p:childTnLst>
+                                </p:cTn>
+                              </p:par>
+                            </p:childTnLst>
+                          </p:cTn>
+                        </p:par>
+                      </p:childTnLst>
+                    </p:cTn>
+                  </p:par>
+                </p:childTnLst>
+              </p:cTn>
+              <p:prevCondLst>
+                <p:cond evt="onPrev" delay="0">
+                  <p:tgtEl>
+                    <p:sldTgt/>
+                  </p:tgtEl>
+                </p:cond>
+              </p:prevCondLst>
+              <p:nextCondLst>
+                <p:cond evt="onNext" delay="0">
+                  <p:tgtEl>
+                    <p:sldTgt/>
+                  </p:tgtEl>
+                </p:cond>
+              </p:nextCondLst>
+            </p:seq>
+          </p:childTnLst>
+        </p:cTn>
+      </p:par>
+    </p:tnLst>
+    <p:bldLst>
+      <p:bldP spid="3" grpId="0" build="p"/>
+    </p:bldLst>
+  </p:timing>
+</p:sld>
+</file>
+
+<file path=ppt/slides/slide11.xml><?xml version="1.0" encoding="utf-8"?>
+<p:sld xmlns:a="http://schemas.openxmlformats.org/drawingml/2006/main" xmlns:r="http://schemas.openxmlformats.org/officeDocument/2006/relationships" xmlns:p="http://schemas.openxmlformats.org/presentationml/2006/main">
+  <p:cSld>
+    <p:spTree>
+      <p:nvGrpSpPr>
+        <p:cNvPr id="1" name=""/>
+        <p:cNvGrpSpPr/>
+        <p:nvPr/>
+      </p:nvGrpSpPr>
+      <p:grpSpPr>
+        <a:xfrm>
+          <a:off x="0" y="0"/>
+          <a:ext cx="0" cy="0"/>
+          <a:chOff x="0" y="0"/>
+          <a:chExt cx="0" cy="0"/>
+        </a:xfrm>
+      </p:grpSpPr>
+      <p:sp>
+        <p:nvSpPr>
+          <p:cNvPr id="2" name="Title 1">
+            <a:extLst>
+              <a:ext uri="{FF2B5EF4-FFF2-40B4-BE49-F238E27FC236}">
+                <a16:creationId xmlns:a16="http://schemas.microsoft.com/office/drawing/2014/main" id="{EE1C0F40-53EE-5A79-C657-EF864D60F72E}"/>
+              </a:ext>
+            </a:extLst>
+          </p:cNvPr>
+          <p:cNvSpPr>
+            <a:spLocks noGrp="1"/>
+          </p:cNvSpPr>
+          <p:nvPr>
+            <p:ph type="title"/>
+          </p:nvPr>
+        </p:nvSpPr>
+        <p:spPr/>
+        <p:txBody>
+          <a:bodyPr/>
+          <a:lstStyle/>
+          <a:p>
+            <a:r>
+              <a:rPr lang="en-US" dirty="0"/>
+              <a:t>A little magic and we brought all the code together</a:t>
+            </a:r>
+          </a:p>
+        </p:txBody>
+      </p:sp>
+      <p:sp>
+        <p:nvSpPr>
+          <p:cNvPr id="3" name="Content Placeholder 2">
+            <a:extLst>
+              <a:ext uri="{FF2B5EF4-FFF2-40B4-BE49-F238E27FC236}">
+                <a16:creationId xmlns:a16="http://schemas.microsoft.com/office/drawing/2014/main" id="{F5B9A3BA-70FE-2030-FF9A-0071D21AD370}"/>
+              </a:ext>
+            </a:extLst>
+          </p:cNvPr>
+          <p:cNvSpPr>
+            <a:spLocks noGrp="1"/>
+          </p:cNvSpPr>
+          <p:nvPr>
+            <p:ph idx="1"/>
+          </p:nvPr>
+        </p:nvSpPr>
+        <p:spPr/>
+        <p:txBody>
+          <a:bodyPr/>
+          <a:lstStyle/>
+          <a:p>
+            <a:endParaRPr lang="en-US"/>
+          </a:p>
+        </p:txBody>
+      </p:sp>
+    </p:spTree>
+    <p:extLst>
+      <p:ext uri="{BB962C8B-B14F-4D97-AF65-F5344CB8AC3E}">
+        <p14:creationId xmlns:p14="http://schemas.microsoft.com/office/powerpoint/2010/main" val="1748925712"/>
+      </p:ext>
+    </p:extLst>
+  </p:cSld>
+  <p:clrMapOvr>
+    <a:masterClrMapping/>
+  </p:clrMapOvr>
+</p:sld>
+</file>
+
+<file path=ppt/slides/slide12.xml><?xml version="1.0" encoding="utf-8"?>
+<p:sld xmlns:a="http://schemas.openxmlformats.org/drawingml/2006/main" xmlns:r="http://schemas.openxmlformats.org/officeDocument/2006/relationships" xmlns:p="http://schemas.openxmlformats.org/presentationml/2006/main">
+  <p:cSld>
+    <p:spTree>
+      <p:nvGrpSpPr>
+        <p:cNvPr id="1" name=""/>
+        <p:cNvGrpSpPr/>
+        <p:nvPr/>
+      </p:nvGrpSpPr>
+      <p:grpSpPr>
+        <a:xfrm>
+          <a:off x="0" y="0"/>
+          <a:ext cx="0" cy="0"/>
+          <a:chOff x="0" y="0"/>
+          <a:chExt cx="0" cy="0"/>
+        </a:xfrm>
+      </p:grpSpPr>
+      <p:sp>
+        <p:nvSpPr>
+          <p:cNvPr id="2" name="Title 1">
+            <a:extLst>
+              <a:ext uri="{FF2B5EF4-FFF2-40B4-BE49-F238E27FC236}">
+                <a16:creationId xmlns:a16="http://schemas.microsoft.com/office/drawing/2014/main" id="{ECA7B34D-697B-AEC3-521A-575A4CBBE74E}"/>
+              </a:ext>
+            </a:extLst>
+          </p:cNvPr>
+          <p:cNvSpPr>
+            <a:spLocks noGrp="1"/>
+          </p:cNvSpPr>
+          <p:nvPr>
+            <p:ph type="title"/>
+          </p:nvPr>
+        </p:nvSpPr>
+        <p:spPr/>
+        <p:txBody>
+          <a:bodyPr/>
+          <a:lstStyle/>
+          <a:p>
+            <a:r>
+              <a:rPr lang="en-US" dirty="0"/>
+              <a:t>CONCLUSION: outcome and lessons learned</a:t>
+            </a:r>
+          </a:p>
+        </p:txBody>
+      </p:sp>
+      <p:graphicFrame>
+        <p:nvGraphicFramePr>
+          <p:cNvPr id="5" name="Content Placeholder 4">
+            <a:extLst>
+              <a:ext uri="{FF2B5EF4-FFF2-40B4-BE49-F238E27FC236}">
+                <a16:creationId xmlns:a16="http://schemas.microsoft.com/office/drawing/2014/main" id="{12C2E115-0145-D8BF-4258-44F59F9465FA}"/>
+              </a:ext>
+            </a:extLst>
+          </p:cNvPr>
+          <p:cNvGraphicFramePr>
+            <a:graphicFrameLocks noGrp="1"/>
+          </p:cNvGraphicFramePr>
+          <p:nvPr>
+            <p:ph idx="1"/>
+            <p:extLst>
+              <p:ext uri="{D42A27DB-BD31-4B8C-83A1-F6EECF244321}">
+                <p14:modId xmlns:p14="http://schemas.microsoft.com/office/powerpoint/2010/main" val="2537614483"/>
+              </p:ext>
+            </p:extLst>
+          </p:nvPr>
+        </p:nvGraphicFramePr>
+        <p:xfrm>
+          <a:off x="1244600" y="1775921"/>
+          <a:ext cx="9802812" cy="4463562"/>
+        </p:xfrm>
+        <a:graphic>
+          <a:graphicData uri="http://schemas.openxmlformats.org/drawingml/2006/diagram">
+            <dgm:relIds xmlns:dgm="http://schemas.openxmlformats.org/drawingml/2006/diagram" xmlns:r="http://schemas.openxmlformats.org/officeDocument/2006/relationships" r:dm="rId2" r:lo="rId3" r:qs="rId4" r:cs="rId5"/>
+          </a:graphicData>
+        </a:graphic>
+      </p:graphicFrame>
+    </p:spTree>
+    <p:extLst>
+      <p:ext uri="{BB962C8B-B14F-4D97-AF65-F5344CB8AC3E}">
+        <p14:creationId xmlns:p14="http://schemas.microsoft.com/office/powerpoint/2010/main" val="781998421"/>
+      </p:ext>
+    </p:extLst>
+  </p:cSld>
+  <p:clrMapOvr>
+    <a:masterClrMapping/>
+  </p:clrMapOvr>
+</p:sld>
+</file>
+
+<file path=ppt/slides/slide13.xml><?xml version="1.0" encoding="utf-8"?>
+<p:sld xmlns:a="http://schemas.openxmlformats.org/drawingml/2006/main" xmlns:r="http://schemas.openxmlformats.org/officeDocument/2006/relationships" xmlns:p="http://schemas.openxmlformats.org/presentationml/2006/main">
+  <p:cSld>
+    <p:spTree>
+      <p:nvGrpSpPr>
+        <p:cNvPr id="1" name=""/>
+        <p:cNvGrpSpPr/>
+        <p:nvPr/>
+      </p:nvGrpSpPr>
+      <p:grpSpPr>
+        <a:xfrm>
+          <a:off x="0" y="0"/>
+          <a:ext cx="0" cy="0"/>
+          <a:chOff x="0" y="0"/>
+          <a:chExt cx="0" cy="0"/>
+        </a:xfrm>
+      </p:grpSpPr>
+      <p:sp>
+        <p:nvSpPr>
+          <p:cNvPr id="2" name="Title 1">
+            <a:extLst>
+              <a:ext uri="{FF2B5EF4-FFF2-40B4-BE49-F238E27FC236}">
                 <a16:creationId xmlns:a16="http://schemas.microsoft.com/office/drawing/2014/main" id="{ECA7B34D-697B-AEC3-521A-575A4CBBE74E}"/>
               </a:ext>
             </a:extLst>
@@ -21695,7 +22331,7 @@
 </p:sld>
 </file>
 
-<file path=ppt/slides/slide11.xml><?xml version="1.0" encoding="utf-8"?>
+<file path=ppt/slides/slide14.xml><?xml version="1.0" encoding="utf-8"?>
 <p:sld xmlns:a="http://schemas.openxmlformats.org/drawingml/2006/main" xmlns:r="http://schemas.openxmlformats.org/officeDocument/2006/relationships" xmlns:p="http://schemas.openxmlformats.org/presentationml/2006/main">
   <p:cSld>
     <p:spTree>
@@ -21868,7 +22504,7 @@
             <p:ph idx="1"/>
             <p:extLst>
               <p:ext uri="{D42A27DB-BD31-4B8C-83A1-F6EECF244321}">
-                <p14:modId xmlns:p14="http://schemas.microsoft.com/office/powerpoint/2010/main" val="350709643"/>
+                <p14:modId xmlns:p14="http://schemas.microsoft.com/office/powerpoint/2010/main" val="3159963732"/>
               </p:ext>
             </p:extLst>
           </p:nvPr>
@@ -22368,6 +23004,314 @@
           </a:p>
         </p:txBody>
       </p:sp>
+      <p:sp>
+        <p:nvSpPr>
+          <p:cNvPr id="3" name="Title 1">
+            <a:extLst>
+              <a:ext uri="{FF2B5EF4-FFF2-40B4-BE49-F238E27FC236}">
+                <a16:creationId xmlns:a16="http://schemas.microsoft.com/office/drawing/2014/main" id="{ACF92219-6DAE-5068-D65C-7A9F28B8C764}"/>
+              </a:ext>
+            </a:extLst>
+          </p:cNvPr>
+          <p:cNvSpPr txBox="1">
+            <a:spLocks/>
+          </p:cNvSpPr>
+          <p:nvPr/>
+        </p:nvSpPr>
+        <p:spPr>
+          <a:xfrm>
+            <a:off x="1141413" y="618518"/>
+            <a:ext cx="9905998" cy="1478570"/>
+          </a:xfrm>
+          <a:prstGeom prst="rect">
+            <a:avLst/>
+          </a:prstGeom>
+        </p:spPr>
+        <p:txBody>
+          <a:bodyPr vert="horz" lIns="91440" tIns="45720" rIns="91440" bIns="45720" rtlCol="0" anchor="ctr">
+            <a:normAutofit/>
+          </a:bodyPr>
+          <a:lstStyle>
+            <a:lvl1pPr algn="l" defTabSz="914400" rtl="0" eaLnBrk="1" latinLnBrk="0" hangingPunct="1">
+              <a:lnSpc>
+                <a:spcPct val="90000"/>
+              </a:lnSpc>
+              <a:spcBef>
+                <a:spcPct val="0"/>
+              </a:spcBef>
+              <a:buNone/>
+              <a:defRPr sz="3600" kern="1200" cap="all" baseline="0">
+                <a:solidFill>
+                  <a:schemeClr val="tx1"/>
+                </a:solidFill>
+                <a:latin typeface="+mj-lt"/>
+                <a:ea typeface="+mj-ea"/>
+                <a:cs typeface="+mj-cs"/>
+              </a:defRPr>
+            </a:lvl1pPr>
+          </a:lstStyle>
+          <a:p>
+            <a:r>
+              <a:rPr lang="en-US"/>
+              <a:t>Ftp server</a:t>
+            </a:r>
+            <a:endParaRPr lang="en-US" dirty="0"/>
+          </a:p>
+        </p:txBody>
+      </p:sp>
+      <p:sp>
+        <p:nvSpPr>
+          <p:cNvPr id="6" name="TextBox 5">
+            <a:extLst>
+              <a:ext uri="{FF2B5EF4-FFF2-40B4-BE49-F238E27FC236}">
+                <a16:creationId xmlns:a16="http://schemas.microsoft.com/office/drawing/2014/main" id="{BDC5E458-7250-FA29-FD3F-B79938F1ECBD}"/>
+              </a:ext>
+            </a:extLst>
+          </p:cNvPr>
+          <p:cNvSpPr txBox="1"/>
+          <p:nvPr/>
+        </p:nvSpPr>
+        <p:spPr>
+          <a:xfrm>
+            <a:off x="1141413" y="1835478"/>
+            <a:ext cx="3514725" cy="523220"/>
+          </a:xfrm>
+          <a:prstGeom prst="rect">
+            <a:avLst/>
+          </a:prstGeom>
+          <a:noFill/>
+        </p:spPr>
+        <p:txBody>
+          <a:bodyPr wrap="square" rtlCol="0">
+            <a:spAutoFit/>
+          </a:bodyPr>
+          <a:lstStyle/>
+          <a:p>
+            <a:r>
+              <a:rPr lang="en-US" sz="2800" dirty="0"/>
+              <a:t>Initial Plan:</a:t>
+            </a:r>
+          </a:p>
+        </p:txBody>
+      </p:sp>
+      <p:sp>
+        <p:nvSpPr>
+          <p:cNvPr id="7" name="TextBox 6">
+            <a:extLst>
+              <a:ext uri="{FF2B5EF4-FFF2-40B4-BE49-F238E27FC236}">
+                <a16:creationId xmlns:a16="http://schemas.microsoft.com/office/drawing/2014/main" id="{5A64A9B2-DA5C-888F-C400-A1C0AB7D2E9B}"/>
+              </a:ext>
+            </a:extLst>
+          </p:cNvPr>
+          <p:cNvSpPr txBox="1"/>
+          <p:nvPr/>
+        </p:nvSpPr>
+        <p:spPr>
+          <a:xfrm>
+            <a:off x="1243012" y="4237693"/>
+            <a:ext cx="3514725" cy="523220"/>
+          </a:xfrm>
+          <a:prstGeom prst="rect">
+            <a:avLst/>
+          </a:prstGeom>
+          <a:noFill/>
+        </p:spPr>
+        <p:txBody>
+          <a:bodyPr wrap="square" rtlCol="0">
+            <a:spAutoFit/>
+          </a:bodyPr>
+          <a:lstStyle/>
+          <a:p>
+            <a:r>
+              <a:rPr lang="en-US" sz="2800" dirty="0"/>
+              <a:t>Implementation:</a:t>
+            </a:r>
+          </a:p>
+        </p:txBody>
+      </p:sp>
+      <p:sp>
+        <p:nvSpPr>
+          <p:cNvPr id="8" name="TextBox 7">
+            <a:extLst>
+              <a:ext uri="{FF2B5EF4-FFF2-40B4-BE49-F238E27FC236}">
+                <a16:creationId xmlns:a16="http://schemas.microsoft.com/office/drawing/2014/main" id="{66778533-4AF3-2C7D-23F4-4C3F66C0D7A8}"/>
+              </a:ext>
+            </a:extLst>
+          </p:cNvPr>
+          <p:cNvSpPr txBox="1"/>
+          <p:nvPr/>
+        </p:nvSpPr>
+        <p:spPr>
+          <a:xfrm>
+            <a:off x="1243012" y="2527540"/>
+            <a:ext cx="8694618" cy="1200329"/>
+          </a:xfrm>
+          <a:prstGeom prst="rect">
+            <a:avLst/>
+          </a:prstGeom>
+          <a:noFill/>
+        </p:spPr>
+        <p:txBody>
+          <a:bodyPr wrap="square" rtlCol="0">
+            <a:spAutoFit/>
+          </a:bodyPr>
+          <a:lstStyle/>
+          <a:p>
+            <a:pPr marL="285750" indent="-285750">
+              <a:buFont typeface="Arial" panose="020B0604020202020204" pitchFamily="34" charset="0"/>
+              <a:buChar char="•"/>
+            </a:pPr>
+            <a:r>
+              <a:rPr lang="en-GB" dirty="0"/>
+              <a:t>Locally host both the client and the server, initial plan was to use the Twisted library to do so.</a:t>
+            </a:r>
+          </a:p>
+          <a:p>
+            <a:pPr marL="285750" indent="-285750">
+              <a:buFont typeface="Arial" panose="020B0604020202020204" pitchFamily="34" charset="0"/>
+              <a:buChar char="•"/>
+            </a:pPr>
+            <a:r>
+              <a:rPr lang="en-GB" dirty="0"/>
+              <a:t>Soon realised that this would limit the real-world application of the client</a:t>
+            </a:r>
+          </a:p>
+          <a:p>
+            <a:pPr marL="285750" indent="-285750">
+              <a:buFont typeface="Arial" panose="020B0604020202020204" pitchFamily="34" charset="0"/>
+              <a:buChar char="•"/>
+            </a:pPr>
+            <a:endParaRPr lang="en-GB" dirty="0"/>
+          </a:p>
+        </p:txBody>
+      </p:sp>
+      <p:sp>
+        <p:nvSpPr>
+          <p:cNvPr id="9" name="TextBox 8">
+            <a:extLst>
+              <a:ext uri="{FF2B5EF4-FFF2-40B4-BE49-F238E27FC236}">
+                <a16:creationId xmlns:a16="http://schemas.microsoft.com/office/drawing/2014/main" id="{D043E794-7EEA-085C-C7DD-A87456357D3D}"/>
+              </a:ext>
+            </a:extLst>
+          </p:cNvPr>
+          <p:cNvSpPr txBox="1"/>
+          <p:nvPr/>
+        </p:nvSpPr>
+        <p:spPr>
+          <a:xfrm>
+            <a:off x="1243012" y="5029200"/>
+            <a:ext cx="9022422" cy="923330"/>
+          </a:xfrm>
+          <a:prstGeom prst="rect">
+            <a:avLst/>
+          </a:prstGeom>
+          <a:noFill/>
+        </p:spPr>
+        <p:txBody>
+          <a:bodyPr wrap="square" rtlCol="0">
+            <a:spAutoFit/>
+          </a:bodyPr>
+          <a:lstStyle/>
+          <a:p>
+            <a:pPr marL="285750" indent="-285750">
+              <a:buFont typeface="Arial" panose="020B0604020202020204" pitchFamily="34" charset="0"/>
+              <a:buChar char="•"/>
+            </a:pPr>
+            <a:r>
+              <a:rPr lang="en-GB" dirty="0"/>
+              <a:t>Server hosted using a free FTP server online</a:t>
+            </a:r>
+          </a:p>
+          <a:p>
+            <a:pPr marL="285750" indent="-285750">
+              <a:buFont typeface="Arial" panose="020B0604020202020204" pitchFamily="34" charset="0"/>
+              <a:buChar char="•"/>
+            </a:pPr>
+            <a:r>
+              <a:rPr lang="en-GB" dirty="0"/>
+              <a:t>Protected by username and password</a:t>
+            </a:r>
+          </a:p>
+          <a:p>
+            <a:pPr marL="285750" indent="-285750">
+              <a:buFont typeface="Arial" panose="020B0604020202020204" pitchFamily="34" charset="0"/>
+              <a:buChar char="•"/>
+            </a:pPr>
+            <a:r>
+              <a:rPr lang="en-GB" dirty="0"/>
+              <a:t>Client downloads and views file with the </a:t>
+            </a:r>
+            <a:r>
+              <a:rPr lang="en-GB" dirty="0" err="1"/>
+              <a:t>ftplib</a:t>
+            </a:r>
+            <a:r>
+              <a:rPr lang="en-GB" dirty="0"/>
+              <a:t> python library.</a:t>
+            </a:r>
+          </a:p>
+        </p:txBody>
+      </p:sp>
+      <p:pic>
+        <p:nvPicPr>
+          <p:cNvPr id="10" name="Picture 9">
+            <a:extLst>
+              <a:ext uri="{FF2B5EF4-FFF2-40B4-BE49-F238E27FC236}">
+                <a16:creationId xmlns:a16="http://schemas.microsoft.com/office/drawing/2014/main" id="{D9E9C256-719A-5385-1B46-55F3E4CDC4F8}"/>
+              </a:ext>
+            </a:extLst>
+          </p:cNvPr>
+          <p:cNvPicPr>
+            <a:picLocks noChangeAspect="1"/>
+          </p:cNvPicPr>
+          <p:nvPr/>
+        </p:nvPicPr>
+        <p:blipFill>
+          <a:blip r:embed="rId2"/>
+          <a:stretch>
+            <a:fillRect/>
+          </a:stretch>
+        </p:blipFill>
+        <p:spPr>
+          <a:xfrm>
+            <a:off x="6960616" y="475352"/>
+            <a:ext cx="4086795" cy="2353003"/>
+          </a:xfrm>
+          <a:prstGeom prst="rect">
+            <a:avLst/>
+          </a:prstGeom>
+        </p:spPr>
+      </p:pic>
+      <p:pic>
+        <p:nvPicPr>
+          <p:cNvPr id="11" name="Picture 10">
+            <a:extLst>
+              <a:ext uri="{FF2B5EF4-FFF2-40B4-BE49-F238E27FC236}">
+                <a16:creationId xmlns:a16="http://schemas.microsoft.com/office/drawing/2014/main" id="{9492C1DA-70CD-9240-605C-24664349DEB1}"/>
+              </a:ext>
+            </a:extLst>
+          </p:cNvPr>
+          <p:cNvPicPr>
+            <a:picLocks noChangeAspect="1"/>
+          </p:cNvPicPr>
+          <p:nvPr/>
+        </p:nvPicPr>
+        <p:blipFill>
+          <a:blip r:embed="rId3"/>
+          <a:stretch>
+            <a:fillRect/>
+          </a:stretch>
+        </p:blipFill>
+        <p:spPr>
+          <a:xfrm>
+            <a:off x="7197535" y="4603555"/>
+            <a:ext cx="4439270" cy="1066949"/>
+          </a:xfrm>
+          <a:prstGeom prst="rect">
+            <a:avLst/>
+          </a:prstGeom>
+        </p:spPr>
+      </p:pic>
     </p:spTree>
     <p:extLst>
       <p:ext uri="{BB962C8B-B14F-4D97-AF65-F5344CB8AC3E}">
@@ -22378,6 +23322,429 @@
   <p:clrMapOvr>
     <a:masterClrMapping/>
   </p:clrMapOvr>
+  <p:timing>
+    <p:tnLst>
+      <p:par>
+        <p:cTn id="1" dur="indefinite" restart="never" nodeType="tmRoot">
+          <p:childTnLst>
+            <p:seq concurrent="1" nextAc="seek">
+              <p:cTn id="2" dur="indefinite" nodeType="mainSeq">
+                <p:childTnLst>
+                  <p:par>
+                    <p:cTn id="3" fill="hold">
+                      <p:stCondLst>
+                        <p:cond delay="indefinite"/>
+                      </p:stCondLst>
+                      <p:childTnLst>
+                        <p:par>
+                          <p:cTn id="4" fill="hold">
+                            <p:stCondLst>
+                              <p:cond delay="0"/>
+                            </p:stCondLst>
+                            <p:childTnLst>
+                              <p:par>
+                                <p:cTn id="5" presetID="10" presetClass="entr" presetSubtype="0" fill="hold" nodeType="clickEffect">
+                                  <p:stCondLst>
+                                    <p:cond delay="0"/>
+                                  </p:stCondLst>
+                                  <p:childTnLst>
+                                    <p:set>
+                                      <p:cBhvr>
+                                        <p:cTn id="6" dur="1" fill="hold">
+                                          <p:stCondLst>
+                                            <p:cond delay="0"/>
+                                          </p:stCondLst>
+                                        </p:cTn>
+                                        <p:tgtEl>
+                                          <p:spTgt spid="8">
+                                            <p:txEl>
+                                              <p:pRg st="0" end="0"/>
+                                            </p:txEl>
+                                          </p:spTgt>
+                                        </p:tgtEl>
+                                        <p:attrNameLst>
+                                          <p:attrName>style.visibility</p:attrName>
+                                        </p:attrNameLst>
+                                      </p:cBhvr>
+                                      <p:to>
+                                        <p:strVal val="visible"/>
+                                      </p:to>
+                                    </p:set>
+                                    <p:animEffect transition="in" filter="fade">
+                                      <p:cBhvr>
+                                        <p:cTn id="7" dur="500"/>
+                                        <p:tgtEl>
+                                          <p:spTgt spid="8">
+                                            <p:txEl>
+                                              <p:pRg st="0" end="0"/>
+                                            </p:txEl>
+                                          </p:spTgt>
+                                        </p:tgtEl>
+                                      </p:cBhvr>
+                                    </p:animEffect>
+                                  </p:childTnLst>
+                                </p:cTn>
+                              </p:par>
+                            </p:childTnLst>
+                          </p:cTn>
+                        </p:par>
+                      </p:childTnLst>
+                    </p:cTn>
+                  </p:par>
+                  <p:par>
+                    <p:cTn id="8" fill="hold">
+                      <p:stCondLst>
+                        <p:cond delay="indefinite"/>
+                      </p:stCondLst>
+                      <p:childTnLst>
+                        <p:par>
+                          <p:cTn id="9" fill="hold">
+                            <p:stCondLst>
+                              <p:cond delay="0"/>
+                            </p:stCondLst>
+                            <p:childTnLst>
+                              <p:par>
+                                <p:cTn id="10" presetID="10" presetClass="entr" presetSubtype="0" fill="hold" nodeType="clickEffect">
+                                  <p:stCondLst>
+                                    <p:cond delay="0"/>
+                                  </p:stCondLst>
+                                  <p:childTnLst>
+                                    <p:set>
+                                      <p:cBhvr>
+                                        <p:cTn id="11" dur="1" fill="hold">
+                                          <p:stCondLst>
+                                            <p:cond delay="0"/>
+                                          </p:stCondLst>
+                                        </p:cTn>
+                                        <p:tgtEl>
+                                          <p:spTgt spid="8">
+                                            <p:txEl>
+                                              <p:pRg st="1" end="1"/>
+                                            </p:txEl>
+                                          </p:spTgt>
+                                        </p:tgtEl>
+                                        <p:attrNameLst>
+                                          <p:attrName>style.visibility</p:attrName>
+                                        </p:attrNameLst>
+                                      </p:cBhvr>
+                                      <p:to>
+                                        <p:strVal val="visible"/>
+                                      </p:to>
+                                    </p:set>
+                                    <p:animEffect transition="in" filter="fade">
+                                      <p:cBhvr>
+                                        <p:cTn id="12" dur="500"/>
+                                        <p:tgtEl>
+                                          <p:spTgt spid="8">
+                                            <p:txEl>
+                                              <p:pRg st="1" end="1"/>
+                                            </p:txEl>
+                                          </p:spTgt>
+                                        </p:tgtEl>
+                                      </p:cBhvr>
+                                    </p:animEffect>
+                                  </p:childTnLst>
+                                </p:cTn>
+                              </p:par>
+                            </p:childTnLst>
+                          </p:cTn>
+                        </p:par>
+                      </p:childTnLst>
+                    </p:cTn>
+                  </p:par>
+                  <p:par>
+                    <p:cTn id="13" fill="hold">
+                      <p:stCondLst>
+                        <p:cond delay="indefinite"/>
+                      </p:stCondLst>
+                      <p:childTnLst>
+                        <p:par>
+                          <p:cTn id="14" fill="hold">
+                            <p:stCondLst>
+                              <p:cond delay="0"/>
+                            </p:stCondLst>
+                            <p:childTnLst>
+                              <p:par>
+                                <p:cTn id="15" presetID="10" presetClass="entr" presetSubtype="0" fill="hold" nodeType="clickEffect">
+                                  <p:stCondLst>
+                                    <p:cond delay="0"/>
+                                  </p:stCondLst>
+                                  <p:childTnLst>
+                                    <p:set>
+                                      <p:cBhvr>
+                                        <p:cTn id="16" dur="1" fill="hold">
+                                          <p:stCondLst>
+                                            <p:cond delay="0"/>
+                                          </p:stCondLst>
+                                        </p:cTn>
+                                        <p:tgtEl>
+                                          <p:spTgt spid="9">
+                                            <p:txEl>
+                                              <p:pRg st="0" end="0"/>
+                                            </p:txEl>
+                                          </p:spTgt>
+                                        </p:tgtEl>
+                                        <p:attrNameLst>
+                                          <p:attrName>style.visibility</p:attrName>
+                                        </p:attrNameLst>
+                                      </p:cBhvr>
+                                      <p:to>
+                                        <p:strVal val="visible"/>
+                                      </p:to>
+                                    </p:set>
+                                    <p:animEffect transition="in" filter="fade">
+                                      <p:cBhvr>
+                                        <p:cTn id="17" dur="500"/>
+                                        <p:tgtEl>
+                                          <p:spTgt spid="9">
+                                            <p:txEl>
+                                              <p:pRg st="0" end="0"/>
+                                            </p:txEl>
+                                          </p:spTgt>
+                                        </p:tgtEl>
+                                      </p:cBhvr>
+                                    </p:animEffect>
+                                  </p:childTnLst>
+                                </p:cTn>
+                              </p:par>
+                            </p:childTnLst>
+                          </p:cTn>
+                        </p:par>
+                      </p:childTnLst>
+                    </p:cTn>
+                  </p:par>
+                  <p:par>
+                    <p:cTn id="18" fill="hold">
+                      <p:stCondLst>
+                        <p:cond delay="indefinite"/>
+                      </p:stCondLst>
+                      <p:childTnLst>
+                        <p:par>
+                          <p:cTn id="19" fill="hold">
+                            <p:stCondLst>
+                              <p:cond delay="0"/>
+                            </p:stCondLst>
+                            <p:childTnLst>
+                              <p:par>
+                                <p:cTn id="20" presetID="10" presetClass="entr" presetSubtype="0" fill="hold" nodeType="clickEffect">
+                                  <p:stCondLst>
+                                    <p:cond delay="0"/>
+                                  </p:stCondLst>
+                                  <p:childTnLst>
+                                    <p:set>
+                                      <p:cBhvr>
+                                        <p:cTn id="21" dur="1" fill="hold">
+                                          <p:stCondLst>
+                                            <p:cond delay="0"/>
+                                          </p:stCondLst>
+                                        </p:cTn>
+                                        <p:tgtEl>
+                                          <p:spTgt spid="9">
+                                            <p:txEl>
+                                              <p:pRg st="1" end="1"/>
+                                            </p:txEl>
+                                          </p:spTgt>
+                                        </p:tgtEl>
+                                        <p:attrNameLst>
+                                          <p:attrName>style.visibility</p:attrName>
+                                        </p:attrNameLst>
+                                      </p:cBhvr>
+                                      <p:to>
+                                        <p:strVal val="visible"/>
+                                      </p:to>
+                                    </p:set>
+                                    <p:animEffect transition="in" filter="fade">
+                                      <p:cBhvr>
+                                        <p:cTn id="22" dur="500"/>
+                                        <p:tgtEl>
+                                          <p:spTgt spid="9">
+                                            <p:txEl>
+                                              <p:pRg st="1" end="1"/>
+                                            </p:txEl>
+                                          </p:spTgt>
+                                        </p:tgtEl>
+                                      </p:cBhvr>
+                                    </p:animEffect>
+                                  </p:childTnLst>
+                                </p:cTn>
+                              </p:par>
+                            </p:childTnLst>
+                          </p:cTn>
+                        </p:par>
+                      </p:childTnLst>
+                    </p:cTn>
+                  </p:par>
+                  <p:par>
+                    <p:cTn id="23" fill="hold">
+                      <p:stCondLst>
+                        <p:cond delay="indefinite"/>
+                      </p:stCondLst>
+                      <p:childTnLst>
+                        <p:par>
+                          <p:cTn id="24" fill="hold">
+                            <p:stCondLst>
+                              <p:cond delay="0"/>
+                            </p:stCondLst>
+                            <p:childTnLst>
+                              <p:par>
+                                <p:cTn id="25" presetID="10" presetClass="entr" presetSubtype="0" fill="hold" nodeType="clickEffect">
+                                  <p:stCondLst>
+                                    <p:cond delay="0"/>
+                                  </p:stCondLst>
+                                  <p:childTnLst>
+                                    <p:set>
+                                      <p:cBhvr>
+                                        <p:cTn id="26" dur="1" fill="hold">
+                                          <p:stCondLst>
+                                            <p:cond delay="0"/>
+                                          </p:stCondLst>
+                                        </p:cTn>
+                                        <p:tgtEl>
+                                          <p:spTgt spid="9">
+                                            <p:txEl>
+                                              <p:pRg st="2" end="2"/>
+                                            </p:txEl>
+                                          </p:spTgt>
+                                        </p:tgtEl>
+                                        <p:attrNameLst>
+                                          <p:attrName>style.visibility</p:attrName>
+                                        </p:attrNameLst>
+                                      </p:cBhvr>
+                                      <p:to>
+                                        <p:strVal val="visible"/>
+                                      </p:to>
+                                    </p:set>
+                                    <p:animEffect transition="in" filter="fade">
+                                      <p:cBhvr>
+                                        <p:cTn id="27" dur="500"/>
+                                        <p:tgtEl>
+                                          <p:spTgt spid="9">
+                                            <p:txEl>
+                                              <p:pRg st="2" end="2"/>
+                                            </p:txEl>
+                                          </p:spTgt>
+                                        </p:tgtEl>
+                                      </p:cBhvr>
+                                    </p:animEffect>
+                                  </p:childTnLst>
+                                </p:cTn>
+                              </p:par>
+                            </p:childTnLst>
+                          </p:cTn>
+                        </p:par>
+                      </p:childTnLst>
+                    </p:cTn>
+                  </p:par>
+                  <p:par>
+                    <p:cTn id="28" fill="hold">
+                      <p:stCondLst>
+                        <p:cond delay="indefinite"/>
+                      </p:stCondLst>
+                      <p:childTnLst>
+                        <p:par>
+                          <p:cTn id="29" fill="hold">
+                            <p:stCondLst>
+                              <p:cond delay="0"/>
+                            </p:stCondLst>
+                            <p:childTnLst>
+                              <p:par>
+                                <p:cTn id="30" presetID="10" presetClass="entr" presetSubtype="0" fill="hold" nodeType="clickEffect">
+                                  <p:stCondLst>
+                                    <p:cond delay="0"/>
+                                  </p:stCondLst>
+                                  <p:childTnLst>
+                                    <p:set>
+                                      <p:cBhvr>
+                                        <p:cTn id="31" dur="1" fill="hold">
+                                          <p:stCondLst>
+                                            <p:cond delay="0"/>
+                                          </p:stCondLst>
+                                        </p:cTn>
+                                        <p:tgtEl>
+                                          <p:spTgt spid="10"/>
+                                        </p:tgtEl>
+                                        <p:attrNameLst>
+                                          <p:attrName>style.visibility</p:attrName>
+                                        </p:attrNameLst>
+                                      </p:cBhvr>
+                                      <p:to>
+                                        <p:strVal val="visible"/>
+                                      </p:to>
+                                    </p:set>
+                                    <p:animEffect transition="in" filter="fade">
+                                      <p:cBhvr>
+                                        <p:cTn id="32" dur="500"/>
+                                        <p:tgtEl>
+                                          <p:spTgt spid="10"/>
+                                        </p:tgtEl>
+                                      </p:cBhvr>
+                                    </p:animEffect>
+                                  </p:childTnLst>
+                                </p:cTn>
+                              </p:par>
+                              <p:par>
+                                <p:cTn id="33" presetID="10" presetClass="entr" presetSubtype="0" fill="hold" nodeType="withEffect">
+                                  <p:stCondLst>
+                                    <p:cond delay="0"/>
+                                  </p:stCondLst>
+                                  <p:childTnLst>
+                                    <p:set>
+                                      <p:cBhvr>
+                                        <p:cTn id="34" dur="1" fill="hold">
+                                          <p:stCondLst>
+                                            <p:cond delay="0"/>
+                                          </p:stCondLst>
+                                        </p:cTn>
+                                        <p:tgtEl>
+                                          <p:spTgt spid="11"/>
+                                        </p:tgtEl>
+                                        <p:attrNameLst>
+                                          <p:attrName>style.visibility</p:attrName>
+                                        </p:attrNameLst>
+                                      </p:cBhvr>
+                                      <p:to>
+                                        <p:strVal val="visible"/>
+                                      </p:to>
+                                    </p:set>
+                                    <p:animEffect transition="in" filter="fade">
+                                      <p:cBhvr>
+                                        <p:cTn id="35" dur="500"/>
+                                        <p:tgtEl>
+                                          <p:spTgt spid="11"/>
+                                        </p:tgtEl>
+                                      </p:cBhvr>
+                                    </p:animEffect>
+                                  </p:childTnLst>
+                                </p:cTn>
+                              </p:par>
+                            </p:childTnLst>
+                          </p:cTn>
+                        </p:par>
+                      </p:childTnLst>
+                    </p:cTn>
+                  </p:par>
+                </p:childTnLst>
+              </p:cTn>
+              <p:prevCondLst>
+                <p:cond evt="onPrev" delay="0">
+                  <p:tgtEl>
+                    <p:sldTgt/>
+                  </p:tgtEl>
+                </p:cond>
+              </p:prevCondLst>
+              <p:nextCondLst>
+                <p:cond evt="onNext" delay="0">
+                  <p:tgtEl>
+                    <p:sldTgt/>
+                  </p:tgtEl>
+                </p:cond>
+              </p:nextCondLst>
+            </p:seq>
+          </p:childTnLst>
+        </p:cTn>
+      </p:par>
+    </p:tnLst>
+  </p:timing>
 </p:sld>
 </file>
 
@@ -22421,36 +23788,41 @@
           <a:p>
             <a:r>
               <a:rPr lang="en-US" dirty="0"/>
-              <a:t>Command line</a:t>
+              <a:t>Command line ARGPARSE</a:t>
             </a:r>
           </a:p>
         </p:txBody>
       </p:sp>
-      <p:sp>
-        <p:nvSpPr>
-          <p:cNvPr id="3" name="Content Placeholder 2">
+      <p:pic>
+        <p:nvPicPr>
+          <p:cNvPr id="5" name="Picture 4">
             <a:extLst>
               <a:ext uri="{FF2B5EF4-FFF2-40B4-BE49-F238E27FC236}">
-                <a16:creationId xmlns:a16="http://schemas.microsoft.com/office/drawing/2014/main" id="{3B705FE7-F173-49DB-EE27-542FB76BCC6D}"/>
+                <a16:creationId xmlns:a16="http://schemas.microsoft.com/office/drawing/2014/main" id="{74400062-19F2-CDA9-0BF1-7A930EA19383}"/>
               </a:ext>
             </a:extLst>
           </p:cNvPr>
-          <p:cNvSpPr>
-            <a:spLocks noGrp="1"/>
-          </p:cNvSpPr>
-          <p:nvPr>
-            <p:ph idx="1"/>
-          </p:nvPr>
-        </p:nvSpPr>
-        <p:spPr/>
-        <p:txBody>
-          <a:bodyPr/>
-          <a:lstStyle/>
-          <a:p>
-            <a:endParaRPr lang="en-US"/>
-          </a:p>
-        </p:txBody>
-      </p:sp>
+          <p:cNvPicPr>
+            <a:picLocks noChangeAspect="1"/>
+          </p:cNvPicPr>
+          <p:nvPr/>
+        </p:nvPicPr>
+        <p:blipFill>
+          <a:blip r:embed="rId2"/>
+          <a:stretch>
+            <a:fillRect/>
+          </a:stretch>
+        </p:blipFill>
+        <p:spPr>
+          <a:xfrm>
+            <a:off x="2083827" y="2097088"/>
+            <a:ext cx="8021169" cy="3715268"/>
+          </a:xfrm>
+          <a:prstGeom prst="rect">
+            <a:avLst/>
+          </a:prstGeom>
+        </p:spPr>
+      </p:pic>
     </p:spTree>
     <p:extLst>
       <p:ext uri="{BB962C8B-B14F-4D97-AF65-F5344CB8AC3E}">
@@ -22465,6 +23837,94 @@
 </file>
 
 <file path=ppt/slides/slide7.xml><?xml version="1.0" encoding="utf-8"?>
+<p:sld xmlns:a="http://schemas.openxmlformats.org/drawingml/2006/main" xmlns:r="http://schemas.openxmlformats.org/officeDocument/2006/relationships" xmlns:p="http://schemas.openxmlformats.org/presentationml/2006/main">
+  <p:cSld>
+    <p:spTree>
+      <p:nvGrpSpPr>
+        <p:cNvPr id="1" name=""/>
+        <p:cNvGrpSpPr/>
+        <p:nvPr/>
+      </p:nvGrpSpPr>
+      <p:grpSpPr>
+        <a:xfrm>
+          <a:off x="0" y="0"/>
+          <a:ext cx="0" cy="0"/>
+          <a:chOff x="0" y="0"/>
+          <a:chExt cx="0" cy="0"/>
+        </a:xfrm>
+      </p:grpSpPr>
+      <p:sp>
+        <p:nvSpPr>
+          <p:cNvPr id="2" name="Title 1">
+            <a:extLst>
+              <a:ext uri="{FF2B5EF4-FFF2-40B4-BE49-F238E27FC236}">
+                <a16:creationId xmlns:a16="http://schemas.microsoft.com/office/drawing/2014/main" id="{EFB9C706-2EFC-8E28-6E3F-E3853FB7C00D}"/>
+              </a:ext>
+            </a:extLst>
+          </p:cNvPr>
+          <p:cNvSpPr>
+            <a:spLocks noGrp="1"/>
+          </p:cNvSpPr>
+          <p:nvPr>
+            <p:ph type="title"/>
+          </p:nvPr>
+        </p:nvSpPr>
+        <p:spPr/>
+        <p:txBody>
+          <a:bodyPr/>
+          <a:lstStyle/>
+          <a:p>
+            <a:r>
+              <a:rPr lang="en-US" dirty="0"/>
+              <a:t>Command line PROCESSING ARGS</a:t>
+            </a:r>
+          </a:p>
+        </p:txBody>
+      </p:sp>
+      <p:pic>
+        <p:nvPicPr>
+          <p:cNvPr id="4" name="Picture 3">
+            <a:extLst>
+              <a:ext uri="{FF2B5EF4-FFF2-40B4-BE49-F238E27FC236}">
+                <a16:creationId xmlns:a16="http://schemas.microsoft.com/office/drawing/2014/main" id="{8C37181D-DA2A-395A-2EC7-B5E0AAF6C109}"/>
+              </a:ext>
+            </a:extLst>
+          </p:cNvPr>
+          <p:cNvPicPr>
+            <a:picLocks noChangeAspect="1"/>
+          </p:cNvPicPr>
+          <p:nvPr/>
+        </p:nvPicPr>
+        <p:blipFill>
+          <a:blip r:embed="rId2"/>
+          <a:stretch>
+            <a:fillRect/>
+          </a:stretch>
+        </p:blipFill>
+        <p:spPr>
+          <a:xfrm>
+            <a:off x="3274450" y="1805561"/>
+            <a:ext cx="4702750" cy="4893819"/>
+          </a:xfrm>
+          <a:prstGeom prst="rect">
+            <a:avLst/>
+          </a:prstGeom>
+        </p:spPr>
+      </p:pic>
+    </p:spTree>
+    <p:extLst>
+      <p:ext uri="{BB962C8B-B14F-4D97-AF65-F5344CB8AC3E}">
+        <p14:creationId xmlns:p14="http://schemas.microsoft.com/office/powerpoint/2010/main" val="1314514771"/>
+      </p:ext>
+    </p:extLst>
+  </p:cSld>
+  <p:clrMapOvr>
+    <a:masterClrMapping/>
+  </p:clrMapOvr>
+</p:sld>
+</file>
+
+<file path=ppt/slides/slide8.xml><?xml version="1.0" encoding="utf-8"?>
 <p:sld xmlns:a="http://schemas.openxmlformats.org/drawingml/2006/main" xmlns:r="http://schemas.openxmlformats.org/officeDocument/2006/relationships" xmlns:p="http://schemas.openxmlformats.org/presentationml/2006/main">
   <p:cSld>
     <p:spTree>
@@ -22509,118 +23969,181 @@
           </a:p>
         </p:txBody>
       </p:sp>
-      <p:sp>
-        <p:nvSpPr>
-          <p:cNvPr id="3" name="Content Placeholder 2">
+      <p:pic>
+        <p:nvPicPr>
+          <p:cNvPr id="5" name="Content Placeholder 4">
             <a:extLst>
               <a:ext uri="{FF2B5EF4-FFF2-40B4-BE49-F238E27FC236}">
-                <a16:creationId xmlns:a16="http://schemas.microsoft.com/office/drawing/2014/main" id="{4F0047CE-A7CC-A66B-239E-7C4EF1759820}"/>
+                <a16:creationId xmlns:a16="http://schemas.microsoft.com/office/drawing/2014/main" id="{6BB89A5D-12F7-DA8F-5734-36A3A5CC7FDC}"/>
               </a:ext>
             </a:extLst>
           </p:cNvPr>
-          <p:cNvSpPr>
-            <a:spLocks noGrp="1"/>
-          </p:cNvSpPr>
+          <p:cNvPicPr>
+            <a:picLocks noGrp="1" noChangeAspect="1"/>
+          </p:cNvPicPr>
           <p:nvPr>
             <p:ph idx="1"/>
           </p:nvPr>
-        </p:nvSpPr>
-        <p:spPr/>
-        <p:txBody>
-          <a:bodyPr/>
-          <a:lstStyle/>
-          <a:p>
-            <a:endParaRPr lang="en-US"/>
-          </a:p>
-        </p:txBody>
-      </p:sp>
+        </p:nvPicPr>
+        <p:blipFill>
+          <a:blip r:embed="rId2"/>
+          <a:stretch>
+            <a:fillRect/>
+          </a:stretch>
+        </p:blipFill>
+        <p:spPr>
+          <a:xfrm>
+            <a:off x="511124" y="2199724"/>
+            <a:ext cx="4759268" cy="3734545"/>
+          </a:xfrm>
+        </p:spPr>
+      </p:pic>
+      <p:pic>
+        <p:nvPicPr>
+          <p:cNvPr id="7" name="Picture 6">
+            <a:extLst>
+              <a:ext uri="{FF2B5EF4-FFF2-40B4-BE49-F238E27FC236}">
+                <a16:creationId xmlns:a16="http://schemas.microsoft.com/office/drawing/2014/main" id="{03591944-D7B0-92E4-DCB9-044C32C5F421}"/>
+              </a:ext>
+            </a:extLst>
+          </p:cNvPr>
+          <p:cNvPicPr>
+            <a:picLocks noChangeAspect="1"/>
+          </p:cNvPicPr>
+          <p:nvPr/>
+        </p:nvPicPr>
+        <p:blipFill>
+          <a:blip r:embed="rId3"/>
+          <a:stretch>
+            <a:fillRect/>
+          </a:stretch>
+        </p:blipFill>
+        <p:spPr>
+          <a:xfrm>
+            <a:off x="6715610" y="1571365"/>
+            <a:ext cx="4215402" cy="1857635"/>
+          </a:xfrm>
+          <a:prstGeom prst="rect">
+            <a:avLst/>
+          </a:prstGeom>
+        </p:spPr>
+      </p:pic>
+      <p:cxnSp>
+        <p:nvCxnSpPr>
+          <p:cNvPr id="9" name="Straight Arrow Connector 8">
+            <a:extLst>
+              <a:ext uri="{FF2B5EF4-FFF2-40B4-BE49-F238E27FC236}">
+                <a16:creationId xmlns:a16="http://schemas.microsoft.com/office/drawing/2014/main" id="{C759E672-DA91-8942-0A01-E8A056223E1D}"/>
+              </a:ext>
+            </a:extLst>
+          </p:cNvPr>
+          <p:cNvCxnSpPr>
+            <a:cxnSpLocks/>
+          </p:cNvCxnSpPr>
+          <p:nvPr/>
+        </p:nvCxnSpPr>
+        <p:spPr>
+          <a:xfrm flipV="1">
+            <a:off x="2435290" y="1780972"/>
+            <a:ext cx="4163921" cy="1268963"/>
+          </a:xfrm>
+          <a:prstGeom prst="straightConnector1">
+            <a:avLst/>
+          </a:prstGeom>
+          <a:ln w="57150">
+            <a:tailEnd type="triangle"/>
+          </a:ln>
+        </p:spPr>
+        <p:style>
+          <a:lnRef idx="1">
+            <a:schemeClr val="accent3"/>
+          </a:lnRef>
+          <a:fillRef idx="0">
+            <a:schemeClr val="accent3"/>
+          </a:fillRef>
+          <a:effectRef idx="0">
+            <a:schemeClr val="accent3"/>
+          </a:effectRef>
+          <a:fontRef idx="minor">
+            <a:schemeClr val="tx1"/>
+          </a:fontRef>
+        </p:style>
+      </p:cxnSp>
+      <p:pic>
+        <p:nvPicPr>
+          <p:cNvPr id="12" name="Picture 11">
+            <a:extLst>
+              <a:ext uri="{FF2B5EF4-FFF2-40B4-BE49-F238E27FC236}">
+                <a16:creationId xmlns:a16="http://schemas.microsoft.com/office/drawing/2014/main" id="{B0B3735A-DB38-92AB-2904-1540672CDA68}"/>
+              </a:ext>
+            </a:extLst>
+          </p:cNvPr>
+          <p:cNvPicPr>
+            <a:picLocks noChangeAspect="1"/>
+          </p:cNvPicPr>
+          <p:nvPr/>
+        </p:nvPicPr>
+        <p:blipFill>
+          <a:blip r:embed="rId4"/>
+          <a:stretch>
+            <a:fillRect/>
+          </a:stretch>
+        </p:blipFill>
+        <p:spPr>
+          <a:xfrm>
+            <a:off x="6750243" y="3645659"/>
+            <a:ext cx="3743734" cy="2988054"/>
+          </a:xfrm>
+          <a:prstGeom prst="rect">
+            <a:avLst/>
+          </a:prstGeom>
+        </p:spPr>
+      </p:pic>
+      <p:cxnSp>
+        <p:nvCxnSpPr>
+          <p:cNvPr id="13" name="Straight Arrow Connector 12">
+            <a:extLst>
+              <a:ext uri="{FF2B5EF4-FFF2-40B4-BE49-F238E27FC236}">
+                <a16:creationId xmlns:a16="http://schemas.microsoft.com/office/drawing/2014/main" id="{DFD4CEF4-C624-8169-22E2-EC6D3E59EB55}"/>
+              </a:ext>
+            </a:extLst>
+          </p:cNvPr>
+          <p:cNvCxnSpPr>
+            <a:cxnSpLocks/>
+          </p:cNvCxnSpPr>
+          <p:nvPr/>
+        </p:nvCxnSpPr>
+        <p:spPr>
+          <a:xfrm flipV="1">
+            <a:off x="2435290" y="3726611"/>
+            <a:ext cx="4280320" cy="1436345"/>
+          </a:xfrm>
+          <a:prstGeom prst="straightConnector1">
+            <a:avLst/>
+          </a:prstGeom>
+          <a:ln w="57150">
+            <a:tailEnd type="triangle"/>
+          </a:ln>
+        </p:spPr>
+        <p:style>
+          <a:lnRef idx="1">
+            <a:schemeClr val="accent3"/>
+          </a:lnRef>
+          <a:fillRef idx="0">
+            <a:schemeClr val="accent3"/>
+          </a:fillRef>
+          <a:effectRef idx="0">
+            <a:schemeClr val="accent3"/>
+          </a:effectRef>
+          <a:fontRef idx="minor">
+            <a:schemeClr val="tx1"/>
+          </a:fontRef>
+        </p:style>
+      </p:cxnSp>
     </p:spTree>
     <p:extLst>
       <p:ext uri="{BB962C8B-B14F-4D97-AF65-F5344CB8AC3E}">
         <p14:creationId xmlns:p14="http://schemas.microsoft.com/office/powerpoint/2010/main" val="3649865503"/>
-      </p:ext>
-    </p:extLst>
-  </p:cSld>
-  <p:clrMapOvr>
-    <a:masterClrMapping/>
-  </p:clrMapOvr>
-</p:sld>
-</file>
-
-<file path=ppt/slides/slide8.xml><?xml version="1.0" encoding="utf-8"?>
-<p:sld xmlns:a="http://schemas.openxmlformats.org/drawingml/2006/main" xmlns:r="http://schemas.openxmlformats.org/officeDocument/2006/relationships" xmlns:p="http://schemas.openxmlformats.org/presentationml/2006/main">
-  <p:cSld>
-    <p:spTree>
-      <p:nvGrpSpPr>
-        <p:cNvPr id="1" name=""/>
-        <p:cNvGrpSpPr/>
-        <p:nvPr/>
-      </p:nvGrpSpPr>
-      <p:grpSpPr>
-        <a:xfrm>
-          <a:off x="0" y="0"/>
-          <a:ext cx="0" cy="0"/>
-          <a:chOff x="0" y="0"/>
-          <a:chExt cx="0" cy="0"/>
-        </a:xfrm>
-      </p:grpSpPr>
-      <p:sp>
-        <p:nvSpPr>
-          <p:cNvPr id="2" name="Title 1">
-            <a:extLst>
-              <a:ext uri="{FF2B5EF4-FFF2-40B4-BE49-F238E27FC236}">
-                <a16:creationId xmlns:a16="http://schemas.microsoft.com/office/drawing/2014/main" id="{EE1C0F40-53EE-5A79-C657-EF864D60F72E}"/>
-              </a:ext>
-            </a:extLst>
-          </p:cNvPr>
-          <p:cNvSpPr>
-            <a:spLocks noGrp="1"/>
-          </p:cNvSpPr>
-          <p:nvPr>
-            <p:ph type="title"/>
-          </p:nvPr>
-        </p:nvSpPr>
-        <p:spPr/>
-        <p:txBody>
-          <a:bodyPr/>
-          <a:lstStyle/>
-          <a:p>
-            <a:r>
-              <a:rPr lang="en-US" dirty="0"/>
-              <a:t>A little magic and we brought all the code together</a:t>
-            </a:r>
-          </a:p>
-        </p:txBody>
-      </p:sp>
-      <p:sp>
-        <p:nvSpPr>
-          <p:cNvPr id="3" name="Content Placeholder 2">
-            <a:extLst>
-              <a:ext uri="{FF2B5EF4-FFF2-40B4-BE49-F238E27FC236}">
-                <a16:creationId xmlns:a16="http://schemas.microsoft.com/office/drawing/2014/main" id="{F5B9A3BA-70FE-2030-FF9A-0071D21AD370}"/>
-              </a:ext>
-            </a:extLst>
-          </p:cNvPr>
-          <p:cNvSpPr>
-            <a:spLocks noGrp="1"/>
-          </p:cNvSpPr>
-          <p:nvPr>
-            <p:ph idx="1"/>
-          </p:nvPr>
-        </p:nvSpPr>
-        <p:spPr/>
-        <p:txBody>
-          <a:bodyPr/>
-          <a:lstStyle/>
-          <a:p>
-            <a:endParaRPr lang="en-US"/>
-          </a:p>
-        </p:txBody>
-      </p:sp>
-    </p:spTree>
-    <p:extLst>
-      <p:ext uri="{BB962C8B-B14F-4D97-AF65-F5344CB8AC3E}">
-        <p14:creationId xmlns:p14="http://schemas.microsoft.com/office/powerpoint/2010/main" val="1748925712"/>
       </p:ext>
     </p:extLst>
   </p:cSld>
@@ -22652,7 +24175,7 @@
           <p:cNvPr id="2" name="Title 1">
             <a:extLst>
               <a:ext uri="{FF2B5EF4-FFF2-40B4-BE49-F238E27FC236}">
-                <a16:creationId xmlns:a16="http://schemas.microsoft.com/office/drawing/2014/main" id="{ECA7B34D-697B-AEC3-521A-575A4CBBE74E}"/>
+                <a16:creationId xmlns:a16="http://schemas.microsoft.com/office/drawing/2014/main" id="{2F55B251-1430-BE47-BCE0-169FD8BFEE6A}"/>
               </a:ext>
             </a:extLst>
           </p:cNvPr>
@@ -22669,47 +24192,46 @@
           <a:lstStyle/>
           <a:p>
             <a:r>
-              <a:rPr lang="en-US" dirty="0"/>
-              <a:t>CONCLUSION: outcome and lessons learned</a:t>
+              <a:rPr lang="en-GB" dirty="0"/>
+              <a:t>BASIC ERROR LOGGING</a:t>
             </a:r>
           </a:p>
         </p:txBody>
       </p:sp>
-      <p:graphicFrame>
-        <p:nvGraphicFramePr>
-          <p:cNvPr id="5" name="Content Placeholder 4">
+      <p:pic>
+        <p:nvPicPr>
+          <p:cNvPr id="5" name="Picture 4">
             <a:extLst>
               <a:ext uri="{FF2B5EF4-FFF2-40B4-BE49-F238E27FC236}">
-                <a16:creationId xmlns:a16="http://schemas.microsoft.com/office/drawing/2014/main" id="{12C2E115-0145-D8BF-4258-44F59F9465FA}"/>
+                <a16:creationId xmlns:a16="http://schemas.microsoft.com/office/drawing/2014/main" id="{6AE4EBD2-F068-6C1B-BD9B-42AA4127E0BC}"/>
               </a:ext>
             </a:extLst>
           </p:cNvPr>
-          <p:cNvGraphicFramePr>
-            <a:graphicFrameLocks noGrp="1"/>
-          </p:cNvGraphicFramePr>
-          <p:nvPr>
-            <p:ph idx="1"/>
-            <p:extLst>
-              <p:ext uri="{D42A27DB-BD31-4B8C-83A1-F6EECF244321}">
-                <p14:modId xmlns:p14="http://schemas.microsoft.com/office/powerpoint/2010/main" val="2537614483"/>
-              </p:ext>
-            </p:extLst>
-          </p:nvPr>
-        </p:nvGraphicFramePr>
-        <p:xfrm>
-          <a:off x="1244600" y="1775921"/>
-          <a:ext cx="9802812" cy="4463562"/>
-        </p:xfrm>
-        <a:graphic>
-          <a:graphicData uri="http://schemas.openxmlformats.org/drawingml/2006/diagram">
-            <dgm:relIds xmlns:dgm="http://schemas.openxmlformats.org/drawingml/2006/diagram" xmlns:r="http://schemas.openxmlformats.org/officeDocument/2006/relationships" r:dm="rId2" r:lo="rId3" r:qs="rId4" r:cs="rId5"/>
-          </a:graphicData>
-        </a:graphic>
-      </p:graphicFrame>
+          <p:cNvPicPr>
+            <a:picLocks noChangeAspect="1"/>
+          </p:cNvPicPr>
+          <p:nvPr/>
+        </p:nvPicPr>
+        <p:blipFill>
+          <a:blip r:embed="rId2"/>
+          <a:stretch>
+            <a:fillRect/>
+          </a:stretch>
+        </p:blipFill>
+        <p:spPr>
+          <a:xfrm>
+            <a:off x="2145748" y="2097088"/>
+            <a:ext cx="7897327" cy="4067743"/>
+          </a:xfrm>
+          <a:prstGeom prst="rect">
+            <a:avLst/>
+          </a:prstGeom>
+        </p:spPr>
+      </p:pic>
     </p:spTree>
     <p:extLst>
       <p:ext uri="{BB962C8B-B14F-4D97-AF65-F5344CB8AC3E}">
-        <p14:creationId xmlns:p14="http://schemas.microsoft.com/office/powerpoint/2010/main" val="781998421"/>
+        <p14:creationId xmlns:p14="http://schemas.microsoft.com/office/powerpoint/2010/main" val="3769005971"/>
       </p:ext>
     </p:extLst>
   </p:cSld>

--- a/Presentation.pptx
+++ b/Presentation.pptx
@@ -12,9 +12,9 @@
     <p:sldId id="260" r:id="rId6"/>
     <p:sldId id="262" r:id="rId7"/>
     <p:sldId id="268" r:id="rId8"/>
-    <p:sldId id="263" r:id="rId9"/>
-    <p:sldId id="267" r:id="rId10"/>
-    <p:sldId id="269" r:id="rId11"/>
+    <p:sldId id="269" r:id="rId9"/>
+    <p:sldId id="263" r:id="rId10"/>
+    <p:sldId id="267" r:id="rId11"/>
     <p:sldId id="264" r:id="rId12"/>
     <p:sldId id="261" r:id="rId13"/>
     <p:sldId id="266" r:id="rId14"/>
@@ -9288,7 +9288,7 @@
           <a:noFill/>
           <a:extLst>
             <a:ext uri="{909E8E84-426E-40dd-AFC4-6F175D3DCCD1}">
-              <a14:hiddenFill xmlns="" xmlns:a14="http://schemas.microsoft.com/office/drawing/2010/main">
+              <a14:hiddenFill xmlns:a14="http://schemas.microsoft.com/office/drawing/2010/main" xmlns="">
                 <a:solidFill>
                   <a:srgbClr val="FFFFFF"/>
                 </a:solidFill>
@@ -9348,7 +9348,7 @@
             </a:ln>
             <a:extLst>
               <a:ext uri="{91240B29-F687-4f45-9708-019B960494DF}">
-                <a14:hiddenLine xmlns="" xmlns:a14="http://schemas.microsoft.com/office/drawing/2010/main" w="9525">
+                <a14:hiddenLine xmlns:a14="http://schemas.microsoft.com/office/drawing/2010/main" xmlns="" w="9525">
                   <a:solidFill>
                     <a:srgbClr val="000000"/>
                   </a:solidFill>
@@ -9438,7 +9438,7 @@
             </a:ln>
             <a:extLst>
               <a:ext uri="{91240B29-F687-4f45-9708-019B960494DF}">
-                <a14:hiddenLine xmlns="" xmlns:a14="http://schemas.microsoft.com/office/drawing/2010/main" w="9525">
+                <a14:hiddenLine xmlns:a14="http://schemas.microsoft.com/office/drawing/2010/main" xmlns="" w="9525">
                   <a:solidFill>
                     <a:srgbClr val="000000"/>
                   </a:solidFill>
@@ -9528,7 +9528,7 @@
             </a:ln>
             <a:extLst>
               <a:ext uri="{91240B29-F687-4f45-9708-019B960494DF}">
-                <a14:hiddenLine xmlns="" xmlns:a14="http://schemas.microsoft.com/office/drawing/2010/main" w="9525">
+                <a14:hiddenLine xmlns:a14="http://schemas.microsoft.com/office/drawing/2010/main" xmlns="" w="9525">
                   <a:solidFill>
                     <a:srgbClr val="000000"/>
                   </a:solidFill>
@@ -9562,7 +9562,7 @@
             </a:ln>
             <a:extLst>
               <a:ext uri="{91240B29-F687-4f45-9708-019B960494DF}">
-                <a14:hiddenLine xmlns="" xmlns:a14="http://schemas.microsoft.com/office/drawing/2010/main" w="9525">
+                <a14:hiddenLine xmlns:a14="http://schemas.microsoft.com/office/drawing/2010/main" xmlns="" w="9525">
                   <a:solidFill>
                     <a:srgbClr val="000000"/>
                   </a:solidFill>
@@ -9652,7 +9652,7 @@
             </a:ln>
             <a:extLst>
               <a:ext uri="{91240B29-F687-4f45-9708-019B960494DF}">
-                <a14:hiddenLine xmlns="" xmlns:a14="http://schemas.microsoft.com/office/drawing/2010/main" w="9525">
+                <a14:hiddenLine xmlns:a14="http://schemas.microsoft.com/office/drawing/2010/main" xmlns="" w="9525">
                   <a:solidFill>
                     <a:srgbClr val="000000"/>
                   </a:solidFill>
@@ -9714,7 +9714,7 @@
             </a:ln>
             <a:extLst>
               <a:ext uri="{91240B29-F687-4f45-9708-019B960494DF}">
-                <a14:hiddenLine xmlns="" xmlns:a14="http://schemas.microsoft.com/office/drawing/2010/main" w="9525">
+                <a14:hiddenLine xmlns:a14="http://schemas.microsoft.com/office/drawing/2010/main" xmlns="" w="9525">
                   <a:solidFill>
                     <a:srgbClr val="000000"/>
                   </a:solidFill>
@@ -9776,7 +9776,7 @@
             </a:ln>
             <a:extLst>
               <a:ext uri="{91240B29-F687-4f45-9708-019B960494DF}">
-                <a14:hiddenLine xmlns="" xmlns:a14="http://schemas.microsoft.com/office/drawing/2010/main" w="9525">
+                <a14:hiddenLine xmlns:a14="http://schemas.microsoft.com/office/drawing/2010/main" xmlns="" w="9525">
                   <a:solidFill>
                     <a:srgbClr val="000000"/>
                   </a:solidFill>
@@ -9866,7 +9866,7 @@
             </a:ln>
             <a:extLst>
               <a:ext uri="{91240B29-F687-4f45-9708-019B960494DF}">
-                <a14:hiddenLine xmlns="" xmlns:a14="http://schemas.microsoft.com/office/drawing/2010/main" w="9525">
+                <a14:hiddenLine xmlns:a14="http://schemas.microsoft.com/office/drawing/2010/main" xmlns="" w="9525">
                   <a:solidFill>
                     <a:srgbClr val="000000"/>
                   </a:solidFill>
@@ -9928,7 +9928,7 @@
             </a:ln>
             <a:extLst>
               <a:ext uri="{91240B29-F687-4f45-9708-019B960494DF}">
-                <a14:hiddenLine xmlns="" xmlns:a14="http://schemas.microsoft.com/office/drawing/2010/main" w="9525">
+                <a14:hiddenLine xmlns:a14="http://schemas.microsoft.com/office/drawing/2010/main" xmlns="" w="9525">
                   <a:solidFill>
                     <a:srgbClr val="000000"/>
                   </a:solidFill>
@@ -9990,7 +9990,7 @@
             </a:ln>
             <a:extLst>
               <a:ext uri="{91240B29-F687-4f45-9708-019B960494DF}">
-                <a14:hiddenLine xmlns="" xmlns:a14="http://schemas.microsoft.com/office/drawing/2010/main" w="9525">
+                <a14:hiddenLine xmlns:a14="http://schemas.microsoft.com/office/drawing/2010/main" xmlns="" w="9525">
                   <a:solidFill>
                     <a:srgbClr val="000000"/>
                   </a:solidFill>
@@ -10080,7 +10080,7 @@
             </a:ln>
             <a:extLst>
               <a:ext uri="{91240B29-F687-4f45-9708-019B960494DF}">
-                <a14:hiddenLine xmlns="" xmlns:a14="http://schemas.microsoft.com/office/drawing/2010/main" w="9525">
+                <a14:hiddenLine xmlns:a14="http://schemas.microsoft.com/office/drawing/2010/main" xmlns="" w="9525">
                   <a:solidFill>
                     <a:srgbClr val="000000"/>
                   </a:solidFill>
@@ -10170,7 +10170,7 @@
             </a:ln>
             <a:extLst>
               <a:ext uri="{91240B29-F687-4f45-9708-019B960494DF}">
-                <a14:hiddenLine xmlns="" xmlns:a14="http://schemas.microsoft.com/office/drawing/2010/main" w="9525">
+                <a14:hiddenLine xmlns:a14="http://schemas.microsoft.com/office/drawing/2010/main" xmlns="" w="9525">
                   <a:solidFill>
                     <a:srgbClr val="000000"/>
                   </a:solidFill>
@@ -10232,7 +10232,7 @@
             </a:ln>
             <a:extLst>
               <a:ext uri="{91240B29-F687-4f45-9708-019B960494DF}">
-                <a14:hiddenLine xmlns="" xmlns:a14="http://schemas.microsoft.com/office/drawing/2010/main" w="9525">
+                <a14:hiddenLine xmlns:a14="http://schemas.microsoft.com/office/drawing/2010/main" xmlns="" w="9525">
                   <a:solidFill>
                     <a:srgbClr val="000000"/>
                   </a:solidFill>
@@ -10342,7 +10342,7 @@
             </a:ln>
             <a:extLst>
               <a:ext uri="{91240B29-F687-4f45-9708-019B960494DF}">
-                <a14:hiddenLine xmlns="" xmlns:a14="http://schemas.microsoft.com/office/drawing/2010/main" w="9525">
+                <a14:hiddenLine xmlns:a14="http://schemas.microsoft.com/office/drawing/2010/main" xmlns="" w="9525">
                   <a:solidFill>
                     <a:srgbClr val="000000"/>
                   </a:solidFill>
@@ -10404,7 +10404,7 @@
             </a:ln>
             <a:extLst>
               <a:ext uri="{91240B29-F687-4f45-9708-019B960494DF}">
-                <a14:hiddenLine xmlns="" xmlns:a14="http://schemas.microsoft.com/office/drawing/2010/main" w="9525">
+                <a14:hiddenLine xmlns:a14="http://schemas.microsoft.com/office/drawing/2010/main" xmlns="" w="9525">
                   <a:solidFill>
                     <a:srgbClr val="000000"/>
                   </a:solidFill>
@@ -10494,7 +10494,7 @@
             </a:ln>
             <a:extLst>
               <a:ext uri="{91240B29-F687-4f45-9708-019B960494DF}">
-                <a14:hiddenLine xmlns="" xmlns:a14="http://schemas.microsoft.com/office/drawing/2010/main" w="9525">
+                <a14:hiddenLine xmlns:a14="http://schemas.microsoft.com/office/drawing/2010/main" xmlns="" w="9525">
                   <a:solidFill>
                     <a:srgbClr val="000000"/>
                   </a:solidFill>
@@ -10584,7 +10584,7 @@
             </a:ln>
             <a:extLst>
               <a:ext uri="{91240B29-F687-4f45-9708-019B960494DF}">
-                <a14:hiddenLine xmlns="" xmlns:a14="http://schemas.microsoft.com/office/drawing/2010/main" w="9525">
+                <a14:hiddenLine xmlns:a14="http://schemas.microsoft.com/office/drawing/2010/main" xmlns="" w="9525">
                   <a:solidFill>
                     <a:srgbClr val="000000"/>
                   </a:solidFill>
@@ -10646,7 +10646,7 @@
             </a:ln>
             <a:extLst>
               <a:ext uri="{91240B29-F687-4f45-9708-019B960494DF}">
-                <a14:hiddenLine xmlns="" xmlns:a14="http://schemas.microsoft.com/office/drawing/2010/main" w="9525">
+                <a14:hiddenLine xmlns:a14="http://schemas.microsoft.com/office/drawing/2010/main" xmlns="" w="9525">
                   <a:solidFill>
                     <a:srgbClr val="000000"/>
                   </a:solidFill>
@@ -10736,7 +10736,7 @@
             </a:ln>
             <a:extLst>
               <a:ext uri="{91240B29-F687-4f45-9708-019B960494DF}">
-                <a14:hiddenLine xmlns="" xmlns:a14="http://schemas.microsoft.com/office/drawing/2010/main" w="9525">
+                <a14:hiddenLine xmlns:a14="http://schemas.microsoft.com/office/drawing/2010/main" xmlns="" w="9525">
                   <a:solidFill>
                     <a:srgbClr val="000000"/>
                   </a:solidFill>
@@ -10826,7 +10826,7 @@
             </a:ln>
             <a:extLst>
               <a:ext uri="{91240B29-F687-4f45-9708-019B960494DF}">
-                <a14:hiddenLine xmlns="" xmlns:a14="http://schemas.microsoft.com/office/drawing/2010/main" w="9525">
+                <a14:hiddenLine xmlns:a14="http://schemas.microsoft.com/office/drawing/2010/main" xmlns="" w="9525">
                   <a:solidFill>
                     <a:srgbClr val="000000"/>
                   </a:solidFill>
@@ -10882,7 +10882,7 @@
             </a:ln>
             <a:extLst>
               <a:ext uri="{91240B29-F687-4f45-9708-019B960494DF}">
-                <a14:hiddenLine xmlns="" xmlns:a14="http://schemas.microsoft.com/office/drawing/2010/main" w="9525">
+                <a14:hiddenLine xmlns:a14="http://schemas.microsoft.com/office/drawing/2010/main" xmlns="" w="9525">
                   <a:solidFill>
                     <a:srgbClr val="000000"/>
                   </a:solidFill>
@@ -10972,7 +10972,7 @@
             </a:ln>
             <a:extLst>
               <a:ext uri="{91240B29-F687-4f45-9708-019B960494DF}">
-                <a14:hiddenLine xmlns="" xmlns:a14="http://schemas.microsoft.com/office/drawing/2010/main" w="9525">
+                <a14:hiddenLine xmlns:a14="http://schemas.microsoft.com/office/drawing/2010/main" xmlns="" w="9525">
                   <a:solidFill>
                     <a:srgbClr val="000000"/>
                   </a:solidFill>
@@ -11028,7 +11028,7 @@
             </a:ln>
             <a:extLst>
               <a:ext uri="{91240B29-F687-4f45-9708-019B960494DF}">
-                <a14:hiddenLine xmlns="" xmlns:a14="http://schemas.microsoft.com/office/drawing/2010/main" w="9525">
+                <a14:hiddenLine xmlns:a14="http://schemas.microsoft.com/office/drawing/2010/main" xmlns="" w="9525">
                   <a:solidFill>
                     <a:srgbClr val="000000"/>
                   </a:solidFill>
@@ -11118,7 +11118,7 @@
             </a:ln>
             <a:extLst>
               <a:ext uri="{91240B29-F687-4f45-9708-019B960494DF}">
-                <a14:hiddenLine xmlns="" xmlns:a14="http://schemas.microsoft.com/office/drawing/2010/main" w="9525">
+                <a14:hiddenLine xmlns:a14="http://schemas.microsoft.com/office/drawing/2010/main" xmlns="" w="9525">
                   <a:solidFill>
                     <a:srgbClr val="000000"/>
                   </a:solidFill>
@@ -11186,7 +11186,7 @@
             </a:ln>
             <a:extLst>
               <a:ext uri="{91240B29-F687-4f45-9708-019B960494DF}">
-                <a14:hiddenLine xmlns="" xmlns:a14="http://schemas.microsoft.com/office/drawing/2010/main" w="9525">
+                <a14:hiddenLine xmlns:a14="http://schemas.microsoft.com/office/drawing/2010/main" xmlns="" w="9525">
                   <a:solidFill>
                     <a:srgbClr val="000000"/>
                   </a:solidFill>
@@ -11276,7 +11276,7 @@
             </a:ln>
             <a:extLst>
               <a:ext uri="{91240B29-F687-4f45-9708-019B960494DF}">
-                <a14:hiddenLine xmlns="" xmlns:a14="http://schemas.microsoft.com/office/drawing/2010/main" w="9525">
+                <a14:hiddenLine xmlns:a14="http://schemas.microsoft.com/office/drawing/2010/main" xmlns="" w="9525">
                   <a:solidFill>
                     <a:srgbClr val="000000"/>
                   </a:solidFill>
@@ -11344,7 +11344,7 @@
             </a:ln>
             <a:extLst>
               <a:ext uri="{91240B29-F687-4f45-9708-019B960494DF}">
-                <a14:hiddenLine xmlns="" xmlns:a14="http://schemas.microsoft.com/office/drawing/2010/main" w="9525">
+                <a14:hiddenLine xmlns:a14="http://schemas.microsoft.com/office/drawing/2010/main" xmlns="" w="9525">
                   <a:solidFill>
                     <a:srgbClr val="000000"/>
                   </a:solidFill>
@@ -11434,7 +11434,7 @@
             </a:ln>
             <a:extLst>
               <a:ext uri="{91240B29-F687-4f45-9708-019B960494DF}">
-                <a14:hiddenLine xmlns="" xmlns:a14="http://schemas.microsoft.com/office/drawing/2010/main" w="9525">
+                <a14:hiddenLine xmlns:a14="http://schemas.microsoft.com/office/drawing/2010/main" xmlns="" w="9525">
                   <a:solidFill>
                     <a:srgbClr val="000000"/>
                   </a:solidFill>
@@ -11468,7 +11468,7 @@
             </a:ln>
             <a:extLst>
               <a:ext uri="{91240B29-F687-4f45-9708-019B960494DF}">
-                <a14:hiddenLine xmlns="" xmlns:a14="http://schemas.microsoft.com/office/drawing/2010/main" w="9525">
+                <a14:hiddenLine xmlns:a14="http://schemas.microsoft.com/office/drawing/2010/main" xmlns="" w="9525">
                   <a:solidFill>
                     <a:srgbClr val="000000"/>
                   </a:solidFill>
@@ -11558,7 +11558,7 @@
             </a:ln>
             <a:extLst>
               <a:ext uri="{91240B29-F687-4f45-9708-019B960494DF}">
-                <a14:hiddenLine xmlns="" xmlns:a14="http://schemas.microsoft.com/office/drawing/2010/main" w="9525">
+                <a14:hiddenLine xmlns:a14="http://schemas.microsoft.com/office/drawing/2010/main" xmlns="" w="9525">
                   <a:solidFill>
                     <a:srgbClr val="000000"/>
                   </a:solidFill>
@@ -11620,7 +11620,7 @@
             </a:ln>
             <a:extLst>
               <a:ext uri="{91240B29-F687-4f45-9708-019B960494DF}">
-                <a14:hiddenLine xmlns="" xmlns:a14="http://schemas.microsoft.com/office/drawing/2010/main" w="9525">
+                <a14:hiddenLine xmlns:a14="http://schemas.microsoft.com/office/drawing/2010/main" xmlns="" w="9525">
                   <a:solidFill>
                     <a:srgbClr val="000000"/>
                   </a:solidFill>
@@ -11682,7 +11682,7 @@
             </a:ln>
             <a:extLst>
               <a:ext uri="{91240B29-F687-4f45-9708-019B960494DF}">
-                <a14:hiddenLine xmlns="" xmlns:a14="http://schemas.microsoft.com/office/drawing/2010/main" w="9525">
+                <a14:hiddenLine xmlns:a14="http://schemas.microsoft.com/office/drawing/2010/main" xmlns="" w="9525">
                   <a:solidFill>
                     <a:srgbClr val="000000"/>
                   </a:solidFill>
@@ -11772,7 +11772,7 @@
             </a:ln>
             <a:extLst>
               <a:ext uri="{91240B29-F687-4f45-9708-019B960494DF}">
-                <a14:hiddenLine xmlns="" xmlns:a14="http://schemas.microsoft.com/office/drawing/2010/main" w="9525">
+                <a14:hiddenLine xmlns:a14="http://schemas.microsoft.com/office/drawing/2010/main" xmlns="" w="9525">
                   <a:solidFill>
                     <a:srgbClr val="000000"/>
                   </a:solidFill>
@@ -11840,7 +11840,7 @@
             </a:ln>
             <a:extLst>
               <a:ext uri="{91240B29-F687-4f45-9708-019B960494DF}">
-                <a14:hiddenLine xmlns="" xmlns:a14="http://schemas.microsoft.com/office/drawing/2010/main" w="9525">
+                <a14:hiddenLine xmlns:a14="http://schemas.microsoft.com/office/drawing/2010/main" xmlns="" w="9525">
                   <a:solidFill>
                     <a:srgbClr val="000000"/>
                   </a:solidFill>
@@ -11902,7 +11902,7 @@
             </a:ln>
             <a:extLst>
               <a:ext uri="{91240B29-F687-4f45-9708-019B960494DF}">
-                <a14:hiddenLine xmlns="" xmlns:a14="http://schemas.microsoft.com/office/drawing/2010/main" w="9525">
+                <a14:hiddenLine xmlns:a14="http://schemas.microsoft.com/office/drawing/2010/main" xmlns="" w="9525">
                   <a:solidFill>
                     <a:srgbClr val="000000"/>
                   </a:solidFill>
@@ -11992,7 +11992,7 @@
             </a:ln>
             <a:extLst>
               <a:ext uri="{91240B29-F687-4f45-9708-019B960494DF}">
-                <a14:hiddenLine xmlns="" xmlns:a14="http://schemas.microsoft.com/office/drawing/2010/main" w="9525">
+                <a14:hiddenLine xmlns:a14="http://schemas.microsoft.com/office/drawing/2010/main" xmlns="" w="9525">
                   <a:solidFill>
                     <a:srgbClr val="000000"/>
                   </a:solidFill>
@@ -12054,7 +12054,7 @@
             </a:ln>
             <a:extLst>
               <a:ext uri="{91240B29-F687-4f45-9708-019B960494DF}">
-                <a14:hiddenLine xmlns="" xmlns:a14="http://schemas.microsoft.com/office/drawing/2010/main" w="9525">
+                <a14:hiddenLine xmlns:a14="http://schemas.microsoft.com/office/drawing/2010/main" xmlns="" w="9525">
                   <a:solidFill>
                     <a:srgbClr val="000000"/>
                   </a:solidFill>
@@ -12144,7 +12144,7 @@
             </a:ln>
             <a:extLst>
               <a:ext uri="{91240B29-F687-4f45-9708-019B960494DF}">
-                <a14:hiddenLine xmlns="" xmlns:a14="http://schemas.microsoft.com/office/drawing/2010/main" w="9525">
+                <a14:hiddenLine xmlns:a14="http://schemas.microsoft.com/office/drawing/2010/main" xmlns="" w="9525">
                   <a:solidFill>
                     <a:srgbClr val="000000"/>
                   </a:solidFill>
@@ -12206,7 +12206,7 @@
             </a:ln>
             <a:extLst>
               <a:ext uri="{91240B29-F687-4f45-9708-019B960494DF}">
-                <a14:hiddenLine xmlns="" xmlns:a14="http://schemas.microsoft.com/office/drawing/2010/main" w="9525">
+                <a14:hiddenLine xmlns:a14="http://schemas.microsoft.com/office/drawing/2010/main" xmlns="" w="9525">
                   <a:solidFill>
                     <a:srgbClr val="000000"/>
                   </a:solidFill>
@@ -12296,7 +12296,7 @@
             </a:ln>
             <a:extLst>
               <a:ext uri="{91240B29-F687-4f45-9708-019B960494DF}">
-                <a14:hiddenLine xmlns="" xmlns:a14="http://schemas.microsoft.com/office/drawing/2010/main" w="9525">
+                <a14:hiddenLine xmlns:a14="http://schemas.microsoft.com/office/drawing/2010/main" xmlns="" w="9525">
                   <a:solidFill>
                     <a:srgbClr val="000000"/>
                   </a:solidFill>
@@ -12330,7 +12330,7 @@
             </a:ln>
             <a:extLst>
               <a:ext uri="{91240B29-F687-4f45-9708-019B960494DF}">
-                <a14:hiddenLine xmlns="" xmlns:a14="http://schemas.microsoft.com/office/drawing/2010/main" w="9525">
+                <a14:hiddenLine xmlns:a14="http://schemas.microsoft.com/office/drawing/2010/main" xmlns="" w="9525">
                   <a:solidFill>
                     <a:srgbClr val="000000"/>
                   </a:solidFill>
@@ -12395,7 +12395,7 @@
             </a:ln>
             <a:extLst>
               <a:ext uri="{91240B29-F687-4f45-9708-019B960494DF}">
-                <a14:hiddenLine xmlns="" xmlns:a14="http://schemas.microsoft.com/office/drawing/2010/main" w="9525">
+                <a14:hiddenLine xmlns:a14="http://schemas.microsoft.com/office/drawing/2010/main" xmlns="" w="9525">
                   <a:solidFill>
                     <a:srgbClr val="000000"/>
                   </a:solidFill>
@@ -12485,7 +12485,7 @@
             </a:ln>
             <a:extLst>
               <a:ext uri="{91240B29-F687-4f45-9708-019B960494DF}">
-                <a14:hiddenLine xmlns="" xmlns:a14="http://schemas.microsoft.com/office/drawing/2010/main" w="9525">
+                <a14:hiddenLine xmlns:a14="http://schemas.microsoft.com/office/drawing/2010/main" xmlns="" w="9525">
                   <a:solidFill>
                     <a:srgbClr val="000000"/>
                   </a:solidFill>
@@ -12547,7 +12547,7 @@
             </a:ln>
             <a:extLst>
               <a:ext uri="{91240B29-F687-4f45-9708-019B960494DF}">
-                <a14:hiddenLine xmlns="" xmlns:a14="http://schemas.microsoft.com/office/drawing/2010/main" w="9525">
+                <a14:hiddenLine xmlns:a14="http://schemas.microsoft.com/office/drawing/2010/main" xmlns="" w="9525">
                   <a:solidFill>
                     <a:srgbClr val="000000"/>
                   </a:solidFill>
@@ -12637,7 +12637,7 @@
             </a:ln>
             <a:extLst>
               <a:ext uri="{91240B29-F687-4f45-9708-019B960494DF}">
-                <a14:hiddenLine xmlns="" xmlns:a14="http://schemas.microsoft.com/office/drawing/2010/main" w="9525">
+                <a14:hiddenLine xmlns:a14="http://schemas.microsoft.com/office/drawing/2010/main" xmlns="" w="9525">
                   <a:solidFill>
                     <a:srgbClr val="000000"/>
                   </a:solidFill>
@@ -12727,7 +12727,7 @@
             </a:ln>
             <a:extLst>
               <a:ext uri="{91240B29-F687-4f45-9708-019B960494DF}">
-                <a14:hiddenLine xmlns="" xmlns:a14="http://schemas.microsoft.com/office/drawing/2010/main" w="9525">
+                <a14:hiddenLine xmlns:a14="http://schemas.microsoft.com/office/drawing/2010/main" xmlns="" w="9525">
                   <a:solidFill>
                     <a:srgbClr val="000000"/>
                   </a:solidFill>
@@ -12792,7 +12792,7 @@
             </a:ln>
             <a:extLst>
               <a:ext uri="{91240B29-F687-4f45-9708-019B960494DF}">
-                <a14:hiddenLine xmlns="" xmlns:a14="http://schemas.microsoft.com/office/drawing/2010/main" w="9525">
+                <a14:hiddenLine xmlns:a14="http://schemas.microsoft.com/office/drawing/2010/main" xmlns="" w="9525">
                   <a:solidFill>
                     <a:srgbClr val="000000"/>
                   </a:solidFill>
@@ -12854,7 +12854,7 @@
             </a:ln>
             <a:extLst>
               <a:ext uri="{91240B29-F687-4f45-9708-019B960494DF}">
-                <a14:hiddenLine xmlns="" xmlns:a14="http://schemas.microsoft.com/office/drawing/2010/main" w="9525">
+                <a14:hiddenLine xmlns:a14="http://schemas.microsoft.com/office/drawing/2010/main" xmlns="" w="9525">
                   <a:solidFill>
                     <a:srgbClr val="000000"/>
                   </a:solidFill>
@@ -12944,7 +12944,7 @@
             </a:ln>
             <a:extLst>
               <a:ext uri="{91240B29-F687-4f45-9708-019B960494DF}">
-                <a14:hiddenLine xmlns="" xmlns:a14="http://schemas.microsoft.com/office/drawing/2010/main" w="9525">
+                <a14:hiddenLine xmlns:a14="http://schemas.microsoft.com/office/drawing/2010/main" xmlns="" w="9525">
                   <a:solidFill>
                     <a:srgbClr val="000000"/>
                   </a:solidFill>
@@ -13034,7 +13034,7 @@
             </a:ln>
             <a:extLst>
               <a:ext uri="{91240B29-F687-4f45-9708-019B960494DF}">
-                <a14:hiddenLine xmlns="" xmlns:a14="http://schemas.microsoft.com/office/drawing/2010/main" w="9525">
+                <a14:hiddenLine xmlns:a14="http://schemas.microsoft.com/office/drawing/2010/main" xmlns="" w="9525">
                   <a:solidFill>
                     <a:srgbClr val="000000"/>
                   </a:solidFill>
@@ -13096,7 +13096,7 @@
             </a:ln>
             <a:extLst>
               <a:ext uri="{91240B29-F687-4f45-9708-019B960494DF}">
-                <a14:hiddenLine xmlns="" xmlns:a14="http://schemas.microsoft.com/office/drawing/2010/main" w="9525">
+                <a14:hiddenLine xmlns:a14="http://schemas.microsoft.com/office/drawing/2010/main" xmlns="" w="9525">
                   <a:solidFill>
                     <a:srgbClr val="000000"/>
                   </a:solidFill>
@@ -13216,7 +13216,7 @@
             </a:ln>
             <a:extLst>
               <a:ext uri="{91240B29-F687-4f45-9708-019B960494DF}">
-                <a14:hiddenLine xmlns="" xmlns:a14="http://schemas.microsoft.com/office/drawing/2010/main" w="9525">
+                <a14:hiddenLine xmlns:a14="http://schemas.microsoft.com/office/drawing/2010/main" xmlns="" w="9525">
                   <a:solidFill>
                     <a:srgbClr val="000000"/>
                   </a:solidFill>
@@ -13284,7 +13284,7 @@
             </a:ln>
             <a:extLst>
               <a:ext uri="{91240B29-F687-4f45-9708-019B960494DF}">
-                <a14:hiddenLine xmlns="" xmlns:a14="http://schemas.microsoft.com/office/drawing/2010/main" w="9525">
+                <a14:hiddenLine xmlns:a14="http://schemas.microsoft.com/office/drawing/2010/main" xmlns="" w="9525">
                   <a:solidFill>
                     <a:srgbClr val="000000"/>
                   </a:solidFill>
@@ -13374,7 +13374,7 @@
             </a:ln>
             <a:extLst>
               <a:ext uri="{91240B29-F687-4f45-9708-019B960494DF}">
-                <a14:hiddenLine xmlns="" xmlns:a14="http://schemas.microsoft.com/office/drawing/2010/main" w="9525">
+                <a14:hiddenLine xmlns:a14="http://schemas.microsoft.com/office/drawing/2010/main" xmlns="" w="9525">
                   <a:solidFill>
                     <a:srgbClr val="000000"/>
                   </a:solidFill>
@@ -18096,7 +18096,7 @@
           <a:noFill/>
           <a:extLst>
             <a:ext uri="{909E8E84-426E-40dd-AFC4-6F175D3DCCD1}">
-              <a14:hiddenFill xmlns="" xmlns:a14="http://schemas.microsoft.com/office/drawing/2010/main">
+              <a14:hiddenFill xmlns:a14="http://schemas.microsoft.com/office/drawing/2010/main" xmlns="">
                 <a:solidFill>
                   <a:srgbClr val="FFFFFF"/>
                 </a:solidFill>
@@ -18170,7 +18170,7 @@
               </a:ln>
               <a:extLst>
                 <a:ext uri="{91240B29-F687-4f45-9708-019B960494DF}">
-                  <a14:hiddenLine xmlns="" xmlns:a14="http://schemas.microsoft.com/office/drawing/2010/main" w="9525">
+                  <a14:hiddenLine xmlns:a14="http://schemas.microsoft.com/office/drawing/2010/main" xmlns="" w="9525">
                     <a:solidFill>
                       <a:srgbClr val="000000"/>
                     </a:solidFill>
@@ -18260,7 +18260,7 @@
               </a:ln>
               <a:extLst>
                 <a:ext uri="{91240B29-F687-4f45-9708-019B960494DF}">
-                  <a14:hiddenLine xmlns="" xmlns:a14="http://schemas.microsoft.com/office/drawing/2010/main" w="9525">
+                  <a14:hiddenLine xmlns:a14="http://schemas.microsoft.com/office/drawing/2010/main" xmlns="" w="9525">
                     <a:solidFill>
                       <a:srgbClr val="000000"/>
                     </a:solidFill>
@@ -18350,7 +18350,7 @@
               </a:ln>
               <a:extLst>
                 <a:ext uri="{91240B29-F687-4f45-9708-019B960494DF}">
-                  <a14:hiddenLine xmlns="" xmlns:a14="http://schemas.microsoft.com/office/drawing/2010/main" w="9525">
+                  <a14:hiddenLine xmlns:a14="http://schemas.microsoft.com/office/drawing/2010/main" xmlns="" w="9525">
                     <a:solidFill>
                       <a:srgbClr val="000000"/>
                     </a:solidFill>
@@ -18412,7 +18412,7 @@
               </a:ln>
               <a:extLst>
                 <a:ext uri="{91240B29-F687-4f45-9708-019B960494DF}">
-                  <a14:hiddenLine xmlns="" xmlns:a14="http://schemas.microsoft.com/office/drawing/2010/main" w="9525">
+                  <a14:hiddenLine xmlns:a14="http://schemas.microsoft.com/office/drawing/2010/main" xmlns="" w="9525">
                     <a:solidFill>
                       <a:srgbClr val="000000"/>
                     </a:solidFill>
@@ -18502,7 +18502,7 @@
               </a:ln>
               <a:extLst>
                 <a:ext uri="{91240B29-F687-4f45-9708-019B960494DF}">
-                  <a14:hiddenLine xmlns="" xmlns:a14="http://schemas.microsoft.com/office/drawing/2010/main" w="9525">
+                  <a14:hiddenLine xmlns:a14="http://schemas.microsoft.com/office/drawing/2010/main" xmlns="" w="9525">
                     <a:solidFill>
                       <a:srgbClr val="000000"/>
                     </a:solidFill>
@@ -18564,7 +18564,7 @@
               </a:ln>
               <a:extLst>
                 <a:ext uri="{91240B29-F687-4f45-9708-019B960494DF}">
-                  <a14:hiddenLine xmlns="" xmlns:a14="http://schemas.microsoft.com/office/drawing/2010/main" w="9525">
+                  <a14:hiddenLine xmlns:a14="http://schemas.microsoft.com/office/drawing/2010/main" xmlns="" w="9525">
                     <a:solidFill>
                       <a:srgbClr val="000000"/>
                     </a:solidFill>
@@ -18626,7 +18626,7 @@
               </a:ln>
               <a:extLst>
                 <a:ext uri="{91240B29-F687-4f45-9708-019B960494DF}">
-                  <a14:hiddenLine xmlns="" xmlns:a14="http://schemas.microsoft.com/office/drawing/2010/main" w="9525">
+                  <a14:hiddenLine xmlns:a14="http://schemas.microsoft.com/office/drawing/2010/main" xmlns="" w="9525">
                     <a:solidFill>
                       <a:srgbClr val="000000"/>
                     </a:solidFill>
@@ -18716,7 +18716,7 @@
               </a:ln>
               <a:extLst>
                 <a:ext uri="{91240B29-F687-4f45-9708-019B960494DF}">
-                  <a14:hiddenLine xmlns="" xmlns:a14="http://schemas.microsoft.com/office/drawing/2010/main" w="9525">
+                  <a14:hiddenLine xmlns:a14="http://schemas.microsoft.com/office/drawing/2010/main" xmlns="" w="9525">
                     <a:solidFill>
                       <a:srgbClr val="000000"/>
                     </a:solidFill>
@@ -18806,7 +18806,7 @@
               </a:ln>
               <a:extLst>
                 <a:ext uri="{91240B29-F687-4f45-9708-019B960494DF}">
-                  <a14:hiddenLine xmlns="" xmlns:a14="http://schemas.microsoft.com/office/drawing/2010/main" w="9525">
+                  <a14:hiddenLine xmlns:a14="http://schemas.microsoft.com/office/drawing/2010/main" xmlns="" w="9525">
                     <a:solidFill>
                       <a:srgbClr val="000000"/>
                     </a:solidFill>
@@ -18868,7 +18868,7 @@
               </a:ln>
               <a:extLst>
                 <a:ext uri="{91240B29-F687-4f45-9708-019B960494DF}">
-                  <a14:hiddenLine xmlns="" xmlns:a14="http://schemas.microsoft.com/office/drawing/2010/main" w="9525">
+                  <a14:hiddenLine xmlns:a14="http://schemas.microsoft.com/office/drawing/2010/main" xmlns="" w="9525">
                     <a:solidFill>
                       <a:srgbClr val="000000"/>
                     </a:solidFill>
@@ -18978,7 +18978,7 @@
               </a:ln>
               <a:extLst>
                 <a:ext uri="{91240B29-F687-4f45-9708-019B960494DF}">
-                  <a14:hiddenLine xmlns="" xmlns:a14="http://schemas.microsoft.com/office/drawing/2010/main" w="9525">
+                  <a14:hiddenLine xmlns:a14="http://schemas.microsoft.com/office/drawing/2010/main" xmlns="" w="9525">
                     <a:solidFill>
                       <a:srgbClr val="000000"/>
                     </a:solidFill>
@@ -19062,7 +19062,7 @@
               </a:ln>
               <a:extLst>
                 <a:ext uri="{91240B29-F687-4f45-9708-019B960494DF}">
-                  <a14:hiddenLine xmlns="" xmlns:a14="http://schemas.microsoft.com/office/drawing/2010/main" w="9525">
+                  <a14:hiddenLine xmlns:a14="http://schemas.microsoft.com/office/drawing/2010/main" xmlns="" w="9525">
                     <a:solidFill>
                       <a:srgbClr val="000000"/>
                     </a:solidFill>
@@ -19124,7 +19124,7 @@
               </a:ln>
               <a:extLst>
                 <a:ext uri="{91240B29-F687-4f45-9708-019B960494DF}">
-                  <a14:hiddenLine xmlns="" xmlns:a14="http://schemas.microsoft.com/office/drawing/2010/main" w="9525">
+                  <a14:hiddenLine xmlns:a14="http://schemas.microsoft.com/office/drawing/2010/main" xmlns="" w="9525">
                     <a:solidFill>
                       <a:srgbClr val="000000"/>
                     </a:solidFill>
@@ -19186,7 +19186,7 @@
               </a:ln>
               <a:extLst>
                 <a:ext uri="{91240B29-F687-4f45-9708-019B960494DF}">
-                  <a14:hiddenLine xmlns="" xmlns:a14="http://schemas.microsoft.com/office/drawing/2010/main" w="9525">
+                  <a14:hiddenLine xmlns:a14="http://schemas.microsoft.com/office/drawing/2010/main" xmlns="" w="9525">
                     <a:solidFill>
                       <a:srgbClr val="000000"/>
                     </a:solidFill>
@@ -19276,7 +19276,7 @@
               </a:ln>
               <a:extLst>
                 <a:ext uri="{91240B29-F687-4f45-9708-019B960494DF}">
-                  <a14:hiddenLine xmlns="" xmlns:a14="http://schemas.microsoft.com/office/drawing/2010/main" w="9525">
+                  <a14:hiddenLine xmlns:a14="http://schemas.microsoft.com/office/drawing/2010/main" xmlns="" w="9525">
                     <a:solidFill>
                       <a:srgbClr val="000000"/>
                     </a:solidFill>
@@ -19310,7 +19310,7 @@
               </a:ln>
               <a:extLst>
                 <a:ext uri="{91240B29-F687-4f45-9708-019B960494DF}">
-                  <a14:hiddenLine xmlns="" xmlns:a14="http://schemas.microsoft.com/office/drawing/2010/main" w="9525">
+                  <a14:hiddenLine xmlns:a14="http://schemas.microsoft.com/office/drawing/2010/main" xmlns="" w="9525">
                     <a:solidFill>
                       <a:srgbClr val="000000"/>
                     </a:solidFill>
@@ -19375,7 +19375,7 @@
               </a:ln>
               <a:extLst>
                 <a:ext uri="{91240B29-F687-4f45-9708-019B960494DF}">
-                  <a14:hiddenLine xmlns="" xmlns:a14="http://schemas.microsoft.com/office/drawing/2010/main" w="9525">
+                  <a14:hiddenLine xmlns:a14="http://schemas.microsoft.com/office/drawing/2010/main" xmlns="" w="9525">
                     <a:solidFill>
                       <a:srgbClr val="000000"/>
                     </a:solidFill>
@@ -19465,7 +19465,7 @@
               </a:ln>
               <a:extLst>
                 <a:ext uri="{91240B29-F687-4f45-9708-019B960494DF}">
-                  <a14:hiddenLine xmlns="" xmlns:a14="http://schemas.microsoft.com/office/drawing/2010/main" w="9525">
+                  <a14:hiddenLine xmlns:a14="http://schemas.microsoft.com/office/drawing/2010/main" xmlns="" w="9525">
                     <a:solidFill>
                       <a:srgbClr val="000000"/>
                     </a:solidFill>
@@ -19527,7 +19527,7 @@
               </a:ln>
               <a:extLst>
                 <a:ext uri="{91240B29-F687-4f45-9708-019B960494DF}">
-                  <a14:hiddenLine xmlns="" xmlns:a14="http://schemas.microsoft.com/office/drawing/2010/main" w="9525">
+                  <a14:hiddenLine xmlns:a14="http://schemas.microsoft.com/office/drawing/2010/main" xmlns="" w="9525">
                     <a:solidFill>
                       <a:srgbClr val="000000"/>
                     </a:solidFill>
@@ -19617,7 +19617,7 @@
               </a:ln>
               <a:extLst>
                 <a:ext uri="{91240B29-F687-4f45-9708-019B960494DF}">
-                  <a14:hiddenLine xmlns="" xmlns:a14="http://schemas.microsoft.com/office/drawing/2010/main" w="9525">
+                  <a14:hiddenLine xmlns:a14="http://schemas.microsoft.com/office/drawing/2010/main" xmlns="" w="9525">
                     <a:solidFill>
                       <a:srgbClr val="000000"/>
                     </a:solidFill>
@@ -19682,7 +19682,7 @@
               </a:ln>
               <a:extLst>
                 <a:ext uri="{91240B29-F687-4f45-9708-019B960494DF}">
-                  <a14:hiddenLine xmlns="" xmlns:a14="http://schemas.microsoft.com/office/drawing/2010/main" w="9525">
+                  <a14:hiddenLine xmlns:a14="http://schemas.microsoft.com/office/drawing/2010/main" xmlns="" w="9525">
                     <a:solidFill>
                       <a:srgbClr val="000000"/>
                     </a:solidFill>
@@ -19744,7 +19744,7 @@
               </a:ln>
               <a:extLst>
                 <a:ext uri="{91240B29-F687-4f45-9708-019B960494DF}">
-                  <a14:hiddenLine xmlns="" xmlns:a14="http://schemas.microsoft.com/office/drawing/2010/main" w="9525">
+                  <a14:hiddenLine xmlns:a14="http://schemas.microsoft.com/office/drawing/2010/main" xmlns="" w="9525">
                     <a:solidFill>
                       <a:srgbClr val="000000"/>
                     </a:solidFill>
@@ -19834,7 +19834,7 @@
               </a:ln>
               <a:extLst>
                 <a:ext uri="{91240B29-F687-4f45-9708-019B960494DF}">
-                  <a14:hiddenLine xmlns="" xmlns:a14="http://schemas.microsoft.com/office/drawing/2010/main" w="9525">
+                  <a14:hiddenLine xmlns:a14="http://schemas.microsoft.com/office/drawing/2010/main" xmlns="" w="9525">
                     <a:solidFill>
                       <a:srgbClr val="000000"/>
                     </a:solidFill>
@@ -19924,7 +19924,7 @@
               </a:ln>
               <a:extLst>
                 <a:ext uri="{91240B29-F687-4f45-9708-019B960494DF}">
-                  <a14:hiddenLine xmlns="" xmlns:a14="http://schemas.microsoft.com/office/drawing/2010/main" w="9525">
+                  <a14:hiddenLine xmlns:a14="http://schemas.microsoft.com/office/drawing/2010/main" xmlns="" w="9525">
                     <a:solidFill>
                       <a:srgbClr val="000000"/>
                     </a:solidFill>
@@ -19989,7 +19989,7 @@
               </a:ln>
               <a:extLst>
                 <a:ext uri="{91240B29-F687-4f45-9708-019B960494DF}">
-                  <a14:hiddenLine xmlns="" xmlns:a14="http://schemas.microsoft.com/office/drawing/2010/main" w="9525">
+                  <a14:hiddenLine xmlns:a14="http://schemas.microsoft.com/office/drawing/2010/main" xmlns="" w="9525">
                     <a:solidFill>
                       <a:srgbClr val="000000"/>
                     </a:solidFill>
@@ -20109,7 +20109,7 @@
               </a:ln>
               <a:extLst>
                 <a:ext uri="{91240B29-F687-4f45-9708-019B960494DF}">
-                  <a14:hiddenLine xmlns="" xmlns:a14="http://schemas.microsoft.com/office/drawing/2010/main" w="9525">
+                  <a14:hiddenLine xmlns:a14="http://schemas.microsoft.com/office/drawing/2010/main" xmlns="" w="9525">
                     <a:solidFill>
                       <a:srgbClr val="000000"/>
                     </a:solidFill>
@@ -20207,7 +20207,7 @@
               </a:ln>
               <a:extLst>
                 <a:ext uri="{91240B29-F687-4f45-9708-019B960494DF}">
-                  <a14:hiddenLine xmlns="" xmlns:a14="http://schemas.microsoft.com/office/drawing/2010/main" w="9525">
+                  <a14:hiddenLine xmlns:a14="http://schemas.microsoft.com/office/drawing/2010/main" xmlns="" w="9525">
                     <a:solidFill>
                       <a:srgbClr val="000000"/>
                     </a:solidFill>
@@ -20322,7 +20322,7 @@
               </a:ln>
               <a:extLst>
                 <a:ext uri="{91240B29-F687-4f45-9708-019B960494DF}">
-                  <a14:hiddenLine xmlns="" xmlns:a14="http://schemas.microsoft.com/office/drawing/2010/main" w="9525">
+                  <a14:hiddenLine xmlns:a14="http://schemas.microsoft.com/office/drawing/2010/main" xmlns="" w="9525">
                     <a:solidFill>
                       <a:srgbClr val="000000"/>
                     </a:solidFill>
@@ -20412,7 +20412,7 @@
               </a:ln>
               <a:extLst>
                 <a:ext uri="{91240B29-F687-4f45-9708-019B960494DF}">
-                  <a14:hiddenLine xmlns="" xmlns:a14="http://schemas.microsoft.com/office/drawing/2010/main" w="9525">
+                  <a14:hiddenLine xmlns:a14="http://schemas.microsoft.com/office/drawing/2010/main" xmlns="" w="9525">
                     <a:solidFill>
                       <a:srgbClr val="000000"/>
                     </a:solidFill>
@@ -20477,7 +20477,7 @@
               </a:ln>
               <a:extLst>
                 <a:ext uri="{91240B29-F687-4f45-9708-019B960494DF}">
-                  <a14:hiddenLine xmlns="" xmlns:a14="http://schemas.microsoft.com/office/drawing/2010/main" w="9525">
+                  <a14:hiddenLine xmlns:a14="http://schemas.microsoft.com/office/drawing/2010/main" xmlns="" w="9525">
                     <a:solidFill>
                       <a:srgbClr val="000000"/>
                     </a:solidFill>
@@ -20567,7 +20567,7 @@
               </a:ln>
               <a:extLst>
                 <a:ext uri="{91240B29-F687-4f45-9708-019B960494DF}">
-                  <a14:hiddenLine xmlns="" xmlns:a14="http://schemas.microsoft.com/office/drawing/2010/main" w="9525">
+                  <a14:hiddenLine xmlns:a14="http://schemas.microsoft.com/office/drawing/2010/main" xmlns="" w="9525">
                     <a:solidFill>
                       <a:srgbClr val="000000"/>
                     </a:solidFill>
@@ -20635,7 +20635,7 @@
               </a:ln>
               <a:extLst>
                 <a:ext uri="{91240B29-F687-4f45-9708-019B960494DF}">
-                  <a14:hiddenLine xmlns="" xmlns:a14="http://schemas.microsoft.com/office/drawing/2010/main" w="9525">
+                  <a14:hiddenLine xmlns:a14="http://schemas.microsoft.com/office/drawing/2010/main" xmlns="" w="9525">
                     <a:solidFill>
                       <a:srgbClr val="000000"/>
                     </a:solidFill>
@@ -20725,7 +20725,7 @@
               </a:ln>
               <a:extLst>
                 <a:ext uri="{91240B29-F687-4f45-9708-019B960494DF}">
-                  <a14:hiddenLine xmlns="" xmlns:a14="http://schemas.microsoft.com/office/drawing/2010/main" w="9525">
+                  <a14:hiddenLine xmlns:a14="http://schemas.microsoft.com/office/drawing/2010/main" xmlns="" w="9525">
                     <a:solidFill>
                       <a:srgbClr val="000000"/>
                     </a:solidFill>
@@ -20793,7 +20793,7 @@
               </a:ln>
               <a:extLst>
                 <a:ext uri="{91240B29-F687-4f45-9708-019B960494DF}">
-                  <a14:hiddenLine xmlns="" xmlns:a14="http://schemas.microsoft.com/office/drawing/2010/main" w="9525">
+                  <a14:hiddenLine xmlns:a14="http://schemas.microsoft.com/office/drawing/2010/main" xmlns="" w="9525">
                     <a:solidFill>
                       <a:srgbClr val="000000"/>
                     </a:solidFill>
@@ -20883,7 +20883,7 @@
               </a:ln>
               <a:extLst>
                 <a:ext uri="{91240B29-F687-4f45-9708-019B960494DF}">
-                  <a14:hiddenLine xmlns="" xmlns:a14="http://schemas.microsoft.com/office/drawing/2010/main" w="9525">
+                  <a14:hiddenLine xmlns:a14="http://schemas.microsoft.com/office/drawing/2010/main" xmlns="" w="9525">
                     <a:solidFill>
                       <a:srgbClr val="000000"/>
                     </a:solidFill>
@@ -20917,7 +20917,7 @@
               </a:ln>
               <a:extLst>
                 <a:ext uri="{91240B29-F687-4f45-9708-019B960494DF}">
-                  <a14:hiddenLine xmlns="" xmlns:a14="http://schemas.microsoft.com/office/drawing/2010/main" w="9525">
+                  <a14:hiddenLine xmlns:a14="http://schemas.microsoft.com/office/drawing/2010/main" xmlns="" w="9525">
                     <a:solidFill>
                       <a:srgbClr val="000000"/>
                     </a:solidFill>
@@ -21620,7 +21620,7 @@
           <p:cNvPr id="2" name="Title 1">
             <a:extLst>
               <a:ext uri="{FF2B5EF4-FFF2-40B4-BE49-F238E27FC236}">
-                <a16:creationId xmlns:a16="http://schemas.microsoft.com/office/drawing/2014/main" id="{EE1C0F40-53EE-5A79-C657-EF864D60F72E}"/>
+                <a16:creationId xmlns:a16="http://schemas.microsoft.com/office/drawing/2014/main" id="{2F55B251-1430-BE47-BCE0-169FD8BFEE6A}"/>
               </a:ext>
             </a:extLst>
           </p:cNvPr>
@@ -21637,62 +21637,8 @@
           <a:lstStyle/>
           <a:p>
             <a:r>
-              <a:rPr lang="en-US" dirty="0"/>
-              <a:t>Scheduling</a:t>
-            </a:r>
-          </a:p>
-        </p:txBody>
-      </p:sp>
-      <p:sp>
-        <p:nvSpPr>
-          <p:cNvPr id="3" name="Content Placeholder 2">
-            <a:extLst>
-              <a:ext uri="{FF2B5EF4-FFF2-40B4-BE49-F238E27FC236}">
-                <a16:creationId xmlns:a16="http://schemas.microsoft.com/office/drawing/2014/main" id="{F5B9A3BA-70FE-2030-FF9A-0071D21AD370}"/>
-              </a:ext>
-            </a:extLst>
-          </p:cNvPr>
-          <p:cNvSpPr>
-            <a:spLocks noGrp="1"/>
-          </p:cNvSpPr>
-          <p:nvPr>
-            <p:ph idx="1"/>
-          </p:nvPr>
-        </p:nvSpPr>
-        <p:spPr/>
-        <p:txBody>
-          <a:bodyPr/>
-          <a:lstStyle/>
-          <a:p>
-            <a:r>
-              <a:rPr lang="en-US" dirty="0"/>
-              <a:t>Firstly, create a batch file for the program</a:t>
-            </a:r>
-          </a:p>
-          <a:p>
-            <a:r>
-              <a:rPr lang="en-US" dirty="0"/>
-              <a:t>Within this batch file store details of how the file should be run</a:t>
-            </a:r>
-          </a:p>
-          <a:p>
-            <a:r>
-              <a:rPr lang="en-US" dirty="0"/>
-              <a:t>Create a </a:t>
-            </a:r>
-            <a:r>
-              <a:rPr lang="en-US" dirty="0" err="1"/>
-              <a:t>cmd</a:t>
-            </a:r>
-            <a:r>
-              <a:rPr lang="en-US" dirty="0"/>
-              <a:t> command specifying the scheduling details</a:t>
-            </a:r>
-          </a:p>
-          <a:p>
-            <a:r>
-              <a:rPr lang="en-US" dirty="0"/>
-              <a:t>Run this command, which then schedules the batch file to be executed at the time and frequency dictated by the user</a:t>
+              <a:rPr lang="en-GB" dirty="0"/>
+              <a:t>BASIC ERROR LOGGING</a:t>
             </a:r>
           </a:p>
         </p:txBody>
@@ -21702,7 +21648,7 @@
           <p:cNvPr id="5" name="Picture 4">
             <a:extLst>
               <a:ext uri="{FF2B5EF4-FFF2-40B4-BE49-F238E27FC236}">
-                <a16:creationId xmlns:a16="http://schemas.microsoft.com/office/drawing/2014/main" id="{A7A3BB53-C1D4-353A-CC25-F82347FE718F}"/>
+                <a16:creationId xmlns:a16="http://schemas.microsoft.com/office/drawing/2014/main" id="{6AE4EBD2-F068-6C1B-BD9B-42AA4127E0BC}"/>
               </a:ext>
             </a:extLst>
           </p:cNvPr>
@@ -21719,8 +21665,8 @@
         </p:blipFill>
         <p:spPr>
           <a:xfrm>
-            <a:off x="4563341" y="618518"/>
-            <a:ext cx="7468642" cy="2657846"/>
+            <a:off x="2145748" y="2097088"/>
+            <a:ext cx="7897327" cy="4067743"/>
           </a:xfrm>
           <a:prstGeom prst="rect">
             <a:avLst/>
@@ -21730,343 +21676,13 @@
     </p:spTree>
     <p:extLst>
       <p:ext uri="{BB962C8B-B14F-4D97-AF65-F5344CB8AC3E}">
-        <p14:creationId xmlns:p14="http://schemas.microsoft.com/office/powerpoint/2010/main" val="1676414120"/>
+        <p14:creationId xmlns:p14="http://schemas.microsoft.com/office/powerpoint/2010/main" val="3769005971"/>
       </p:ext>
     </p:extLst>
   </p:cSld>
   <p:clrMapOvr>
     <a:masterClrMapping/>
   </p:clrMapOvr>
-  <p:timing>
-    <p:tnLst>
-      <p:par>
-        <p:cTn id="1" dur="indefinite" restart="never" nodeType="tmRoot">
-          <p:childTnLst>
-            <p:seq concurrent="1" nextAc="seek">
-              <p:cTn id="2" dur="indefinite" nodeType="mainSeq">
-                <p:childTnLst>
-                  <p:par>
-                    <p:cTn id="3" fill="hold">
-                      <p:stCondLst>
-                        <p:cond delay="indefinite"/>
-                      </p:stCondLst>
-                      <p:childTnLst>
-                        <p:par>
-                          <p:cTn id="4" fill="hold">
-                            <p:stCondLst>
-                              <p:cond delay="0"/>
-                            </p:stCondLst>
-                            <p:childTnLst>
-                              <p:par>
-                                <p:cTn id="5" presetID="10" presetClass="entr" presetSubtype="0" fill="hold" grpId="0" nodeType="clickEffect">
-                                  <p:stCondLst>
-                                    <p:cond delay="0"/>
-                                  </p:stCondLst>
-                                  <p:childTnLst>
-                                    <p:set>
-                                      <p:cBhvr>
-                                        <p:cTn id="6" dur="1" fill="hold">
-                                          <p:stCondLst>
-                                            <p:cond delay="0"/>
-                                          </p:stCondLst>
-                                        </p:cTn>
-                                        <p:tgtEl>
-                                          <p:spTgt spid="3">
-                                            <p:txEl>
-                                              <p:pRg st="0" end="0"/>
-                                            </p:txEl>
-                                          </p:spTgt>
-                                        </p:tgtEl>
-                                        <p:attrNameLst>
-                                          <p:attrName>style.visibility</p:attrName>
-                                        </p:attrNameLst>
-                                      </p:cBhvr>
-                                      <p:to>
-                                        <p:strVal val="visible"/>
-                                      </p:to>
-                                    </p:set>
-                                    <p:animEffect transition="in" filter="fade">
-                                      <p:cBhvr>
-                                        <p:cTn id="7" dur="500"/>
-                                        <p:tgtEl>
-                                          <p:spTgt spid="3">
-                                            <p:txEl>
-                                              <p:pRg st="0" end="0"/>
-                                            </p:txEl>
-                                          </p:spTgt>
-                                        </p:tgtEl>
-                                      </p:cBhvr>
-                                    </p:animEffect>
-                                  </p:childTnLst>
-                                </p:cTn>
-                              </p:par>
-                            </p:childTnLst>
-                          </p:cTn>
-                        </p:par>
-                      </p:childTnLst>
-                    </p:cTn>
-                  </p:par>
-                  <p:par>
-                    <p:cTn id="8" fill="hold">
-                      <p:stCondLst>
-                        <p:cond delay="indefinite"/>
-                      </p:stCondLst>
-                      <p:childTnLst>
-                        <p:par>
-                          <p:cTn id="9" fill="hold">
-                            <p:stCondLst>
-                              <p:cond delay="0"/>
-                            </p:stCondLst>
-                            <p:childTnLst>
-                              <p:par>
-                                <p:cTn id="10" presetID="10" presetClass="entr" presetSubtype="0" fill="hold" grpId="0" nodeType="clickEffect">
-                                  <p:stCondLst>
-                                    <p:cond delay="0"/>
-                                  </p:stCondLst>
-                                  <p:childTnLst>
-                                    <p:set>
-                                      <p:cBhvr>
-                                        <p:cTn id="11" dur="1" fill="hold">
-                                          <p:stCondLst>
-                                            <p:cond delay="0"/>
-                                          </p:stCondLst>
-                                        </p:cTn>
-                                        <p:tgtEl>
-                                          <p:spTgt spid="3">
-                                            <p:txEl>
-                                              <p:pRg st="1" end="1"/>
-                                            </p:txEl>
-                                          </p:spTgt>
-                                        </p:tgtEl>
-                                        <p:attrNameLst>
-                                          <p:attrName>style.visibility</p:attrName>
-                                        </p:attrNameLst>
-                                      </p:cBhvr>
-                                      <p:to>
-                                        <p:strVal val="visible"/>
-                                      </p:to>
-                                    </p:set>
-                                    <p:animEffect transition="in" filter="fade">
-                                      <p:cBhvr>
-                                        <p:cTn id="12" dur="500"/>
-                                        <p:tgtEl>
-                                          <p:spTgt spid="3">
-                                            <p:txEl>
-                                              <p:pRg st="1" end="1"/>
-                                            </p:txEl>
-                                          </p:spTgt>
-                                        </p:tgtEl>
-                                      </p:cBhvr>
-                                    </p:animEffect>
-                                  </p:childTnLst>
-                                </p:cTn>
-                              </p:par>
-                            </p:childTnLst>
-                          </p:cTn>
-                        </p:par>
-                      </p:childTnLst>
-                    </p:cTn>
-                  </p:par>
-                  <p:par>
-                    <p:cTn id="13" fill="hold">
-                      <p:stCondLst>
-                        <p:cond delay="indefinite"/>
-                      </p:stCondLst>
-                      <p:childTnLst>
-                        <p:par>
-                          <p:cTn id="14" fill="hold">
-                            <p:stCondLst>
-                              <p:cond delay="0"/>
-                            </p:stCondLst>
-                            <p:childTnLst>
-                              <p:par>
-                                <p:cTn id="15" presetID="10" presetClass="entr" presetSubtype="0" fill="hold" grpId="0" nodeType="clickEffect">
-                                  <p:stCondLst>
-                                    <p:cond delay="0"/>
-                                  </p:stCondLst>
-                                  <p:childTnLst>
-                                    <p:set>
-                                      <p:cBhvr>
-                                        <p:cTn id="16" dur="1" fill="hold">
-                                          <p:stCondLst>
-                                            <p:cond delay="0"/>
-                                          </p:stCondLst>
-                                        </p:cTn>
-                                        <p:tgtEl>
-                                          <p:spTgt spid="3">
-                                            <p:txEl>
-                                              <p:pRg st="2" end="2"/>
-                                            </p:txEl>
-                                          </p:spTgt>
-                                        </p:tgtEl>
-                                        <p:attrNameLst>
-                                          <p:attrName>style.visibility</p:attrName>
-                                        </p:attrNameLst>
-                                      </p:cBhvr>
-                                      <p:to>
-                                        <p:strVal val="visible"/>
-                                      </p:to>
-                                    </p:set>
-                                    <p:animEffect transition="in" filter="fade">
-                                      <p:cBhvr>
-                                        <p:cTn id="17" dur="500"/>
-                                        <p:tgtEl>
-                                          <p:spTgt spid="3">
-                                            <p:txEl>
-                                              <p:pRg st="2" end="2"/>
-                                            </p:txEl>
-                                          </p:spTgt>
-                                        </p:tgtEl>
-                                      </p:cBhvr>
-                                    </p:animEffect>
-                                  </p:childTnLst>
-                                </p:cTn>
-                              </p:par>
-                            </p:childTnLst>
-                          </p:cTn>
-                        </p:par>
-                      </p:childTnLst>
-                    </p:cTn>
-                  </p:par>
-                  <p:par>
-                    <p:cTn id="18" fill="hold">
-                      <p:stCondLst>
-                        <p:cond delay="indefinite"/>
-                      </p:stCondLst>
-                      <p:childTnLst>
-                        <p:par>
-                          <p:cTn id="19" fill="hold">
-                            <p:stCondLst>
-                              <p:cond delay="0"/>
-                            </p:stCondLst>
-                            <p:childTnLst>
-                              <p:par>
-                                <p:cTn id="20" presetID="10" presetClass="entr" presetSubtype="0" fill="hold" grpId="0" nodeType="clickEffect">
-                                  <p:stCondLst>
-                                    <p:cond delay="0"/>
-                                  </p:stCondLst>
-                                  <p:childTnLst>
-                                    <p:set>
-                                      <p:cBhvr>
-                                        <p:cTn id="21" dur="1" fill="hold">
-                                          <p:stCondLst>
-                                            <p:cond delay="0"/>
-                                          </p:stCondLst>
-                                        </p:cTn>
-                                        <p:tgtEl>
-                                          <p:spTgt spid="3">
-                                            <p:txEl>
-                                              <p:pRg st="3" end="3"/>
-                                            </p:txEl>
-                                          </p:spTgt>
-                                        </p:tgtEl>
-                                        <p:attrNameLst>
-                                          <p:attrName>style.visibility</p:attrName>
-                                        </p:attrNameLst>
-                                      </p:cBhvr>
-                                      <p:to>
-                                        <p:strVal val="visible"/>
-                                      </p:to>
-                                    </p:set>
-                                    <p:animEffect transition="in" filter="fade">
-                                      <p:cBhvr>
-                                        <p:cTn id="22" dur="500"/>
-                                        <p:tgtEl>
-                                          <p:spTgt spid="3">
-                                            <p:txEl>
-                                              <p:pRg st="3" end="3"/>
-                                            </p:txEl>
-                                          </p:spTgt>
-                                        </p:tgtEl>
-                                      </p:cBhvr>
-                                    </p:animEffect>
-                                  </p:childTnLst>
-                                </p:cTn>
-                              </p:par>
-                            </p:childTnLst>
-                          </p:cTn>
-                        </p:par>
-                      </p:childTnLst>
-                    </p:cTn>
-                  </p:par>
-                  <p:par>
-                    <p:cTn id="23" fill="hold">
-                      <p:stCondLst>
-                        <p:cond delay="indefinite"/>
-                      </p:stCondLst>
-                      <p:childTnLst>
-                        <p:par>
-                          <p:cTn id="24" fill="hold">
-                            <p:stCondLst>
-                              <p:cond delay="0"/>
-                            </p:stCondLst>
-                            <p:childTnLst>
-                              <p:par>
-                                <p:cTn id="25" presetID="10" presetClass="entr" presetSubtype="0" fill="hold" nodeType="clickEffect">
-                                  <p:stCondLst>
-                                    <p:cond delay="0"/>
-                                  </p:stCondLst>
-                                  <p:childTnLst>
-                                    <p:set>
-                                      <p:cBhvr>
-                                        <p:cTn id="26" dur="1" fill="hold">
-                                          <p:stCondLst>
-                                            <p:cond delay="0"/>
-                                          </p:stCondLst>
-                                        </p:cTn>
-                                        <p:tgtEl>
-                                          <p:spTgt spid="5"/>
-                                        </p:tgtEl>
-                                        <p:attrNameLst>
-                                          <p:attrName>style.visibility</p:attrName>
-                                        </p:attrNameLst>
-                                      </p:cBhvr>
-                                      <p:to>
-                                        <p:strVal val="visible"/>
-                                      </p:to>
-                                    </p:set>
-                                    <p:animEffect transition="in" filter="fade">
-                                      <p:cBhvr>
-                                        <p:cTn id="27" dur="500"/>
-                                        <p:tgtEl>
-                                          <p:spTgt spid="5"/>
-                                        </p:tgtEl>
-                                      </p:cBhvr>
-                                    </p:animEffect>
-                                  </p:childTnLst>
-                                </p:cTn>
-                              </p:par>
-                            </p:childTnLst>
-                          </p:cTn>
-                        </p:par>
-                      </p:childTnLst>
-                    </p:cTn>
-                  </p:par>
-                </p:childTnLst>
-              </p:cTn>
-              <p:prevCondLst>
-                <p:cond evt="onPrev" delay="0">
-                  <p:tgtEl>
-                    <p:sldTgt/>
-                  </p:tgtEl>
-                </p:cond>
-              </p:prevCondLst>
-              <p:nextCondLst>
-                <p:cond evt="onNext" delay="0">
-                  <p:tgtEl>
-                    <p:sldTgt/>
-                  </p:tgtEl>
-                </p:cond>
-              </p:nextCondLst>
-            </p:seq>
-          </p:childTnLst>
-        </p:cTn>
-      </p:par>
-    </p:tnLst>
-    <p:bldLst>
-      <p:bldP spid="3" grpId="0" build="p"/>
-    </p:bldLst>
-  </p:timing>
 </p:sld>
 </file>
 
@@ -23946,6 +23562,478 @@
           <p:cNvPr id="2" name="Title 1">
             <a:extLst>
               <a:ext uri="{FF2B5EF4-FFF2-40B4-BE49-F238E27FC236}">
+                <a16:creationId xmlns:a16="http://schemas.microsoft.com/office/drawing/2014/main" id="{EE1C0F40-53EE-5A79-C657-EF864D60F72E}"/>
+              </a:ext>
+            </a:extLst>
+          </p:cNvPr>
+          <p:cNvSpPr>
+            <a:spLocks noGrp="1"/>
+          </p:cNvSpPr>
+          <p:nvPr>
+            <p:ph type="title"/>
+          </p:nvPr>
+        </p:nvSpPr>
+        <p:spPr/>
+        <p:txBody>
+          <a:bodyPr/>
+          <a:lstStyle/>
+          <a:p>
+            <a:r>
+              <a:rPr lang="en-US" dirty="0"/>
+              <a:t>Scheduling</a:t>
+            </a:r>
+          </a:p>
+        </p:txBody>
+      </p:sp>
+      <p:sp>
+        <p:nvSpPr>
+          <p:cNvPr id="3" name="Content Placeholder 2">
+            <a:extLst>
+              <a:ext uri="{FF2B5EF4-FFF2-40B4-BE49-F238E27FC236}">
+                <a16:creationId xmlns:a16="http://schemas.microsoft.com/office/drawing/2014/main" id="{F5B9A3BA-70FE-2030-FF9A-0071D21AD370}"/>
+              </a:ext>
+            </a:extLst>
+          </p:cNvPr>
+          <p:cNvSpPr>
+            <a:spLocks noGrp="1"/>
+          </p:cNvSpPr>
+          <p:nvPr>
+            <p:ph idx="1"/>
+          </p:nvPr>
+        </p:nvSpPr>
+        <p:spPr/>
+        <p:txBody>
+          <a:bodyPr/>
+          <a:lstStyle/>
+          <a:p>
+            <a:r>
+              <a:rPr lang="en-US" dirty="0"/>
+              <a:t>Firstly, create a batch file for the program</a:t>
+            </a:r>
+          </a:p>
+          <a:p>
+            <a:r>
+              <a:rPr lang="en-US" dirty="0"/>
+              <a:t>Within this batch file store details of how the file should be run</a:t>
+            </a:r>
+          </a:p>
+          <a:p>
+            <a:r>
+              <a:rPr lang="en-US" dirty="0"/>
+              <a:t>Create a </a:t>
+            </a:r>
+            <a:r>
+              <a:rPr lang="en-US" dirty="0" err="1"/>
+              <a:t>cmd</a:t>
+            </a:r>
+            <a:r>
+              <a:rPr lang="en-US" dirty="0"/>
+              <a:t> command specifying the scheduling details</a:t>
+            </a:r>
+          </a:p>
+          <a:p>
+            <a:r>
+              <a:rPr lang="en-US" dirty="0"/>
+              <a:t>Run this command, which then schedules the batch file to be executed at the time and frequency dictated by the user</a:t>
+            </a:r>
+          </a:p>
+        </p:txBody>
+      </p:sp>
+      <p:pic>
+        <p:nvPicPr>
+          <p:cNvPr id="5" name="Picture 4">
+            <a:extLst>
+              <a:ext uri="{FF2B5EF4-FFF2-40B4-BE49-F238E27FC236}">
+                <a16:creationId xmlns:a16="http://schemas.microsoft.com/office/drawing/2014/main" id="{A7A3BB53-C1D4-353A-CC25-F82347FE718F}"/>
+              </a:ext>
+            </a:extLst>
+          </p:cNvPr>
+          <p:cNvPicPr>
+            <a:picLocks noChangeAspect="1"/>
+          </p:cNvPicPr>
+          <p:nvPr/>
+        </p:nvPicPr>
+        <p:blipFill>
+          <a:blip r:embed="rId2"/>
+          <a:stretch>
+            <a:fillRect/>
+          </a:stretch>
+        </p:blipFill>
+        <p:spPr>
+          <a:xfrm>
+            <a:off x="4563341" y="618518"/>
+            <a:ext cx="7468642" cy="2657846"/>
+          </a:xfrm>
+          <a:prstGeom prst="rect">
+            <a:avLst/>
+          </a:prstGeom>
+        </p:spPr>
+      </p:pic>
+    </p:spTree>
+    <p:extLst>
+      <p:ext uri="{BB962C8B-B14F-4D97-AF65-F5344CB8AC3E}">
+        <p14:creationId xmlns:p14="http://schemas.microsoft.com/office/powerpoint/2010/main" val="1676414120"/>
+      </p:ext>
+    </p:extLst>
+  </p:cSld>
+  <p:clrMapOvr>
+    <a:masterClrMapping/>
+  </p:clrMapOvr>
+  <p:timing>
+    <p:tnLst>
+      <p:par>
+        <p:cTn id="1" dur="indefinite" restart="never" nodeType="tmRoot">
+          <p:childTnLst>
+            <p:seq concurrent="1" nextAc="seek">
+              <p:cTn id="2" dur="indefinite" nodeType="mainSeq">
+                <p:childTnLst>
+                  <p:par>
+                    <p:cTn id="3" fill="hold">
+                      <p:stCondLst>
+                        <p:cond delay="indefinite"/>
+                      </p:stCondLst>
+                      <p:childTnLst>
+                        <p:par>
+                          <p:cTn id="4" fill="hold">
+                            <p:stCondLst>
+                              <p:cond delay="0"/>
+                            </p:stCondLst>
+                            <p:childTnLst>
+                              <p:par>
+                                <p:cTn id="5" presetID="10" presetClass="entr" presetSubtype="0" fill="hold" grpId="0" nodeType="clickEffect">
+                                  <p:stCondLst>
+                                    <p:cond delay="0"/>
+                                  </p:stCondLst>
+                                  <p:childTnLst>
+                                    <p:set>
+                                      <p:cBhvr>
+                                        <p:cTn id="6" dur="1" fill="hold">
+                                          <p:stCondLst>
+                                            <p:cond delay="0"/>
+                                          </p:stCondLst>
+                                        </p:cTn>
+                                        <p:tgtEl>
+                                          <p:spTgt spid="3">
+                                            <p:txEl>
+                                              <p:pRg st="0" end="0"/>
+                                            </p:txEl>
+                                          </p:spTgt>
+                                        </p:tgtEl>
+                                        <p:attrNameLst>
+                                          <p:attrName>style.visibility</p:attrName>
+                                        </p:attrNameLst>
+                                      </p:cBhvr>
+                                      <p:to>
+                                        <p:strVal val="visible"/>
+                                      </p:to>
+                                    </p:set>
+                                    <p:animEffect transition="in" filter="fade">
+                                      <p:cBhvr>
+                                        <p:cTn id="7" dur="500"/>
+                                        <p:tgtEl>
+                                          <p:spTgt spid="3">
+                                            <p:txEl>
+                                              <p:pRg st="0" end="0"/>
+                                            </p:txEl>
+                                          </p:spTgt>
+                                        </p:tgtEl>
+                                      </p:cBhvr>
+                                    </p:animEffect>
+                                  </p:childTnLst>
+                                </p:cTn>
+                              </p:par>
+                            </p:childTnLst>
+                          </p:cTn>
+                        </p:par>
+                      </p:childTnLst>
+                    </p:cTn>
+                  </p:par>
+                  <p:par>
+                    <p:cTn id="8" fill="hold">
+                      <p:stCondLst>
+                        <p:cond delay="indefinite"/>
+                      </p:stCondLst>
+                      <p:childTnLst>
+                        <p:par>
+                          <p:cTn id="9" fill="hold">
+                            <p:stCondLst>
+                              <p:cond delay="0"/>
+                            </p:stCondLst>
+                            <p:childTnLst>
+                              <p:par>
+                                <p:cTn id="10" presetID="10" presetClass="entr" presetSubtype="0" fill="hold" grpId="0" nodeType="clickEffect">
+                                  <p:stCondLst>
+                                    <p:cond delay="0"/>
+                                  </p:stCondLst>
+                                  <p:childTnLst>
+                                    <p:set>
+                                      <p:cBhvr>
+                                        <p:cTn id="11" dur="1" fill="hold">
+                                          <p:stCondLst>
+                                            <p:cond delay="0"/>
+                                          </p:stCondLst>
+                                        </p:cTn>
+                                        <p:tgtEl>
+                                          <p:spTgt spid="3">
+                                            <p:txEl>
+                                              <p:pRg st="1" end="1"/>
+                                            </p:txEl>
+                                          </p:spTgt>
+                                        </p:tgtEl>
+                                        <p:attrNameLst>
+                                          <p:attrName>style.visibility</p:attrName>
+                                        </p:attrNameLst>
+                                      </p:cBhvr>
+                                      <p:to>
+                                        <p:strVal val="visible"/>
+                                      </p:to>
+                                    </p:set>
+                                    <p:animEffect transition="in" filter="fade">
+                                      <p:cBhvr>
+                                        <p:cTn id="12" dur="500"/>
+                                        <p:tgtEl>
+                                          <p:spTgt spid="3">
+                                            <p:txEl>
+                                              <p:pRg st="1" end="1"/>
+                                            </p:txEl>
+                                          </p:spTgt>
+                                        </p:tgtEl>
+                                      </p:cBhvr>
+                                    </p:animEffect>
+                                  </p:childTnLst>
+                                </p:cTn>
+                              </p:par>
+                            </p:childTnLst>
+                          </p:cTn>
+                        </p:par>
+                      </p:childTnLst>
+                    </p:cTn>
+                  </p:par>
+                  <p:par>
+                    <p:cTn id="13" fill="hold">
+                      <p:stCondLst>
+                        <p:cond delay="indefinite"/>
+                      </p:stCondLst>
+                      <p:childTnLst>
+                        <p:par>
+                          <p:cTn id="14" fill="hold">
+                            <p:stCondLst>
+                              <p:cond delay="0"/>
+                            </p:stCondLst>
+                            <p:childTnLst>
+                              <p:par>
+                                <p:cTn id="15" presetID="10" presetClass="entr" presetSubtype="0" fill="hold" grpId="0" nodeType="clickEffect">
+                                  <p:stCondLst>
+                                    <p:cond delay="0"/>
+                                  </p:stCondLst>
+                                  <p:childTnLst>
+                                    <p:set>
+                                      <p:cBhvr>
+                                        <p:cTn id="16" dur="1" fill="hold">
+                                          <p:stCondLst>
+                                            <p:cond delay="0"/>
+                                          </p:stCondLst>
+                                        </p:cTn>
+                                        <p:tgtEl>
+                                          <p:spTgt spid="3">
+                                            <p:txEl>
+                                              <p:pRg st="2" end="2"/>
+                                            </p:txEl>
+                                          </p:spTgt>
+                                        </p:tgtEl>
+                                        <p:attrNameLst>
+                                          <p:attrName>style.visibility</p:attrName>
+                                        </p:attrNameLst>
+                                      </p:cBhvr>
+                                      <p:to>
+                                        <p:strVal val="visible"/>
+                                      </p:to>
+                                    </p:set>
+                                    <p:animEffect transition="in" filter="fade">
+                                      <p:cBhvr>
+                                        <p:cTn id="17" dur="500"/>
+                                        <p:tgtEl>
+                                          <p:spTgt spid="3">
+                                            <p:txEl>
+                                              <p:pRg st="2" end="2"/>
+                                            </p:txEl>
+                                          </p:spTgt>
+                                        </p:tgtEl>
+                                      </p:cBhvr>
+                                    </p:animEffect>
+                                  </p:childTnLst>
+                                </p:cTn>
+                              </p:par>
+                            </p:childTnLst>
+                          </p:cTn>
+                        </p:par>
+                      </p:childTnLst>
+                    </p:cTn>
+                  </p:par>
+                  <p:par>
+                    <p:cTn id="18" fill="hold">
+                      <p:stCondLst>
+                        <p:cond delay="indefinite"/>
+                      </p:stCondLst>
+                      <p:childTnLst>
+                        <p:par>
+                          <p:cTn id="19" fill="hold">
+                            <p:stCondLst>
+                              <p:cond delay="0"/>
+                            </p:stCondLst>
+                            <p:childTnLst>
+                              <p:par>
+                                <p:cTn id="20" presetID="10" presetClass="entr" presetSubtype="0" fill="hold" grpId="0" nodeType="clickEffect">
+                                  <p:stCondLst>
+                                    <p:cond delay="0"/>
+                                  </p:stCondLst>
+                                  <p:childTnLst>
+                                    <p:set>
+                                      <p:cBhvr>
+                                        <p:cTn id="21" dur="1" fill="hold">
+                                          <p:stCondLst>
+                                            <p:cond delay="0"/>
+                                          </p:stCondLst>
+                                        </p:cTn>
+                                        <p:tgtEl>
+                                          <p:spTgt spid="3">
+                                            <p:txEl>
+                                              <p:pRg st="3" end="3"/>
+                                            </p:txEl>
+                                          </p:spTgt>
+                                        </p:tgtEl>
+                                        <p:attrNameLst>
+                                          <p:attrName>style.visibility</p:attrName>
+                                        </p:attrNameLst>
+                                      </p:cBhvr>
+                                      <p:to>
+                                        <p:strVal val="visible"/>
+                                      </p:to>
+                                    </p:set>
+                                    <p:animEffect transition="in" filter="fade">
+                                      <p:cBhvr>
+                                        <p:cTn id="22" dur="500"/>
+                                        <p:tgtEl>
+                                          <p:spTgt spid="3">
+                                            <p:txEl>
+                                              <p:pRg st="3" end="3"/>
+                                            </p:txEl>
+                                          </p:spTgt>
+                                        </p:tgtEl>
+                                      </p:cBhvr>
+                                    </p:animEffect>
+                                  </p:childTnLst>
+                                </p:cTn>
+                              </p:par>
+                            </p:childTnLst>
+                          </p:cTn>
+                        </p:par>
+                      </p:childTnLst>
+                    </p:cTn>
+                  </p:par>
+                  <p:par>
+                    <p:cTn id="23" fill="hold">
+                      <p:stCondLst>
+                        <p:cond delay="indefinite"/>
+                      </p:stCondLst>
+                      <p:childTnLst>
+                        <p:par>
+                          <p:cTn id="24" fill="hold">
+                            <p:stCondLst>
+                              <p:cond delay="0"/>
+                            </p:stCondLst>
+                            <p:childTnLst>
+                              <p:par>
+                                <p:cTn id="25" presetID="10" presetClass="entr" presetSubtype="0" fill="hold" nodeType="clickEffect">
+                                  <p:stCondLst>
+                                    <p:cond delay="0"/>
+                                  </p:stCondLst>
+                                  <p:childTnLst>
+                                    <p:set>
+                                      <p:cBhvr>
+                                        <p:cTn id="26" dur="1" fill="hold">
+                                          <p:stCondLst>
+                                            <p:cond delay="0"/>
+                                          </p:stCondLst>
+                                        </p:cTn>
+                                        <p:tgtEl>
+                                          <p:spTgt spid="5"/>
+                                        </p:tgtEl>
+                                        <p:attrNameLst>
+                                          <p:attrName>style.visibility</p:attrName>
+                                        </p:attrNameLst>
+                                      </p:cBhvr>
+                                      <p:to>
+                                        <p:strVal val="visible"/>
+                                      </p:to>
+                                    </p:set>
+                                    <p:animEffect transition="in" filter="fade">
+                                      <p:cBhvr>
+                                        <p:cTn id="27" dur="500"/>
+                                        <p:tgtEl>
+                                          <p:spTgt spid="5"/>
+                                        </p:tgtEl>
+                                      </p:cBhvr>
+                                    </p:animEffect>
+                                  </p:childTnLst>
+                                </p:cTn>
+                              </p:par>
+                            </p:childTnLst>
+                          </p:cTn>
+                        </p:par>
+                      </p:childTnLst>
+                    </p:cTn>
+                  </p:par>
+                </p:childTnLst>
+              </p:cTn>
+              <p:prevCondLst>
+                <p:cond evt="onPrev" delay="0">
+                  <p:tgtEl>
+                    <p:sldTgt/>
+                  </p:tgtEl>
+                </p:cond>
+              </p:prevCondLst>
+              <p:nextCondLst>
+                <p:cond evt="onNext" delay="0">
+                  <p:tgtEl>
+                    <p:sldTgt/>
+                  </p:tgtEl>
+                </p:cond>
+              </p:nextCondLst>
+            </p:seq>
+          </p:childTnLst>
+        </p:cTn>
+      </p:par>
+    </p:tnLst>
+    <p:bldLst>
+      <p:bldP spid="3" grpId="0" build="p"/>
+    </p:bldLst>
+  </p:timing>
+</p:sld>
+</file>
+
+<file path=ppt/slides/slide9.xml><?xml version="1.0" encoding="utf-8"?>
+<p:sld xmlns:a="http://schemas.openxmlformats.org/drawingml/2006/main" xmlns:r="http://schemas.openxmlformats.org/officeDocument/2006/relationships" xmlns:p="http://schemas.openxmlformats.org/presentationml/2006/main">
+  <p:cSld>
+    <p:spTree>
+      <p:nvGrpSpPr>
+        <p:cNvPr id="1" name=""/>
+        <p:cNvGrpSpPr/>
+        <p:nvPr/>
+      </p:nvGrpSpPr>
+      <p:grpSpPr>
+        <a:xfrm>
+          <a:off x="0" y="0"/>
+          <a:ext cx="0" cy="0"/>
+          <a:chOff x="0" y="0"/>
+          <a:chExt cx="0" cy="0"/>
+        </a:xfrm>
+      </p:grpSpPr>
+      <p:sp>
+        <p:nvSpPr>
+          <p:cNvPr id="2" name="Title 1">
+            <a:extLst>
+              <a:ext uri="{FF2B5EF4-FFF2-40B4-BE49-F238E27FC236}">
                 <a16:creationId xmlns:a16="http://schemas.microsoft.com/office/drawing/2014/main" id="{4F35CC57-FF11-5692-772B-B750DDA16C5F}"/>
               </a:ext>
             </a:extLst>
@@ -24144,94 +24232,6 @@
     <p:extLst>
       <p:ext uri="{BB962C8B-B14F-4D97-AF65-F5344CB8AC3E}">
         <p14:creationId xmlns:p14="http://schemas.microsoft.com/office/powerpoint/2010/main" val="3649865503"/>
-      </p:ext>
-    </p:extLst>
-  </p:cSld>
-  <p:clrMapOvr>
-    <a:masterClrMapping/>
-  </p:clrMapOvr>
-</p:sld>
-</file>
-
-<file path=ppt/slides/slide9.xml><?xml version="1.0" encoding="utf-8"?>
-<p:sld xmlns:a="http://schemas.openxmlformats.org/drawingml/2006/main" xmlns:r="http://schemas.openxmlformats.org/officeDocument/2006/relationships" xmlns:p="http://schemas.openxmlformats.org/presentationml/2006/main">
-  <p:cSld>
-    <p:spTree>
-      <p:nvGrpSpPr>
-        <p:cNvPr id="1" name=""/>
-        <p:cNvGrpSpPr/>
-        <p:nvPr/>
-      </p:nvGrpSpPr>
-      <p:grpSpPr>
-        <a:xfrm>
-          <a:off x="0" y="0"/>
-          <a:ext cx="0" cy="0"/>
-          <a:chOff x="0" y="0"/>
-          <a:chExt cx="0" cy="0"/>
-        </a:xfrm>
-      </p:grpSpPr>
-      <p:sp>
-        <p:nvSpPr>
-          <p:cNvPr id="2" name="Title 1">
-            <a:extLst>
-              <a:ext uri="{FF2B5EF4-FFF2-40B4-BE49-F238E27FC236}">
-                <a16:creationId xmlns:a16="http://schemas.microsoft.com/office/drawing/2014/main" id="{2F55B251-1430-BE47-BCE0-169FD8BFEE6A}"/>
-              </a:ext>
-            </a:extLst>
-          </p:cNvPr>
-          <p:cNvSpPr>
-            <a:spLocks noGrp="1"/>
-          </p:cNvSpPr>
-          <p:nvPr>
-            <p:ph type="title"/>
-          </p:nvPr>
-        </p:nvSpPr>
-        <p:spPr/>
-        <p:txBody>
-          <a:bodyPr/>
-          <a:lstStyle/>
-          <a:p>
-            <a:r>
-              <a:rPr lang="en-GB" dirty="0"/>
-              <a:t>BASIC ERROR LOGGING</a:t>
-            </a:r>
-          </a:p>
-        </p:txBody>
-      </p:sp>
-      <p:pic>
-        <p:nvPicPr>
-          <p:cNvPr id="5" name="Picture 4">
-            <a:extLst>
-              <a:ext uri="{FF2B5EF4-FFF2-40B4-BE49-F238E27FC236}">
-                <a16:creationId xmlns:a16="http://schemas.microsoft.com/office/drawing/2014/main" id="{6AE4EBD2-F068-6C1B-BD9B-42AA4127E0BC}"/>
-              </a:ext>
-            </a:extLst>
-          </p:cNvPr>
-          <p:cNvPicPr>
-            <a:picLocks noChangeAspect="1"/>
-          </p:cNvPicPr>
-          <p:nvPr/>
-        </p:nvPicPr>
-        <p:blipFill>
-          <a:blip r:embed="rId2"/>
-          <a:stretch>
-            <a:fillRect/>
-          </a:stretch>
-        </p:blipFill>
-        <p:spPr>
-          <a:xfrm>
-            <a:off x="2145748" y="2097088"/>
-            <a:ext cx="7897327" cy="4067743"/>
-          </a:xfrm>
-          <a:prstGeom prst="rect">
-            <a:avLst/>
-          </a:prstGeom>
-        </p:spPr>
-      </p:pic>
-    </p:spTree>
-    <p:extLst>
-      <p:ext uri="{BB962C8B-B14F-4D97-AF65-F5344CB8AC3E}">
-        <p14:creationId xmlns:p14="http://schemas.microsoft.com/office/powerpoint/2010/main" val="3769005971"/>
       </p:ext>
     </p:extLst>
   </p:cSld>
